--- a/doc/image/etl-designer-images.pptx
+++ b/doc/image/etl-designer-images.pptx
@@ -19,23 +19,22 @@
     <p:sldId id="312" r:id="rId13"/>
     <p:sldId id="313" r:id="rId14"/>
     <p:sldId id="314" r:id="rId15"/>
-    <p:sldId id="283" r:id="rId16"/>
-    <p:sldId id="284" r:id="rId17"/>
-    <p:sldId id="287" r:id="rId18"/>
-    <p:sldId id="290" r:id="rId19"/>
-    <p:sldId id="308" r:id="rId20"/>
-    <p:sldId id="309" r:id="rId21"/>
-    <p:sldId id="310" r:id="rId22"/>
-    <p:sldId id="311" r:id="rId23"/>
-    <p:sldId id="296" r:id="rId24"/>
-    <p:sldId id="297" r:id="rId25"/>
-    <p:sldId id="299" r:id="rId26"/>
-    <p:sldId id="301" r:id="rId27"/>
-    <p:sldId id="300" r:id="rId28"/>
-    <p:sldId id="303" r:id="rId29"/>
-    <p:sldId id="305" r:id="rId30"/>
-    <p:sldId id="306" r:id="rId31"/>
-    <p:sldId id="307" r:id="rId32"/>
+    <p:sldId id="284" r:id="rId16"/>
+    <p:sldId id="287" r:id="rId17"/>
+    <p:sldId id="290" r:id="rId18"/>
+    <p:sldId id="308" r:id="rId19"/>
+    <p:sldId id="309" r:id="rId20"/>
+    <p:sldId id="310" r:id="rId21"/>
+    <p:sldId id="311" r:id="rId22"/>
+    <p:sldId id="296" r:id="rId23"/>
+    <p:sldId id="297" r:id="rId24"/>
+    <p:sldId id="299" r:id="rId25"/>
+    <p:sldId id="301" r:id="rId26"/>
+    <p:sldId id="300" r:id="rId27"/>
+    <p:sldId id="303" r:id="rId28"/>
+    <p:sldId id="305" r:id="rId29"/>
+    <p:sldId id="306" r:id="rId30"/>
+    <p:sldId id="307" r:id="rId31"/>
   </p:sldIdLst>
   <p:sldSz cx="9144000" cy="6858000" type="screen4x3"/>
   <p:notesSz cx="6858000" cy="9144000"/>
@@ -9374,564 +9373,6 @@
       </p:grpSpPr>
       <p:pic>
         <p:nvPicPr>
-          <p:cNvPr id="2" name="図 1"/>
-          <p:cNvPicPr>
-            <a:picLocks noChangeAspect="1"/>
-          </p:cNvPicPr>
-          <p:nvPr/>
-        </p:nvPicPr>
-        <p:blipFill>
-          <a:blip r:embed="rId2" cstate="print">
-            <a:extLst>
-              <a:ext uri="{28A0092B-C50C-407E-A947-70E740481C1C}">
-                <a14:useLocalDpi xmlns:a14="http://schemas.microsoft.com/office/drawing/2010/main" val="0"/>
-              </a:ext>
-            </a:extLst>
-          </a:blip>
-          <a:stretch>
-            <a:fillRect/>
-          </a:stretch>
-        </p:blipFill>
-        <p:spPr>
-          <a:xfrm>
-            <a:off x="1907704" y="548680"/>
-            <a:ext cx="1224136" cy="1230287"/>
-          </a:xfrm>
-          <a:prstGeom prst="rect">
-            <a:avLst/>
-          </a:prstGeom>
-        </p:spPr>
-      </p:pic>
-      <p:sp>
-        <p:nvSpPr>
-          <p:cNvPr id="6" name="正方形/長方形 5"/>
-          <p:cNvSpPr/>
-          <p:nvPr/>
-        </p:nvSpPr>
-        <p:spPr>
-          <a:xfrm>
-            <a:off x="732142" y="2396249"/>
-            <a:ext cx="1463594" cy="1368152"/>
-          </a:xfrm>
-          <a:prstGeom prst="rect">
-            <a:avLst/>
-          </a:prstGeom>
-          <a:ln>
-            <a:solidFill>
-              <a:schemeClr val="accent3"/>
-            </a:solidFill>
-          </a:ln>
-        </p:spPr>
-        <p:style>
-          <a:lnRef idx="2">
-            <a:schemeClr val="accent6"/>
-          </a:lnRef>
-          <a:fillRef idx="1">
-            <a:schemeClr val="lt1"/>
-          </a:fillRef>
-          <a:effectRef idx="0">
-            <a:schemeClr val="accent6"/>
-          </a:effectRef>
-          <a:fontRef idx="minor">
-            <a:schemeClr val="dk1"/>
-          </a:fontRef>
-        </p:style>
-        <p:txBody>
-          <a:bodyPr rtlCol="0" anchor="ctr"/>
-          <a:lstStyle/>
-          <a:p>
-            <a:pPr algn="ctr"/>
-            <a:r>
-              <a:rPr lang="en-US" altLang="ja-JP" dirty="0" smtClean="0"/>
-              <a:t>Bean</a:t>
-            </a:r>
-          </a:p>
-          <a:p>
-            <a:pPr algn="ctr"/>
-            <a:r>
-              <a:rPr lang="en-US" altLang="ja-JP" dirty="0" smtClean="0"/>
-              <a:t>(</a:t>
-            </a:r>
-            <a:r>
-              <a:rPr lang="ja-JP" altLang="en-US" dirty="0" smtClean="0"/>
-              <a:t>データ</a:t>
-            </a:r>
-            <a:r>
-              <a:rPr lang="ja-JP" altLang="en-US" dirty="0"/>
-              <a:t>構造</a:t>
-            </a:r>
-            <a:r>
-              <a:rPr lang="en-US" altLang="ja-JP" dirty="0" smtClean="0"/>
-              <a:t>)</a:t>
-            </a:r>
-          </a:p>
-        </p:txBody>
-      </p:sp>
-      <p:sp>
-        <p:nvSpPr>
-          <p:cNvPr id="7" name="正方形/長方形 6"/>
-          <p:cNvSpPr/>
-          <p:nvPr/>
-        </p:nvSpPr>
-        <p:spPr>
-          <a:xfrm>
-            <a:off x="732142" y="4149080"/>
-            <a:ext cx="1463594" cy="1368152"/>
-          </a:xfrm>
-          <a:prstGeom prst="rect">
-            <a:avLst/>
-          </a:prstGeom>
-          <a:ln>
-            <a:solidFill>
-              <a:schemeClr val="accent3"/>
-            </a:solidFill>
-          </a:ln>
-        </p:spPr>
-        <p:style>
-          <a:lnRef idx="2">
-            <a:schemeClr val="accent6"/>
-          </a:lnRef>
-          <a:fillRef idx="1">
-            <a:schemeClr val="lt1"/>
-          </a:fillRef>
-          <a:effectRef idx="0">
-            <a:schemeClr val="accent6"/>
-          </a:effectRef>
-          <a:fontRef idx="minor">
-            <a:schemeClr val="dk1"/>
-          </a:fontRef>
-        </p:style>
-        <p:txBody>
-          <a:bodyPr rtlCol="0" anchor="ctr"/>
-          <a:lstStyle/>
-          <a:p>
-            <a:pPr algn="ctr"/>
-            <a:r>
-              <a:rPr lang="en-US" altLang="ja-JP" dirty="0" smtClean="0"/>
-              <a:t>SQL</a:t>
-            </a:r>
-          </a:p>
-          <a:p>
-            <a:pPr algn="ctr"/>
-            <a:r>
-              <a:rPr lang="en-US" altLang="ja-JP" dirty="0" smtClean="0"/>
-              <a:t>(</a:t>
-            </a:r>
-            <a:r>
-              <a:rPr lang="ja-JP" altLang="en-US" dirty="0"/>
-              <a:t>変換仕様</a:t>
-            </a:r>
-            <a:r>
-              <a:rPr lang="en-US" altLang="ja-JP" dirty="0" smtClean="0"/>
-              <a:t>)</a:t>
-            </a:r>
-          </a:p>
-        </p:txBody>
-      </p:sp>
-      <p:sp>
-        <p:nvSpPr>
-          <p:cNvPr id="8" name="正方形/長方形 7"/>
-          <p:cNvSpPr/>
-          <p:nvPr/>
-        </p:nvSpPr>
-        <p:spPr>
-          <a:xfrm>
-            <a:off x="6372200" y="2564904"/>
-            <a:ext cx="1280750" cy="1368152"/>
-          </a:xfrm>
-          <a:prstGeom prst="rect">
-            <a:avLst/>
-          </a:prstGeom>
-          <a:ln>
-            <a:solidFill>
-              <a:schemeClr val="accent3"/>
-            </a:solidFill>
-          </a:ln>
-        </p:spPr>
-        <p:style>
-          <a:lnRef idx="2">
-            <a:schemeClr val="accent6"/>
-          </a:lnRef>
-          <a:fillRef idx="1">
-            <a:schemeClr val="lt1"/>
-          </a:fillRef>
-          <a:effectRef idx="0">
-            <a:schemeClr val="accent6"/>
-          </a:effectRef>
-          <a:fontRef idx="minor">
-            <a:schemeClr val="dk1"/>
-          </a:fontRef>
-        </p:style>
-        <p:txBody>
-          <a:bodyPr rtlCol="0" anchor="ctr"/>
-          <a:lstStyle/>
-          <a:p>
-            <a:pPr algn="ctr"/>
-            <a:r>
-              <a:rPr kumimoji="1" lang="ja-JP" altLang="en-US" dirty="0" smtClean="0"/>
-              <a:t>ジョブ定義ファイル</a:t>
-            </a:r>
-            <a:endParaRPr kumimoji="1" lang="en-US" altLang="ja-JP" dirty="0" smtClean="0"/>
-          </a:p>
-        </p:txBody>
-      </p:sp>
-      <p:sp>
-        <p:nvSpPr>
-          <p:cNvPr id="13" name="テキスト ボックス 12"/>
-          <p:cNvSpPr txBox="1"/>
-          <p:nvPr/>
-        </p:nvSpPr>
-        <p:spPr>
-          <a:xfrm>
-            <a:off x="3023828" y="5087816"/>
-            <a:ext cx="2232248" cy="646331"/>
-          </a:xfrm>
-          <a:prstGeom prst="rect">
-            <a:avLst/>
-          </a:prstGeom>
-          <a:noFill/>
-        </p:spPr>
-        <p:txBody>
-          <a:bodyPr wrap="square" rtlCol="0">
-            <a:spAutoFit/>
-          </a:bodyPr>
-          <a:lstStyle/>
-          <a:p>
-            <a:r>
-              <a:rPr lang="en-US" altLang="ja-JP" dirty="0" smtClean="0"/>
-              <a:t>ELT</a:t>
-            </a:r>
-            <a:r>
-              <a:rPr lang="ja-JP" altLang="en-US" dirty="0" smtClean="0"/>
-              <a:t>デザイナーで</a:t>
-            </a:r>
-            <a:endParaRPr lang="en-US" altLang="ja-JP" dirty="0" smtClean="0"/>
-          </a:p>
-          <a:p>
-            <a:r>
-              <a:rPr lang="ja-JP" altLang="en-US" dirty="0" smtClean="0"/>
-              <a:t>ジョブ定義を作成</a:t>
-            </a:r>
-            <a:endParaRPr kumimoji="1" lang="ja-JP" altLang="en-US" dirty="0"/>
-          </a:p>
-        </p:txBody>
-      </p:sp>
-      <p:sp>
-        <p:nvSpPr>
-          <p:cNvPr id="15" name="テキスト ボックス 14"/>
-          <p:cNvSpPr txBox="1"/>
-          <p:nvPr/>
-        </p:nvSpPr>
-        <p:spPr>
-          <a:xfrm>
-            <a:off x="2711728" y="364014"/>
-            <a:ext cx="1223412" cy="369332"/>
-          </a:xfrm>
-          <a:prstGeom prst="rect">
-            <a:avLst/>
-          </a:prstGeom>
-          <a:noFill/>
-        </p:spPr>
-        <p:txBody>
-          <a:bodyPr wrap="none" rtlCol="0">
-            <a:spAutoFit/>
-          </a:bodyPr>
-          <a:lstStyle/>
-          <a:p>
-            <a:r>
-              <a:rPr kumimoji="1" lang="ja-JP" altLang="en-US" dirty="0" smtClean="0"/>
-              <a:t>設計・実装</a:t>
-            </a:r>
-            <a:endParaRPr kumimoji="1" lang="ja-JP" altLang="en-US" dirty="0"/>
-          </a:p>
-        </p:txBody>
-      </p:sp>
-      <p:pic>
-        <p:nvPicPr>
-          <p:cNvPr id="16" name="Picture 3"/>
-          <p:cNvPicPr>
-            <a:picLocks noChangeAspect="1" noChangeArrowheads="1"/>
-          </p:cNvPicPr>
-          <p:nvPr/>
-        </p:nvPicPr>
-        <p:blipFill>
-          <a:blip r:embed="rId3" cstate="print">
-            <a:extLst>
-              <a:ext uri="{28A0092B-C50C-407E-A947-70E740481C1C}">
-                <a14:useLocalDpi xmlns:a14="http://schemas.microsoft.com/office/drawing/2010/main" val="0"/>
-              </a:ext>
-            </a:extLst>
-          </a:blip>
-          <a:srcRect/>
-          <a:stretch>
-            <a:fillRect/>
-          </a:stretch>
-        </p:blipFill>
-        <p:spPr bwMode="auto">
-          <a:xfrm>
-            <a:off x="2921466" y="3156822"/>
-            <a:ext cx="2314695" cy="1746328"/>
-          </a:xfrm>
-          <a:prstGeom prst="rect">
-            <a:avLst/>
-          </a:prstGeom>
-          <a:noFill/>
-          <a:ln>
-            <a:noFill/>
-          </a:ln>
-          <a:extLst>
-            <a:ext uri="{909E8E84-426E-40DD-AFC4-6F175D3DCCD1}">
-              <a14:hiddenFill xmlns:a14="http://schemas.microsoft.com/office/drawing/2010/main">
-                <a:solidFill>
-                  <a:schemeClr val="accent1"/>
-                </a:solidFill>
-              </a14:hiddenFill>
-            </a:ext>
-            <a:ext uri="{91240B29-F687-4F45-9708-019B960494DF}">
-              <a14:hiddenLine xmlns:a14="http://schemas.microsoft.com/office/drawing/2010/main" w="9525">
-                <a:solidFill>
-                  <a:schemeClr val="tx1"/>
-                </a:solidFill>
-                <a:miter lim="800000"/>
-                <a:headEnd/>
-                <a:tailEnd/>
-              </a14:hiddenLine>
-            </a:ext>
-          </a:extLst>
-        </p:spPr>
-      </p:pic>
-      <p:cxnSp>
-        <p:nvCxnSpPr>
-          <p:cNvPr id="4" name="直線矢印コネクタ 3"/>
-          <p:cNvCxnSpPr>
-            <a:stCxn id="6" idx="3"/>
-          </p:cNvCxnSpPr>
-          <p:nvPr/>
-        </p:nvCxnSpPr>
-        <p:spPr>
-          <a:xfrm>
-            <a:off x="2195736" y="3080325"/>
-            <a:ext cx="2520280" cy="684076"/>
-          </a:xfrm>
-          <a:prstGeom prst="straightConnector1">
-            <a:avLst/>
-          </a:prstGeom>
-          <a:ln w="38100">
-            <a:solidFill>
-              <a:srgbClr val="FF0000"/>
-            </a:solidFill>
-            <a:tailEnd type="arrow"/>
-          </a:ln>
-        </p:spPr>
-        <p:style>
-          <a:lnRef idx="1">
-            <a:schemeClr val="accent1"/>
-          </a:lnRef>
-          <a:fillRef idx="0">
-            <a:schemeClr val="accent1"/>
-          </a:fillRef>
-          <a:effectRef idx="0">
-            <a:schemeClr val="accent1"/>
-          </a:effectRef>
-          <a:fontRef idx="minor">
-            <a:schemeClr val="tx1"/>
-          </a:fontRef>
-        </p:style>
-      </p:cxnSp>
-      <p:cxnSp>
-        <p:nvCxnSpPr>
-          <p:cNvPr id="14" name="直線矢印コネクタ 13"/>
-          <p:cNvCxnSpPr/>
-          <p:nvPr/>
-        </p:nvCxnSpPr>
-        <p:spPr>
-          <a:xfrm flipV="1">
-            <a:off x="2195736" y="4029986"/>
-            <a:ext cx="2520280" cy="803170"/>
-          </a:xfrm>
-          <a:prstGeom prst="straightConnector1">
-            <a:avLst/>
-          </a:prstGeom>
-          <a:ln w="38100">
-            <a:solidFill>
-              <a:srgbClr val="FF0000"/>
-            </a:solidFill>
-            <a:tailEnd type="arrow"/>
-          </a:ln>
-        </p:spPr>
-        <p:style>
-          <a:lnRef idx="1">
-            <a:schemeClr val="accent1"/>
-          </a:lnRef>
-          <a:fillRef idx="0">
-            <a:schemeClr val="accent1"/>
-          </a:fillRef>
-          <a:effectRef idx="0">
-            <a:schemeClr val="accent1"/>
-          </a:effectRef>
-          <a:fontRef idx="minor">
-            <a:schemeClr val="tx1"/>
-          </a:fontRef>
-        </p:style>
-      </p:cxnSp>
-      <p:sp>
-        <p:nvSpPr>
-          <p:cNvPr id="10" name="テキスト ボックス 9"/>
-          <p:cNvSpPr txBox="1"/>
-          <p:nvPr/>
-        </p:nvSpPr>
-        <p:spPr>
-          <a:xfrm>
-            <a:off x="2269194" y="4152345"/>
-            <a:ext cx="646331" cy="369332"/>
-          </a:xfrm>
-          <a:prstGeom prst="rect">
-            <a:avLst/>
-          </a:prstGeom>
-          <a:noFill/>
-        </p:spPr>
-        <p:txBody>
-          <a:bodyPr wrap="none" rtlCol="0">
-            <a:spAutoFit/>
-          </a:bodyPr>
-          <a:lstStyle/>
-          <a:p>
-            <a:r>
-              <a:rPr kumimoji="1" lang="ja-JP" altLang="en-US" dirty="0" smtClean="0"/>
-              <a:t>設定</a:t>
-            </a:r>
-            <a:endParaRPr kumimoji="1" lang="ja-JP" altLang="en-US" dirty="0"/>
-          </a:p>
-        </p:txBody>
-      </p:sp>
-      <p:sp>
-        <p:nvSpPr>
-          <p:cNvPr id="17" name="テキスト ボックス 16"/>
-          <p:cNvSpPr txBox="1"/>
-          <p:nvPr/>
-        </p:nvSpPr>
-        <p:spPr>
-          <a:xfrm>
-            <a:off x="5409006" y="3309233"/>
-            <a:ext cx="646331" cy="369332"/>
-          </a:xfrm>
-          <a:prstGeom prst="rect">
-            <a:avLst/>
-          </a:prstGeom>
-          <a:noFill/>
-        </p:spPr>
-        <p:txBody>
-          <a:bodyPr wrap="none" rtlCol="0">
-            <a:spAutoFit/>
-          </a:bodyPr>
-          <a:lstStyle/>
-          <a:p>
-            <a:r>
-              <a:rPr lang="ja-JP" altLang="en-US" dirty="0"/>
-              <a:t>出力</a:t>
-            </a:r>
-            <a:endParaRPr kumimoji="1" lang="ja-JP" altLang="en-US" dirty="0"/>
-          </a:p>
-        </p:txBody>
-      </p:sp>
-      <p:cxnSp>
-        <p:nvCxnSpPr>
-          <p:cNvPr id="19" name="直線矢印コネクタ 18"/>
-          <p:cNvCxnSpPr/>
-          <p:nvPr/>
-        </p:nvCxnSpPr>
-        <p:spPr>
-          <a:xfrm>
-            <a:off x="5236161" y="4029986"/>
-            <a:ext cx="992023" cy="0"/>
-          </a:xfrm>
-          <a:prstGeom prst="straightConnector1">
-            <a:avLst/>
-          </a:prstGeom>
-          <a:ln w="38100">
-            <a:solidFill>
-              <a:srgbClr val="FF0000"/>
-            </a:solidFill>
-            <a:tailEnd type="arrow"/>
-          </a:ln>
-        </p:spPr>
-        <p:style>
-          <a:lnRef idx="1">
-            <a:schemeClr val="accent1"/>
-          </a:lnRef>
-          <a:fillRef idx="0">
-            <a:schemeClr val="accent1"/>
-          </a:fillRef>
-          <a:effectRef idx="0">
-            <a:schemeClr val="accent1"/>
-          </a:effectRef>
-          <a:fontRef idx="minor">
-            <a:schemeClr val="tx1"/>
-          </a:fontRef>
-        </p:style>
-      </p:cxnSp>
-      <p:sp>
-        <p:nvSpPr>
-          <p:cNvPr id="20" name="テキスト ボックス 19"/>
-          <p:cNvSpPr txBox="1"/>
-          <p:nvPr/>
-        </p:nvSpPr>
-        <p:spPr>
-          <a:xfrm>
-            <a:off x="2421593" y="2858537"/>
-            <a:ext cx="646331" cy="369332"/>
-          </a:xfrm>
-          <a:prstGeom prst="rect">
-            <a:avLst/>
-          </a:prstGeom>
-          <a:noFill/>
-        </p:spPr>
-        <p:txBody>
-          <a:bodyPr wrap="none" rtlCol="0">
-            <a:spAutoFit/>
-          </a:bodyPr>
-          <a:lstStyle/>
-          <a:p>
-            <a:r>
-              <a:rPr kumimoji="1" lang="ja-JP" altLang="en-US" dirty="0" smtClean="0"/>
-              <a:t>設定</a:t>
-            </a:r>
-            <a:endParaRPr kumimoji="1" lang="ja-JP" altLang="en-US" dirty="0"/>
-          </a:p>
-        </p:txBody>
-      </p:sp>
-    </p:spTree>
-    <p:extLst>
-      <p:ext uri="{BB962C8B-B14F-4D97-AF65-F5344CB8AC3E}">
-        <p14:creationId xmlns:p14="http://schemas.microsoft.com/office/powerpoint/2010/main" val="2839617972"/>
-      </p:ext>
-    </p:extLst>
-  </p:cSld>
-  <p:clrMapOvr>
-    <a:masterClrMapping/>
-  </p:clrMapOvr>
-</p:sld>
-</file>
-
-<file path=ppt/slides/slide16.xml><?xml version="1.0" encoding="utf-8"?>
-<p:sld xmlns:a="http://schemas.openxmlformats.org/drawingml/2006/main" xmlns:r="http://schemas.openxmlformats.org/officeDocument/2006/relationships" xmlns:p="http://schemas.openxmlformats.org/presentationml/2006/main">
-  <p:cSld>
-    <p:spTree>
-      <p:nvGrpSpPr>
-        <p:cNvPr id="1" name=""/>
-        <p:cNvGrpSpPr/>
-        <p:nvPr/>
-      </p:nvGrpSpPr>
-      <p:grpSpPr>
-        <a:xfrm>
-          <a:off x="0" y="0"/>
-          <a:ext cx="0" cy="0"/>
-          <a:chOff x="0" y="0"/>
-          <a:chExt cx="0" cy="0"/>
-        </a:xfrm>
-      </p:grpSpPr>
-      <p:pic>
-        <p:nvPicPr>
           <p:cNvPr id="2" name="Picture 2"/>
           <p:cNvPicPr>
             <a:picLocks noChangeAspect="1" noChangeArrowheads="1"/>
@@ -10151,7 +9592,7 @@
 </p:sld>
 </file>
 
-<file path=ppt/slides/slide17.xml><?xml version="1.0" encoding="utf-8"?>
+<file path=ppt/slides/slide16.xml><?xml version="1.0" encoding="utf-8"?>
 <p:sld xmlns:a="http://schemas.openxmlformats.org/drawingml/2006/main" xmlns:r="http://schemas.openxmlformats.org/officeDocument/2006/relationships" xmlns:p="http://schemas.openxmlformats.org/presentationml/2006/main">
   <p:cSld>
     <p:spTree>
@@ -10545,6 +9986,1060 @@
 </p:sld>
 </file>
 
+<file path=ppt/slides/slide17.xml><?xml version="1.0" encoding="utf-8"?>
+<p:sld xmlns:a="http://schemas.openxmlformats.org/drawingml/2006/main" xmlns:r="http://schemas.openxmlformats.org/officeDocument/2006/relationships" xmlns:p="http://schemas.openxmlformats.org/presentationml/2006/main">
+  <p:cSld>
+    <p:spTree>
+      <p:nvGrpSpPr>
+        <p:cNvPr id="1" name=""/>
+        <p:cNvGrpSpPr/>
+        <p:nvPr/>
+      </p:nvGrpSpPr>
+      <p:grpSpPr>
+        <a:xfrm>
+          <a:off x="0" y="0"/>
+          <a:ext cx="0" cy="0"/>
+          <a:chOff x="0" y="0"/>
+          <a:chExt cx="0" cy="0"/>
+        </a:xfrm>
+      </p:grpSpPr>
+      <p:grpSp>
+        <p:nvGrpSpPr>
+          <p:cNvPr id="11" name="グループ化 10"/>
+          <p:cNvGrpSpPr/>
+          <p:nvPr/>
+        </p:nvGrpSpPr>
+        <p:grpSpPr>
+          <a:xfrm>
+            <a:off x="434094" y="301614"/>
+            <a:ext cx="8276993" cy="5904340"/>
+            <a:chOff x="434094" y="301614"/>
+            <a:chExt cx="8276993" cy="5904340"/>
+          </a:xfrm>
+        </p:grpSpPr>
+        <p:sp>
+          <p:nvSpPr>
+            <p:cNvPr id="50" name="角丸四角形 49"/>
+            <p:cNvSpPr/>
+            <p:nvPr/>
+          </p:nvSpPr>
+          <p:spPr>
+            <a:xfrm>
+              <a:off x="434094" y="3346134"/>
+              <a:ext cx="5402449" cy="2859820"/>
+            </a:xfrm>
+            <a:prstGeom prst="roundRect">
+              <a:avLst>
+                <a:gd name="adj" fmla="val 8192"/>
+              </a:avLst>
+            </a:prstGeom>
+            <a:noFill/>
+            <a:ln w="12700">
+              <a:prstDash val="dash"/>
+            </a:ln>
+          </p:spPr>
+          <p:style>
+            <a:lnRef idx="2">
+              <a:schemeClr val="accent1">
+                <a:shade val="50000"/>
+              </a:schemeClr>
+            </a:lnRef>
+            <a:fillRef idx="1">
+              <a:schemeClr val="accent1"/>
+            </a:fillRef>
+            <a:effectRef idx="0">
+              <a:schemeClr val="accent1"/>
+            </a:effectRef>
+            <a:fontRef idx="minor">
+              <a:schemeClr val="lt1"/>
+            </a:fontRef>
+          </p:style>
+          <p:txBody>
+            <a:bodyPr rtlCol="0" anchor="ctr"/>
+            <a:lstStyle/>
+            <a:p>
+              <a:pPr algn="ctr"/>
+              <a:endParaRPr kumimoji="1" lang="ja-JP" altLang="en-US"/>
+            </a:p>
+          </p:txBody>
+        </p:sp>
+        <p:pic>
+          <p:nvPicPr>
+            <p:cNvPr id="2" name="図 1"/>
+            <p:cNvPicPr>
+              <a:picLocks noChangeAspect="1"/>
+            </p:cNvPicPr>
+            <p:nvPr/>
+          </p:nvPicPr>
+          <p:blipFill>
+            <a:blip r:embed="rId2" cstate="print">
+              <a:extLst>
+                <a:ext uri="{28A0092B-C50C-407E-A947-70E740481C1C}">
+                  <a14:useLocalDpi xmlns:a14="http://schemas.microsoft.com/office/drawing/2010/main" val="0"/>
+                </a:ext>
+              </a:extLst>
+            </a:blip>
+            <a:stretch>
+              <a:fillRect/>
+            </a:stretch>
+          </p:blipFill>
+          <p:spPr>
+            <a:xfrm>
+              <a:off x="514070" y="672449"/>
+              <a:ext cx="1342318" cy="1349063"/>
+            </a:xfrm>
+            <a:prstGeom prst="rect">
+              <a:avLst/>
+            </a:prstGeom>
+          </p:spPr>
+        </p:pic>
+        <p:sp>
+          <p:nvSpPr>
+            <p:cNvPr id="3" name="正方形/長方形 2"/>
+            <p:cNvSpPr/>
+            <p:nvPr/>
+          </p:nvSpPr>
+          <p:spPr>
+            <a:xfrm>
+              <a:off x="4381811" y="5032827"/>
+              <a:ext cx="1342317" cy="809560"/>
+            </a:xfrm>
+            <a:prstGeom prst="rect">
+              <a:avLst/>
+            </a:prstGeom>
+            <a:ln>
+              <a:solidFill>
+                <a:schemeClr val="accent3"/>
+              </a:solidFill>
+            </a:ln>
+          </p:spPr>
+          <p:style>
+            <a:lnRef idx="2">
+              <a:schemeClr val="accent6"/>
+            </a:lnRef>
+            <a:fillRef idx="1">
+              <a:schemeClr val="lt1"/>
+            </a:fillRef>
+            <a:effectRef idx="0">
+              <a:schemeClr val="accent6"/>
+            </a:effectRef>
+            <a:fontRef idx="minor">
+              <a:schemeClr val="dk1"/>
+            </a:fontRef>
+          </p:style>
+          <p:txBody>
+            <a:bodyPr rtlCol="0" anchor="t"/>
+            <a:lstStyle/>
+            <a:p>
+              <a:r>
+                <a:rPr lang="en-US" altLang="ja-JP" sz="1400" dirty="0" smtClean="0"/>
+                <a:t>Bean</a:t>
+              </a:r>
+            </a:p>
+            <a:p>
+              <a:r>
+                <a:rPr lang="ja-JP" altLang="en-US" sz="1400" dirty="0"/>
+                <a:t>（</a:t>
+              </a:r>
+              <a:r>
+                <a:rPr lang="ja-JP" altLang="en-US" sz="1400" dirty="0" smtClean="0"/>
+                <a:t>データ</a:t>
+              </a:r>
+              <a:r>
+                <a:rPr lang="ja-JP" altLang="en-US" sz="1400" dirty="0"/>
+                <a:t>項目</a:t>
+              </a:r>
+              <a:r>
+                <a:rPr lang="ja-JP" altLang="en-US" sz="1400" dirty="0" smtClean="0"/>
+                <a:t>）</a:t>
+              </a:r>
+              <a:endParaRPr lang="en-US" altLang="ja-JP" sz="1400" dirty="0" smtClean="0"/>
+            </a:p>
+          </p:txBody>
+        </p:sp>
+        <p:sp>
+          <p:nvSpPr>
+            <p:cNvPr id="4" name="正方形/長方形 3"/>
+            <p:cNvSpPr/>
+            <p:nvPr/>
+          </p:nvSpPr>
+          <p:spPr>
+            <a:xfrm>
+              <a:off x="2941651" y="5032827"/>
+              <a:ext cx="1342317" cy="809560"/>
+            </a:xfrm>
+            <a:prstGeom prst="rect">
+              <a:avLst/>
+            </a:prstGeom>
+            <a:ln>
+              <a:solidFill>
+                <a:schemeClr val="accent3"/>
+              </a:solidFill>
+            </a:ln>
+          </p:spPr>
+          <p:style>
+            <a:lnRef idx="2">
+              <a:schemeClr val="accent6"/>
+            </a:lnRef>
+            <a:fillRef idx="1">
+              <a:schemeClr val="lt1"/>
+            </a:fillRef>
+            <a:effectRef idx="0">
+              <a:schemeClr val="accent6"/>
+            </a:effectRef>
+            <a:fontRef idx="minor">
+              <a:schemeClr val="dk1"/>
+            </a:fontRef>
+          </p:style>
+          <p:txBody>
+            <a:bodyPr rtlCol="0" anchor="t"/>
+            <a:lstStyle/>
+            <a:p>
+              <a:r>
+                <a:rPr lang="en-US" altLang="ja-JP" sz="1400" dirty="0" smtClean="0"/>
+                <a:t>SQL</a:t>
+              </a:r>
+            </a:p>
+            <a:p>
+              <a:r>
+                <a:rPr lang="ja-JP" altLang="en-US" sz="1400" dirty="0"/>
+                <a:t>（変換仕様</a:t>
+              </a:r>
+              <a:r>
+                <a:rPr lang="ja-JP" altLang="en-US" sz="1400" dirty="0" smtClean="0"/>
+                <a:t>）</a:t>
+              </a:r>
+              <a:endParaRPr lang="en-US" altLang="ja-JP" sz="1400" dirty="0" smtClean="0"/>
+            </a:p>
+          </p:txBody>
+        </p:sp>
+        <p:pic>
+          <p:nvPicPr>
+            <p:cNvPr id="5" name="Picture 3"/>
+            <p:cNvPicPr>
+              <a:picLocks noChangeAspect="1" noChangeArrowheads="1"/>
+            </p:cNvPicPr>
+            <p:nvPr/>
+          </p:nvPicPr>
+          <p:blipFill>
+            <a:blip r:embed="rId3" cstate="print">
+              <a:extLst>
+                <a:ext uri="{28A0092B-C50C-407E-A947-70E740481C1C}">
+                  <a14:useLocalDpi xmlns:a14="http://schemas.microsoft.com/office/drawing/2010/main" val="0"/>
+                </a:ext>
+              </a:extLst>
+            </a:blip>
+            <a:srcRect/>
+            <a:stretch>
+              <a:fillRect/>
+            </a:stretch>
+          </p:blipFill>
+          <p:spPr bwMode="auto">
+            <a:xfrm>
+              <a:off x="4297671" y="2210165"/>
+              <a:ext cx="2032041" cy="1533079"/>
+            </a:xfrm>
+            <a:prstGeom prst="rect">
+              <a:avLst/>
+            </a:prstGeom>
+            <a:noFill/>
+            <a:ln>
+              <a:noFill/>
+            </a:ln>
+            <a:extLst>
+              <a:ext uri="{909E8E84-426E-40DD-AFC4-6F175D3DCCD1}">
+                <a14:hiddenFill xmlns:a14="http://schemas.microsoft.com/office/drawing/2010/main">
+                  <a:solidFill>
+                    <a:schemeClr val="accent1"/>
+                  </a:solidFill>
+                </a14:hiddenFill>
+              </a:ext>
+              <a:ext uri="{91240B29-F687-4F45-9708-019B960494DF}">
+                <a14:hiddenLine xmlns:a14="http://schemas.microsoft.com/office/drawing/2010/main" w="9525">
+                  <a:solidFill>
+                    <a:schemeClr val="tx1"/>
+                  </a:solidFill>
+                  <a:miter lim="800000"/>
+                  <a:headEnd/>
+                  <a:tailEnd/>
+                </a14:hiddenLine>
+              </a:ext>
+            </a:extLst>
+          </p:spPr>
+        </p:pic>
+        <p:sp>
+          <p:nvSpPr>
+            <p:cNvPr id="6" name="正方形/長方形 5"/>
+            <p:cNvSpPr/>
+            <p:nvPr/>
+          </p:nvSpPr>
+          <p:spPr>
+            <a:xfrm>
+              <a:off x="530096" y="2293689"/>
+              <a:ext cx="1342318" cy="809560"/>
+            </a:xfrm>
+            <a:prstGeom prst="rect">
+              <a:avLst/>
+            </a:prstGeom>
+            <a:ln>
+              <a:solidFill>
+                <a:schemeClr val="accent1"/>
+              </a:solidFill>
+            </a:ln>
+          </p:spPr>
+          <p:style>
+            <a:lnRef idx="2">
+              <a:schemeClr val="accent6"/>
+            </a:lnRef>
+            <a:fillRef idx="1">
+              <a:schemeClr val="lt1"/>
+            </a:fillRef>
+            <a:effectRef idx="0">
+              <a:schemeClr val="accent6"/>
+            </a:effectRef>
+            <a:fontRef idx="minor">
+              <a:schemeClr val="dk1"/>
+            </a:fontRef>
+          </p:style>
+          <p:txBody>
+            <a:bodyPr rtlCol="0" anchor="t"/>
+            <a:lstStyle/>
+            <a:p>
+              <a:r>
+                <a:rPr lang="ja-JP" altLang="en-US" sz="1400" dirty="0"/>
+                <a:t>テンプレート</a:t>
+              </a:r>
+              <a:endParaRPr lang="en-US" altLang="ja-JP" sz="1400" dirty="0" smtClean="0"/>
+            </a:p>
+            <a:p>
+              <a:r>
+                <a:rPr lang="ja-JP" altLang="en-US" sz="1400" dirty="0" smtClean="0"/>
+                <a:t>（</a:t>
+              </a:r>
+              <a:r>
+                <a:rPr lang="ja-JP" altLang="en-US" sz="1400" dirty="0"/>
+                <a:t>処理</a:t>
+              </a:r>
+              <a:r>
+                <a:rPr lang="ja-JP" altLang="en-US" sz="1400" dirty="0" smtClean="0"/>
+                <a:t>フロー）</a:t>
+              </a:r>
+              <a:endParaRPr lang="en-US" altLang="ja-JP" sz="1400" dirty="0" smtClean="0"/>
+            </a:p>
+            <a:p>
+              <a:endParaRPr lang="en-US" altLang="ja-JP" sz="1400" dirty="0" smtClean="0"/>
+            </a:p>
+          </p:txBody>
+        </p:sp>
+        <p:cxnSp>
+          <p:nvCxnSpPr>
+            <p:cNvPr id="7" name="直線矢印コネクタ 6"/>
+            <p:cNvCxnSpPr>
+              <a:stCxn id="6" idx="3"/>
+            </p:cNvCxnSpPr>
+            <p:nvPr/>
+          </p:nvCxnSpPr>
+          <p:spPr>
+            <a:xfrm>
+              <a:off x="1872414" y="2698469"/>
+              <a:ext cx="2339546" cy="0"/>
+            </a:xfrm>
+            <a:prstGeom prst="straightConnector1">
+              <a:avLst/>
+            </a:prstGeom>
+            <a:ln w="38100">
+              <a:solidFill>
+                <a:srgbClr val="FF0000"/>
+              </a:solidFill>
+              <a:tailEnd type="arrow"/>
+            </a:ln>
+          </p:spPr>
+          <p:style>
+            <a:lnRef idx="1">
+              <a:schemeClr val="accent1"/>
+            </a:lnRef>
+            <a:fillRef idx="0">
+              <a:schemeClr val="accent1"/>
+            </a:fillRef>
+            <a:effectRef idx="0">
+              <a:schemeClr val="accent1"/>
+            </a:effectRef>
+            <a:fontRef idx="minor">
+              <a:schemeClr val="tx1"/>
+            </a:fontRef>
+          </p:style>
+        </p:cxnSp>
+        <p:cxnSp>
+          <p:nvCxnSpPr>
+            <p:cNvPr id="8" name="直線矢印コネクタ 7"/>
+            <p:cNvCxnSpPr>
+              <a:stCxn id="18" idx="3"/>
+            </p:cNvCxnSpPr>
+            <p:nvPr/>
+          </p:nvCxnSpPr>
+          <p:spPr>
+            <a:xfrm flipV="1">
+              <a:off x="1912090" y="2698469"/>
+              <a:ext cx="3924453" cy="1295330"/>
+            </a:xfrm>
+            <a:prstGeom prst="straightConnector1">
+              <a:avLst/>
+            </a:prstGeom>
+            <a:ln w="38100">
+              <a:solidFill>
+                <a:srgbClr val="FF0000"/>
+              </a:solidFill>
+              <a:tailEnd type="arrow"/>
+            </a:ln>
+          </p:spPr>
+          <p:style>
+            <a:lnRef idx="1">
+              <a:schemeClr val="accent1"/>
+            </a:lnRef>
+            <a:fillRef idx="0">
+              <a:schemeClr val="accent1"/>
+            </a:fillRef>
+            <a:effectRef idx="0">
+              <a:schemeClr val="accent1"/>
+            </a:effectRef>
+            <a:fontRef idx="minor">
+              <a:schemeClr val="tx1"/>
+            </a:fontRef>
+          </p:style>
+        </p:cxnSp>
+        <p:cxnSp>
+          <p:nvCxnSpPr>
+            <p:cNvPr id="9" name="直線矢印コネクタ 8"/>
+            <p:cNvCxnSpPr>
+              <a:stCxn id="4" idx="0"/>
+            </p:cNvCxnSpPr>
+            <p:nvPr/>
+          </p:nvCxnSpPr>
+          <p:spPr>
+            <a:xfrm flipV="1">
+              <a:off x="3612810" y="2884410"/>
+              <a:ext cx="2223733" cy="2148417"/>
+            </a:xfrm>
+            <a:prstGeom prst="straightConnector1">
+              <a:avLst/>
+            </a:prstGeom>
+            <a:ln w="38100">
+              <a:solidFill>
+                <a:srgbClr val="FF0000"/>
+              </a:solidFill>
+              <a:tailEnd type="arrow"/>
+            </a:ln>
+          </p:spPr>
+          <p:style>
+            <a:lnRef idx="1">
+              <a:schemeClr val="accent1"/>
+            </a:lnRef>
+            <a:fillRef idx="0">
+              <a:schemeClr val="accent1"/>
+            </a:fillRef>
+            <a:effectRef idx="0">
+              <a:schemeClr val="accent1"/>
+            </a:effectRef>
+            <a:fontRef idx="minor">
+              <a:schemeClr val="tx1"/>
+            </a:fontRef>
+          </p:style>
+        </p:cxnSp>
+        <p:sp>
+          <p:nvSpPr>
+            <p:cNvPr id="13" name="正方形/長方形 12"/>
+            <p:cNvSpPr/>
+            <p:nvPr/>
+          </p:nvSpPr>
+          <p:spPr>
+            <a:xfrm>
+              <a:off x="7452320" y="2570420"/>
+              <a:ext cx="1258767" cy="809560"/>
+            </a:xfrm>
+            <a:prstGeom prst="rect">
+              <a:avLst/>
+            </a:prstGeom>
+            <a:ln>
+              <a:solidFill>
+                <a:schemeClr val="accent1"/>
+              </a:solidFill>
+            </a:ln>
+          </p:spPr>
+          <p:style>
+            <a:lnRef idx="2">
+              <a:schemeClr val="accent6"/>
+            </a:lnRef>
+            <a:fillRef idx="1">
+              <a:schemeClr val="lt1"/>
+            </a:fillRef>
+            <a:effectRef idx="0">
+              <a:schemeClr val="accent6"/>
+            </a:effectRef>
+            <a:fontRef idx="minor">
+              <a:schemeClr val="dk1"/>
+            </a:fontRef>
+          </p:style>
+          <p:txBody>
+            <a:bodyPr rtlCol="0" anchor="t"/>
+            <a:lstStyle/>
+            <a:p>
+              <a:pPr algn="just"/>
+              <a:r>
+                <a:rPr lang="ja-JP" altLang="en-US" sz="1400" dirty="0" smtClean="0"/>
+                <a:t>設定ファイル</a:t>
+              </a:r>
+              <a:endParaRPr lang="ja-JP" altLang="en-US" sz="1400" dirty="0"/>
+            </a:p>
+          </p:txBody>
+        </p:sp>
+        <p:cxnSp>
+          <p:nvCxnSpPr>
+            <p:cNvPr id="14" name="直線矢印コネクタ 13"/>
+            <p:cNvCxnSpPr>
+              <a:stCxn id="5" idx="3"/>
+              <a:endCxn id="13" idx="1"/>
+            </p:cNvCxnSpPr>
+            <p:nvPr/>
+          </p:nvCxnSpPr>
+          <p:spPr>
+            <a:xfrm flipV="1">
+              <a:off x="6329712" y="2975200"/>
+              <a:ext cx="1122608" cy="1505"/>
+            </a:xfrm>
+            <a:prstGeom prst="straightConnector1">
+              <a:avLst/>
+            </a:prstGeom>
+            <a:ln w="38100">
+              <a:solidFill>
+                <a:srgbClr val="FF0000"/>
+              </a:solidFill>
+              <a:tailEnd type="arrow"/>
+            </a:ln>
+          </p:spPr>
+          <p:style>
+            <a:lnRef idx="1">
+              <a:schemeClr val="accent1"/>
+            </a:lnRef>
+            <a:fillRef idx="0">
+              <a:schemeClr val="accent1"/>
+            </a:fillRef>
+            <a:effectRef idx="0">
+              <a:schemeClr val="accent1"/>
+            </a:effectRef>
+            <a:fontRef idx="minor">
+              <a:schemeClr val="tx1"/>
+            </a:fontRef>
+          </p:style>
+        </p:cxnSp>
+        <p:sp>
+          <p:nvSpPr>
+            <p:cNvPr id="18" name="正方形/長方形 17"/>
+            <p:cNvSpPr/>
+            <p:nvPr/>
+          </p:nvSpPr>
+          <p:spPr>
+            <a:xfrm>
+              <a:off x="572255" y="3589019"/>
+              <a:ext cx="1339835" cy="809560"/>
+            </a:xfrm>
+            <a:prstGeom prst="rect">
+              <a:avLst/>
+            </a:prstGeom>
+            <a:ln>
+              <a:solidFill>
+                <a:schemeClr val="accent1"/>
+              </a:solidFill>
+            </a:ln>
+          </p:spPr>
+          <p:style>
+            <a:lnRef idx="2">
+              <a:schemeClr val="accent6"/>
+            </a:lnRef>
+            <a:fillRef idx="1">
+              <a:schemeClr val="lt1"/>
+            </a:fillRef>
+            <a:effectRef idx="0">
+              <a:schemeClr val="accent6"/>
+            </a:effectRef>
+            <a:fontRef idx="minor">
+              <a:schemeClr val="dk1"/>
+            </a:fontRef>
+          </p:style>
+          <p:txBody>
+            <a:bodyPr rtlCol="0" anchor="t"/>
+            <a:lstStyle/>
+            <a:p>
+              <a:r>
+                <a:rPr lang="en-US" altLang="ja-JP" sz="1400" dirty="0"/>
+                <a:t>Java</a:t>
+              </a:r>
+            </a:p>
+            <a:p>
+              <a:r>
+                <a:rPr lang="en-US" altLang="ja-JP" sz="1400" dirty="0"/>
+                <a:t>(Reader</a:t>
+              </a:r>
+              <a:r>
+                <a:rPr lang="ja-JP" altLang="en-US" sz="1400" dirty="0" err="1" smtClean="0"/>
+                <a:t>、</a:t>
+              </a:r>
+              <a:r>
+                <a:rPr lang="en-US" altLang="ja-JP" sz="1400" dirty="0" smtClean="0"/>
+                <a:t>Writer</a:t>
+              </a:r>
+              <a:r>
+                <a:rPr lang="ja-JP" altLang="en-US" sz="1400" dirty="0"/>
+                <a:t>等</a:t>
+              </a:r>
+              <a:r>
+                <a:rPr lang="en-US" altLang="ja-JP" sz="1400" dirty="0"/>
+                <a:t>)</a:t>
+              </a:r>
+              <a:endParaRPr lang="ja-JP" altLang="en-US" sz="1400" dirty="0"/>
+            </a:p>
+            <a:p>
+              <a:endParaRPr lang="en-US" altLang="ja-JP" sz="1400" dirty="0" smtClean="0"/>
+            </a:p>
+          </p:txBody>
+        </p:sp>
+        <p:cxnSp>
+          <p:nvCxnSpPr>
+            <p:cNvPr id="19" name="直線矢印コネクタ 18"/>
+            <p:cNvCxnSpPr>
+              <a:stCxn id="3" idx="0"/>
+            </p:cNvCxnSpPr>
+            <p:nvPr/>
+          </p:nvCxnSpPr>
+          <p:spPr>
+            <a:xfrm flipV="1">
+              <a:off x="5052970" y="3044728"/>
+              <a:ext cx="783573" cy="1988099"/>
+            </a:xfrm>
+            <a:prstGeom prst="straightConnector1">
+              <a:avLst/>
+            </a:prstGeom>
+            <a:ln w="38100">
+              <a:solidFill>
+                <a:srgbClr val="FF0000"/>
+              </a:solidFill>
+              <a:tailEnd type="arrow"/>
+            </a:ln>
+          </p:spPr>
+          <p:style>
+            <a:lnRef idx="1">
+              <a:schemeClr val="accent1"/>
+            </a:lnRef>
+            <a:fillRef idx="0">
+              <a:schemeClr val="accent1"/>
+            </a:fillRef>
+            <a:effectRef idx="0">
+              <a:schemeClr val="accent1"/>
+            </a:effectRef>
+            <a:fontRef idx="minor">
+              <a:schemeClr val="tx1"/>
+            </a:fontRef>
+          </p:style>
+        </p:cxnSp>
+        <p:cxnSp>
+          <p:nvCxnSpPr>
+            <p:cNvPr id="21" name="直線矢印コネクタ 20"/>
+            <p:cNvCxnSpPr/>
+            <p:nvPr/>
+          </p:nvCxnSpPr>
+          <p:spPr>
+            <a:xfrm>
+              <a:off x="1627059" y="1654763"/>
+              <a:ext cx="3037271" cy="777158"/>
+            </a:xfrm>
+            <a:prstGeom prst="straightConnector1">
+              <a:avLst/>
+            </a:prstGeom>
+            <a:ln w="38100">
+              <a:solidFill>
+                <a:srgbClr val="FF0000"/>
+              </a:solidFill>
+              <a:tailEnd type="arrow"/>
+            </a:ln>
+          </p:spPr>
+          <p:style>
+            <a:lnRef idx="1">
+              <a:schemeClr val="accent1"/>
+            </a:lnRef>
+            <a:fillRef idx="0">
+              <a:schemeClr val="accent1"/>
+            </a:fillRef>
+            <a:effectRef idx="0">
+              <a:schemeClr val="accent1"/>
+            </a:effectRef>
+            <a:fontRef idx="minor">
+              <a:schemeClr val="tx1"/>
+            </a:fontRef>
+          </p:style>
+        </p:cxnSp>
+        <p:sp>
+          <p:nvSpPr>
+            <p:cNvPr id="22" name="テキスト ボックス 21"/>
+            <p:cNvSpPr txBox="1"/>
+            <p:nvPr/>
+          </p:nvSpPr>
+          <p:spPr>
+            <a:xfrm>
+              <a:off x="2208327" y="1562563"/>
+              <a:ext cx="2795721" cy="338554"/>
+            </a:xfrm>
+            <a:prstGeom prst="rect">
+              <a:avLst/>
+            </a:prstGeom>
+            <a:noFill/>
+          </p:spPr>
+          <p:txBody>
+            <a:bodyPr wrap="square" rtlCol="0">
+              <a:spAutoFit/>
+            </a:bodyPr>
+            <a:lstStyle/>
+            <a:p>
+              <a:r>
+                <a:rPr lang="ja-JP" altLang="en-US" sz="1600" dirty="0" smtClean="0"/>
+                <a:t>②処理フロー</a:t>
+              </a:r>
+              <a:r>
+                <a:rPr lang="ja-JP" altLang="en-US" sz="1600" dirty="0"/>
+                <a:t>の</a:t>
+              </a:r>
+              <a:r>
+                <a:rPr lang="ja-JP" altLang="en-US" sz="1600" dirty="0" smtClean="0"/>
+                <a:t>追加・編集</a:t>
+              </a:r>
+              <a:endParaRPr kumimoji="1" lang="ja-JP" altLang="en-US" sz="1600" dirty="0"/>
+            </a:p>
+          </p:txBody>
+        </p:sp>
+        <p:sp>
+          <p:nvSpPr>
+            <p:cNvPr id="23" name="テキスト ボックス 22"/>
+            <p:cNvSpPr txBox="1"/>
+            <p:nvPr/>
+          </p:nvSpPr>
+          <p:spPr>
+            <a:xfrm>
+              <a:off x="2339752" y="2348880"/>
+              <a:ext cx="955712" cy="338554"/>
+            </a:xfrm>
+            <a:prstGeom prst="rect">
+              <a:avLst/>
+            </a:prstGeom>
+            <a:noFill/>
+          </p:spPr>
+          <p:txBody>
+            <a:bodyPr wrap="square" rtlCol="0">
+              <a:spAutoFit/>
+            </a:bodyPr>
+            <a:lstStyle/>
+            <a:p>
+              <a:r>
+                <a:rPr lang="ja-JP" altLang="en-US" sz="1600" dirty="0" smtClean="0"/>
+                <a:t>①読込</a:t>
+              </a:r>
+              <a:endParaRPr kumimoji="1" lang="ja-JP" altLang="en-US" sz="1600" dirty="0"/>
+            </a:p>
+          </p:txBody>
+        </p:sp>
+        <p:sp>
+          <p:nvSpPr>
+            <p:cNvPr id="27" name="テキスト ボックス 26"/>
+            <p:cNvSpPr txBox="1"/>
+            <p:nvPr/>
+          </p:nvSpPr>
+          <p:spPr>
+            <a:xfrm>
+              <a:off x="514070" y="5272592"/>
+              <a:ext cx="2468946" cy="584775"/>
+            </a:xfrm>
+            <a:prstGeom prst="rect">
+              <a:avLst/>
+            </a:prstGeom>
+            <a:noFill/>
+          </p:spPr>
+          <p:txBody>
+            <a:bodyPr wrap="none" rtlCol="0">
+              <a:spAutoFit/>
+            </a:bodyPr>
+            <a:lstStyle/>
+            <a:p>
+              <a:r>
+                <a:rPr lang="ja-JP" altLang="en-US" sz="1600" dirty="0" smtClean="0"/>
+                <a:t>③</a:t>
+              </a:r>
+              <a:r>
+                <a:rPr lang="en-US" altLang="ja-JP" sz="1600" dirty="0" smtClean="0"/>
+                <a:t>Bean</a:t>
+              </a:r>
+              <a:r>
+                <a:rPr lang="ja-JP" altLang="en-US" sz="1600" dirty="0" err="1" smtClean="0"/>
+                <a:t>、</a:t>
+              </a:r>
+              <a:r>
+                <a:rPr lang="en-US" altLang="ja-JP" sz="1600" dirty="0" smtClean="0"/>
+                <a:t>SQL</a:t>
+              </a:r>
+              <a:r>
+                <a:rPr lang="ja-JP" altLang="en-US" sz="1600" dirty="0" smtClean="0"/>
+                <a:t>の作成と</a:t>
+              </a:r>
+              <a:endParaRPr lang="en-US" altLang="ja-JP" sz="1600" dirty="0" smtClean="0"/>
+            </a:p>
+            <a:p>
+              <a:r>
+                <a:rPr kumimoji="1" lang="ja-JP" altLang="en-US" sz="1600" dirty="0" smtClean="0"/>
+                <a:t>プロパティパネル</a:t>
+              </a:r>
+              <a:r>
+                <a:rPr kumimoji="1" lang="ja-JP" altLang="en-US" sz="1600" dirty="0"/>
+                <a:t>で</a:t>
+              </a:r>
+              <a:r>
+                <a:rPr kumimoji="1" lang="ja-JP" altLang="en-US" sz="1600" dirty="0" smtClean="0"/>
+                <a:t>の設定</a:t>
+              </a:r>
+              <a:endParaRPr kumimoji="1" lang="ja-JP" altLang="en-US" sz="1600" dirty="0"/>
+            </a:p>
+          </p:txBody>
+        </p:sp>
+        <p:sp>
+          <p:nvSpPr>
+            <p:cNvPr id="28" name="テキスト ボックス 27"/>
+            <p:cNvSpPr txBox="1"/>
+            <p:nvPr/>
+          </p:nvSpPr>
+          <p:spPr>
+            <a:xfrm>
+              <a:off x="6444208" y="2636912"/>
+              <a:ext cx="800219" cy="338554"/>
+            </a:xfrm>
+            <a:prstGeom prst="rect">
+              <a:avLst/>
+            </a:prstGeom>
+            <a:noFill/>
+          </p:spPr>
+          <p:txBody>
+            <a:bodyPr wrap="none" rtlCol="0">
+              <a:spAutoFit/>
+            </a:bodyPr>
+            <a:lstStyle/>
+            <a:p>
+              <a:r>
+                <a:rPr lang="ja-JP" altLang="en-US" sz="1600" dirty="0" smtClean="0"/>
+                <a:t>④出力</a:t>
+              </a:r>
+              <a:endParaRPr kumimoji="1" lang="ja-JP" altLang="en-US" sz="1600" dirty="0"/>
+            </a:p>
+          </p:txBody>
+        </p:sp>
+        <p:cxnSp>
+          <p:nvCxnSpPr>
+            <p:cNvPr id="30" name="直線矢印コネクタ 29"/>
+            <p:cNvCxnSpPr/>
+            <p:nvPr/>
+          </p:nvCxnSpPr>
+          <p:spPr>
+            <a:xfrm flipV="1">
+              <a:off x="1921558" y="852469"/>
+              <a:ext cx="2178620" cy="360040"/>
+            </a:xfrm>
+            <a:prstGeom prst="straightConnector1">
+              <a:avLst/>
+            </a:prstGeom>
+            <a:ln w="38100">
+              <a:solidFill>
+                <a:srgbClr val="FF0000"/>
+              </a:solidFill>
+              <a:tailEnd type="arrow"/>
+            </a:ln>
+          </p:spPr>
+          <p:style>
+            <a:lnRef idx="1">
+              <a:schemeClr val="accent1"/>
+            </a:lnRef>
+            <a:fillRef idx="0">
+              <a:schemeClr val="accent1"/>
+            </a:fillRef>
+            <a:effectRef idx="0">
+              <a:schemeClr val="accent1"/>
+            </a:effectRef>
+            <a:fontRef idx="minor">
+              <a:schemeClr val="tx1"/>
+            </a:fontRef>
+          </p:style>
+        </p:cxnSp>
+        <p:sp>
+          <p:nvSpPr>
+            <p:cNvPr id="32" name="テキスト ボックス 31"/>
+            <p:cNvSpPr txBox="1"/>
+            <p:nvPr/>
+          </p:nvSpPr>
+          <p:spPr>
+            <a:xfrm>
+              <a:off x="2395856" y="672449"/>
+              <a:ext cx="800219" cy="338554"/>
+            </a:xfrm>
+            <a:prstGeom prst="rect">
+              <a:avLst/>
+            </a:prstGeom>
+            <a:noFill/>
+          </p:spPr>
+          <p:txBody>
+            <a:bodyPr wrap="none" rtlCol="0">
+              <a:spAutoFit/>
+            </a:bodyPr>
+            <a:lstStyle/>
+            <a:p>
+              <a:r>
+                <a:rPr lang="ja-JP" altLang="en-US" sz="1600" dirty="0" smtClean="0"/>
+                <a:t>⑤実行</a:t>
+              </a:r>
+              <a:endParaRPr lang="en-US" altLang="ja-JP" sz="1600" dirty="0" smtClean="0"/>
+            </a:p>
+          </p:txBody>
+        </p:sp>
+        <p:sp>
+          <p:nvSpPr>
+            <p:cNvPr id="59" name="正方形/長方形 58"/>
+            <p:cNvSpPr/>
+            <p:nvPr/>
+          </p:nvSpPr>
+          <p:spPr>
+            <a:xfrm>
+              <a:off x="4211960" y="404664"/>
+              <a:ext cx="1252561" cy="807845"/>
+            </a:xfrm>
+            <a:prstGeom prst="rect">
+              <a:avLst/>
+            </a:prstGeom>
+          </p:spPr>
+          <p:style>
+            <a:lnRef idx="2">
+              <a:schemeClr val="dk1">
+                <a:shade val="50000"/>
+              </a:schemeClr>
+            </a:lnRef>
+            <a:fillRef idx="1">
+              <a:schemeClr val="dk1"/>
+            </a:fillRef>
+            <a:effectRef idx="0">
+              <a:schemeClr val="dk1"/>
+            </a:effectRef>
+            <a:fontRef idx="minor">
+              <a:schemeClr val="lt1"/>
+            </a:fontRef>
+          </p:style>
+          <p:txBody>
+            <a:bodyPr rtlCol="0" anchor="t"/>
+            <a:lstStyle/>
+            <a:p>
+              <a:r>
+                <a:rPr kumimoji="1" lang="en-US" altLang="ja-JP" sz="1100" dirty="0" smtClean="0"/>
+                <a:t>C:\ &gt;</a:t>
+              </a:r>
+              <a:endParaRPr kumimoji="1" lang="ja-JP" altLang="en-US" sz="1100" dirty="0"/>
+            </a:p>
+          </p:txBody>
+        </p:sp>
+        <p:sp>
+          <p:nvSpPr>
+            <p:cNvPr id="61" name="正方形/長方形 60"/>
+            <p:cNvSpPr/>
+            <p:nvPr/>
+          </p:nvSpPr>
+          <p:spPr>
+            <a:xfrm>
+              <a:off x="4211959" y="301614"/>
+              <a:ext cx="1252561" cy="87529"/>
+            </a:xfrm>
+            <a:prstGeom prst="rect">
+              <a:avLst/>
+            </a:prstGeom>
+            <a:solidFill>
+              <a:schemeClr val="accent1"/>
+            </a:solidFill>
+          </p:spPr>
+          <p:style>
+            <a:lnRef idx="2">
+              <a:schemeClr val="dk1">
+                <a:shade val="50000"/>
+              </a:schemeClr>
+            </a:lnRef>
+            <a:fillRef idx="1">
+              <a:schemeClr val="dk1"/>
+            </a:fillRef>
+            <a:effectRef idx="0">
+              <a:schemeClr val="dk1"/>
+            </a:effectRef>
+            <a:fontRef idx="minor">
+              <a:schemeClr val="lt1"/>
+            </a:fontRef>
+          </p:style>
+          <p:txBody>
+            <a:bodyPr rtlCol="0" anchor="t"/>
+            <a:lstStyle/>
+            <a:p>
+              <a:endParaRPr kumimoji="1" lang="ja-JP" altLang="en-US" sz="1100" dirty="0"/>
+            </a:p>
+          </p:txBody>
+        </p:sp>
+        <p:sp>
+          <p:nvSpPr>
+            <p:cNvPr id="10" name="正方形/長方形 9"/>
+            <p:cNvSpPr/>
+            <p:nvPr/>
+          </p:nvSpPr>
+          <p:spPr>
+            <a:xfrm>
+              <a:off x="2208327" y="2210165"/>
+              <a:ext cx="1211545" cy="781967"/>
+            </a:xfrm>
+            <a:prstGeom prst="rect">
+              <a:avLst/>
+            </a:prstGeom>
+            <a:noFill/>
+            <a:ln w="57150"/>
+          </p:spPr>
+          <p:style>
+            <a:lnRef idx="2">
+              <a:schemeClr val="accent6"/>
+            </a:lnRef>
+            <a:fillRef idx="1">
+              <a:schemeClr val="lt1"/>
+            </a:fillRef>
+            <a:effectRef idx="0">
+              <a:schemeClr val="accent6"/>
+            </a:effectRef>
+            <a:fontRef idx="minor">
+              <a:schemeClr val="dk1"/>
+            </a:fontRef>
+          </p:style>
+          <p:txBody>
+            <a:bodyPr rtlCol="0" anchor="ctr"/>
+            <a:lstStyle/>
+            <a:p>
+              <a:pPr algn="ctr"/>
+              <a:endParaRPr kumimoji="1" lang="ja-JP" altLang="en-US"/>
+            </a:p>
+          </p:txBody>
+        </p:sp>
+      </p:grpSp>
+    </p:spTree>
+    <p:extLst>
+      <p:ext uri="{BB962C8B-B14F-4D97-AF65-F5344CB8AC3E}">
+        <p14:creationId xmlns:p14="http://schemas.microsoft.com/office/powerpoint/2010/main" val="757520447"/>
+      </p:ext>
+    </p:extLst>
+  </p:cSld>
+  <p:clrMapOvr>
+    <a:masterClrMapping/>
+  </p:clrMapOvr>
+</p:sld>
+</file>
+
 <file path=ppt/slides/slide18.xml><?xml version="1.0" encoding="utf-8"?>
 <p:sld xmlns:a="http://schemas.openxmlformats.org/drawingml/2006/main" xmlns:r="http://schemas.openxmlformats.org/officeDocument/2006/relationships" xmlns:p="http://schemas.openxmlformats.org/presentationml/2006/main">
   <p:cSld>
@@ -11553,8 +12048,8 @@
           </p:nvSpPr>
           <p:spPr>
             <a:xfrm>
-              <a:off x="2208327" y="2210165"/>
-              <a:ext cx="1211545" cy="781967"/>
+              <a:off x="2211835" y="1348777"/>
+              <a:ext cx="2360165" cy="781967"/>
             </a:xfrm>
             <a:prstGeom prst="rect">
               <a:avLst/>
@@ -11589,7 +12084,7 @@
     </p:spTree>
     <p:extLst>
       <p:ext uri="{BB962C8B-B14F-4D97-AF65-F5344CB8AC3E}">
-        <p14:creationId xmlns:p14="http://schemas.microsoft.com/office/powerpoint/2010/main" val="757520447"/>
+        <p14:creationId xmlns:p14="http://schemas.microsoft.com/office/powerpoint/2010/main" val="1893503174"/>
       </p:ext>
     </p:extLst>
   </p:cSld>
@@ -11624,10 +12119,10 @@
         </p:nvGrpSpPr>
         <p:grpSpPr>
           <a:xfrm>
-            <a:off x="434094" y="301614"/>
-            <a:ext cx="8276993" cy="5904340"/>
-            <a:chOff x="434094" y="301614"/>
-            <a:chExt cx="8276993" cy="5904340"/>
+            <a:off x="390166" y="301614"/>
+            <a:ext cx="8320921" cy="5904340"/>
+            <a:chOff x="390166" y="301614"/>
+            <a:chExt cx="8320921" cy="5904340"/>
           </a:xfrm>
         </p:grpSpPr>
         <p:sp>
@@ -12607,8 +13102,8 @@
           </p:nvSpPr>
           <p:spPr>
             <a:xfrm>
-              <a:off x="2211835" y="1348777"/>
-              <a:ext cx="2360165" cy="781967"/>
+              <a:off x="390166" y="5075400"/>
+              <a:ext cx="2473785" cy="781967"/>
             </a:xfrm>
             <a:prstGeom prst="rect">
               <a:avLst/>
@@ -13173,10 +13668,10 @@
         </p:nvGrpSpPr>
         <p:grpSpPr>
           <a:xfrm>
-            <a:off x="390166" y="301614"/>
-            <a:ext cx="8320921" cy="5904340"/>
-            <a:chOff x="390166" y="301614"/>
-            <a:chExt cx="8320921" cy="5904340"/>
+            <a:off x="434094" y="301614"/>
+            <a:ext cx="8276993" cy="5904340"/>
+            <a:chOff x="434094" y="301614"/>
+            <a:chExt cx="8276993" cy="5904340"/>
           </a:xfrm>
         </p:grpSpPr>
         <p:sp>
@@ -14156,8 +14651,8 @@
           </p:nvSpPr>
           <p:spPr>
             <a:xfrm>
-              <a:off x="390166" y="5075400"/>
-              <a:ext cx="2473785" cy="781967"/>
+              <a:off x="6236594" y="2415205"/>
+              <a:ext cx="1211545" cy="781967"/>
             </a:xfrm>
             <a:prstGeom prst="rect">
               <a:avLst/>
@@ -15210,7 +15705,7 @@
           </p:nvSpPr>
           <p:spPr>
             <a:xfrm>
-              <a:off x="6236594" y="2415205"/>
+              <a:off x="2190192" y="461485"/>
               <a:ext cx="1211545" cy="781967"/>
             </a:xfrm>
             <a:prstGeom prst="rect">
@@ -15257,1060 +15752,6 @@
 </file>
 
 <file path=ppt/slides/slide22.xml><?xml version="1.0" encoding="utf-8"?>
-<p:sld xmlns:a="http://schemas.openxmlformats.org/drawingml/2006/main" xmlns:r="http://schemas.openxmlformats.org/officeDocument/2006/relationships" xmlns:p="http://schemas.openxmlformats.org/presentationml/2006/main">
-  <p:cSld>
-    <p:spTree>
-      <p:nvGrpSpPr>
-        <p:cNvPr id="1" name=""/>
-        <p:cNvGrpSpPr/>
-        <p:nvPr/>
-      </p:nvGrpSpPr>
-      <p:grpSpPr>
-        <a:xfrm>
-          <a:off x="0" y="0"/>
-          <a:ext cx="0" cy="0"/>
-          <a:chOff x="0" y="0"/>
-          <a:chExt cx="0" cy="0"/>
-        </a:xfrm>
-      </p:grpSpPr>
-      <p:grpSp>
-        <p:nvGrpSpPr>
-          <p:cNvPr id="11" name="グループ化 10"/>
-          <p:cNvGrpSpPr/>
-          <p:nvPr/>
-        </p:nvGrpSpPr>
-        <p:grpSpPr>
-          <a:xfrm>
-            <a:off x="434094" y="301614"/>
-            <a:ext cx="8276993" cy="5904340"/>
-            <a:chOff x="434094" y="301614"/>
-            <a:chExt cx="8276993" cy="5904340"/>
-          </a:xfrm>
-        </p:grpSpPr>
-        <p:sp>
-          <p:nvSpPr>
-            <p:cNvPr id="50" name="角丸四角形 49"/>
-            <p:cNvSpPr/>
-            <p:nvPr/>
-          </p:nvSpPr>
-          <p:spPr>
-            <a:xfrm>
-              <a:off x="434094" y="3346134"/>
-              <a:ext cx="5402449" cy="2859820"/>
-            </a:xfrm>
-            <a:prstGeom prst="roundRect">
-              <a:avLst>
-                <a:gd name="adj" fmla="val 8192"/>
-              </a:avLst>
-            </a:prstGeom>
-            <a:noFill/>
-            <a:ln w="12700">
-              <a:prstDash val="dash"/>
-            </a:ln>
-          </p:spPr>
-          <p:style>
-            <a:lnRef idx="2">
-              <a:schemeClr val="accent1">
-                <a:shade val="50000"/>
-              </a:schemeClr>
-            </a:lnRef>
-            <a:fillRef idx="1">
-              <a:schemeClr val="accent1"/>
-            </a:fillRef>
-            <a:effectRef idx="0">
-              <a:schemeClr val="accent1"/>
-            </a:effectRef>
-            <a:fontRef idx="minor">
-              <a:schemeClr val="lt1"/>
-            </a:fontRef>
-          </p:style>
-          <p:txBody>
-            <a:bodyPr rtlCol="0" anchor="ctr"/>
-            <a:lstStyle/>
-            <a:p>
-              <a:pPr algn="ctr"/>
-              <a:endParaRPr kumimoji="1" lang="ja-JP" altLang="en-US"/>
-            </a:p>
-          </p:txBody>
-        </p:sp>
-        <p:pic>
-          <p:nvPicPr>
-            <p:cNvPr id="2" name="図 1"/>
-            <p:cNvPicPr>
-              <a:picLocks noChangeAspect="1"/>
-            </p:cNvPicPr>
-            <p:nvPr/>
-          </p:nvPicPr>
-          <p:blipFill>
-            <a:blip r:embed="rId2" cstate="print">
-              <a:extLst>
-                <a:ext uri="{28A0092B-C50C-407E-A947-70E740481C1C}">
-                  <a14:useLocalDpi xmlns:a14="http://schemas.microsoft.com/office/drawing/2010/main" val="0"/>
-                </a:ext>
-              </a:extLst>
-            </a:blip>
-            <a:stretch>
-              <a:fillRect/>
-            </a:stretch>
-          </p:blipFill>
-          <p:spPr>
-            <a:xfrm>
-              <a:off x="514070" y="672449"/>
-              <a:ext cx="1342318" cy="1349063"/>
-            </a:xfrm>
-            <a:prstGeom prst="rect">
-              <a:avLst/>
-            </a:prstGeom>
-          </p:spPr>
-        </p:pic>
-        <p:sp>
-          <p:nvSpPr>
-            <p:cNvPr id="3" name="正方形/長方形 2"/>
-            <p:cNvSpPr/>
-            <p:nvPr/>
-          </p:nvSpPr>
-          <p:spPr>
-            <a:xfrm>
-              <a:off x="4381811" y="5032827"/>
-              <a:ext cx="1342317" cy="809560"/>
-            </a:xfrm>
-            <a:prstGeom prst="rect">
-              <a:avLst/>
-            </a:prstGeom>
-            <a:ln>
-              <a:solidFill>
-                <a:schemeClr val="accent3"/>
-              </a:solidFill>
-            </a:ln>
-          </p:spPr>
-          <p:style>
-            <a:lnRef idx="2">
-              <a:schemeClr val="accent6"/>
-            </a:lnRef>
-            <a:fillRef idx="1">
-              <a:schemeClr val="lt1"/>
-            </a:fillRef>
-            <a:effectRef idx="0">
-              <a:schemeClr val="accent6"/>
-            </a:effectRef>
-            <a:fontRef idx="minor">
-              <a:schemeClr val="dk1"/>
-            </a:fontRef>
-          </p:style>
-          <p:txBody>
-            <a:bodyPr rtlCol="0" anchor="t"/>
-            <a:lstStyle/>
-            <a:p>
-              <a:r>
-                <a:rPr lang="en-US" altLang="ja-JP" sz="1400" dirty="0" smtClean="0"/>
-                <a:t>Bean</a:t>
-              </a:r>
-            </a:p>
-            <a:p>
-              <a:r>
-                <a:rPr lang="ja-JP" altLang="en-US" sz="1400" dirty="0"/>
-                <a:t>（</a:t>
-              </a:r>
-              <a:r>
-                <a:rPr lang="ja-JP" altLang="en-US" sz="1400" dirty="0" smtClean="0"/>
-                <a:t>データ</a:t>
-              </a:r>
-              <a:r>
-                <a:rPr lang="ja-JP" altLang="en-US" sz="1400" dirty="0"/>
-                <a:t>項目</a:t>
-              </a:r>
-              <a:r>
-                <a:rPr lang="ja-JP" altLang="en-US" sz="1400" dirty="0" smtClean="0"/>
-                <a:t>）</a:t>
-              </a:r>
-              <a:endParaRPr lang="en-US" altLang="ja-JP" sz="1400" dirty="0" smtClean="0"/>
-            </a:p>
-          </p:txBody>
-        </p:sp>
-        <p:sp>
-          <p:nvSpPr>
-            <p:cNvPr id="4" name="正方形/長方形 3"/>
-            <p:cNvSpPr/>
-            <p:nvPr/>
-          </p:nvSpPr>
-          <p:spPr>
-            <a:xfrm>
-              <a:off x="2941651" y="5032827"/>
-              <a:ext cx="1342317" cy="809560"/>
-            </a:xfrm>
-            <a:prstGeom prst="rect">
-              <a:avLst/>
-            </a:prstGeom>
-            <a:ln>
-              <a:solidFill>
-                <a:schemeClr val="accent3"/>
-              </a:solidFill>
-            </a:ln>
-          </p:spPr>
-          <p:style>
-            <a:lnRef idx="2">
-              <a:schemeClr val="accent6"/>
-            </a:lnRef>
-            <a:fillRef idx="1">
-              <a:schemeClr val="lt1"/>
-            </a:fillRef>
-            <a:effectRef idx="0">
-              <a:schemeClr val="accent6"/>
-            </a:effectRef>
-            <a:fontRef idx="minor">
-              <a:schemeClr val="dk1"/>
-            </a:fontRef>
-          </p:style>
-          <p:txBody>
-            <a:bodyPr rtlCol="0" anchor="t"/>
-            <a:lstStyle/>
-            <a:p>
-              <a:r>
-                <a:rPr lang="en-US" altLang="ja-JP" sz="1400" dirty="0" smtClean="0"/>
-                <a:t>SQL</a:t>
-              </a:r>
-            </a:p>
-            <a:p>
-              <a:r>
-                <a:rPr lang="ja-JP" altLang="en-US" sz="1400" dirty="0"/>
-                <a:t>（変換仕様</a:t>
-              </a:r>
-              <a:r>
-                <a:rPr lang="ja-JP" altLang="en-US" sz="1400" dirty="0" smtClean="0"/>
-                <a:t>）</a:t>
-              </a:r>
-              <a:endParaRPr lang="en-US" altLang="ja-JP" sz="1400" dirty="0" smtClean="0"/>
-            </a:p>
-          </p:txBody>
-        </p:sp>
-        <p:pic>
-          <p:nvPicPr>
-            <p:cNvPr id="5" name="Picture 3"/>
-            <p:cNvPicPr>
-              <a:picLocks noChangeAspect="1" noChangeArrowheads="1"/>
-            </p:cNvPicPr>
-            <p:nvPr/>
-          </p:nvPicPr>
-          <p:blipFill>
-            <a:blip r:embed="rId3" cstate="print">
-              <a:extLst>
-                <a:ext uri="{28A0092B-C50C-407E-A947-70E740481C1C}">
-                  <a14:useLocalDpi xmlns:a14="http://schemas.microsoft.com/office/drawing/2010/main" val="0"/>
-                </a:ext>
-              </a:extLst>
-            </a:blip>
-            <a:srcRect/>
-            <a:stretch>
-              <a:fillRect/>
-            </a:stretch>
-          </p:blipFill>
-          <p:spPr bwMode="auto">
-            <a:xfrm>
-              <a:off x="4297671" y="2210165"/>
-              <a:ext cx="2032041" cy="1533079"/>
-            </a:xfrm>
-            <a:prstGeom prst="rect">
-              <a:avLst/>
-            </a:prstGeom>
-            <a:noFill/>
-            <a:ln>
-              <a:noFill/>
-            </a:ln>
-            <a:extLst>
-              <a:ext uri="{909E8E84-426E-40DD-AFC4-6F175D3DCCD1}">
-                <a14:hiddenFill xmlns:a14="http://schemas.microsoft.com/office/drawing/2010/main">
-                  <a:solidFill>
-                    <a:schemeClr val="accent1"/>
-                  </a:solidFill>
-                </a14:hiddenFill>
-              </a:ext>
-              <a:ext uri="{91240B29-F687-4F45-9708-019B960494DF}">
-                <a14:hiddenLine xmlns:a14="http://schemas.microsoft.com/office/drawing/2010/main" w="9525">
-                  <a:solidFill>
-                    <a:schemeClr val="tx1"/>
-                  </a:solidFill>
-                  <a:miter lim="800000"/>
-                  <a:headEnd/>
-                  <a:tailEnd/>
-                </a14:hiddenLine>
-              </a:ext>
-            </a:extLst>
-          </p:spPr>
-        </p:pic>
-        <p:sp>
-          <p:nvSpPr>
-            <p:cNvPr id="6" name="正方形/長方形 5"/>
-            <p:cNvSpPr/>
-            <p:nvPr/>
-          </p:nvSpPr>
-          <p:spPr>
-            <a:xfrm>
-              <a:off x="530096" y="2293689"/>
-              <a:ext cx="1342318" cy="809560"/>
-            </a:xfrm>
-            <a:prstGeom prst="rect">
-              <a:avLst/>
-            </a:prstGeom>
-            <a:ln>
-              <a:solidFill>
-                <a:schemeClr val="accent1"/>
-              </a:solidFill>
-            </a:ln>
-          </p:spPr>
-          <p:style>
-            <a:lnRef idx="2">
-              <a:schemeClr val="accent6"/>
-            </a:lnRef>
-            <a:fillRef idx="1">
-              <a:schemeClr val="lt1"/>
-            </a:fillRef>
-            <a:effectRef idx="0">
-              <a:schemeClr val="accent6"/>
-            </a:effectRef>
-            <a:fontRef idx="minor">
-              <a:schemeClr val="dk1"/>
-            </a:fontRef>
-          </p:style>
-          <p:txBody>
-            <a:bodyPr rtlCol="0" anchor="t"/>
-            <a:lstStyle/>
-            <a:p>
-              <a:r>
-                <a:rPr lang="ja-JP" altLang="en-US" sz="1400" dirty="0"/>
-                <a:t>テンプレート</a:t>
-              </a:r>
-              <a:endParaRPr lang="en-US" altLang="ja-JP" sz="1400" dirty="0" smtClean="0"/>
-            </a:p>
-            <a:p>
-              <a:r>
-                <a:rPr lang="ja-JP" altLang="en-US" sz="1400" dirty="0" smtClean="0"/>
-                <a:t>（</a:t>
-              </a:r>
-              <a:r>
-                <a:rPr lang="ja-JP" altLang="en-US" sz="1400" dirty="0"/>
-                <a:t>処理</a:t>
-              </a:r>
-              <a:r>
-                <a:rPr lang="ja-JP" altLang="en-US" sz="1400" dirty="0" smtClean="0"/>
-                <a:t>フロー）</a:t>
-              </a:r>
-              <a:endParaRPr lang="en-US" altLang="ja-JP" sz="1400" dirty="0" smtClean="0"/>
-            </a:p>
-            <a:p>
-              <a:endParaRPr lang="en-US" altLang="ja-JP" sz="1400" dirty="0" smtClean="0"/>
-            </a:p>
-          </p:txBody>
-        </p:sp>
-        <p:cxnSp>
-          <p:nvCxnSpPr>
-            <p:cNvPr id="7" name="直線矢印コネクタ 6"/>
-            <p:cNvCxnSpPr>
-              <a:stCxn id="6" idx="3"/>
-            </p:cNvCxnSpPr>
-            <p:nvPr/>
-          </p:nvCxnSpPr>
-          <p:spPr>
-            <a:xfrm>
-              <a:off x="1872414" y="2698469"/>
-              <a:ext cx="2339546" cy="0"/>
-            </a:xfrm>
-            <a:prstGeom prst="straightConnector1">
-              <a:avLst/>
-            </a:prstGeom>
-            <a:ln w="38100">
-              <a:solidFill>
-                <a:srgbClr val="FF0000"/>
-              </a:solidFill>
-              <a:tailEnd type="arrow"/>
-            </a:ln>
-          </p:spPr>
-          <p:style>
-            <a:lnRef idx="1">
-              <a:schemeClr val="accent1"/>
-            </a:lnRef>
-            <a:fillRef idx="0">
-              <a:schemeClr val="accent1"/>
-            </a:fillRef>
-            <a:effectRef idx="0">
-              <a:schemeClr val="accent1"/>
-            </a:effectRef>
-            <a:fontRef idx="minor">
-              <a:schemeClr val="tx1"/>
-            </a:fontRef>
-          </p:style>
-        </p:cxnSp>
-        <p:cxnSp>
-          <p:nvCxnSpPr>
-            <p:cNvPr id="8" name="直線矢印コネクタ 7"/>
-            <p:cNvCxnSpPr>
-              <a:stCxn id="18" idx="3"/>
-            </p:cNvCxnSpPr>
-            <p:nvPr/>
-          </p:nvCxnSpPr>
-          <p:spPr>
-            <a:xfrm flipV="1">
-              <a:off x="1912090" y="2698469"/>
-              <a:ext cx="3924453" cy="1295330"/>
-            </a:xfrm>
-            <a:prstGeom prst="straightConnector1">
-              <a:avLst/>
-            </a:prstGeom>
-            <a:ln w="38100">
-              <a:solidFill>
-                <a:srgbClr val="FF0000"/>
-              </a:solidFill>
-              <a:tailEnd type="arrow"/>
-            </a:ln>
-          </p:spPr>
-          <p:style>
-            <a:lnRef idx="1">
-              <a:schemeClr val="accent1"/>
-            </a:lnRef>
-            <a:fillRef idx="0">
-              <a:schemeClr val="accent1"/>
-            </a:fillRef>
-            <a:effectRef idx="0">
-              <a:schemeClr val="accent1"/>
-            </a:effectRef>
-            <a:fontRef idx="minor">
-              <a:schemeClr val="tx1"/>
-            </a:fontRef>
-          </p:style>
-        </p:cxnSp>
-        <p:cxnSp>
-          <p:nvCxnSpPr>
-            <p:cNvPr id="9" name="直線矢印コネクタ 8"/>
-            <p:cNvCxnSpPr>
-              <a:stCxn id="4" idx="0"/>
-            </p:cNvCxnSpPr>
-            <p:nvPr/>
-          </p:nvCxnSpPr>
-          <p:spPr>
-            <a:xfrm flipV="1">
-              <a:off x="3612810" y="2884410"/>
-              <a:ext cx="2223733" cy="2148417"/>
-            </a:xfrm>
-            <a:prstGeom prst="straightConnector1">
-              <a:avLst/>
-            </a:prstGeom>
-            <a:ln w="38100">
-              <a:solidFill>
-                <a:srgbClr val="FF0000"/>
-              </a:solidFill>
-              <a:tailEnd type="arrow"/>
-            </a:ln>
-          </p:spPr>
-          <p:style>
-            <a:lnRef idx="1">
-              <a:schemeClr val="accent1"/>
-            </a:lnRef>
-            <a:fillRef idx="0">
-              <a:schemeClr val="accent1"/>
-            </a:fillRef>
-            <a:effectRef idx="0">
-              <a:schemeClr val="accent1"/>
-            </a:effectRef>
-            <a:fontRef idx="minor">
-              <a:schemeClr val="tx1"/>
-            </a:fontRef>
-          </p:style>
-        </p:cxnSp>
-        <p:sp>
-          <p:nvSpPr>
-            <p:cNvPr id="13" name="正方形/長方形 12"/>
-            <p:cNvSpPr/>
-            <p:nvPr/>
-          </p:nvSpPr>
-          <p:spPr>
-            <a:xfrm>
-              <a:off x="7452320" y="2570420"/>
-              <a:ext cx="1258767" cy="809560"/>
-            </a:xfrm>
-            <a:prstGeom prst="rect">
-              <a:avLst/>
-            </a:prstGeom>
-            <a:ln>
-              <a:solidFill>
-                <a:schemeClr val="accent1"/>
-              </a:solidFill>
-            </a:ln>
-          </p:spPr>
-          <p:style>
-            <a:lnRef idx="2">
-              <a:schemeClr val="accent6"/>
-            </a:lnRef>
-            <a:fillRef idx="1">
-              <a:schemeClr val="lt1"/>
-            </a:fillRef>
-            <a:effectRef idx="0">
-              <a:schemeClr val="accent6"/>
-            </a:effectRef>
-            <a:fontRef idx="minor">
-              <a:schemeClr val="dk1"/>
-            </a:fontRef>
-          </p:style>
-          <p:txBody>
-            <a:bodyPr rtlCol="0" anchor="t"/>
-            <a:lstStyle/>
-            <a:p>
-              <a:pPr algn="just"/>
-              <a:r>
-                <a:rPr lang="ja-JP" altLang="en-US" sz="1400" dirty="0" smtClean="0"/>
-                <a:t>設定ファイル</a:t>
-              </a:r>
-              <a:endParaRPr lang="ja-JP" altLang="en-US" sz="1400" dirty="0"/>
-            </a:p>
-          </p:txBody>
-        </p:sp>
-        <p:cxnSp>
-          <p:nvCxnSpPr>
-            <p:cNvPr id="14" name="直線矢印コネクタ 13"/>
-            <p:cNvCxnSpPr>
-              <a:stCxn id="5" idx="3"/>
-              <a:endCxn id="13" idx="1"/>
-            </p:cNvCxnSpPr>
-            <p:nvPr/>
-          </p:nvCxnSpPr>
-          <p:spPr>
-            <a:xfrm flipV="1">
-              <a:off x="6329712" y="2975200"/>
-              <a:ext cx="1122608" cy="1505"/>
-            </a:xfrm>
-            <a:prstGeom prst="straightConnector1">
-              <a:avLst/>
-            </a:prstGeom>
-            <a:ln w="38100">
-              <a:solidFill>
-                <a:srgbClr val="FF0000"/>
-              </a:solidFill>
-              <a:tailEnd type="arrow"/>
-            </a:ln>
-          </p:spPr>
-          <p:style>
-            <a:lnRef idx="1">
-              <a:schemeClr val="accent1"/>
-            </a:lnRef>
-            <a:fillRef idx="0">
-              <a:schemeClr val="accent1"/>
-            </a:fillRef>
-            <a:effectRef idx="0">
-              <a:schemeClr val="accent1"/>
-            </a:effectRef>
-            <a:fontRef idx="minor">
-              <a:schemeClr val="tx1"/>
-            </a:fontRef>
-          </p:style>
-        </p:cxnSp>
-        <p:sp>
-          <p:nvSpPr>
-            <p:cNvPr id="18" name="正方形/長方形 17"/>
-            <p:cNvSpPr/>
-            <p:nvPr/>
-          </p:nvSpPr>
-          <p:spPr>
-            <a:xfrm>
-              <a:off x="572255" y="3589019"/>
-              <a:ext cx="1339835" cy="809560"/>
-            </a:xfrm>
-            <a:prstGeom prst="rect">
-              <a:avLst/>
-            </a:prstGeom>
-            <a:ln>
-              <a:solidFill>
-                <a:schemeClr val="accent1"/>
-              </a:solidFill>
-            </a:ln>
-          </p:spPr>
-          <p:style>
-            <a:lnRef idx="2">
-              <a:schemeClr val="accent6"/>
-            </a:lnRef>
-            <a:fillRef idx="1">
-              <a:schemeClr val="lt1"/>
-            </a:fillRef>
-            <a:effectRef idx="0">
-              <a:schemeClr val="accent6"/>
-            </a:effectRef>
-            <a:fontRef idx="minor">
-              <a:schemeClr val="dk1"/>
-            </a:fontRef>
-          </p:style>
-          <p:txBody>
-            <a:bodyPr rtlCol="0" anchor="t"/>
-            <a:lstStyle/>
-            <a:p>
-              <a:r>
-                <a:rPr lang="en-US" altLang="ja-JP" sz="1400" dirty="0"/>
-                <a:t>Java</a:t>
-              </a:r>
-            </a:p>
-            <a:p>
-              <a:r>
-                <a:rPr lang="en-US" altLang="ja-JP" sz="1400" dirty="0"/>
-                <a:t>(Reader</a:t>
-              </a:r>
-              <a:r>
-                <a:rPr lang="ja-JP" altLang="en-US" sz="1400" dirty="0" err="1" smtClean="0"/>
-                <a:t>、</a:t>
-              </a:r>
-              <a:r>
-                <a:rPr lang="en-US" altLang="ja-JP" sz="1400" dirty="0" smtClean="0"/>
-                <a:t>Writer</a:t>
-              </a:r>
-              <a:r>
-                <a:rPr lang="ja-JP" altLang="en-US" sz="1400" dirty="0"/>
-                <a:t>等</a:t>
-              </a:r>
-              <a:r>
-                <a:rPr lang="en-US" altLang="ja-JP" sz="1400" dirty="0"/>
-                <a:t>)</a:t>
-              </a:r>
-              <a:endParaRPr lang="ja-JP" altLang="en-US" sz="1400" dirty="0"/>
-            </a:p>
-            <a:p>
-              <a:endParaRPr lang="en-US" altLang="ja-JP" sz="1400" dirty="0" smtClean="0"/>
-            </a:p>
-          </p:txBody>
-        </p:sp>
-        <p:cxnSp>
-          <p:nvCxnSpPr>
-            <p:cNvPr id="19" name="直線矢印コネクタ 18"/>
-            <p:cNvCxnSpPr>
-              <a:stCxn id="3" idx="0"/>
-            </p:cNvCxnSpPr>
-            <p:nvPr/>
-          </p:nvCxnSpPr>
-          <p:spPr>
-            <a:xfrm flipV="1">
-              <a:off x="5052970" y="3044728"/>
-              <a:ext cx="783573" cy="1988099"/>
-            </a:xfrm>
-            <a:prstGeom prst="straightConnector1">
-              <a:avLst/>
-            </a:prstGeom>
-            <a:ln w="38100">
-              <a:solidFill>
-                <a:srgbClr val="FF0000"/>
-              </a:solidFill>
-              <a:tailEnd type="arrow"/>
-            </a:ln>
-          </p:spPr>
-          <p:style>
-            <a:lnRef idx="1">
-              <a:schemeClr val="accent1"/>
-            </a:lnRef>
-            <a:fillRef idx="0">
-              <a:schemeClr val="accent1"/>
-            </a:fillRef>
-            <a:effectRef idx="0">
-              <a:schemeClr val="accent1"/>
-            </a:effectRef>
-            <a:fontRef idx="minor">
-              <a:schemeClr val="tx1"/>
-            </a:fontRef>
-          </p:style>
-        </p:cxnSp>
-        <p:cxnSp>
-          <p:nvCxnSpPr>
-            <p:cNvPr id="21" name="直線矢印コネクタ 20"/>
-            <p:cNvCxnSpPr/>
-            <p:nvPr/>
-          </p:nvCxnSpPr>
-          <p:spPr>
-            <a:xfrm>
-              <a:off x="1627059" y="1654763"/>
-              <a:ext cx="3037271" cy="777158"/>
-            </a:xfrm>
-            <a:prstGeom prst="straightConnector1">
-              <a:avLst/>
-            </a:prstGeom>
-            <a:ln w="38100">
-              <a:solidFill>
-                <a:srgbClr val="FF0000"/>
-              </a:solidFill>
-              <a:tailEnd type="arrow"/>
-            </a:ln>
-          </p:spPr>
-          <p:style>
-            <a:lnRef idx="1">
-              <a:schemeClr val="accent1"/>
-            </a:lnRef>
-            <a:fillRef idx="0">
-              <a:schemeClr val="accent1"/>
-            </a:fillRef>
-            <a:effectRef idx="0">
-              <a:schemeClr val="accent1"/>
-            </a:effectRef>
-            <a:fontRef idx="minor">
-              <a:schemeClr val="tx1"/>
-            </a:fontRef>
-          </p:style>
-        </p:cxnSp>
-        <p:sp>
-          <p:nvSpPr>
-            <p:cNvPr id="22" name="テキスト ボックス 21"/>
-            <p:cNvSpPr txBox="1"/>
-            <p:nvPr/>
-          </p:nvSpPr>
-          <p:spPr>
-            <a:xfrm>
-              <a:off x="2208327" y="1562563"/>
-              <a:ext cx="2795721" cy="338554"/>
-            </a:xfrm>
-            <a:prstGeom prst="rect">
-              <a:avLst/>
-            </a:prstGeom>
-            <a:noFill/>
-          </p:spPr>
-          <p:txBody>
-            <a:bodyPr wrap="square" rtlCol="0">
-              <a:spAutoFit/>
-            </a:bodyPr>
-            <a:lstStyle/>
-            <a:p>
-              <a:r>
-                <a:rPr lang="ja-JP" altLang="en-US" sz="1600" dirty="0" smtClean="0"/>
-                <a:t>②処理フロー</a:t>
-              </a:r>
-              <a:r>
-                <a:rPr lang="ja-JP" altLang="en-US" sz="1600" dirty="0"/>
-                <a:t>の</a:t>
-              </a:r>
-              <a:r>
-                <a:rPr lang="ja-JP" altLang="en-US" sz="1600" dirty="0" smtClean="0"/>
-                <a:t>追加・編集</a:t>
-              </a:r>
-              <a:endParaRPr kumimoji="1" lang="ja-JP" altLang="en-US" sz="1600" dirty="0"/>
-            </a:p>
-          </p:txBody>
-        </p:sp>
-        <p:sp>
-          <p:nvSpPr>
-            <p:cNvPr id="23" name="テキスト ボックス 22"/>
-            <p:cNvSpPr txBox="1"/>
-            <p:nvPr/>
-          </p:nvSpPr>
-          <p:spPr>
-            <a:xfrm>
-              <a:off x="2339752" y="2348880"/>
-              <a:ext cx="955712" cy="338554"/>
-            </a:xfrm>
-            <a:prstGeom prst="rect">
-              <a:avLst/>
-            </a:prstGeom>
-            <a:noFill/>
-          </p:spPr>
-          <p:txBody>
-            <a:bodyPr wrap="square" rtlCol="0">
-              <a:spAutoFit/>
-            </a:bodyPr>
-            <a:lstStyle/>
-            <a:p>
-              <a:r>
-                <a:rPr lang="ja-JP" altLang="en-US" sz="1600" dirty="0" smtClean="0"/>
-                <a:t>①読込</a:t>
-              </a:r>
-              <a:endParaRPr kumimoji="1" lang="ja-JP" altLang="en-US" sz="1600" dirty="0"/>
-            </a:p>
-          </p:txBody>
-        </p:sp>
-        <p:sp>
-          <p:nvSpPr>
-            <p:cNvPr id="27" name="テキスト ボックス 26"/>
-            <p:cNvSpPr txBox="1"/>
-            <p:nvPr/>
-          </p:nvSpPr>
-          <p:spPr>
-            <a:xfrm>
-              <a:off x="514070" y="5272592"/>
-              <a:ext cx="2468946" cy="584775"/>
-            </a:xfrm>
-            <a:prstGeom prst="rect">
-              <a:avLst/>
-            </a:prstGeom>
-            <a:noFill/>
-          </p:spPr>
-          <p:txBody>
-            <a:bodyPr wrap="none" rtlCol="0">
-              <a:spAutoFit/>
-            </a:bodyPr>
-            <a:lstStyle/>
-            <a:p>
-              <a:r>
-                <a:rPr lang="ja-JP" altLang="en-US" sz="1600" dirty="0" smtClean="0"/>
-                <a:t>③</a:t>
-              </a:r>
-              <a:r>
-                <a:rPr lang="en-US" altLang="ja-JP" sz="1600" dirty="0" smtClean="0"/>
-                <a:t>Bean</a:t>
-              </a:r>
-              <a:r>
-                <a:rPr lang="ja-JP" altLang="en-US" sz="1600" dirty="0" err="1" smtClean="0"/>
-                <a:t>、</a:t>
-              </a:r>
-              <a:r>
-                <a:rPr lang="en-US" altLang="ja-JP" sz="1600" dirty="0" smtClean="0"/>
-                <a:t>SQL</a:t>
-              </a:r>
-              <a:r>
-                <a:rPr lang="ja-JP" altLang="en-US" sz="1600" dirty="0" smtClean="0"/>
-                <a:t>の作成と</a:t>
-              </a:r>
-              <a:endParaRPr lang="en-US" altLang="ja-JP" sz="1600" dirty="0" smtClean="0"/>
-            </a:p>
-            <a:p>
-              <a:r>
-                <a:rPr kumimoji="1" lang="ja-JP" altLang="en-US" sz="1600" dirty="0" smtClean="0"/>
-                <a:t>プロパティパネル</a:t>
-              </a:r>
-              <a:r>
-                <a:rPr kumimoji="1" lang="ja-JP" altLang="en-US" sz="1600" dirty="0"/>
-                <a:t>で</a:t>
-              </a:r>
-              <a:r>
-                <a:rPr kumimoji="1" lang="ja-JP" altLang="en-US" sz="1600" dirty="0" smtClean="0"/>
-                <a:t>の設定</a:t>
-              </a:r>
-              <a:endParaRPr kumimoji="1" lang="ja-JP" altLang="en-US" sz="1600" dirty="0"/>
-            </a:p>
-          </p:txBody>
-        </p:sp>
-        <p:sp>
-          <p:nvSpPr>
-            <p:cNvPr id="28" name="テキスト ボックス 27"/>
-            <p:cNvSpPr txBox="1"/>
-            <p:nvPr/>
-          </p:nvSpPr>
-          <p:spPr>
-            <a:xfrm>
-              <a:off x="6444208" y="2636912"/>
-              <a:ext cx="800219" cy="338554"/>
-            </a:xfrm>
-            <a:prstGeom prst="rect">
-              <a:avLst/>
-            </a:prstGeom>
-            <a:noFill/>
-          </p:spPr>
-          <p:txBody>
-            <a:bodyPr wrap="none" rtlCol="0">
-              <a:spAutoFit/>
-            </a:bodyPr>
-            <a:lstStyle/>
-            <a:p>
-              <a:r>
-                <a:rPr lang="ja-JP" altLang="en-US" sz="1600" dirty="0" smtClean="0"/>
-                <a:t>④出力</a:t>
-              </a:r>
-              <a:endParaRPr kumimoji="1" lang="ja-JP" altLang="en-US" sz="1600" dirty="0"/>
-            </a:p>
-          </p:txBody>
-        </p:sp>
-        <p:cxnSp>
-          <p:nvCxnSpPr>
-            <p:cNvPr id="30" name="直線矢印コネクタ 29"/>
-            <p:cNvCxnSpPr/>
-            <p:nvPr/>
-          </p:nvCxnSpPr>
-          <p:spPr>
-            <a:xfrm flipV="1">
-              <a:off x="1921558" y="852469"/>
-              <a:ext cx="2178620" cy="360040"/>
-            </a:xfrm>
-            <a:prstGeom prst="straightConnector1">
-              <a:avLst/>
-            </a:prstGeom>
-            <a:ln w="38100">
-              <a:solidFill>
-                <a:srgbClr val="FF0000"/>
-              </a:solidFill>
-              <a:tailEnd type="arrow"/>
-            </a:ln>
-          </p:spPr>
-          <p:style>
-            <a:lnRef idx="1">
-              <a:schemeClr val="accent1"/>
-            </a:lnRef>
-            <a:fillRef idx="0">
-              <a:schemeClr val="accent1"/>
-            </a:fillRef>
-            <a:effectRef idx="0">
-              <a:schemeClr val="accent1"/>
-            </a:effectRef>
-            <a:fontRef idx="minor">
-              <a:schemeClr val="tx1"/>
-            </a:fontRef>
-          </p:style>
-        </p:cxnSp>
-        <p:sp>
-          <p:nvSpPr>
-            <p:cNvPr id="32" name="テキスト ボックス 31"/>
-            <p:cNvSpPr txBox="1"/>
-            <p:nvPr/>
-          </p:nvSpPr>
-          <p:spPr>
-            <a:xfrm>
-              <a:off x="2395856" y="672449"/>
-              <a:ext cx="800219" cy="338554"/>
-            </a:xfrm>
-            <a:prstGeom prst="rect">
-              <a:avLst/>
-            </a:prstGeom>
-            <a:noFill/>
-          </p:spPr>
-          <p:txBody>
-            <a:bodyPr wrap="none" rtlCol="0">
-              <a:spAutoFit/>
-            </a:bodyPr>
-            <a:lstStyle/>
-            <a:p>
-              <a:r>
-                <a:rPr lang="ja-JP" altLang="en-US" sz="1600" dirty="0" smtClean="0"/>
-                <a:t>⑤実行</a:t>
-              </a:r>
-              <a:endParaRPr lang="en-US" altLang="ja-JP" sz="1600" dirty="0" smtClean="0"/>
-            </a:p>
-          </p:txBody>
-        </p:sp>
-        <p:sp>
-          <p:nvSpPr>
-            <p:cNvPr id="59" name="正方形/長方形 58"/>
-            <p:cNvSpPr/>
-            <p:nvPr/>
-          </p:nvSpPr>
-          <p:spPr>
-            <a:xfrm>
-              <a:off x="4211960" y="404664"/>
-              <a:ext cx="1252561" cy="807845"/>
-            </a:xfrm>
-            <a:prstGeom prst="rect">
-              <a:avLst/>
-            </a:prstGeom>
-          </p:spPr>
-          <p:style>
-            <a:lnRef idx="2">
-              <a:schemeClr val="dk1">
-                <a:shade val="50000"/>
-              </a:schemeClr>
-            </a:lnRef>
-            <a:fillRef idx="1">
-              <a:schemeClr val="dk1"/>
-            </a:fillRef>
-            <a:effectRef idx="0">
-              <a:schemeClr val="dk1"/>
-            </a:effectRef>
-            <a:fontRef idx="minor">
-              <a:schemeClr val="lt1"/>
-            </a:fontRef>
-          </p:style>
-          <p:txBody>
-            <a:bodyPr rtlCol="0" anchor="t"/>
-            <a:lstStyle/>
-            <a:p>
-              <a:r>
-                <a:rPr kumimoji="1" lang="en-US" altLang="ja-JP" sz="1100" dirty="0" smtClean="0"/>
-                <a:t>C:\ &gt;</a:t>
-              </a:r>
-              <a:endParaRPr kumimoji="1" lang="ja-JP" altLang="en-US" sz="1100" dirty="0"/>
-            </a:p>
-          </p:txBody>
-        </p:sp>
-        <p:sp>
-          <p:nvSpPr>
-            <p:cNvPr id="61" name="正方形/長方形 60"/>
-            <p:cNvSpPr/>
-            <p:nvPr/>
-          </p:nvSpPr>
-          <p:spPr>
-            <a:xfrm>
-              <a:off x="4211959" y="301614"/>
-              <a:ext cx="1252561" cy="87529"/>
-            </a:xfrm>
-            <a:prstGeom prst="rect">
-              <a:avLst/>
-            </a:prstGeom>
-            <a:solidFill>
-              <a:schemeClr val="accent1"/>
-            </a:solidFill>
-          </p:spPr>
-          <p:style>
-            <a:lnRef idx="2">
-              <a:schemeClr val="dk1">
-                <a:shade val="50000"/>
-              </a:schemeClr>
-            </a:lnRef>
-            <a:fillRef idx="1">
-              <a:schemeClr val="dk1"/>
-            </a:fillRef>
-            <a:effectRef idx="0">
-              <a:schemeClr val="dk1"/>
-            </a:effectRef>
-            <a:fontRef idx="minor">
-              <a:schemeClr val="lt1"/>
-            </a:fontRef>
-          </p:style>
-          <p:txBody>
-            <a:bodyPr rtlCol="0" anchor="t"/>
-            <a:lstStyle/>
-            <a:p>
-              <a:endParaRPr kumimoji="1" lang="ja-JP" altLang="en-US" sz="1100" dirty="0"/>
-            </a:p>
-          </p:txBody>
-        </p:sp>
-        <p:sp>
-          <p:nvSpPr>
-            <p:cNvPr id="10" name="正方形/長方形 9"/>
-            <p:cNvSpPr/>
-            <p:nvPr/>
-          </p:nvSpPr>
-          <p:spPr>
-            <a:xfrm>
-              <a:off x="2190192" y="461485"/>
-              <a:ext cx="1211545" cy="781967"/>
-            </a:xfrm>
-            <a:prstGeom prst="rect">
-              <a:avLst/>
-            </a:prstGeom>
-            <a:noFill/>
-            <a:ln w="57150"/>
-          </p:spPr>
-          <p:style>
-            <a:lnRef idx="2">
-              <a:schemeClr val="accent6"/>
-            </a:lnRef>
-            <a:fillRef idx="1">
-              <a:schemeClr val="lt1"/>
-            </a:fillRef>
-            <a:effectRef idx="0">
-              <a:schemeClr val="accent6"/>
-            </a:effectRef>
-            <a:fontRef idx="minor">
-              <a:schemeClr val="dk1"/>
-            </a:fontRef>
-          </p:style>
-          <p:txBody>
-            <a:bodyPr rtlCol="0" anchor="ctr"/>
-            <a:lstStyle/>
-            <a:p>
-              <a:pPr algn="ctr"/>
-              <a:endParaRPr kumimoji="1" lang="ja-JP" altLang="en-US"/>
-            </a:p>
-          </p:txBody>
-        </p:sp>
-      </p:grpSp>
-    </p:spTree>
-    <p:extLst>
-      <p:ext uri="{BB962C8B-B14F-4D97-AF65-F5344CB8AC3E}">
-        <p14:creationId xmlns:p14="http://schemas.microsoft.com/office/powerpoint/2010/main" val="1893503174"/>
-      </p:ext>
-    </p:extLst>
-  </p:cSld>
-  <p:clrMapOvr>
-    <a:masterClrMapping/>
-  </p:clrMapOvr>
-</p:sld>
-</file>
-
-<file path=ppt/slides/slide23.xml><?xml version="1.0" encoding="utf-8"?>
 <p:sld xmlns:a="http://schemas.openxmlformats.org/drawingml/2006/main" xmlns:r="http://schemas.openxmlformats.org/officeDocument/2006/relationships" xmlns:p="http://schemas.openxmlformats.org/presentationml/2006/main">
   <p:cSld>
     <p:spTree>
@@ -17049,7 +16490,7 @@
 </p:sld>
 </file>
 
-<file path=ppt/slides/slide24.xml><?xml version="1.0" encoding="utf-8"?>
+<file path=ppt/slides/slide23.xml><?xml version="1.0" encoding="utf-8"?>
 <p:sld xmlns:a="http://schemas.openxmlformats.org/drawingml/2006/main" xmlns:r="http://schemas.openxmlformats.org/officeDocument/2006/relationships" xmlns:p="http://schemas.openxmlformats.org/presentationml/2006/main">
   <p:cSld>
     <p:spTree>
@@ -17890,7 +17331,7 @@
 </p:sld>
 </file>
 
-<file path=ppt/slides/slide25.xml><?xml version="1.0" encoding="utf-8"?>
+<file path=ppt/slides/slide24.xml><?xml version="1.0" encoding="utf-8"?>
 <p:sld xmlns:a="http://schemas.openxmlformats.org/drawingml/2006/main" xmlns:r="http://schemas.openxmlformats.org/officeDocument/2006/relationships" xmlns:p="http://schemas.openxmlformats.org/presentationml/2006/main">
   <p:cSld>
     <p:spTree>
@@ -19912,7 +19353,7 @@
 </p:sld>
 </file>
 
-<file path=ppt/slides/slide26.xml><?xml version="1.0" encoding="utf-8"?>
+<file path=ppt/slides/slide25.xml><?xml version="1.0" encoding="utf-8"?>
 <p:sld xmlns:a="http://schemas.openxmlformats.org/drawingml/2006/main" xmlns:r="http://schemas.openxmlformats.org/officeDocument/2006/relationships" xmlns:p="http://schemas.openxmlformats.org/presentationml/2006/main">
   <p:cSld>
     <p:spTree>
@@ -21266,7 +20707,7 @@
 </p:sld>
 </file>
 
-<file path=ppt/slides/slide27.xml><?xml version="1.0" encoding="utf-8"?>
+<file path=ppt/slides/slide26.xml><?xml version="1.0" encoding="utf-8"?>
 <p:sld xmlns:a="http://schemas.openxmlformats.org/drawingml/2006/main" xmlns:r="http://schemas.openxmlformats.org/officeDocument/2006/relationships" xmlns:p="http://schemas.openxmlformats.org/presentationml/2006/main">
   <p:cSld>
     <p:spTree>
@@ -22158,7 +21599,7 @@
 </p:sld>
 </file>
 
-<file path=ppt/slides/slide28.xml><?xml version="1.0" encoding="utf-8"?>
+<file path=ppt/slides/slide27.xml><?xml version="1.0" encoding="utf-8"?>
 <p:sld xmlns:a="http://schemas.openxmlformats.org/drawingml/2006/main" xmlns:r="http://schemas.openxmlformats.org/officeDocument/2006/relationships" xmlns:p="http://schemas.openxmlformats.org/presentationml/2006/main">
   <p:cSld>
     <p:spTree>
@@ -22717,7 +22158,7 @@
 </p:sld>
 </file>
 
-<file path=ppt/slides/slide29.xml><?xml version="1.0" encoding="utf-8"?>
+<file path=ppt/slides/slide28.xml><?xml version="1.0" encoding="utf-8"?>
 <p:sld xmlns:a="http://schemas.openxmlformats.org/drawingml/2006/main" xmlns:r="http://schemas.openxmlformats.org/officeDocument/2006/relationships" xmlns:p="http://schemas.openxmlformats.org/presentationml/2006/main">
   <p:cSld>
     <p:spTree>
@@ -23692,167 +23133,7 @@
 </p:sld>
 </file>
 
-<file path=ppt/slides/slide3.xml><?xml version="1.0" encoding="utf-8"?>
-<p:sld xmlns:a="http://schemas.openxmlformats.org/drawingml/2006/main" xmlns:r="http://schemas.openxmlformats.org/officeDocument/2006/relationships" xmlns:p="http://schemas.openxmlformats.org/presentationml/2006/main">
-  <p:cSld>
-    <p:spTree>
-      <p:nvGrpSpPr>
-        <p:cNvPr id="1" name=""/>
-        <p:cNvGrpSpPr/>
-        <p:nvPr/>
-      </p:nvGrpSpPr>
-      <p:grpSpPr>
-        <a:xfrm>
-          <a:off x="0" y="0"/>
-          <a:ext cx="0" cy="0"/>
-          <a:chOff x="0" y="0"/>
-          <a:chExt cx="0" cy="0"/>
-        </a:xfrm>
-      </p:grpSpPr>
-      <p:grpSp>
-        <p:nvGrpSpPr>
-          <p:cNvPr id="2" name="グループ化 1"/>
-          <p:cNvGrpSpPr/>
-          <p:nvPr/>
-        </p:nvGrpSpPr>
-        <p:grpSpPr>
-          <a:xfrm>
-            <a:off x="828675" y="604838"/>
-            <a:ext cx="7486650" cy="5648325"/>
-            <a:chOff x="828675" y="604838"/>
-            <a:chExt cx="7486650" cy="5648325"/>
-          </a:xfrm>
-        </p:grpSpPr>
-        <p:pic>
-          <p:nvPicPr>
-            <p:cNvPr id="1027" name="Picture 3"/>
-            <p:cNvPicPr>
-              <a:picLocks noChangeAspect="1" noChangeArrowheads="1"/>
-            </p:cNvPicPr>
-            <p:nvPr/>
-          </p:nvPicPr>
-          <p:blipFill>
-            <a:blip r:embed="rId2">
-              <a:extLst>
-                <a:ext uri="{28A0092B-C50C-407E-A947-70E740481C1C}">
-                  <a14:useLocalDpi xmlns:a14="http://schemas.microsoft.com/office/drawing/2010/main" val="0"/>
-                </a:ext>
-              </a:extLst>
-            </a:blip>
-            <a:srcRect/>
-            <a:stretch>
-              <a:fillRect/>
-            </a:stretch>
-          </p:blipFill>
-          <p:spPr bwMode="auto">
-            <a:xfrm>
-              <a:off x="828675" y="604838"/>
-              <a:ext cx="7486650" cy="5648325"/>
-            </a:xfrm>
-            <a:prstGeom prst="rect">
-              <a:avLst/>
-            </a:prstGeom>
-            <a:noFill/>
-            <a:ln>
-              <a:noFill/>
-            </a:ln>
-            <a:extLst>
-              <a:ext uri="{909E8E84-426E-40DD-AFC4-6F175D3DCCD1}">
-                <a14:hiddenFill xmlns:a14="http://schemas.microsoft.com/office/drawing/2010/main">
-                  <a:solidFill>
-                    <a:schemeClr val="accent1"/>
-                  </a:solidFill>
-                </a14:hiddenFill>
-              </a:ext>
-              <a:ext uri="{91240B29-F687-4F45-9708-019B960494DF}">
-                <a14:hiddenLine xmlns:a14="http://schemas.microsoft.com/office/drawing/2010/main" w="9525">
-                  <a:solidFill>
-                    <a:schemeClr val="tx1"/>
-                  </a:solidFill>
-                  <a:miter lim="800000"/>
-                  <a:headEnd/>
-                  <a:tailEnd/>
-                </a14:hiddenLine>
-              </a:ext>
-            </a:extLst>
-          </p:spPr>
-        </p:pic>
-        <p:pic>
-          <p:nvPicPr>
-            <p:cNvPr id="2051" name="Picture 3"/>
-            <p:cNvPicPr>
-              <a:picLocks noChangeAspect="1" noChangeArrowheads="1"/>
-            </p:cNvPicPr>
-            <p:nvPr/>
-          </p:nvPicPr>
-          <p:blipFill>
-            <a:blip r:embed="rId3">
-              <a:extLst>
-                <a:ext uri="{28A0092B-C50C-407E-A947-70E740481C1C}">
-                  <a14:useLocalDpi xmlns:a14="http://schemas.microsoft.com/office/drawing/2010/main" val="0"/>
-                </a:ext>
-              </a:extLst>
-            </a:blip>
-            <a:srcRect/>
-            <a:stretch>
-              <a:fillRect/>
-            </a:stretch>
-          </p:blipFill>
-          <p:spPr bwMode="auto">
-            <a:xfrm>
-              <a:off x="859846" y="620688"/>
-              <a:ext cx="3829050" cy="247650"/>
-            </a:xfrm>
-            <a:prstGeom prst="rect">
-              <a:avLst/>
-            </a:prstGeom>
-            <a:noFill/>
-            <a:ln>
-              <a:noFill/>
-            </a:ln>
-            <a:extLst>
-              <a:ext uri="{909E8E84-426E-40DD-AFC4-6F175D3DCCD1}">
-                <a14:hiddenFill xmlns:a14="http://schemas.microsoft.com/office/drawing/2010/main">
-                  <a:solidFill>
-                    <a:schemeClr val="accent1"/>
-                  </a:solidFill>
-                </a14:hiddenFill>
-              </a:ext>
-              <a:ext uri="{91240B29-F687-4F45-9708-019B960494DF}">
-                <a14:hiddenLine xmlns:a14="http://schemas.microsoft.com/office/drawing/2010/main" w="9525">
-                  <a:solidFill>
-                    <a:schemeClr val="tx1"/>
-                  </a:solidFill>
-                  <a:miter lim="800000"/>
-                  <a:headEnd/>
-                  <a:tailEnd/>
-                </a14:hiddenLine>
-              </a:ext>
-            </a:extLst>
-          </p:spPr>
-        </p:pic>
-      </p:grpSp>
-    </p:spTree>
-    <p:extLst>
-      <p:ext uri="{BB962C8B-B14F-4D97-AF65-F5344CB8AC3E}">
-        <p14:creationId xmlns:p14="http://schemas.microsoft.com/office/powerpoint/2010/main" val="3012983944"/>
-      </p:ext>
-    </p:extLst>
-  </p:cSld>
-  <p:clrMapOvr>
-    <a:masterClrMapping/>
-  </p:clrMapOvr>
-  <p:timing>
-    <p:tnLst>
-      <p:par>
-        <p:cTn id="1" dur="indefinite" restart="never" nodeType="tmRoot"/>
-      </p:par>
-    </p:tnLst>
-  </p:timing>
-</p:sld>
-</file>
-
-<file path=ppt/slides/slide30.xml><?xml version="1.0" encoding="utf-8"?>
+<file path=ppt/slides/slide29.xml><?xml version="1.0" encoding="utf-8"?>
 <p:sld xmlns:a="http://schemas.openxmlformats.org/drawingml/2006/main" xmlns:r="http://schemas.openxmlformats.org/officeDocument/2006/relationships" xmlns:p="http://schemas.openxmlformats.org/presentationml/2006/main">
   <p:cSld>
     <p:spTree>
@@ -25025,7 +24306,167 @@
 </p:sld>
 </file>
 
-<file path=ppt/slides/slide31.xml><?xml version="1.0" encoding="utf-8"?>
+<file path=ppt/slides/slide3.xml><?xml version="1.0" encoding="utf-8"?>
+<p:sld xmlns:a="http://schemas.openxmlformats.org/drawingml/2006/main" xmlns:r="http://schemas.openxmlformats.org/officeDocument/2006/relationships" xmlns:p="http://schemas.openxmlformats.org/presentationml/2006/main">
+  <p:cSld>
+    <p:spTree>
+      <p:nvGrpSpPr>
+        <p:cNvPr id="1" name=""/>
+        <p:cNvGrpSpPr/>
+        <p:nvPr/>
+      </p:nvGrpSpPr>
+      <p:grpSpPr>
+        <a:xfrm>
+          <a:off x="0" y="0"/>
+          <a:ext cx="0" cy="0"/>
+          <a:chOff x="0" y="0"/>
+          <a:chExt cx="0" cy="0"/>
+        </a:xfrm>
+      </p:grpSpPr>
+      <p:grpSp>
+        <p:nvGrpSpPr>
+          <p:cNvPr id="2" name="グループ化 1"/>
+          <p:cNvGrpSpPr/>
+          <p:nvPr/>
+        </p:nvGrpSpPr>
+        <p:grpSpPr>
+          <a:xfrm>
+            <a:off x="828675" y="604838"/>
+            <a:ext cx="7486650" cy="5648325"/>
+            <a:chOff x="828675" y="604838"/>
+            <a:chExt cx="7486650" cy="5648325"/>
+          </a:xfrm>
+        </p:grpSpPr>
+        <p:pic>
+          <p:nvPicPr>
+            <p:cNvPr id="1027" name="Picture 3"/>
+            <p:cNvPicPr>
+              <a:picLocks noChangeAspect="1" noChangeArrowheads="1"/>
+            </p:cNvPicPr>
+            <p:nvPr/>
+          </p:nvPicPr>
+          <p:blipFill>
+            <a:blip r:embed="rId2">
+              <a:extLst>
+                <a:ext uri="{28A0092B-C50C-407E-A947-70E740481C1C}">
+                  <a14:useLocalDpi xmlns:a14="http://schemas.microsoft.com/office/drawing/2010/main" val="0"/>
+                </a:ext>
+              </a:extLst>
+            </a:blip>
+            <a:srcRect/>
+            <a:stretch>
+              <a:fillRect/>
+            </a:stretch>
+          </p:blipFill>
+          <p:spPr bwMode="auto">
+            <a:xfrm>
+              <a:off x="828675" y="604838"/>
+              <a:ext cx="7486650" cy="5648325"/>
+            </a:xfrm>
+            <a:prstGeom prst="rect">
+              <a:avLst/>
+            </a:prstGeom>
+            <a:noFill/>
+            <a:ln>
+              <a:noFill/>
+            </a:ln>
+            <a:extLst>
+              <a:ext uri="{909E8E84-426E-40DD-AFC4-6F175D3DCCD1}">
+                <a14:hiddenFill xmlns:a14="http://schemas.microsoft.com/office/drawing/2010/main">
+                  <a:solidFill>
+                    <a:schemeClr val="accent1"/>
+                  </a:solidFill>
+                </a14:hiddenFill>
+              </a:ext>
+              <a:ext uri="{91240B29-F687-4F45-9708-019B960494DF}">
+                <a14:hiddenLine xmlns:a14="http://schemas.microsoft.com/office/drawing/2010/main" w="9525">
+                  <a:solidFill>
+                    <a:schemeClr val="tx1"/>
+                  </a:solidFill>
+                  <a:miter lim="800000"/>
+                  <a:headEnd/>
+                  <a:tailEnd/>
+                </a14:hiddenLine>
+              </a:ext>
+            </a:extLst>
+          </p:spPr>
+        </p:pic>
+        <p:pic>
+          <p:nvPicPr>
+            <p:cNvPr id="2051" name="Picture 3"/>
+            <p:cNvPicPr>
+              <a:picLocks noChangeAspect="1" noChangeArrowheads="1"/>
+            </p:cNvPicPr>
+            <p:nvPr/>
+          </p:nvPicPr>
+          <p:blipFill>
+            <a:blip r:embed="rId3">
+              <a:extLst>
+                <a:ext uri="{28A0092B-C50C-407E-A947-70E740481C1C}">
+                  <a14:useLocalDpi xmlns:a14="http://schemas.microsoft.com/office/drawing/2010/main" val="0"/>
+                </a:ext>
+              </a:extLst>
+            </a:blip>
+            <a:srcRect/>
+            <a:stretch>
+              <a:fillRect/>
+            </a:stretch>
+          </p:blipFill>
+          <p:spPr bwMode="auto">
+            <a:xfrm>
+              <a:off x="859846" y="620688"/>
+              <a:ext cx="3829050" cy="247650"/>
+            </a:xfrm>
+            <a:prstGeom prst="rect">
+              <a:avLst/>
+            </a:prstGeom>
+            <a:noFill/>
+            <a:ln>
+              <a:noFill/>
+            </a:ln>
+            <a:extLst>
+              <a:ext uri="{909E8E84-426E-40DD-AFC4-6F175D3DCCD1}">
+                <a14:hiddenFill xmlns:a14="http://schemas.microsoft.com/office/drawing/2010/main">
+                  <a:solidFill>
+                    <a:schemeClr val="accent1"/>
+                  </a:solidFill>
+                </a14:hiddenFill>
+              </a:ext>
+              <a:ext uri="{91240B29-F687-4F45-9708-019B960494DF}">
+                <a14:hiddenLine xmlns:a14="http://schemas.microsoft.com/office/drawing/2010/main" w="9525">
+                  <a:solidFill>
+                    <a:schemeClr val="tx1"/>
+                  </a:solidFill>
+                  <a:miter lim="800000"/>
+                  <a:headEnd/>
+                  <a:tailEnd/>
+                </a14:hiddenLine>
+              </a:ext>
+            </a:extLst>
+          </p:spPr>
+        </p:pic>
+      </p:grpSp>
+    </p:spTree>
+    <p:extLst>
+      <p:ext uri="{BB962C8B-B14F-4D97-AF65-F5344CB8AC3E}">
+        <p14:creationId xmlns:p14="http://schemas.microsoft.com/office/powerpoint/2010/main" val="3012983944"/>
+      </p:ext>
+    </p:extLst>
+  </p:cSld>
+  <p:clrMapOvr>
+    <a:masterClrMapping/>
+  </p:clrMapOvr>
+  <p:timing>
+    <p:tnLst>
+      <p:par>
+        <p:cTn id="1" dur="indefinite" restart="never" nodeType="tmRoot"/>
+      </p:par>
+    </p:tnLst>
+  </p:timing>
+</p:sld>
+</file>
+
+<file path=ppt/slides/slide30.xml><?xml version="1.0" encoding="utf-8"?>
 <p:sld xmlns:a="http://schemas.openxmlformats.org/drawingml/2006/main" xmlns:r="http://schemas.openxmlformats.org/officeDocument/2006/relationships" xmlns:p="http://schemas.openxmlformats.org/presentationml/2006/main">
   <p:cSld>
     <p:spTree>

--- a/doc/image/etl-designer-images.pptx
+++ b/doc/image/etl-designer-images.pptx
@@ -6,35 +6,36 @@
   </p:sldMasterIdLst>
   <p:sldIdLst>
     <p:sldId id="276" r:id="rId2"/>
-    <p:sldId id="257" r:id="rId3"/>
-    <p:sldId id="258" r:id="rId4"/>
-    <p:sldId id="259" r:id="rId5"/>
-    <p:sldId id="260" r:id="rId6"/>
-    <p:sldId id="261" r:id="rId7"/>
-    <p:sldId id="262" r:id="rId8"/>
-    <p:sldId id="263" r:id="rId9"/>
-    <p:sldId id="289" r:id="rId10"/>
-    <p:sldId id="282" r:id="rId11"/>
-    <p:sldId id="288" r:id="rId12"/>
-    <p:sldId id="312" r:id="rId13"/>
-    <p:sldId id="313" r:id="rId14"/>
-    <p:sldId id="314" r:id="rId15"/>
-    <p:sldId id="284" r:id="rId16"/>
-    <p:sldId id="287" r:id="rId17"/>
-    <p:sldId id="290" r:id="rId18"/>
-    <p:sldId id="308" r:id="rId19"/>
-    <p:sldId id="309" r:id="rId20"/>
-    <p:sldId id="310" r:id="rId21"/>
-    <p:sldId id="311" r:id="rId22"/>
-    <p:sldId id="296" r:id="rId23"/>
-    <p:sldId id="297" r:id="rId24"/>
-    <p:sldId id="299" r:id="rId25"/>
-    <p:sldId id="301" r:id="rId26"/>
-    <p:sldId id="300" r:id="rId27"/>
-    <p:sldId id="303" r:id="rId28"/>
-    <p:sldId id="305" r:id="rId29"/>
-    <p:sldId id="306" r:id="rId30"/>
-    <p:sldId id="307" r:id="rId31"/>
+    <p:sldId id="315" r:id="rId3"/>
+    <p:sldId id="257" r:id="rId4"/>
+    <p:sldId id="258" r:id="rId5"/>
+    <p:sldId id="259" r:id="rId6"/>
+    <p:sldId id="260" r:id="rId7"/>
+    <p:sldId id="261" r:id="rId8"/>
+    <p:sldId id="262" r:id="rId9"/>
+    <p:sldId id="263" r:id="rId10"/>
+    <p:sldId id="289" r:id="rId11"/>
+    <p:sldId id="282" r:id="rId12"/>
+    <p:sldId id="288" r:id="rId13"/>
+    <p:sldId id="312" r:id="rId14"/>
+    <p:sldId id="313" r:id="rId15"/>
+    <p:sldId id="314" r:id="rId16"/>
+    <p:sldId id="284" r:id="rId17"/>
+    <p:sldId id="287" r:id="rId18"/>
+    <p:sldId id="290" r:id="rId19"/>
+    <p:sldId id="308" r:id="rId20"/>
+    <p:sldId id="309" r:id="rId21"/>
+    <p:sldId id="310" r:id="rId22"/>
+    <p:sldId id="311" r:id="rId23"/>
+    <p:sldId id="296" r:id="rId24"/>
+    <p:sldId id="297" r:id="rId25"/>
+    <p:sldId id="299" r:id="rId26"/>
+    <p:sldId id="301" r:id="rId27"/>
+    <p:sldId id="300" r:id="rId28"/>
+    <p:sldId id="303" r:id="rId29"/>
+    <p:sldId id="305" r:id="rId30"/>
+    <p:sldId id="306" r:id="rId31"/>
+    <p:sldId id="307" r:id="rId32"/>
   </p:sldIdLst>
   <p:sldSz cx="9144000" cy="6858000" type="screen4x3"/>
   <p:notesSz cx="6858000" cy="9144000"/>
@@ -317,7 +318,7 @@
           <a:p>
             <a:fld id="{435ACF63-84AB-4FEC-B6CA-3D83091BAA8C}" type="datetimeFigureOut">
               <a:rPr kumimoji="1" lang="ja-JP" altLang="en-US" smtClean="0"/>
-              <a:t>2017/11/30</a:t>
+              <a:t>2017/12/12</a:t>
             </a:fld>
             <a:endParaRPr kumimoji="1" lang="ja-JP" altLang="en-US"/>
           </a:p>
@@ -519,7 +520,7 @@
           <a:p>
             <a:fld id="{435ACF63-84AB-4FEC-B6CA-3D83091BAA8C}" type="datetimeFigureOut">
               <a:rPr kumimoji="1" lang="ja-JP" altLang="en-US" smtClean="0"/>
-              <a:t>2017/11/30</a:t>
+              <a:t>2017/12/12</a:t>
             </a:fld>
             <a:endParaRPr kumimoji="1" lang="ja-JP" altLang="en-US"/>
           </a:p>
@@ -731,7 +732,7 @@
           <a:p>
             <a:fld id="{435ACF63-84AB-4FEC-B6CA-3D83091BAA8C}" type="datetimeFigureOut">
               <a:rPr kumimoji="1" lang="ja-JP" altLang="en-US" smtClean="0"/>
-              <a:t>2017/11/30</a:t>
+              <a:t>2017/12/12</a:t>
             </a:fld>
             <a:endParaRPr kumimoji="1" lang="ja-JP" altLang="en-US"/>
           </a:p>
@@ -933,7 +934,7 @@
           <a:p>
             <a:fld id="{435ACF63-84AB-4FEC-B6CA-3D83091BAA8C}" type="datetimeFigureOut">
               <a:rPr kumimoji="1" lang="ja-JP" altLang="en-US" smtClean="0"/>
-              <a:t>2017/11/30</a:t>
+              <a:t>2017/12/12</a:t>
             </a:fld>
             <a:endParaRPr kumimoji="1" lang="ja-JP" altLang="en-US"/>
           </a:p>
@@ -1179,7 +1180,7 @@
           <a:p>
             <a:fld id="{435ACF63-84AB-4FEC-B6CA-3D83091BAA8C}" type="datetimeFigureOut">
               <a:rPr kumimoji="1" lang="ja-JP" altLang="en-US" smtClean="0"/>
-              <a:t>2017/11/30</a:t>
+              <a:t>2017/12/12</a:t>
             </a:fld>
             <a:endParaRPr kumimoji="1" lang="ja-JP" altLang="en-US"/>
           </a:p>
@@ -1531,7 +1532,7 @@
           <a:p>
             <a:fld id="{435ACF63-84AB-4FEC-B6CA-3D83091BAA8C}" type="datetimeFigureOut">
               <a:rPr kumimoji="1" lang="ja-JP" altLang="en-US" smtClean="0"/>
-              <a:t>2017/11/30</a:t>
+              <a:t>2017/12/12</a:t>
             </a:fld>
             <a:endParaRPr kumimoji="1" lang="ja-JP" altLang="en-US"/>
           </a:p>
@@ -2017,7 +2018,7 @@
           <a:p>
             <a:fld id="{435ACF63-84AB-4FEC-B6CA-3D83091BAA8C}" type="datetimeFigureOut">
               <a:rPr kumimoji="1" lang="ja-JP" altLang="en-US" smtClean="0"/>
-              <a:t>2017/11/30</a:t>
+              <a:t>2017/12/12</a:t>
             </a:fld>
             <a:endParaRPr kumimoji="1" lang="ja-JP" altLang="en-US"/>
           </a:p>
@@ -2135,7 +2136,7 @@
           <a:p>
             <a:fld id="{435ACF63-84AB-4FEC-B6CA-3D83091BAA8C}" type="datetimeFigureOut">
               <a:rPr kumimoji="1" lang="ja-JP" altLang="en-US" smtClean="0"/>
-              <a:t>2017/11/30</a:t>
+              <a:t>2017/12/12</a:t>
             </a:fld>
             <a:endParaRPr kumimoji="1" lang="ja-JP" altLang="en-US"/>
           </a:p>
@@ -2230,7 +2231,7 @@
           <a:p>
             <a:fld id="{435ACF63-84AB-4FEC-B6CA-3D83091BAA8C}" type="datetimeFigureOut">
               <a:rPr kumimoji="1" lang="ja-JP" altLang="en-US" smtClean="0"/>
-              <a:t>2017/11/30</a:t>
+              <a:t>2017/12/12</a:t>
             </a:fld>
             <a:endParaRPr kumimoji="1" lang="ja-JP" altLang="en-US"/>
           </a:p>
@@ -2539,7 +2540,7 @@
           <a:p>
             <a:fld id="{435ACF63-84AB-4FEC-B6CA-3D83091BAA8C}" type="datetimeFigureOut">
               <a:rPr kumimoji="1" lang="ja-JP" altLang="en-US" smtClean="0"/>
-              <a:t>2017/11/30</a:t>
+              <a:t>2017/12/12</a:t>
             </a:fld>
             <a:endParaRPr kumimoji="1" lang="ja-JP" altLang="en-US"/>
           </a:p>
@@ -2792,7 +2793,7 @@
           <a:p>
             <a:fld id="{435ACF63-84AB-4FEC-B6CA-3D83091BAA8C}" type="datetimeFigureOut">
               <a:rPr kumimoji="1" lang="ja-JP" altLang="en-US" smtClean="0"/>
-              <a:t>2017/11/30</a:t>
+              <a:t>2017/12/12</a:t>
             </a:fld>
             <a:endParaRPr kumimoji="1" lang="ja-JP" altLang="en-US"/>
           </a:p>
@@ -3037,7 +3038,7 @@
           <a:p>
             <a:fld id="{435ACF63-84AB-4FEC-B6CA-3D83091BAA8C}" type="datetimeFigureOut">
               <a:rPr kumimoji="1" lang="ja-JP" altLang="en-US" smtClean="0"/>
-              <a:t>2017/11/30</a:t>
+              <a:t>2017/12/12</a:t>
             </a:fld>
             <a:endParaRPr kumimoji="1" lang="ja-JP" altLang="en-US"/>
           </a:p>
@@ -3771,756 +3772,28 @@
       </p:grpSpPr>
       <p:grpSp>
         <p:nvGrpSpPr>
-          <p:cNvPr id="6" name="グループ化 5"/>
+          <p:cNvPr id="2" name="グループ化 1"/>
           <p:cNvGrpSpPr/>
           <p:nvPr/>
         </p:nvGrpSpPr>
         <p:grpSpPr>
           <a:xfrm>
-            <a:off x="266861" y="107340"/>
-            <a:ext cx="8689142" cy="6562020"/>
-            <a:chOff x="266861" y="107340"/>
-            <a:chExt cx="8689142" cy="6562020"/>
+            <a:off x="828675" y="604838"/>
+            <a:ext cx="7486650" cy="5648325"/>
+            <a:chOff x="828675" y="604838"/>
+            <a:chExt cx="7486650" cy="5648325"/>
           </a:xfrm>
         </p:grpSpPr>
-        <p:sp>
-          <p:nvSpPr>
-            <p:cNvPr id="69" name="正方形/長方形 68"/>
-            <p:cNvSpPr/>
-            <p:nvPr/>
-          </p:nvSpPr>
-          <p:spPr>
-            <a:xfrm>
-              <a:off x="313936" y="6021288"/>
-              <a:ext cx="8469159" cy="648072"/>
-            </a:xfrm>
-            <a:prstGeom prst="rect">
-              <a:avLst/>
-            </a:prstGeom>
-            <a:ln>
-              <a:solidFill>
-                <a:schemeClr val="tx1"/>
-              </a:solidFill>
-            </a:ln>
-          </p:spPr>
-          <p:style>
-            <a:lnRef idx="2">
-              <a:schemeClr val="accent6"/>
-            </a:lnRef>
-            <a:fillRef idx="1">
-              <a:schemeClr val="lt1"/>
-            </a:fillRef>
-            <a:effectRef idx="0">
-              <a:schemeClr val="accent6"/>
-            </a:effectRef>
-            <a:fontRef idx="minor">
-              <a:schemeClr val="dk1"/>
-            </a:fontRef>
-          </p:style>
-          <p:txBody>
-            <a:bodyPr rtlCol="0" anchor="ctr"/>
-            <a:lstStyle/>
-            <a:p>
-              <a:r>
-                <a:rPr kumimoji="1" lang="ja-JP" altLang="en-US" dirty="0" smtClean="0"/>
-                <a:t>凡例</a:t>
-              </a:r>
-              <a:endParaRPr kumimoji="1" lang="ja-JP" altLang="en-US" dirty="0"/>
-            </a:p>
-          </p:txBody>
-        </p:sp>
         <p:pic>
           <p:nvPicPr>
-            <p:cNvPr id="2" name="図 1"/>
-            <p:cNvPicPr>
-              <a:picLocks noChangeAspect="1"/>
-            </p:cNvPicPr>
-            <p:nvPr/>
-          </p:nvPicPr>
-          <p:blipFill>
-            <a:blip r:embed="rId2" cstate="print">
-              <a:extLst>
-                <a:ext uri="{28A0092B-C50C-407E-A947-70E740481C1C}">
-                  <a14:useLocalDpi xmlns:a14="http://schemas.microsoft.com/office/drawing/2010/main" val="0"/>
-                </a:ext>
-              </a:extLst>
-            </a:blip>
-            <a:stretch>
-              <a:fillRect/>
-            </a:stretch>
-          </p:blipFill>
-          <p:spPr>
-            <a:xfrm>
-              <a:off x="266861" y="639777"/>
-              <a:ext cx="1342318" cy="1349063"/>
-            </a:xfrm>
-            <a:prstGeom prst="rect">
-              <a:avLst/>
-            </a:prstGeom>
-          </p:spPr>
-        </p:pic>
-        <p:sp>
-          <p:nvSpPr>
-            <p:cNvPr id="3" name="正方形/長方形 2"/>
-            <p:cNvSpPr/>
-            <p:nvPr/>
-          </p:nvSpPr>
-          <p:spPr>
-            <a:xfrm>
-              <a:off x="266861" y="2097912"/>
-              <a:ext cx="1258767" cy="809560"/>
-            </a:xfrm>
-            <a:prstGeom prst="rect">
-              <a:avLst/>
-            </a:prstGeom>
-            <a:ln>
-              <a:solidFill>
-                <a:schemeClr val="accent3"/>
-              </a:solidFill>
-            </a:ln>
-          </p:spPr>
-          <p:style>
-            <a:lnRef idx="2">
-              <a:schemeClr val="accent6"/>
-            </a:lnRef>
-            <a:fillRef idx="1">
-              <a:schemeClr val="lt1"/>
-            </a:fillRef>
-            <a:effectRef idx="0">
-              <a:schemeClr val="accent6"/>
-            </a:effectRef>
-            <a:fontRef idx="minor">
-              <a:schemeClr val="dk1"/>
-            </a:fontRef>
-          </p:style>
-          <p:txBody>
-            <a:bodyPr rtlCol="0" anchor="t"/>
-            <a:lstStyle/>
-            <a:p>
-              <a:r>
-                <a:rPr lang="ja-JP" altLang="en-US" sz="1400" dirty="0" smtClean="0"/>
-                <a:t>設計書</a:t>
-              </a:r>
-              <a:endParaRPr lang="en-US" altLang="ja-JP" sz="1400" dirty="0" smtClean="0"/>
-            </a:p>
-            <a:p>
-              <a:r>
-                <a:rPr lang="ja-JP" altLang="en-US" sz="1400" dirty="0" smtClean="0"/>
-                <a:t>・</a:t>
-              </a:r>
-              <a:r>
-                <a:rPr lang="ja-JP" altLang="en-US" sz="1400" dirty="0"/>
-                <a:t>処理</a:t>
-              </a:r>
-              <a:r>
-                <a:rPr lang="ja-JP" altLang="en-US" sz="1400" dirty="0" smtClean="0"/>
-                <a:t>フロー</a:t>
-              </a:r>
-              <a:endParaRPr lang="en-US" altLang="ja-JP" sz="1400" dirty="0"/>
-            </a:p>
-            <a:p>
-              <a:r>
-                <a:rPr lang="ja-JP" altLang="en-US" sz="1400" dirty="0" smtClean="0"/>
-                <a:t>・</a:t>
-              </a:r>
-              <a:r>
-                <a:rPr lang="ja-JP" altLang="en-US" sz="1400" dirty="0"/>
-                <a:t>変換</a:t>
-              </a:r>
-              <a:r>
-                <a:rPr lang="ja-JP" altLang="en-US" sz="1400" dirty="0" smtClean="0"/>
-                <a:t>仕様</a:t>
-              </a:r>
-              <a:endParaRPr lang="en-US" altLang="ja-JP" sz="1400" dirty="0" smtClean="0"/>
-            </a:p>
-            <a:p>
-              <a:endParaRPr lang="ja-JP" altLang="en-US" sz="1400" dirty="0"/>
-            </a:p>
-          </p:txBody>
-        </p:sp>
-        <p:sp>
-          <p:nvSpPr>
-            <p:cNvPr id="5" name="正方形/長方形 4"/>
-            <p:cNvSpPr/>
-            <p:nvPr/>
-          </p:nvSpPr>
-          <p:spPr>
-            <a:xfrm>
-              <a:off x="313936" y="4841893"/>
-              <a:ext cx="1258767" cy="809560"/>
-            </a:xfrm>
-            <a:prstGeom prst="rect">
-              <a:avLst/>
-            </a:prstGeom>
-            <a:ln>
-              <a:solidFill>
-                <a:schemeClr val="accent3"/>
-              </a:solidFill>
-            </a:ln>
-          </p:spPr>
-          <p:style>
-            <a:lnRef idx="2">
-              <a:schemeClr val="accent6"/>
-            </a:lnRef>
-            <a:fillRef idx="1">
-              <a:schemeClr val="lt1"/>
-            </a:fillRef>
-            <a:effectRef idx="0">
-              <a:schemeClr val="accent6"/>
-            </a:effectRef>
-            <a:fontRef idx="minor">
-              <a:schemeClr val="dk1"/>
-            </a:fontRef>
-          </p:style>
-          <p:txBody>
-            <a:bodyPr rtlCol="0" anchor="t"/>
-            <a:lstStyle/>
-            <a:p>
-              <a:r>
-                <a:rPr lang="ja-JP" altLang="en-US" sz="1400" dirty="0" smtClean="0"/>
-                <a:t>設計書</a:t>
-              </a:r>
-              <a:endParaRPr lang="en-US" altLang="ja-JP" sz="1400" dirty="0" smtClean="0"/>
-            </a:p>
-            <a:p>
-              <a:r>
-                <a:rPr lang="ja-JP" altLang="en-US" sz="1400" dirty="0"/>
-                <a:t>・</a:t>
-              </a:r>
-              <a:r>
-                <a:rPr lang="ja-JP" altLang="en-US" sz="1400" dirty="0" smtClean="0"/>
-                <a:t>データ項目</a:t>
-              </a:r>
-              <a:endParaRPr lang="ja-JP" altLang="en-US" sz="1400" dirty="0"/>
-            </a:p>
-            <a:p>
-              <a:endParaRPr lang="en-US" altLang="ja-JP" dirty="0"/>
-            </a:p>
-          </p:txBody>
-        </p:sp>
-        <p:sp>
-          <p:nvSpPr>
-            <p:cNvPr id="19" name="テキスト ボックス 18"/>
-            <p:cNvSpPr txBox="1"/>
-            <p:nvPr/>
-          </p:nvSpPr>
-          <p:spPr>
-            <a:xfrm>
-              <a:off x="943320" y="793085"/>
-              <a:ext cx="646331" cy="369332"/>
-            </a:xfrm>
-            <a:prstGeom prst="rect">
-              <a:avLst/>
-            </a:prstGeom>
-            <a:noFill/>
-          </p:spPr>
-          <p:txBody>
-            <a:bodyPr wrap="none" rtlCol="0">
-              <a:spAutoFit/>
-            </a:bodyPr>
-            <a:lstStyle/>
-            <a:p>
-              <a:r>
-                <a:rPr kumimoji="1" lang="ja-JP" altLang="en-US" dirty="0" smtClean="0"/>
-                <a:t>設計</a:t>
-              </a:r>
-              <a:endParaRPr kumimoji="1" lang="ja-JP" altLang="en-US" dirty="0"/>
-            </a:p>
-          </p:txBody>
-        </p:sp>
-        <p:sp>
-          <p:nvSpPr>
-            <p:cNvPr id="20" name="テキスト ボックス 19"/>
-            <p:cNvSpPr txBox="1"/>
-            <p:nvPr/>
-          </p:nvSpPr>
-          <p:spPr>
-            <a:xfrm>
-              <a:off x="3084352" y="793085"/>
-              <a:ext cx="646331" cy="369332"/>
-            </a:xfrm>
-            <a:prstGeom prst="rect">
-              <a:avLst/>
-            </a:prstGeom>
-            <a:noFill/>
-          </p:spPr>
-          <p:txBody>
-            <a:bodyPr wrap="none" rtlCol="0">
-              <a:spAutoFit/>
-            </a:bodyPr>
-            <a:lstStyle/>
-            <a:p>
-              <a:r>
-                <a:rPr kumimoji="1" lang="ja-JP" altLang="en-US" dirty="0" smtClean="0"/>
-                <a:t>実装</a:t>
-              </a:r>
-              <a:endParaRPr kumimoji="1" lang="ja-JP" altLang="en-US" dirty="0"/>
-            </a:p>
-          </p:txBody>
-        </p:sp>
-        <p:sp>
-          <p:nvSpPr>
-            <p:cNvPr id="36" name="正方形/長方形 35"/>
-            <p:cNvSpPr/>
-            <p:nvPr/>
-          </p:nvSpPr>
-          <p:spPr>
-            <a:xfrm>
-              <a:off x="2415215" y="2098723"/>
-              <a:ext cx="1258767" cy="809560"/>
-            </a:xfrm>
-            <a:prstGeom prst="rect">
-              <a:avLst/>
-            </a:prstGeom>
-            <a:ln>
-              <a:solidFill>
-                <a:schemeClr val="accent3"/>
-              </a:solidFill>
-            </a:ln>
-          </p:spPr>
-          <p:style>
-            <a:lnRef idx="2">
-              <a:schemeClr val="accent6"/>
-            </a:lnRef>
-            <a:fillRef idx="1">
-              <a:schemeClr val="lt1"/>
-            </a:fillRef>
-            <a:effectRef idx="0">
-              <a:schemeClr val="accent6"/>
-            </a:effectRef>
-            <a:fontRef idx="minor">
-              <a:schemeClr val="dk1"/>
-            </a:fontRef>
-          </p:style>
-          <p:txBody>
-            <a:bodyPr rtlCol="0" anchor="t"/>
-            <a:lstStyle/>
-            <a:p>
-              <a:pPr algn="just"/>
-              <a:r>
-                <a:rPr lang="en-US" altLang="ja-JP" sz="1400" dirty="0"/>
-                <a:t>JOB</a:t>
-              </a:r>
-              <a:r>
-                <a:rPr lang="ja-JP" altLang="en-US" sz="1400" dirty="0" smtClean="0"/>
-                <a:t>定義ファイル</a:t>
-              </a:r>
-              <a:endParaRPr lang="ja-JP" altLang="en-US" sz="1400" dirty="0"/>
-            </a:p>
-          </p:txBody>
-        </p:sp>
-        <p:sp>
-          <p:nvSpPr>
-            <p:cNvPr id="37" name="正方形/長方形 36"/>
-            <p:cNvSpPr/>
-            <p:nvPr/>
-          </p:nvSpPr>
-          <p:spPr>
-            <a:xfrm>
-              <a:off x="2415215" y="4841893"/>
-              <a:ext cx="1258767" cy="809560"/>
-            </a:xfrm>
-            <a:prstGeom prst="rect">
-              <a:avLst/>
-            </a:prstGeom>
-            <a:ln>
-              <a:solidFill>
-                <a:schemeClr val="accent3"/>
-              </a:solidFill>
-            </a:ln>
-          </p:spPr>
-          <p:style>
-            <a:lnRef idx="2">
-              <a:schemeClr val="accent6"/>
-            </a:lnRef>
-            <a:fillRef idx="1">
-              <a:schemeClr val="lt1"/>
-            </a:fillRef>
-            <a:effectRef idx="0">
-              <a:schemeClr val="accent6"/>
-            </a:effectRef>
-            <a:fontRef idx="minor">
-              <a:schemeClr val="dk1"/>
-            </a:fontRef>
-          </p:style>
-          <p:txBody>
-            <a:bodyPr rtlCol="0" anchor="t"/>
-            <a:lstStyle/>
-            <a:p>
-              <a:r>
-                <a:rPr lang="en-US" altLang="ja-JP" sz="1400" dirty="0" smtClean="0"/>
-                <a:t>Bean</a:t>
-              </a:r>
-              <a:endParaRPr lang="ja-JP" altLang="en-US" sz="1400" dirty="0"/>
-            </a:p>
-          </p:txBody>
-        </p:sp>
-        <p:sp>
-          <p:nvSpPr>
-            <p:cNvPr id="38" name="正方形/長方形 37"/>
-            <p:cNvSpPr/>
-            <p:nvPr/>
-          </p:nvSpPr>
-          <p:spPr>
-            <a:xfrm>
-              <a:off x="2415215" y="3927503"/>
-              <a:ext cx="1258767" cy="809560"/>
-            </a:xfrm>
-            <a:prstGeom prst="rect">
-              <a:avLst/>
-            </a:prstGeom>
-            <a:ln>
-              <a:solidFill>
-                <a:schemeClr val="accent3"/>
-              </a:solidFill>
-            </a:ln>
-          </p:spPr>
-          <p:style>
-            <a:lnRef idx="2">
-              <a:schemeClr val="accent6"/>
-            </a:lnRef>
-            <a:fillRef idx="1">
-              <a:schemeClr val="lt1"/>
-            </a:fillRef>
-            <a:effectRef idx="0">
-              <a:schemeClr val="accent6"/>
-            </a:effectRef>
-            <a:fontRef idx="minor">
-              <a:schemeClr val="dk1"/>
-            </a:fontRef>
-          </p:style>
-          <p:txBody>
-            <a:bodyPr rtlCol="0" anchor="t"/>
-            <a:lstStyle/>
-            <a:p>
-              <a:r>
-                <a:rPr lang="en-US" altLang="ja-JP" sz="1400" dirty="0" smtClean="0"/>
-                <a:t>SQL</a:t>
-              </a:r>
-              <a:endParaRPr lang="ja-JP" altLang="en-US" sz="1400" dirty="0"/>
-            </a:p>
-          </p:txBody>
-        </p:sp>
-        <p:cxnSp>
-          <p:nvCxnSpPr>
-            <p:cNvPr id="13" name="直線矢印コネクタ 12"/>
-            <p:cNvCxnSpPr/>
-            <p:nvPr/>
-          </p:nvCxnSpPr>
-          <p:spPr>
-            <a:xfrm>
-              <a:off x="1418989" y="2420888"/>
-              <a:ext cx="1006913" cy="0"/>
-            </a:xfrm>
-            <a:prstGeom prst="straightConnector1">
-              <a:avLst/>
-            </a:prstGeom>
-            <a:ln w="38100">
-              <a:solidFill>
-                <a:srgbClr val="FF0000"/>
-              </a:solidFill>
-              <a:tailEnd type="arrow"/>
-            </a:ln>
-          </p:spPr>
-          <p:style>
-            <a:lnRef idx="1">
-              <a:schemeClr val="accent1"/>
-            </a:lnRef>
-            <a:fillRef idx="0">
-              <a:schemeClr val="accent1"/>
-            </a:fillRef>
-            <a:effectRef idx="0">
-              <a:schemeClr val="accent1"/>
-            </a:effectRef>
-            <a:fontRef idx="minor">
-              <a:schemeClr val="tx1"/>
-            </a:fontRef>
-          </p:style>
-        </p:cxnSp>
-        <p:cxnSp>
-          <p:nvCxnSpPr>
-            <p:cNvPr id="16" name="直線矢印コネクタ 15"/>
-            <p:cNvCxnSpPr>
-              <a:endCxn id="38" idx="1"/>
-            </p:cNvCxnSpPr>
-            <p:nvPr/>
-          </p:nvCxnSpPr>
-          <p:spPr>
-            <a:xfrm>
-              <a:off x="1418989" y="2708920"/>
-              <a:ext cx="996226" cy="1623363"/>
-            </a:xfrm>
-            <a:prstGeom prst="straightConnector1">
-              <a:avLst/>
-            </a:prstGeom>
-            <a:ln w="38100">
-              <a:solidFill>
-                <a:srgbClr val="FF0000"/>
-              </a:solidFill>
-              <a:tailEnd type="arrow"/>
-            </a:ln>
-          </p:spPr>
-          <p:style>
-            <a:lnRef idx="1">
-              <a:schemeClr val="accent1"/>
-            </a:lnRef>
-            <a:fillRef idx="0">
-              <a:schemeClr val="accent1"/>
-            </a:fillRef>
-            <a:effectRef idx="0">
-              <a:schemeClr val="accent1"/>
-            </a:effectRef>
-            <a:fontRef idx="minor">
-              <a:schemeClr val="tx1"/>
-            </a:fontRef>
-          </p:style>
-        </p:cxnSp>
-        <p:cxnSp>
-          <p:nvCxnSpPr>
-            <p:cNvPr id="18" name="直線矢印コネクタ 17"/>
-            <p:cNvCxnSpPr>
-              <a:endCxn id="37" idx="1"/>
-            </p:cNvCxnSpPr>
-            <p:nvPr/>
-          </p:nvCxnSpPr>
-          <p:spPr>
-            <a:xfrm>
-              <a:off x="1500641" y="5241444"/>
-              <a:ext cx="914574" cy="5229"/>
-            </a:xfrm>
-            <a:prstGeom prst="straightConnector1">
-              <a:avLst/>
-            </a:prstGeom>
-            <a:ln w="38100">
-              <a:solidFill>
-                <a:srgbClr val="FF0000"/>
-              </a:solidFill>
-              <a:tailEnd type="arrow"/>
-            </a:ln>
-          </p:spPr>
-          <p:style>
-            <a:lnRef idx="1">
-              <a:schemeClr val="accent1"/>
-            </a:lnRef>
-            <a:fillRef idx="0">
-              <a:schemeClr val="accent1"/>
-            </a:fillRef>
-            <a:effectRef idx="0">
-              <a:schemeClr val="accent1"/>
-            </a:effectRef>
-            <a:fontRef idx="minor">
-              <a:schemeClr val="tx1"/>
-            </a:fontRef>
-          </p:style>
-        </p:cxnSp>
-        <p:sp>
-          <p:nvSpPr>
-            <p:cNvPr id="23" name="テキスト ボックス 22"/>
-            <p:cNvSpPr txBox="1"/>
-            <p:nvPr/>
-          </p:nvSpPr>
-          <p:spPr>
-            <a:xfrm>
-              <a:off x="277132" y="115528"/>
-              <a:ext cx="3898824" cy="646331"/>
-            </a:xfrm>
-            <a:prstGeom prst="rect">
-              <a:avLst/>
-            </a:prstGeom>
-            <a:noFill/>
-          </p:spPr>
-          <p:txBody>
-            <a:bodyPr wrap="none" rtlCol="0">
-              <a:spAutoFit/>
-            </a:bodyPr>
-            <a:lstStyle/>
-            <a:p>
-              <a:r>
-                <a:rPr kumimoji="1" lang="ja-JP" altLang="en-US" b="1" dirty="0" smtClean="0"/>
-                <a:t>従来</a:t>
-              </a:r>
-              <a:r>
-                <a:rPr kumimoji="1" lang="en-US" altLang="ja-JP" b="1" dirty="0" smtClean="0"/>
-                <a:t>(ETL/ETL</a:t>
-              </a:r>
-              <a:r>
-                <a:rPr kumimoji="1" lang="ja-JP" altLang="en-US" b="1" dirty="0" smtClean="0"/>
-                <a:t>デザイナーを使用しない</a:t>
-              </a:r>
-              <a:r>
-                <a:rPr kumimoji="1" lang="en-US" altLang="ja-JP" b="1" dirty="0" smtClean="0"/>
-                <a:t>)</a:t>
-              </a:r>
-            </a:p>
-            <a:p>
-              <a:r>
-                <a:rPr kumimoji="1" lang="ja-JP" altLang="en-US" b="1" dirty="0" smtClean="0"/>
-                <a:t>のバッチ開発</a:t>
-              </a:r>
-              <a:endParaRPr kumimoji="1" lang="ja-JP" altLang="en-US" b="1" dirty="0"/>
-            </a:p>
-          </p:txBody>
-        </p:sp>
-        <p:pic>
-          <p:nvPicPr>
-            <p:cNvPr id="27" name="図 26"/>
-            <p:cNvPicPr>
-              <a:picLocks noChangeAspect="1"/>
-            </p:cNvPicPr>
-            <p:nvPr/>
-          </p:nvPicPr>
-          <p:blipFill>
-            <a:blip r:embed="rId2" cstate="print">
-              <a:extLst>
-                <a:ext uri="{28A0092B-C50C-407E-A947-70E740481C1C}">
-                  <a14:useLocalDpi xmlns:a14="http://schemas.microsoft.com/office/drawing/2010/main" val="0"/>
-                </a:ext>
-              </a:extLst>
-            </a:blip>
-            <a:stretch>
-              <a:fillRect/>
-            </a:stretch>
-          </p:blipFill>
-          <p:spPr>
-            <a:xfrm>
-              <a:off x="4649782" y="639777"/>
-              <a:ext cx="1342318" cy="1349063"/>
-            </a:xfrm>
-            <a:prstGeom prst="rect">
-              <a:avLst/>
-            </a:prstGeom>
-          </p:spPr>
-        </p:pic>
-        <p:sp>
-          <p:nvSpPr>
-            <p:cNvPr id="28" name="正方形/長方形 27"/>
-            <p:cNvSpPr/>
-            <p:nvPr/>
-          </p:nvSpPr>
-          <p:spPr>
-            <a:xfrm>
-              <a:off x="4665809" y="4851688"/>
-              <a:ext cx="1342317" cy="809560"/>
-            </a:xfrm>
-            <a:prstGeom prst="rect">
-              <a:avLst/>
-            </a:prstGeom>
-            <a:ln>
-              <a:solidFill>
-                <a:schemeClr val="accent3"/>
-              </a:solidFill>
-            </a:ln>
-          </p:spPr>
-          <p:style>
-            <a:lnRef idx="2">
-              <a:schemeClr val="accent6"/>
-            </a:lnRef>
-            <a:fillRef idx="1">
-              <a:schemeClr val="lt1"/>
-            </a:fillRef>
-            <a:effectRef idx="0">
-              <a:schemeClr val="accent6"/>
-            </a:effectRef>
-            <a:fontRef idx="minor">
-              <a:schemeClr val="dk1"/>
-            </a:fontRef>
-          </p:style>
-          <p:txBody>
-            <a:bodyPr rtlCol="0" anchor="t"/>
-            <a:lstStyle/>
-            <a:p>
-              <a:r>
-                <a:rPr lang="en-US" altLang="ja-JP" sz="1400" dirty="0" smtClean="0"/>
-                <a:t>Bean</a:t>
-              </a:r>
-            </a:p>
-            <a:p>
-              <a:r>
-                <a:rPr lang="ja-JP" altLang="en-US" sz="1400" dirty="0"/>
-                <a:t>（</a:t>
-              </a:r>
-              <a:r>
-                <a:rPr lang="ja-JP" altLang="en-US" sz="1400" dirty="0" smtClean="0"/>
-                <a:t>データ</a:t>
-              </a:r>
-              <a:r>
-                <a:rPr lang="ja-JP" altLang="en-US" sz="1400" dirty="0"/>
-                <a:t>項目</a:t>
-              </a:r>
-              <a:r>
-                <a:rPr lang="ja-JP" altLang="en-US" sz="1400" dirty="0" smtClean="0"/>
-                <a:t>）</a:t>
-              </a:r>
-              <a:endParaRPr lang="en-US" altLang="ja-JP" sz="1400" dirty="0" smtClean="0"/>
-            </a:p>
-          </p:txBody>
-        </p:sp>
-        <p:sp>
-          <p:nvSpPr>
-            <p:cNvPr id="29" name="正方形/長方形 28"/>
-            <p:cNvSpPr/>
-            <p:nvPr/>
-          </p:nvSpPr>
-          <p:spPr>
-            <a:xfrm>
-              <a:off x="4665809" y="3933762"/>
-              <a:ext cx="1342317" cy="809560"/>
-            </a:xfrm>
-            <a:prstGeom prst="rect">
-              <a:avLst/>
-            </a:prstGeom>
-            <a:ln>
-              <a:solidFill>
-                <a:schemeClr val="accent3"/>
-              </a:solidFill>
-            </a:ln>
-          </p:spPr>
-          <p:style>
-            <a:lnRef idx="2">
-              <a:schemeClr val="accent6"/>
-            </a:lnRef>
-            <a:fillRef idx="1">
-              <a:schemeClr val="lt1"/>
-            </a:fillRef>
-            <a:effectRef idx="0">
-              <a:schemeClr val="accent6"/>
-            </a:effectRef>
-            <a:fontRef idx="minor">
-              <a:schemeClr val="dk1"/>
-            </a:fontRef>
-          </p:style>
-          <p:txBody>
-            <a:bodyPr rtlCol="0" anchor="t"/>
-            <a:lstStyle/>
-            <a:p>
-              <a:r>
-                <a:rPr lang="en-US" altLang="ja-JP" sz="1400" dirty="0" smtClean="0"/>
-                <a:t>SQL</a:t>
-              </a:r>
-            </a:p>
-            <a:p>
-              <a:r>
-                <a:rPr lang="ja-JP" altLang="en-US" sz="1400" dirty="0"/>
-                <a:t>（変換仕様</a:t>
-              </a:r>
-              <a:r>
-                <a:rPr lang="ja-JP" altLang="en-US" sz="1400" dirty="0" smtClean="0"/>
-                <a:t>）</a:t>
-              </a:r>
-              <a:endParaRPr lang="en-US" altLang="ja-JP" sz="1400" dirty="0" smtClean="0"/>
-            </a:p>
-          </p:txBody>
-        </p:sp>
-        <p:pic>
-          <p:nvPicPr>
-            <p:cNvPr id="30" name="Picture 3"/>
+            <p:cNvPr id="2050" name="Picture 2"/>
             <p:cNvPicPr>
               <a:picLocks noChangeAspect="1" noChangeArrowheads="1"/>
             </p:cNvPicPr>
             <p:nvPr/>
           </p:nvPicPr>
           <p:blipFill>
-            <a:blip r:embed="rId3" cstate="print">
+            <a:blip r:embed="rId2">
               <a:extLst>
                 <a:ext uri="{28A0092B-C50C-407E-A947-70E740481C1C}">
                   <a14:useLocalDpi xmlns:a14="http://schemas.microsoft.com/office/drawing/2010/main" val="0"/>
@@ -4534,8 +3807,8 @@
           </p:blipFill>
           <p:spPr bwMode="auto">
             <a:xfrm>
-              <a:off x="6444208" y="2151383"/>
-              <a:ext cx="2032041" cy="1533079"/>
+              <a:off x="828675" y="604838"/>
+              <a:ext cx="7486650" cy="5648325"/>
             </a:xfrm>
             <a:prstGeom prst="rect">
               <a:avLst/>
@@ -4567,21 +3840,426 @@
         </p:pic>
         <p:sp>
           <p:nvSpPr>
-            <p:cNvPr id="31" name="正方形/長方形 30"/>
+            <p:cNvPr id="3" name="正方形/長方形 2"/>
             <p:cNvSpPr/>
             <p:nvPr/>
           </p:nvSpPr>
           <p:spPr>
             <a:xfrm>
-              <a:off x="4665808" y="2097912"/>
-              <a:ext cx="1342318" cy="809560"/>
+              <a:off x="5916140" y="3128281"/>
+              <a:ext cx="2304256" cy="474554"/>
             </a:xfrm>
             <a:prstGeom prst="rect">
               <a:avLst/>
             </a:prstGeom>
+            <a:noFill/>
             <a:ln>
               <a:solidFill>
-                <a:schemeClr val="accent1"/>
+                <a:srgbClr val="FF0000"/>
+              </a:solidFill>
+            </a:ln>
+          </p:spPr>
+          <p:style>
+            <a:lnRef idx="2">
+              <a:schemeClr val="accent1">
+                <a:shade val="50000"/>
+              </a:schemeClr>
+            </a:lnRef>
+            <a:fillRef idx="1">
+              <a:schemeClr val="accent1"/>
+            </a:fillRef>
+            <a:effectRef idx="0">
+              <a:schemeClr val="accent1"/>
+            </a:effectRef>
+            <a:fontRef idx="minor">
+              <a:schemeClr val="lt1"/>
+            </a:fontRef>
+          </p:style>
+          <p:txBody>
+            <a:bodyPr rtlCol="0" anchor="ctr"/>
+            <a:lstStyle/>
+            <a:p>
+              <a:pPr algn="ctr"/>
+              <a:endParaRPr kumimoji="1" lang="ja-JP" altLang="en-US"/>
+            </a:p>
+          </p:txBody>
+        </p:sp>
+        <p:sp>
+          <p:nvSpPr>
+            <p:cNvPr id="4" name="正方形/長方形 3"/>
+            <p:cNvSpPr/>
+            <p:nvPr/>
+          </p:nvSpPr>
+          <p:spPr>
+            <a:xfrm>
+              <a:off x="5916140" y="5229200"/>
+              <a:ext cx="2304256" cy="474554"/>
+            </a:xfrm>
+            <a:prstGeom prst="rect">
+              <a:avLst/>
+            </a:prstGeom>
+            <a:noFill/>
+            <a:ln>
+              <a:solidFill>
+                <a:srgbClr val="FF0000"/>
+              </a:solidFill>
+            </a:ln>
+          </p:spPr>
+          <p:style>
+            <a:lnRef idx="2">
+              <a:schemeClr val="accent1">
+                <a:shade val="50000"/>
+              </a:schemeClr>
+            </a:lnRef>
+            <a:fillRef idx="1">
+              <a:schemeClr val="accent1"/>
+            </a:fillRef>
+            <a:effectRef idx="0">
+              <a:schemeClr val="accent1"/>
+            </a:effectRef>
+            <a:fontRef idx="minor">
+              <a:schemeClr val="lt1"/>
+            </a:fontRef>
+          </p:style>
+          <p:txBody>
+            <a:bodyPr rtlCol="0" anchor="ctr"/>
+            <a:lstStyle/>
+            <a:p>
+              <a:pPr algn="ctr"/>
+              <a:endParaRPr kumimoji="1" lang="ja-JP" altLang="en-US"/>
+            </a:p>
+          </p:txBody>
+        </p:sp>
+        <p:sp>
+          <p:nvSpPr>
+            <p:cNvPr id="5" name="正方形/長方形 4"/>
+            <p:cNvSpPr/>
+            <p:nvPr/>
+          </p:nvSpPr>
+          <p:spPr>
+            <a:xfrm>
+              <a:off x="5916140" y="3598060"/>
+              <a:ext cx="2304256" cy="474554"/>
+            </a:xfrm>
+            <a:prstGeom prst="rect">
+              <a:avLst/>
+            </a:prstGeom>
+            <a:noFill/>
+            <a:ln>
+              <a:solidFill>
+                <a:srgbClr val="FF0000"/>
+              </a:solidFill>
+            </a:ln>
+          </p:spPr>
+          <p:style>
+            <a:lnRef idx="2">
+              <a:schemeClr val="accent1">
+                <a:shade val="50000"/>
+              </a:schemeClr>
+            </a:lnRef>
+            <a:fillRef idx="1">
+              <a:schemeClr val="accent1"/>
+            </a:fillRef>
+            <a:effectRef idx="0">
+              <a:schemeClr val="accent1"/>
+            </a:effectRef>
+            <a:fontRef idx="minor">
+              <a:schemeClr val="lt1"/>
+            </a:fontRef>
+          </p:style>
+          <p:txBody>
+            <a:bodyPr rtlCol="0" anchor="ctr"/>
+            <a:lstStyle/>
+            <a:p>
+              <a:pPr algn="ctr"/>
+              <a:endParaRPr kumimoji="1" lang="ja-JP" altLang="en-US"/>
+            </a:p>
+          </p:txBody>
+        </p:sp>
+        <p:sp>
+          <p:nvSpPr>
+            <p:cNvPr id="6" name="正方形/長方形 5"/>
+            <p:cNvSpPr/>
+            <p:nvPr/>
+          </p:nvSpPr>
+          <p:spPr>
+            <a:xfrm>
+              <a:off x="7068268" y="1125768"/>
+              <a:ext cx="965089" cy="360040"/>
+            </a:xfrm>
+            <a:prstGeom prst="rect">
+              <a:avLst/>
+            </a:prstGeom>
+            <a:noFill/>
+            <a:ln>
+              <a:solidFill>
+                <a:srgbClr val="FF0000"/>
+              </a:solidFill>
+            </a:ln>
+          </p:spPr>
+          <p:style>
+            <a:lnRef idx="2">
+              <a:schemeClr val="accent1">
+                <a:shade val="50000"/>
+              </a:schemeClr>
+            </a:lnRef>
+            <a:fillRef idx="1">
+              <a:schemeClr val="accent1"/>
+            </a:fillRef>
+            <a:effectRef idx="0">
+              <a:schemeClr val="accent1"/>
+            </a:effectRef>
+            <a:fontRef idx="minor">
+              <a:schemeClr val="lt1"/>
+            </a:fontRef>
+          </p:style>
+          <p:txBody>
+            <a:bodyPr rtlCol="0" anchor="ctr"/>
+            <a:lstStyle/>
+            <a:p>
+              <a:pPr algn="ctr"/>
+              <a:endParaRPr kumimoji="1" lang="ja-JP" altLang="en-US"/>
+            </a:p>
+          </p:txBody>
+        </p:sp>
+        <p:sp>
+          <p:nvSpPr>
+            <p:cNvPr id="7" name="正方形/長方形 6"/>
+            <p:cNvSpPr/>
+            <p:nvPr/>
+          </p:nvSpPr>
+          <p:spPr>
+            <a:xfrm>
+              <a:off x="838422" y="3128280"/>
+              <a:ext cx="4309641" cy="1236823"/>
+            </a:xfrm>
+            <a:prstGeom prst="rect">
+              <a:avLst/>
+            </a:prstGeom>
+            <a:noFill/>
+            <a:ln>
+              <a:solidFill>
+                <a:srgbClr val="FF0000"/>
+              </a:solidFill>
+            </a:ln>
+          </p:spPr>
+          <p:style>
+            <a:lnRef idx="2">
+              <a:schemeClr val="accent1">
+                <a:shade val="50000"/>
+              </a:schemeClr>
+            </a:lnRef>
+            <a:fillRef idx="1">
+              <a:schemeClr val="accent1"/>
+            </a:fillRef>
+            <a:effectRef idx="0">
+              <a:schemeClr val="accent1"/>
+            </a:effectRef>
+            <a:fontRef idx="minor">
+              <a:schemeClr val="lt1"/>
+            </a:fontRef>
+          </p:style>
+          <p:txBody>
+            <a:bodyPr rtlCol="0" anchor="ctr"/>
+            <a:lstStyle/>
+            <a:p>
+              <a:pPr algn="ctr"/>
+              <a:endParaRPr kumimoji="1" lang="ja-JP" altLang="en-US"/>
+            </a:p>
+          </p:txBody>
+        </p:sp>
+        <p:pic>
+          <p:nvPicPr>
+            <p:cNvPr id="8194" name="Picture 2"/>
+            <p:cNvPicPr>
+              <a:picLocks noChangeAspect="1" noChangeArrowheads="1"/>
+            </p:cNvPicPr>
+            <p:nvPr/>
+          </p:nvPicPr>
+          <p:blipFill>
+            <a:blip r:embed="rId3">
+              <a:extLst>
+                <a:ext uri="{28A0092B-C50C-407E-A947-70E740481C1C}">
+                  <a14:useLocalDpi xmlns:a14="http://schemas.microsoft.com/office/drawing/2010/main" val="0"/>
+                </a:ext>
+              </a:extLst>
+            </a:blip>
+            <a:srcRect/>
+            <a:stretch>
+              <a:fillRect/>
+            </a:stretch>
+          </p:blipFill>
+          <p:spPr bwMode="auto">
+            <a:xfrm>
+              <a:off x="838422" y="635730"/>
+              <a:ext cx="2990850" cy="247650"/>
+            </a:xfrm>
+            <a:prstGeom prst="rect">
+              <a:avLst/>
+            </a:prstGeom>
+            <a:noFill/>
+            <a:ln>
+              <a:noFill/>
+            </a:ln>
+            <a:extLst>
+              <a:ext uri="{909E8E84-426E-40DD-AFC4-6F175D3DCCD1}">
+                <a14:hiddenFill xmlns:a14="http://schemas.microsoft.com/office/drawing/2010/main">
+                  <a:solidFill>
+                    <a:schemeClr val="accent1"/>
+                  </a:solidFill>
+                </a14:hiddenFill>
+              </a:ext>
+              <a:ext uri="{91240B29-F687-4F45-9708-019B960494DF}">
+                <a14:hiddenLine xmlns:a14="http://schemas.microsoft.com/office/drawing/2010/main" w="9525">
+                  <a:solidFill>
+                    <a:schemeClr val="tx1"/>
+                  </a:solidFill>
+                  <a:miter lim="800000"/>
+                  <a:headEnd/>
+                  <a:tailEnd/>
+                </a14:hiddenLine>
+              </a:ext>
+            </a:extLst>
+          </p:spPr>
+        </p:pic>
+      </p:grpSp>
+    </p:spTree>
+    <p:extLst>
+      <p:ext uri="{BB962C8B-B14F-4D97-AF65-F5344CB8AC3E}">
+        <p14:creationId xmlns:p14="http://schemas.microsoft.com/office/powerpoint/2010/main" val="4130806423"/>
+      </p:ext>
+    </p:extLst>
+  </p:cSld>
+  <p:clrMapOvr>
+    <a:masterClrMapping/>
+  </p:clrMapOvr>
+</p:sld>
+</file>
+
+<file path=ppt/slides/slide11.xml><?xml version="1.0" encoding="utf-8"?>
+<p:sld xmlns:a="http://schemas.openxmlformats.org/drawingml/2006/main" xmlns:r="http://schemas.openxmlformats.org/officeDocument/2006/relationships" xmlns:p="http://schemas.openxmlformats.org/presentationml/2006/main">
+  <p:cSld>
+    <p:spTree>
+      <p:nvGrpSpPr>
+        <p:cNvPr id="1" name=""/>
+        <p:cNvGrpSpPr/>
+        <p:nvPr/>
+      </p:nvGrpSpPr>
+      <p:grpSpPr>
+        <a:xfrm>
+          <a:off x="0" y="0"/>
+          <a:ext cx="0" cy="0"/>
+          <a:chOff x="0" y="0"/>
+          <a:chExt cx="0" cy="0"/>
+        </a:xfrm>
+      </p:grpSpPr>
+      <p:grpSp>
+        <p:nvGrpSpPr>
+          <p:cNvPr id="6" name="グループ化 5"/>
+          <p:cNvGrpSpPr/>
+          <p:nvPr/>
+        </p:nvGrpSpPr>
+        <p:grpSpPr>
+          <a:xfrm>
+            <a:off x="266861" y="107340"/>
+            <a:ext cx="8689142" cy="6562020"/>
+            <a:chOff x="266861" y="107340"/>
+            <a:chExt cx="8689142" cy="6562020"/>
+          </a:xfrm>
+        </p:grpSpPr>
+        <p:sp>
+          <p:nvSpPr>
+            <p:cNvPr id="69" name="正方形/長方形 68"/>
+            <p:cNvSpPr/>
+            <p:nvPr/>
+          </p:nvSpPr>
+          <p:spPr>
+            <a:xfrm>
+              <a:off x="313936" y="6021288"/>
+              <a:ext cx="8469159" cy="648072"/>
+            </a:xfrm>
+            <a:prstGeom prst="rect">
+              <a:avLst/>
+            </a:prstGeom>
+            <a:ln>
+              <a:solidFill>
+                <a:schemeClr val="tx1"/>
+              </a:solidFill>
+            </a:ln>
+          </p:spPr>
+          <p:style>
+            <a:lnRef idx="2">
+              <a:schemeClr val="accent6"/>
+            </a:lnRef>
+            <a:fillRef idx="1">
+              <a:schemeClr val="lt1"/>
+            </a:fillRef>
+            <a:effectRef idx="0">
+              <a:schemeClr val="accent6"/>
+            </a:effectRef>
+            <a:fontRef idx="minor">
+              <a:schemeClr val="dk1"/>
+            </a:fontRef>
+          </p:style>
+          <p:txBody>
+            <a:bodyPr rtlCol="0" anchor="ctr"/>
+            <a:lstStyle/>
+            <a:p>
+              <a:r>
+                <a:rPr kumimoji="1" lang="ja-JP" altLang="en-US" dirty="0" smtClean="0"/>
+                <a:t>凡例</a:t>
+              </a:r>
+              <a:endParaRPr kumimoji="1" lang="ja-JP" altLang="en-US" dirty="0"/>
+            </a:p>
+          </p:txBody>
+        </p:sp>
+        <p:pic>
+          <p:nvPicPr>
+            <p:cNvPr id="2" name="図 1"/>
+            <p:cNvPicPr>
+              <a:picLocks noChangeAspect="1"/>
+            </p:cNvPicPr>
+            <p:nvPr/>
+          </p:nvPicPr>
+          <p:blipFill>
+            <a:blip r:embed="rId2" cstate="print">
+              <a:extLst>
+                <a:ext uri="{28A0092B-C50C-407E-A947-70E740481C1C}">
+                  <a14:useLocalDpi xmlns:a14="http://schemas.microsoft.com/office/drawing/2010/main" val="0"/>
+                </a:ext>
+              </a:extLst>
+            </a:blip>
+            <a:stretch>
+              <a:fillRect/>
+            </a:stretch>
+          </p:blipFill>
+          <p:spPr>
+            <a:xfrm>
+              <a:off x="266861" y="639777"/>
+              <a:ext cx="1342318" cy="1349063"/>
+            </a:xfrm>
+            <a:prstGeom prst="rect">
+              <a:avLst/>
+            </a:prstGeom>
+          </p:spPr>
+        </p:pic>
+        <p:sp>
+          <p:nvSpPr>
+            <p:cNvPr id="3" name="正方形/長方形 2"/>
+            <p:cNvSpPr/>
+            <p:nvPr/>
+          </p:nvSpPr>
+          <p:spPr>
+            <a:xfrm>
+              <a:off x="266861" y="2097912"/>
+              <a:ext cx="1258767" cy="809560"/>
+            </a:xfrm>
+            <a:prstGeom prst="rect">
+              <a:avLst/>
+            </a:prstGeom>
+            <a:ln>
+              <a:solidFill>
+                <a:schemeClr val="accent3"/>
               </a:solidFill>
             </a:ln>
           </p:spPr>
@@ -4604,15 +4282,15 @@
             <a:lstStyle/>
             <a:p>
               <a:r>
-                <a:rPr lang="ja-JP" altLang="en-US" sz="1400" dirty="0"/>
-                <a:t>テンプレート</a:t>
+                <a:rPr lang="ja-JP" altLang="en-US" sz="1400" dirty="0" smtClean="0"/>
+                <a:t>設計書</a:t>
               </a:r>
               <a:endParaRPr lang="en-US" altLang="ja-JP" sz="1400" dirty="0" smtClean="0"/>
             </a:p>
             <a:p>
               <a:r>
                 <a:rPr lang="ja-JP" altLang="en-US" sz="1400" dirty="0" smtClean="0"/>
-                <a:t>（</a:t>
+                <a:t>・</a:t>
               </a:r>
               <a:r>
                 <a:rPr lang="ja-JP" altLang="en-US" sz="1400" dirty="0"/>
@@ -4620,228 +4298,39 @@
               </a:r>
               <a:r>
                 <a:rPr lang="ja-JP" altLang="en-US" sz="1400" dirty="0" smtClean="0"/>
-                <a:t>フロー）</a:t>
+                <a:t>フロー</a:t>
+              </a:r>
+              <a:endParaRPr lang="en-US" altLang="ja-JP" sz="1400" dirty="0"/>
+            </a:p>
+            <a:p>
+              <a:r>
+                <a:rPr lang="ja-JP" altLang="en-US" sz="1400" dirty="0" smtClean="0"/>
+                <a:t>・</a:t>
+              </a:r>
+              <a:r>
+                <a:rPr lang="ja-JP" altLang="en-US" sz="1400" dirty="0"/>
+                <a:t>変換</a:t>
+              </a:r>
+              <a:r>
+                <a:rPr lang="ja-JP" altLang="en-US" sz="1400" dirty="0" smtClean="0"/>
+                <a:t>仕様</a:t>
               </a:r>
               <a:endParaRPr lang="en-US" altLang="ja-JP" sz="1400" dirty="0" smtClean="0"/>
             </a:p>
             <a:p>
-              <a:endParaRPr lang="en-US" altLang="ja-JP" sz="1400" dirty="0" smtClean="0"/>
-            </a:p>
-          </p:txBody>
-        </p:sp>
-        <p:cxnSp>
-          <p:nvCxnSpPr>
-            <p:cNvPr id="32" name="直線矢印コネクタ 31"/>
-            <p:cNvCxnSpPr>
-              <a:stCxn id="31" idx="3"/>
-            </p:cNvCxnSpPr>
-            <p:nvPr/>
-          </p:nvCxnSpPr>
-          <p:spPr>
-            <a:xfrm>
-              <a:off x="6008126" y="2502692"/>
-              <a:ext cx="868130" cy="195777"/>
-            </a:xfrm>
-            <a:prstGeom prst="straightConnector1">
-              <a:avLst/>
-            </a:prstGeom>
-            <a:ln w="38100">
-              <a:solidFill>
-                <a:srgbClr val="FF0000"/>
-              </a:solidFill>
-              <a:tailEnd type="arrow"/>
-            </a:ln>
-          </p:spPr>
-          <p:style>
-            <a:lnRef idx="1">
-              <a:schemeClr val="accent1"/>
-            </a:lnRef>
-            <a:fillRef idx="0">
-              <a:schemeClr val="accent1"/>
-            </a:fillRef>
-            <a:effectRef idx="0">
-              <a:schemeClr val="accent1"/>
-            </a:effectRef>
-            <a:fontRef idx="minor">
-              <a:schemeClr val="tx1"/>
-            </a:fontRef>
-          </p:style>
-        </p:cxnSp>
-        <p:cxnSp>
-          <p:nvCxnSpPr>
-            <p:cNvPr id="35" name="直線矢印コネクタ 34"/>
-            <p:cNvCxnSpPr>
-              <a:stCxn id="50" idx="3"/>
-            </p:cNvCxnSpPr>
-            <p:nvPr/>
-          </p:nvCxnSpPr>
-          <p:spPr>
-            <a:xfrm flipV="1">
-              <a:off x="6006885" y="2997914"/>
-              <a:ext cx="1020624" cy="422703"/>
-            </a:xfrm>
-            <a:prstGeom prst="straightConnector1">
-              <a:avLst/>
-            </a:prstGeom>
-            <a:ln w="38100">
-              <a:solidFill>
-                <a:srgbClr val="FF0000"/>
-              </a:solidFill>
-              <a:tailEnd type="arrow"/>
-            </a:ln>
-          </p:spPr>
-          <p:style>
-            <a:lnRef idx="1">
-              <a:schemeClr val="accent1"/>
-            </a:lnRef>
-            <a:fillRef idx="0">
-              <a:schemeClr val="accent1"/>
-            </a:fillRef>
-            <a:effectRef idx="0">
-              <a:schemeClr val="accent1"/>
-            </a:effectRef>
-            <a:fontRef idx="minor">
-              <a:schemeClr val="tx1"/>
-            </a:fontRef>
-          </p:style>
-        </p:cxnSp>
-        <p:cxnSp>
-          <p:nvCxnSpPr>
-            <p:cNvPr id="39" name="直線矢印コネクタ 38"/>
-            <p:cNvCxnSpPr>
-              <a:stCxn id="29" idx="3"/>
-            </p:cNvCxnSpPr>
-            <p:nvPr/>
-          </p:nvCxnSpPr>
-          <p:spPr>
-            <a:xfrm flipV="1">
-              <a:off x="6008126" y="2780928"/>
-              <a:ext cx="2020258" cy="1557614"/>
-            </a:xfrm>
-            <a:prstGeom prst="straightConnector1">
-              <a:avLst/>
-            </a:prstGeom>
-            <a:ln w="38100">
-              <a:solidFill>
-                <a:srgbClr val="FF0000"/>
-              </a:solidFill>
-              <a:tailEnd type="arrow"/>
-            </a:ln>
-          </p:spPr>
-          <p:style>
-            <a:lnRef idx="1">
-              <a:schemeClr val="accent1"/>
-            </a:lnRef>
-            <a:fillRef idx="0">
-              <a:schemeClr val="accent1"/>
-            </a:fillRef>
-            <a:effectRef idx="0">
-              <a:schemeClr val="accent1"/>
-            </a:effectRef>
-            <a:fontRef idx="minor">
-              <a:schemeClr val="tx1"/>
-            </a:fontRef>
-          </p:style>
-        </p:cxnSp>
-        <p:sp>
-          <p:nvSpPr>
-            <p:cNvPr id="40" name="テキスト ボックス 39"/>
-            <p:cNvSpPr txBox="1"/>
-            <p:nvPr/>
-          </p:nvSpPr>
-          <p:spPr>
-            <a:xfrm>
-              <a:off x="5436096" y="803500"/>
-              <a:ext cx="1223412" cy="369332"/>
-            </a:xfrm>
-            <a:prstGeom prst="rect">
-              <a:avLst/>
-            </a:prstGeom>
-            <a:noFill/>
-          </p:spPr>
-          <p:txBody>
-            <a:bodyPr wrap="none" rtlCol="0">
-              <a:spAutoFit/>
-            </a:bodyPr>
-            <a:lstStyle/>
-            <a:p>
-              <a:r>
-                <a:rPr kumimoji="1" lang="ja-JP" altLang="en-US" dirty="0" smtClean="0"/>
-                <a:t>設計・実装</a:t>
-              </a:r>
-              <a:endParaRPr kumimoji="1" lang="ja-JP" altLang="en-US" dirty="0"/>
+              <a:endParaRPr lang="ja-JP" altLang="en-US" sz="1400" dirty="0"/>
             </a:p>
           </p:txBody>
         </p:sp>
         <p:sp>
           <p:nvSpPr>
-            <p:cNvPr id="41" name="テキスト ボックス 40"/>
-            <p:cNvSpPr txBox="1"/>
+            <p:cNvPr id="5" name="正方形/長方形 4"/>
+            <p:cNvSpPr/>
             <p:nvPr/>
           </p:nvSpPr>
           <p:spPr>
             <a:xfrm>
-              <a:off x="5989617" y="2997914"/>
-              <a:ext cx="492443" cy="276999"/>
-            </a:xfrm>
-            <a:prstGeom prst="rect">
-              <a:avLst/>
-            </a:prstGeom>
-            <a:noFill/>
-          </p:spPr>
-          <p:txBody>
-            <a:bodyPr wrap="none" rtlCol="0">
-              <a:spAutoFit/>
-            </a:bodyPr>
-            <a:lstStyle/>
-            <a:p>
-              <a:r>
-                <a:rPr lang="ja-JP" altLang="en-US" sz="1200" dirty="0"/>
-                <a:t>設定</a:t>
-              </a:r>
-              <a:endParaRPr kumimoji="1" lang="ja-JP" altLang="en-US" sz="1200" dirty="0"/>
-            </a:p>
-          </p:txBody>
-        </p:sp>
-        <p:sp>
-          <p:nvSpPr>
-            <p:cNvPr id="42" name="テキスト ボックス 41"/>
-            <p:cNvSpPr txBox="1"/>
-            <p:nvPr/>
-          </p:nvSpPr>
-          <p:spPr>
-            <a:xfrm>
-              <a:off x="6029427" y="3800073"/>
-              <a:ext cx="492443" cy="276999"/>
-            </a:xfrm>
-            <a:prstGeom prst="rect">
-              <a:avLst/>
-            </a:prstGeom>
-            <a:noFill/>
-          </p:spPr>
-          <p:txBody>
-            <a:bodyPr wrap="none" rtlCol="0">
-              <a:spAutoFit/>
-            </a:bodyPr>
-            <a:lstStyle/>
-            <a:p>
-              <a:r>
-                <a:rPr kumimoji="1" lang="ja-JP" altLang="en-US" sz="1200" dirty="0" smtClean="0"/>
-                <a:t>設定</a:t>
-              </a:r>
-              <a:endParaRPr kumimoji="1" lang="ja-JP" altLang="en-US" sz="1200" dirty="0"/>
-            </a:p>
-          </p:txBody>
-        </p:sp>
-        <p:sp>
-          <p:nvSpPr>
-            <p:cNvPr id="44" name="正方形/長方形 43"/>
-            <p:cNvSpPr/>
-            <p:nvPr/>
-          </p:nvSpPr>
-          <p:spPr>
-            <a:xfrm>
-              <a:off x="7524328" y="4581128"/>
+              <a:off x="313936" y="4841893"/>
               <a:ext cx="1258767" cy="809560"/>
             </a:xfrm>
             <a:prstGeom prst="rect">
@@ -4849,7 +4338,7 @@
             </a:prstGeom>
             <a:ln>
               <a:solidFill>
-                <a:schemeClr val="accent1"/>
+                <a:schemeClr val="accent3"/>
               </a:solidFill>
             </a:ln>
           </p:spPr>
@@ -4871,59 +4360,37 @@
             <a:bodyPr rtlCol="0" anchor="t"/>
             <a:lstStyle/>
             <a:p>
-              <a:pPr algn="just"/>
+              <a:r>
+                <a:rPr lang="ja-JP" altLang="en-US" sz="1400" dirty="0" smtClean="0"/>
+                <a:t>設計書</a:t>
+              </a:r>
+              <a:endParaRPr lang="en-US" altLang="ja-JP" sz="1400" dirty="0" smtClean="0"/>
+            </a:p>
+            <a:p>
               <a:r>
                 <a:rPr lang="ja-JP" altLang="en-US" sz="1400" dirty="0"/>
-                <a:t>設定ファイル</a:t>
-              </a:r>
+                <a:t>・</a:t>
+              </a:r>
+              <a:r>
+                <a:rPr lang="ja-JP" altLang="en-US" sz="1400" dirty="0" smtClean="0"/>
+                <a:t>データ項目</a:t>
+              </a:r>
+              <a:endParaRPr lang="ja-JP" altLang="en-US" sz="1400" dirty="0"/>
+            </a:p>
+            <a:p>
+              <a:endParaRPr lang="en-US" altLang="ja-JP" dirty="0"/>
             </a:p>
           </p:txBody>
         </p:sp>
-        <p:cxnSp>
-          <p:nvCxnSpPr>
-            <p:cNvPr id="45" name="直線矢印コネクタ 44"/>
-            <p:cNvCxnSpPr/>
-            <p:nvPr/>
-          </p:nvCxnSpPr>
-          <p:spPr>
-            <a:xfrm>
-              <a:off x="8028384" y="3674011"/>
-              <a:ext cx="0" cy="907117"/>
-            </a:xfrm>
-            <a:prstGeom prst="straightConnector1">
-              <a:avLst/>
-            </a:prstGeom>
-            <a:ln w="38100">
-              <a:solidFill>
-                <a:srgbClr val="FF0000"/>
-              </a:solidFill>
-              <a:tailEnd type="arrow"/>
-            </a:ln>
-          </p:spPr>
-          <p:style>
-            <a:lnRef idx="1">
-              <a:schemeClr val="accent1"/>
-            </a:lnRef>
-            <a:fillRef idx="0">
-              <a:schemeClr val="accent1"/>
-            </a:fillRef>
-            <a:effectRef idx="0">
-              <a:schemeClr val="accent1"/>
-            </a:effectRef>
-            <a:fontRef idx="minor">
-              <a:schemeClr val="tx1"/>
-            </a:fontRef>
-          </p:style>
-        </p:cxnSp>
         <p:sp>
           <p:nvSpPr>
-            <p:cNvPr id="46" name="テキスト ボックス 45"/>
+            <p:cNvPr id="19" name="テキスト ボックス 18"/>
             <p:cNvSpPr txBox="1"/>
             <p:nvPr/>
           </p:nvSpPr>
           <p:spPr>
             <a:xfrm>
-              <a:off x="8153711" y="3892406"/>
+              <a:off x="943320" y="793085"/>
               <a:ext cx="646331" cy="369332"/>
             </a:xfrm>
             <a:prstGeom prst="rect">
@@ -4938,8 +4405,8 @@
             <a:lstStyle/>
             <a:p>
               <a:r>
-                <a:rPr lang="ja-JP" altLang="en-US" dirty="0"/>
-                <a:t>出力</a:t>
+                <a:rPr kumimoji="1" lang="ja-JP" altLang="en-US" dirty="0" smtClean="0"/>
+                <a:t>設計</a:t>
               </a:r>
               <a:endParaRPr kumimoji="1" lang="ja-JP" altLang="en-US" dirty="0"/>
             </a:p>
@@ -4947,14 +4414,14 @@
         </p:sp>
         <p:sp>
           <p:nvSpPr>
-            <p:cNvPr id="47" name="テキスト ボックス 46"/>
+            <p:cNvPr id="20" name="テキスト ボックス 19"/>
             <p:cNvSpPr txBox="1"/>
             <p:nvPr/>
           </p:nvSpPr>
           <p:spPr>
             <a:xfrm>
-              <a:off x="4562600" y="107340"/>
-              <a:ext cx="4152099" cy="369332"/>
+              <a:off x="3084352" y="793085"/>
+              <a:ext cx="646331" cy="369332"/>
             </a:xfrm>
             <a:prstGeom prst="rect">
               <a:avLst/>
@@ -4968,166 +4435,22 @@
             <a:lstStyle/>
             <a:p>
               <a:r>
-                <a:rPr kumimoji="1" lang="en-US" altLang="ja-JP" b="1" dirty="0" smtClean="0"/>
-                <a:t>ETL/ETL</a:t>
-              </a:r>
-              <a:r>
-                <a:rPr kumimoji="1" lang="ja-JP" altLang="en-US" b="1" dirty="0" smtClean="0"/>
-                <a:t>デザイナーを使用したバッチ開発</a:t>
-              </a:r>
-              <a:endParaRPr kumimoji="1" lang="ja-JP" altLang="en-US" b="1" dirty="0"/>
+                <a:rPr kumimoji="1" lang="ja-JP" altLang="en-US" dirty="0" smtClean="0"/>
+                <a:t>実装</a:t>
+              </a:r>
+              <a:endParaRPr kumimoji="1" lang="ja-JP" altLang="en-US" dirty="0"/>
             </a:p>
           </p:txBody>
         </p:sp>
         <p:sp>
           <p:nvSpPr>
-            <p:cNvPr id="49" name="テキスト ボックス 48"/>
-            <p:cNvSpPr txBox="1"/>
+            <p:cNvPr id="36" name="正方形/長方形 35"/>
+            <p:cNvSpPr/>
             <p:nvPr/>
           </p:nvSpPr>
           <p:spPr>
             <a:xfrm>
-              <a:off x="5951765" y="2236144"/>
-              <a:ext cx="492443" cy="276999"/>
-            </a:xfrm>
-            <a:prstGeom prst="rect">
-              <a:avLst/>
-            </a:prstGeom>
-            <a:noFill/>
-          </p:spPr>
-          <p:txBody>
-            <a:bodyPr wrap="none" rtlCol="0">
-              <a:spAutoFit/>
-            </a:bodyPr>
-            <a:lstStyle/>
-            <a:p>
-              <a:r>
-                <a:rPr lang="ja-JP" altLang="en-US" sz="1200" dirty="0"/>
-                <a:t>読込</a:t>
-              </a:r>
-              <a:endParaRPr kumimoji="1" lang="ja-JP" altLang="en-US" sz="1200" dirty="0"/>
-            </a:p>
-          </p:txBody>
-        </p:sp>
-        <p:cxnSp>
-          <p:nvCxnSpPr>
-            <p:cNvPr id="51" name="直線コネクタ 50"/>
-            <p:cNvCxnSpPr/>
-            <p:nvPr/>
-          </p:nvCxnSpPr>
-          <p:spPr>
-            <a:xfrm>
-              <a:off x="4139952" y="300194"/>
-              <a:ext cx="72008" cy="5217038"/>
-            </a:xfrm>
-            <a:prstGeom prst="line">
-              <a:avLst/>
-            </a:prstGeom>
-            <a:ln w="12700">
-              <a:solidFill>
-                <a:schemeClr val="tx1"/>
-              </a:solidFill>
-              <a:prstDash val="dash"/>
-            </a:ln>
-          </p:spPr>
-          <p:style>
-            <a:lnRef idx="1">
-              <a:schemeClr val="accent1"/>
-            </a:lnRef>
-            <a:fillRef idx="0">
-              <a:schemeClr val="accent1"/>
-            </a:fillRef>
-            <a:effectRef idx="0">
-              <a:schemeClr val="accent1"/>
-            </a:effectRef>
-            <a:fontRef idx="minor">
-              <a:schemeClr val="tx1"/>
-            </a:fontRef>
-          </p:style>
-        </p:cxnSp>
-        <p:sp>
-          <p:nvSpPr>
-            <p:cNvPr id="53" name="右矢印 52"/>
-            <p:cNvSpPr/>
-            <p:nvPr/>
-          </p:nvSpPr>
-          <p:spPr>
-            <a:xfrm>
-              <a:off x="3813027" y="1149015"/>
-              <a:ext cx="725855" cy="484632"/>
-            </a:xfrm>
-            <a:prstGeom prst="rightArrow">
-              <a:avLst/>
-            </a:prstGeom>
-          </p:spPr>
-          <p:style>
-            <a:lnRef idx="2">
-              <a:schemeClr val="accent1">
-                <a:shade val="50000"/>
-              </a:schemeClr>
-            </a:lnRef>
-            <a:fillRef idx="1">
-              <a:schemeClr val="accent1"/>
-            </a:fillRef>
-            <a:effectRef idx="0">
-              <a:schemeClr val="accent1"/>
-            </a:effectRef>
-            <a:fontRef idx="minor">
-              <a:schemeClr val="lt1"/>
-            </a:fontRef>
-          </p:style>
-          <p:txBody>
-            <a:bodyPr rtlCol="0" anchor="ctr"/>
-            <a:lstStyle/>
-            <a:p>
-              <a:pPr algn="ctr"/>
-              <a:endParaRPr kumimoji="1" lang="ja-JP" altLang="en-US"/>
-            </a:p>
-          </p:txBody>
-        </p:sp>
-        <p:sp>
-          <p:nvSpPr>
-            <p:cNvPr id="55" name="テキスト ボックス 54"/>
-            <p:cNvSpPr txBox="1"/>
-            <p:nvPr/>
-          </p:nvSpPr>
-          <p:spPr>
-            <a:xfrm>
-              <a:off x="7247127" y="1714882"/>
-              <a:ext cx="1708876" cy="369332"/>
-            </a:xfrm>
-            <a:prstGeom prst="rect">
-              <a:avLst/>
-            </a:prstGeom>
-            <a:noFill/>
-          </p:spPr>
-          <p:txBody>
-            <a:bodyPr wrap="square" rtlCol="0">
-              <a:spAutoFit/>
-            </a:bodyPr>
-            <a:lstStyle/>
-            <a:p>
-              <a:r>
-                <a:rPr lang="en-US" altLang="ja-JP" dirty="0" smtClean="0"/>
-                <a:t>ETL</a:t>
-              </a:r>
-              <a:r>
-                <a:rPr lang="ja-JP" altLang="en-US" dirty="0" smtClean="0"/>
-                <a:t>デザイナー</a:t>
-              </a:r>
-              <a:endParaRPr kumimoji="1" lang="ja-JP" altLang="en-US" dirty="0"/>
-            </a:p>
-          </p:txBody>
-        </p:sp>
-        <p:sp>
-          <p:nvSpPr>
-            <p:cNvPr id="43" name="正方形/長方形 42"/>
-            <p:cNvSpPr/>
-            <p:nvPr/>
-          </p:nvSpPr>
-          <p:spPr>
-            <a:xfrm>
-              <a:off x="2415215" y="3013113"/>
+              <a:off x="2415215" y="2098723"/>
               <a:ext cx="1258767" cy="809560"/>
             </a:xfrm>
             <a:prstGeom prst="rect">
@@ -5157,94 +4480,36 @@
             <a:bodyPr rtlCol="0" anchor="t"/>
             <a:lstStyle/>
             <a:p>
-              <a:r>
-                <a:rPr lang="en-US" altLang="ja-JP" sz="1400" dirty="0" smtClean="0"/>
-                <a:t>Java</a:t>
-              </a:r>
-            </a:p>
-            <a:p>
-              <a:r>
-                <a:rPr lang="en-US" altLang="ja-JP" sz="1400" dirty="0" smtClean="0"/>
-                <a:t>(Reader</a:t>
-              </a:r>
-              <a:r>
-                <a:rPr lang="ja-JP" altLang="en-US" sz="1400" dirty="0" err="1" smtClean="0"/>
-                <a:t>、</a:t>
-              </a:r>
-              <a:endParaRPr lang="en-US" altLang="ja-JP" sz="1400" dirty="0" smtClean="0"/>
-            </a:p>
-            <a:p>
-              <a:r>
-                <a:rPr lang="en-US" altLang="ja-JP" sz="1400" dirty="0" smtClean="0"/>
-                <a:t>Writer</a:t>
+              <a:pPr algn="just"/>
+              <a:r>
+                <a:rPr lang="en-US" altLang="ja-JP" sz="1400" dirty="0"/>
+                <a:t>JOB</a:t>
               </a:r>
               <a:r>
                 <a:rPr lang="ja-JP" altLang="en-US" sz="1400" dirty="0" smtClean="0"/>
-                <a:t>等</a:t>
-              </a:r>
-              <a:r>
-                <a:rPr lang="en-US" altLang="ja-JP" sz="1400" dirty="0" smtClean="0"/>
-                <a:t>)</a:t>
+                <a:t>定義ファイル</a:t>
               </a:r>
               <a:endParaRPr lang="ja-JP" altLang="en-US" sz="1400" dirty="0"/>
             </a:p>
           </p:txBody>
         </p:sp>
-        <p:cxnSp>
-          <p:nvCxnSpPr>
-            <p:cNvPr id="48" name="直線矢印コネクタ 47"/>
-            <p:cNvCxnSpPr>
-              <a:endCxn id="43" idx="1"/>
-            </p:cNvCxnSpPr>
-            <p:nvPr/>
-          </p:nvCxnSpPr>
-          <p:spPr>
-            <a:xfrm>
-              <a:off x="1426221" y="2513143"/>
-              <a:ext cx="988994" cy="904750"/>
-            </a:xfrm>
-            <a:prstGeom prst="straightConnector1">
-              <a:avLst/>
-            </a:prstGeom>
-            <a:ln w="38100">
-              <a:solidFill>
-                <a:srgbClr val="FF0000"/>
-              </a:solidFill>
-              <a:tailEnd type="arrow"/>
-            </a:ln>
-          </p:spPr>
-          <p:style>
-            <a:lnRef idx="1">
-              <a:schemeClr val="accent1"/>
-            </a:lnRef>
-            <a:fillRef idx="0">
-              <a:schemeClr val="accent1"/>
-            </a:fillRef>
-            <a:effectRef idx="0">
-              <a:schemeClr val="accent1"/>
-            </a:effectRef>
-            <a:fontRef idx="minor">
-              <a:schemeClr val="tx1"/>
-            </a:fontRef>
-          </p:style>
-        </p:cxnSp>
         <p:sp>
           <p:nvSpPr>
-            <p:cNvPr id="50" name="正方形/長方形 49"/>
+            <p:cNvPr id="37" name="正方形/長方形 36"/>
             <p:cNvSpPr/>
             <p:nvPr/>
           </p:nvSpPr>
           <p:spPr>
             <a:xfrm>
-              <a:off x="4667050" y="3015837"/>
-              <a:ext cx="1339835" cy="809560"/>
+              <a:off x="2415215" y="4841893"/>
+              <a:ext cx="1258767" cy="809560"/>
             </a:xfrm>
             <a:prstGeom prst="rect">
               <a:avLst/>
             </a:prstGeom>
             <a:ln>
               <a:solidFill>
-                <a:schemeClr val="accent1"/>
+                <a:schemeClr val="accent3"/>
               </a:solidFill>
             </a:ln>
           </p:spPr>
@@ -5267,194 +4532,23 @@
             <a:lstStyle/>
             <a:p>
               <a:r>
-                <a:rPr lang="en-US" altLang="ja-JP" sz="1400" dirty="0"/>
-                <a:t>Java</a:t>
-              </a:r>
-            </a:p>
-            <a:p>
-              <a:r>
-                <a:rPr lang="en-US" altLang="ja-JP" sz="1400" dirty="0"/>
-                <a:t>(Reader</a:t>
-              </a:r>
-              <a:r>
-                <a:rPr lang="ja-JP" altLang="en-US" sz="1400" dirty="0" err="1" smtClean="0"/>
-                <a:t>、</a:t>
-              </a:r>
-              <a:r>
                 <a:rPr lang="en-US" altLang="ja-JP" sz="1400" dirty="0" smtClean="0"/>
-                <a:t>Writer</a:t>
-              </a:r>
-              <a:r>
-                <a:rPr lang="ja-JP" altLang="en-US" sz="1400" dirty="0"/>
-                <a:t>等</a:t>
-              </a:r>
-              <a:r>
-                <a:rPr lang="en-US" altLang="ja-JP" sz="1400" dirty="0"/>
-                <a:t>)</a:t>
+                <a:t>Bean</a:t>
               </a:r>
               <a:endParaRPr lang="ja-JP" altLang="en-US" sz="1400" dirty="0"/>
-            </a:p>
-            <a:p>
-              <a:endParaRPr lang="en-US" altLang="ja-JP" sz="1400" dirty="0" smtClean="0"/>
-            </a:p>
-          </p:txBody>
-        </p:sp>
-        <p:cxnSp>
-          <p:nvCxnSpPr>
-            <p:cNvPr id="52" name="直線矢印コネクタ 51"/>
-            <p:cNvCxnSpPr>
-              <a:stCxn id="28" idx="3"/>
-            </p:cNvCxnSpPr>
-            <p:nvPr/>
-          </p:nvCxnSpPr>
-          <p:spPr>
-            <a:xfrm flipV="1">
-              <a:off x="6008126" y="2997914"/>
-              <a:ext cx="2020258" cy="2258554"/>
-            </a:xfrm>
-            <a:prstGeom prst="straightConnector1">
-              <a:avLst/>
-            </a:prstGeom>
-            <a:ln w="38100">
-              <a:solidFill>
-                <a:srgbClr val="FF0000"/>
-              </a:solidFill>
-              <a:tailEnd type="arrow"/>
-            </a:ln>
-          </p:spPr>
-          <p:style>
-            <a:lnRef idx="1">
-              <a:schemeClr val="accent1"/>
-            </a:lnRef>
-            <a:fillRef idx="0">
-              <a:schemeClr val="accent1"/>
-            </a:fillRef>
-            <a:effectRef idx="0">
-              <a:schemeClr val="accent1"/>
-            </a:effectRef>
-            <a:fontRef idx="minor">
-              <a:schemeClr val="tx1"/>
-            </a:fontRef>
-          </p:style>
-        </p:cxnSp>
-        <p:sp>
-          <p:nvSpPr>
-            <p:cNvPr id="54" name="テキスト ボックス 53"/>
-            <p:cNvSpPr txBox="1"/>
-            <p:nvPr/>
-          </p:nvSpPr>
-          <p:spPr>
-            <a:xfrm>
-              <a:off x="6084186" y="4564894"/>
-              <a:ext cx="492443" cy="276999"/>
-            </a:xfrm>
-            <a:prstGeom prst="rect">
-              <a:avLst/>
-            </a:prstGeom>
-            <a:noFill/>
-          </p:spPr>
-          <p:txBody>
-            <a:bodyPr wrap="none" rtlCol="0">
-              <a:spAutoFit/>
-            </a:bodyPr>
-            <a:lstStyle/>
-            <a:p>
-              <a:r>
-                <a:rPr lang="ja-JP" altLang="en-US" sz="1200" dirty="0"/>
-                <a:t>設定</a:t>
-              </a:r>
-              <a:endParaRPr kumimoji="1" lang="ja-JP" altLang="en-US" sz="1200" dirty="0"/>
-            </a:p>
-          </p:txBody>
-        </p:sp>
-        <p:cxnSp>
-          <p:nvCxnSpPr>
-            <p:cNvPr id="58" name="直線矢印コネクタ 57"/>
-            <p:cNvCxnSpPr/>
-            <p:nvPr/>
-          </p:nvCxnSpPr>
-          <p:spPr>
-            <a:xfrm>
-              <a:off x="5868144" y="1714882"/>
-              <a:ext cx="1140856" cy="706006"/>
-            </a:xfrm>
-            <a:prstGeom prst="straightConnector1">
-              <a:avLst/>
-            </a:prstGeom>
-            <a:ln w="38100">
-              <a:solidFill>
-                <a:srgbClr val="FF0000"/>
-              </a:solidFill>
-              <a:tailEnd type="arrow"/>
-            </a:ln>
-          </p:spPr>
-          <p:style>
-            <a:lnRef idx="1">
-              <a:schemeClr val="accent1"/>
-            </a:lnRef>
-            <a:fillRef idx="0">
-              <a:schemeClr val="accent1"/>
-            </a:fillRef>
-            <a:effectRef idx="0">
-              <a:schemeClr val="accent1"/>
-            </a:effectRef>
-            <a:fontRef idx="minor">
-              <a:schemeClr val="tx1"/>
-            </a:fontRef>
-          </p:style>
-        </p:cxnSp>
-        <p:sp>
-          <p:nvSpPr>
-            <p:cNvPr id="61" name="テキスト ボックス 60"/>
-            <p:cNvSpPr txBox="1"/>
-            <p:nvPr/>
-          </p:nvSpPr>
-          <p:spPr>
-            <a:xfrm>
-              <a:off x="5951765" y="1320486"/>
-              <a:ext cx="1742785" cy="276999"/>
-            </a:xfrm>
-            <a:prstGeom prst="rect">
-              <a:avLst/>
-            </a:prstGeom>
-            <a:noFill/>
-          </p:spPr>
-          <p:txBody>
-            <a:bodyPr wrap="none" rtlCol="0">
-              <a:spAutoFit/>
-            </a:bodyPr>
-            <a:lstStyle/>
-            <a:p>
-              <a:r>
-                <a:rPr lang="ja-JP" altLang="en-US" sz="1200" dirty="0"/>
-                <a:t>処理</a:t>
-              </a:r>
-              <a:r>
-                <a:rPr lang="ja-JP" altLang="en-US" sz="1200" dirty="0" smtClean="0"/>
-                <a:t>フロー</a:t>
-              </a:r>
-              <a:r>
-                <a:rPr lang="ja-JP" altLang="en-US" sz="1200" dirty="0"/>
-                <a:t>の</a:t>
-              </a:r>
-              <a:r>
-                <a:rPr lang="ja-JP" altLang="en-US" sz="1200" dirty="0" smtClean="0"/>
-                <a:t>追加・編集</a:t>
-              </a:r>
-              <a:endParaRPr kumimoji="1" lang="ja-JP" altLang="en-US" sz="1200" dirty="0"/>
             </a:p>
           </p:txBody>
         </p:sp>
         <p:sp>
           <p:nvSpPr>
-            <p:cNvPr id="65" name="正方形/長方形 64"/>
+            <p:cNvPr id="38" name="正方形/長方形 37"/>
             <p:cNvSpPr/>
             <p:nvPr/>
           </p:nvSpPr>
           <p:spPr>
             <a:xfrm>
-              <a:off x="1842379" y="6226439"/>
-              <a:ext cx="323933" cy="288032"/>
+              <a:off x="2415215" y="3927503"/>
+              <a:ext cx="1258767" cy="809560"/>
             </a:xfrm>
             <a:prstGeom prst="rect">
               <a:avLst/>
@@ -5483,20 +4577,136 @@
             <a:bodyPr rtlCol="0" anchor="t"/>
             <a:lstStyle/>
             <a:p>
+              <a:r>
+                <a:rPr lang="en-US" altLang="ja-JP" sz="1400" dirty="0" smtClean="0"/>
+                <a:t>SQL</a:t>
+              </a:r>
               <a:endParaRPr lang="ja-JP" altLang="en-US" sz="1400" dirty="0"/>
             </a:p>
           </p:txBody>
         </p:sp>
+        <p:cxnSp>
+          <p:nvCxnSpPr>
+            <p:cNvPr id="13" name="直線矢印コネクタ 12"/>
+            <p:cNvCxnSpPr/>
+            <p:nvPr/>
+          </p:nvCxnSpPr>
+          <p:spPr>
+            <a:xfrm>
+              <a:off x="1418989" y="2420888"/>
+              <a:ext cx="1006913" cy="0"/>
+            </a:xfrm>
+            <a:prstGeom prst="straightConnector1">
+              <a:avLst/>
+            </a:prstGeom>
+            <a:ln w="38100">
+              <a:solidFill>
+                <a:srgbClr val="FF0000"/>
+              </a:solidFill>
+              <a:tailEnd type="arrow"/>
+            </a:ln>
+          </p:spPr>
+          <p:style>
+            <a:lnRef idx="1">
+              <a:schemeClr val="accent1"/>
+            </a:lnRef>
+            <a:fillRef idx="0">
+              <a:schemeClr val="accent1"/>
+            </a:fillRef>
+            <a:effectRef idx="0">
+              <a:schemeClr val="accent1"/>
+            </a:effectRef>
+            <a:fontRef idx="minor">
+              <a:schemeClr val="tx1"/>
+            </a:fontRef>
+          </p:style>
+        </p:cxnSp>
+        <p:cxnSp>
+          <p:nvCxnSpPr>
+            <p:cNvPr id="16" name="直線矢印コネクタ 15"/>
+            <p:cNvCxnSpPr>
+              <a:endCxn id="38" idx="1"/>
+            </p:cNvCxnSpPr>
+            <p:nvPr/>
+          </p:nvCxnSpPr>
+          <p:spPr>
+            <a:xfrm>
+              <a:off x="1418989" y="2708920"/>
+              <a:ext cx="996226" cy="1623363"/>
+            </a:xfrm>
+            <a:prstGeom prst="straightConnector1">
+              <a:avLst/>
+            </a:prstGeom>
+            <a:ln w="38100">
+              <a:solidFill>
+                <a:srgbClr val="FF0000"/>
+              </a:solidFill>
+              <a:tailEnd type="arrow"/>
+            </a:ln>
+          </p:spPr>
+          <p:style>
+            <a:lnRef idx="1">
+              <a:schemeClr val="accent1"/>
+            </a:lnRef>
+            <a:fillRef idx="0">
+              <a:schemeClr val="accent1"/>
+            </a:fillRef>
+            <a:effectRef idx="0">
+              <a:schemeClr val="accent1"/>
+            </a:effectRef>
+            <a:fontRef idx="minor">
+              <a:schemeClr val="tx1"/>
+            </a:fontRef>
+          </p:style>
+        </p:cxnSp>
+        <p:cxnSp>
+          <p:nvCxnSpPr>
+            <p:cNvPr id="18" name="直線矢印コネクタ 17"/>
+            <p:cNvCxnSpPr>
+              <a:endCxn id="37" idx="1"/>
+            </p:cNvCxnSpPr>
+            <p:nvPr/>
+          </p:nvCxnSpPr>
+          <p:spPr>
+            <a:xfrm>
+              <a:off x="1500641" y="5241444"/>
+              <a:ext cx="914574" cy="5229"/>
+            </a:xfrm>
+            <a:prstGeom prst="straightConnector1">
+              <a:avLst/>
+            </a:prstGeom>
+            <a:ln w="38100">
+              <a:solidFill>
+                <a:srgbClr val="FF0000"/>
+              </a:solidFill>
+              <a:tailEnd type="arrow"/>
+            </a:ln>
+          </p:spPr>
+          <p:style>
+            <a:lnRef idx="1">
+              <a:schemeClr val="accent1"/>
+            </a:lnRef>
+            <a:fillRef idx="0">
+              <a:schemeClr val="accent1"/>
+            </a:fillRef>
+            <a:effectRef idx="0">
+              <a:schemeClr val="accent1"/>
+            </a:effectRef>
+            <a:fontRef idx="minor">
+              <a:schemeClr val="tx1"/>
+            </a:fontRef>
+          </p:style>
+        </p:cxnSp>
         <p:sp>
           <p:nvSpPr>
-            <p:cNvPr id="66" name="テキスト ボックス 65"/>
+            <p:cNvPr id="23" name="テキスト ボックス 22"/>
             <p:cNvSpPr txBox="1"/>
             <p:nvPr/>
           </p:nvSpPr>
           <p:spPr>
             <a:xfrm>
-              <a:off x="2114504" y="6185789"/>
-              <a:ext cx="1678220" cy="369332"/>
+              <a:off x="277132" y="115528"/>
+              <a:ext cx="3898824" cy="646331"/>
             </a:xfrm>
             <a:prstGeom prst="rect">
               <a:avLst/>
@@ -5504,36 +4714,84 @@
             <a:noFill/>
           </p:spPr>
           <p:txBody>
-            <a:bodyPr wrap="square" rtlCol="0">
+            <a:bodyPr wrap="none" rtlCol="0">
               <a:spAutoFit/>
             </a:bodyPr>
             <a:lstStyle/>
             <a:p>
               <a:r>
-                <a:rPr kumimoji="1" lang="ja-JP" altLang="en-US" dirty="0" smtClean="0"/>
-                <a:t>：作成するもの</a:t>
-              </a:r>
-              <a:endParaRPr kumimoji="1" lang="ja-JP" altLang="en-US" dirty="0"/>
+                <a:rPr kumimoji="1" lang="ja-JP" altLang="en-US" b="1" dirty="0" smtClean="0"/>
+                <a:t>従来</a:t>
+              </a:r>
+              <a:r>
+                <a:rPr kumimoji="1" lang="en-US" altLang="ja-JP" b="1" dirty="0" smtClean="0"/>
+                <a:t>(ETL/ETL</a:t>
+              </a:r>
+              <a:r>
+                <a:rPr kumimoji="1" lang="ja-JP" altLang="en-US" b="1" dirty="0" smtClean="0"/>
+                <a:t>デザイナーを使用しない</a:t>
+              </a:r>
+              <a:r>
+                <a:rPr kumimoji="1" lang="en-US" altLang="ja-JP" b="1" dirty="0" smtClean="0"/>
+                <a:t>)</a:t>
+              </a:r>
+            </a:p>
+            <a:p>
+              <a:r>
+                <a:rPr kumimoji="1" lang="ja-JP" altLang="en-US" b="1" dirty="0" smtClean="0"/>
+                <a:t>のバッチ開発</a:t>
+              </a:r>
+              <a:endParaRPr kumimoji="1" lang="ja-JP" altLang="en-US" b="1" dirty="0"/>
             </a:p>
           </p:txBody>
         </p:sp>
+        <p:pic>
+          <p:nvPicPr>
+            <p:cNvPr id="27" name="図 26"/>
+            <p:cNvPicPr>
+              <a:picLocks noChangeAspect="1"/>
+            </p:cNvPicPr>
+            <p:nvPr/>
+          </p:nvPicPr>
+          <p:blipFill>
+            <a:blip r:embed="rId2" cstate="print">
+              <a:extLst>
+                <a:ext uri="{28A0092B-C50C-407E-A947-70E740481C1C}">
+                  <a14:useLocalDpi xmlns:a14="http://schemas.microsoft.com/office/drawing/2010/main" val="0"/>
+                </a:ext>
+              </a:extLst>
+            </a:blip>
+            <a:stretch>
+              <a:fillRect/>
+            </a:stretch>
+          </p:blipFill>
+          <p:spPr>
+            <a:xfrm>
+              <a:off x="4649782" y="639777"/>
+              <a:ext cx="1342318" cy="1349063"/>
+            </a:xfrm>
+            <a:prstGeom prst="rect">
+              <a:avLst/>
+            </a:prstGeom>
+          </p:spPr>
+        </p:pic>
         <p:sp>
           <p:nvSpPr>
-            <p:cNvPr id="67" name="正方形/長方形 66"/>
+            <p:cNvPr id="28" name="正方形/長方形 27"/>
             <p:cNvSpPr/>
             <p:nvPr/>
           </p:nvSpPr>
           <p:spPr>
             <a:xfrm>
-              <a:off x="4208526" y="6210384"/>
-              <a:ext cx="323933" cy="288032"/>
+              <a:off x="4665809" y="4851688"/>
+              <a:ext cx="1342317" cy="809560"/>
             </a:xfrm>
             <a:prstGeom prst="rect">
               <a:avLst/>
             </a:prstGeom>
             <a:ln>
               <a:solidFill>
-                <a:schemeClr val="accent1"/>
+                <a:schemeClr val="accent3"/>
               </a:solidFill>
             </a:ln>
           </p:spPr>
@@ -5555,6 +4813,1132 @@
             <a:bodyPr rtlCol="0" anchor="t"/>
             <a:lstStyle/>
             <a:p>
+              <a:r>
+                <a:rPr lang="en-US" altLang="ja-JP" sz="1400" dirty="0" smtClean="0"/>
+                <a:t>Bean</a:t>
+              </a:r>
+            </a:p>
+            <a:p>
+              <a:r>
+                <a:rPr lang="ja-JP" altLang="en-US" sz="1400" dirty="0"/>
+                <a:t>（</a:t>
+              </a:r>
+              <a:r>
+                <a:rPr lang="ja-JP" altLang="en-US" sz="1400" dirty="0" smtClean="0"/>
+                <a:t>データ</a:t>
+              </a:r>
+              <a:r>
+                <a:rPr lang="ja-JP" altLang="en-US" sz="1400" dirty="0"/>
+                <a:t>項目</a:t>
+              </a:r>
+              <a:r>
+                <a:rPr lang="ja-JP" altLang="en-US" sz="1400" dirty="0" smtClean="0"/>
+                <a:t>）</a:t>
+              </a:r>
+              <a:endParaRPr lang="en-US" altLang="ja-JP" sz="1400" dirty="0" smtClean="0"/>
+            </a:p>
+          </p:txBody>
+        </p:sp>
+        <p:sp>
+          <p:nvSpPr>
+            <p:cNvPr id="29" name="正方形/長方形 28"/>
+            <p:cNvSpPr/>
+            <p:nvPr/>
+          </p:nvSpPr>
+          <p:spPr>
+            <a:xfrm>
+              <a:off x="4665809" y="3933762"/>
+              <a:ext cx="1342317" cy="809560"/>
+            </a:xfrm>
+            <a:prstGeom prst="rect">
+              <a:avLst/>
+            </a:prstGeom>
+            <a:ln>
+              <a:solidFill>
+                <a:schemeClr val="accent3"/>
+              </a:solidFill>
+            </a:ln>
+          </p:spPr>
+          <p:style>
+            <a:lnRef idx="2">
+              <a:schemeClr val="accent6"/>
+            </a:lnRef>
+            <a:fillRef idx="1">
+              <a:schemeClr val="lt1"/>
+            </a:fillRef>
+            <a:effectRef idx="0">
+              <a:schemeClr val="accent6"/>
+            </a:effectRef>
+            <a:fontRef idx="minor">
+              <a:schemeClr val="dk1"/>
+            </a:fontRef>
+          </p:style>
+          <p:txBody>
+            <a:bodyPr rtlCol="0" anchor="t"/>
+            <a:lstStyle/>
+            <a:p>
+              <a:r>
+                <a:rPr lang="en-US" altLang="ja-JP" sz="1400" dirty="0" smtClean="0"/>
+                <a:t>SQL</a:t>
+              </a:r>
+            </a:p>
+            <a:p>
+              <a:r>
+                <a:rPr lang="ja-JP" altLang="en-US" sz="1400" dirty="0"/>
+                <a:t>（変換仕様</a:t>
+              </a:r>
+              <a:r>
+                <a:rPr lang="ja-JP" altLang="en-US" sz="1400" dirty="0" smtClean="0"/>
+                <a:t>）</a:t>
+              </a:r>
+              <a:endParaRPr lang="en-US" altLang="ja-JP" sz="1400" dirty="0" smtClean="0"/>
+            </a:p>
+          </p:txBody>
+        </p:sp>
+        <p:pic>
+          <p:nvPicPr>
+            <p:cNvPr id="30" name="Picture 3"/>
+            <p:cNvPicPr>
+              <a:picLocks noChangeAspect="1" noChangeArrowheads="1"/>
+            </p:cNvPicPr>
+            <p:nvPr/>
+          </p:nvPicPr>
+          <p:blipFill>
+            <a:blip r:embed="rId3" cstate="print">
+              <a:extLst>
+                <a:ext uri="{28A0092B-C50C-407E-A947-70E740481C1C}">
+                  <a14:useLocalDpi xmlns:a14="http://schemas.microsoft.com/office/drawing/2010/main" val="0"/>
+                </a:ext>
+              </a:extLst>
+            </a:blip>
+            <a:srcRect/>
+            <a:stretch>
+              <a:fillRect/>
+            </a:stretch>
+          </p:blipFill>
+          <p:spPr bwMode="auto">
+            <a:xfrm>
+              <a:off x="6444208" y="2151383"/>
+              <a:ext cx="2032041" cy="1533079"/>
+            </a:xfrm>
+            <a:prstGeom prst="rect">
+              <a:avLst/>
+            </a:prstGeom>
+            <a:noFill/>
+            <a:ln>
+              <a:noFill/>
+            </a:ln>
+            <a:extLst>
+              <a:ext uri="{909E8E84-426E-40DD-AFC4-6F175D3DCCD1}">
+                <a14:hiddenFill xmlns:a14="http://schemas.microsoft.com/office/drawing/2010/main">
+                  <a:solidFill>
+                    <a:schemeClr val="accent1"/>
+                  </a:solidFill>
+                </a14:hiddenFill>
+              </a:ext>
+              <a:ext uri="{91240B29-F687-4F45-9708-019B960494DF}">
+                <a14:hiddenLine xmlns:a14="http://schemas.microsoft.com/office/drawing/2010/main" w="9525">
+                  <a:solidFill>
+                    <a:schemeClr val="tx1"/>
+                  </a:solidFill>
+                  <a:miter lim="800000"/>
+                  <a:headEnd/>
+                  <a:tailEnd/>
+                </a14:hiddenLine>
+              </a:ext>
+            </a:extLst>
+          </p:spPr>
+        </p:pic>
+        <p:sp>
+          <p:nvSpPr>
+            <p:cNvPr id="31" name="正方形/長方形 30"/>
+            <p:cNvSpPr/>
+            <p:nvPr/>
+          </p:nvSpPr>
+          <p:spPr>
+            <a:xfrm>
+              <a:off x="4665808" y="2097912"/>
+              <a:ext cx="1342318" cy="809560"/>
+            </a:xfrm>
+            <a:prstGeom prst="rect">
+              <a:avLst/>
+            </a:prstGeom>
+            <a:ln>
+              <a:solidFill>
+                <a:schemeClr val="accent1"/>
+              </a:solidFill>
+            </a:ln>
+          </p:spPr>
+          <p:style>
+            <a:lnRef idx="2">
+              <a:schemeClr val="accent6"/>
+            </a:lnRef>
+            <a:fillRef idx="1">
+              <a:schemeClr val="lt1"/>
+            </a:fillRef>
+            <a:effectRef idx="0">
+              <a:schemeClr val="accent6"/>
+            </a:effectRef>
+            <a:fontRef idx="minor">
+              <a:schemeClr val="dk1"/>
+            </a:fontRef>
+          </p:style>
+          <p:txBody>
+            <a:bodyPr rtlCol="0" anchor="t"/>
+            <a:lstStyle/>
+            <a:p>
+              <a:r>
+                <a:rPr lang="ja-JP" altLang="en-US" sz="1400" dirty="0"/>
+                <a:t>テンプレート</a:t>
+              </a:r>
+              <a:endParaRPr lang="en-US" altLang="ja-JP" sz="1400" dirty="0" smtClean="0"/>
+            </a:p>
+            <a:p>
+              <a:r>
+                <a:rPr lang="ja-JP" altLang="en-US" sz="1400" dirty="0" smtClean="0"/>
+                <a:t>（</a:t>
+              </a:r>
+              <a:r>
+                <a:rPr lang="ja-JP" altLang="en-US" sz="1400" dirty="0"/>
+                <a:t>処理</a:t>
+              </a:r>
+              <a:r>
+                <a:rPr lang="ja-JP" altLang="en-US" sz="1400" dirty="0" smtClean="0"/>
+                <a:t>フロー）</a:t>
+              </a:r>
+              <a:endParaRPr lang="en-US" altLang="ja-JP" sz="1400" dirty="0" smtClean="0"/>
+            </a:p>
+            <a:p>
+              <a:endParaRPr lang="en-US" altLang="ja-JP" sz="1400" dirty="0" smtClean="0"/>
+            </a:p>
+          </p:txBody>
+        </p:sp>
+        <p:cxnSp>
+          <p:nvCxnSpPr>
+            <p:cNvPr id="32" name="直線矢印コネクタ 31"/>
+            <p:cNvCxnSpPr>
+              <a:stCxn id="31" idx="3"/>
+            </p:cNvCxnSpPr>
+            <p:nvPr/>
+          </p:nvCxnSpPr>
+          <p:spPr>
+            <a:xfrm>
+              <a:off x="6008126" y="2502692"/>
+              <a:ext cx="868130" cy="195777"/>
+            </a:xfrm>
+            <a:prstGeom prst="straightConnector1">
+              <a:avLst/>
+            </a:prstGeom>
+            <a:ln w="38100">
+              <a:solidFill>
+                <a:srgbClr val="FF0000"/>
+              </a:solidFill>
+              <a:tailEnd type="arrow"/>
+            </a:ln>
+          </p:spPr>
+          <p:style>
+            <a:lnRef idx="1">
+              <a:schemeClr val="accent1"/>
+            </a:lnRef>
+            <a:fillRef idx="0">
+              <a:schemeClr val="accent1"/>
+            </a:fillRef>
+            <a:effectRef idx="0">
+              <a:schemeClr val="accent1"/>
+            </a:effectRef>
+            <a:fontRef idx="minor">
+              <a:schemeClr val="tx1"/>
+            </a:fontRef>
+          </p:style>
+        </p:cxnSp>
+        <p:cxnSp>
+          <p:nvCxnSpPr>
+            <p:cNvPr id="35" name="直線矢印コネクタ 34"/>
+            <p:cNvCxnSpPr>
+              <a:stCxn id="50" idx="3"/>
+            </p:cNvCxnSpPr>
+            <p:nvPr/>
+          </p:nvCxnSpPr>
+          <p:spPr>
+            <a:xfrm flipV="1">
+              <a:off x="6006885" y="2997914"/>
+              <a:ext cx="1020624" cy="422703"/>
+            </a:xfrm>
+            <a:prstGeom prst="straightConnector1">
+              <a:avLst/>
+            </a:prstGeom>
+            <a:ln w="38100">
+              <a:solidFill>
+                <a:srgbClr val="FF0000"/>
+              </a:solidFill>
+              <a:tailEnd type="arrow"/>
+            </a:ln>
+          </p:spPr>
+          <p:style>
+            <a:lnRef idx="1">
+              <a:schemeClr val="accent1"/>
+            </a:lnRef>
+            <a:fillRef idx="0">
+              <a:schemeClr val="accent1"/>
+            </a:fillRef>
+            <a:effectRef idx="0">
+              <a:schemeClr val="accent1"/>
+            </a:effectRef>
+            <a:fontRef idx="minor">
+              <a:schemeClr val="tx1"/>
+            </a:fontRef>
+          </p:style>
+        </p:cxnSp>
+        <p:cxnSp>
+          <p:nvCxnSpPr>
+            <p:cNvPr id="39" name="直線矢印コネクタ 38"/>
+            <p:cNvCxnSpPr>
+              <a:stCxn id="29" idx="3"/>
+            </p:cNvCxnSpPr>
+            <p:nvPr/>
+          </p:nvCxnSpPr>
+          <p:spPr>
+            <a:xfrm flipV="1">
+              <a:off x="6008126" y="2780928"/>
+              <a:ext cx="2020258" cy="1557614"/>
+            </a:xfrm>
+            <a:prstGeom prst="straightConnector1">
+              <a:avLst/>
+            </a:prstGeom>
+            <a:ln w="38100">
+              <a:solidFill>
+                <a:srgbClr val="FF0000"/>
+              </a:solidFill>
+              <a:tailEnd type="arrow"/>
+            </a:ln>
+          </p:spPr>
+          <p:style>
+            <a:lnRef idx="1">
+              <a:schemeClr val="accent1"/>
+            </a:lnRef>
+            <a:fillRef idx="0">
+              <a:schemeClr val="accent1"/>
+            </a:fillRef>
+            <a:effectRef idx="0">
+              <a:schemeClr val="accent1"/>
+            </a:effectRef>
+            <a:fontRef idx="minor">
+              <a:schemeClr val="tx1"/>
+            </a:fontRef>
+          </p:style>
+        </p:cxnSp>
+        <p:sp>
+          <p:nvSpPr>
+            <p:cNvPr id="40" name="テキスト ボックス 39"/>
+            <p:cNvSpPr txBox="1"/>
+            <p:nvPr/>
+          </p:nvSpPr>
+          <p:spPr>
+            <a:xfrm>
+              <a:off x="5436096" y="803500"/>
+              <a:ext cx="1223412" cy="369332"/>
+            </a:xfrm>
+            <a:prstGeom prst="rect">
+              <a:avLst/>
+            </a:prstGeom>
+            <a:noFill/>
+          </p:spPr>
+          <p:txBody>
+            <a:bodyPr wrap="none" rtlCol="0">
+              <a:spAutoFit/>
+            </a:bodyPr>
+            <a:lstStyle/>
+            <a:p>
+              <a:r>
+                <a:rPr kumimoji="1" lang="ja-JP" altLang="en-US" dirty="0" smtClean="0"/>
+                <a:t>設計・実装</a:t>
+              </a:r>
+              <a:endParaRPr kumimoji="1" lang="ja-JP" altLang="en-US" dirty="0"/>
+            </a:p>
+          </p:txBody>
+        </p:sp>
+        <p:sp>
+          <p:nvSpPr>
+            <p:cNvPr id="41" name="テキスト ボックス 40"/>
+            <p:cNvSpPr txBox="1"/>
+            <p:nvPr/>
+          </p:nvSpPr>
+          <p:spPr>
+            <a:xfrm>
+              <a:off x="5989617" y="2997914"/>
+              <a:ext cx="492443" cy="276999"/>
+            </a:xfrm>
+            <a:prstGeom prst="rect">
+              <a:avLst/>
+            </a:prstGeom>
+            <a:noFill/>
+          </p:spPr>
+          <p:txBody>
+            <a:bodyPr wrap="none" rtlCol="0">
+              <a:spAutoFit/>
+            </a:bodyPr>
+            <a:lstStyle/>
+            <a:p>
+              <a:r>
+                <a:rPr lang="ja-JP" altLang="en-US" sz="1200" dirty="0"/>
+                <a:t>設定</a:t>
+              </a:r>
+              <a:endParaRPr kumimoji="1" lang="ja-JP" altLang="en-US" sz="1200" dirty="0"/>
+            </a:p>
+          </p:txBody>
+        </p:sp>
+        <p:sp>
+          <p:nvSpPr>
+            <p:cNvPr id="42" name="テキスト ボックス 41"/>
+            <p:cNvSpPr txBox="1"/>
+            <p:nvPr/>
+          </p:nvSpPr>
+          <p:spPr>
+            <a:xfrm>
+              <a:off x="6029427" y="3800073"/>
+              <a:ext cx="492443" cy="276999"/>
+            </a:xfrm>
+            <a:prstGeom prst="rect">
+              <a:avLst/>
+            </a:prstGeom>
+            <a:noFill/>
+          </p:spPr>
+          <p:txBody>
+            <a:bodyPr wrap="none" rtlCol="0">
+              <a:spAutoFit/>
+            </a:bodyPr>
+            <a:lstStyle/>
+            <a:p>
+              <a:r>
+                <a:rPr kumimoji="1" lang="ja-JP" altLang="en-US" sz="1200" dirty="0" smtClean="0"/>
+                <a:t>設定</a:t>
+              </a:r>
+              <a:endParaRPr kumimoji="1" lang="ja-JP" altLang="en-US" sz="1200" dirty="0"/>
+            </a:p>
+          </p:txBody>
+        </p:sp>
+        <p:sp>
+          <p:nvSpPr>
+            <p:cNvPr id="44" name="正方形/長方形 43"/>
+            <p:cNvSpPr/>
+            <p:nvPr/>
+          </p:nvSpPr>
+          <p:spPr>
+            <a:xfrm>
+              <a:off x="7524328" y="4581128"/>
+              <a:ext cx="1258767" cy="809560"/>
+            </a:xfrm>
+            <a:prstGeom prst="rect">
+              <a:avLst/>
+            </a:prstGeom>
+            <a:ln>
+              <a:solidFill>
+                <a:schemeClr val="accent1"/>
+              </a:solidFill>
+            </a:ln>
+          </p:spPr>
+          <p:style>
+            <a:lnRef idx="2">
+              <a:schemeClr val="accent6"/>
+            </a:lnRef>
+            <a:fillRef idx="1">
+              <a:schemeClr val="lt1"/>
+            </a:fillRef>
+            <a:effectRef idx="0">
+              <a:schemeClr val="accent6"/>
+            </a:effectRef>
+            <a:fontRef idx="minor">
+              <a:schemeClr val="dk1"/>
+            </a:fontRef>
+          </p:style>
+          <p:txBody>
+            <a:bodyPr rtlCol="0" anchor="t"/>
+            <a:lstStyle/>
+            <a:p>
+              <a:pPr algn="just"/>
+              <a:r>
+                <a:rPr lang="ja-JP" altLang="en-US" sz="1400" dirty="0"/>
+                <a:t>設定ファイル</a:t>
+              </a:r>
+            </a:p>
+          </p:txBody>
+        </p:sp>
+        <p:cxnSp>
+          <p:nvCxnSpPr>
+            <p:cNvPr id="45" name="直線矢印コネクタ 44"/>
+            <p:cNvCxnSpPr/>
+            <p:nvPr/>
+          </p:nvCxnSpPr>
+          <p:spPr>
+            <a:xfrm>
+              <a:off x="8028384" y="3674011"/>
+              <a:ext cx="0" cy="907117"/>
+            </a:xfrm>
+            <a:prstGeom prst="straightConnector1">
+              <a:avLst/>
+            </a:prstGeom>
+            <a:ln w="38100">
+              <a:solidFill>
+                <a:srgbClr val="FF0000"/>
+              </a:solidFill>
+              <a:tailEnd type="arrow"/>
+            </a:ln>
+          </p:spPr>
+          <p:style>
+            <a:lnRef idx="1">
+              <a:schemeClr val="accent1"/>
+            </a:lnRef>
+            <a:fillRef idx="0">
+              <a:schemeClr val="accent1"/>
+            </a:fillRef>
+            <a:effectRef idx="0">
+              <a:schemeClr val="accent1"/>
+            </a:effectRef>
+            <a:fontRef idx="minor">
+              <a:schemeClr val="tx1"/>
+            </a:fontRef>
+          </p:style>
+        </p:cxnSp>
+        <p:sp>
+          <p:nvSpPr>
+            <p:cNvPr id="46" name="テキスト ボックス 45"/>
+            <p:cNvSpPr txBox="1"/>
+            <p:nvPr/>
+          </p:nvSpPr>
+          <p:spPr>
+            <a:xfrm>
+              <a:off x="8153711" y="3892406"/>
+              <a:ext cx="646331" cy="369332"/>
+            </a:xfrm>
+            <a:prstGeom prst="rect">
+              <a:avLst/>
+            </a:prstGeom>
+            <a:noFill/>
+          </p:spPr>
+          <p:txBody>
+            <a:bodyPr wrap="none" rtlCol="0">
+              <a:spAutoFit/>
+            </a:bodyPr>
+            <a:lstStyle/>
+            <a:p>
+              <a:r>
+                <a:rPr lang="ja-JP" altLang="en-US" dirty="0"/>
+                <a:t>出力</a:t>
+              </a:r>
+              <a:endParaRPr kumimoji="1" lang="ja-JP" altLang="en-US" dirty="0"/>
+            </a:p>
+          </p:txBody>
+        </p:sp>
+        <p:sp>
+          <p:nvSpPr>
+            <p:cNvPr id="47" name="テキスト ボックス 46"/>
+            <p:cNvSpPr txBox="1"/>
+            <p:nvPr/>
+          </p:nvSpPr>
+          <p:spPr>
+            <a:xfrm>
+              <a:off x="4562600" y="107340"/>
+              <a:ext cx="4152099" cy="369332"/>
+            </a:xfrm>
+            <a:prstGeom prst="rect">
+              <a:avLst/>
+            </a:prstGeom>
+            <a:noFill/>
+          </p:spPr>
+          <p:txBody>
+            <a:bodyPr wrap="none" rtlCol="0">
+              <a:spAutoFit/>
+            </a:bodyPr>
+            <a:lstStyle/>
+            <a:p>
+              <a:r>
+                <a:rPr kumimoji="1" lang="en-US" altLang="ja-JP" b="1" dirty="0" smtClean="0"/>
+                <a:t>ETL/ETL</a:t>
+              </a:r>
+              <a:r>
+                <a:rPr kumimoji="1" lang="ja-JP" altLang="en-US" b="1" dirty="0" smtClean="0"/>
+                <a:t>デザイナーを使用したバッチ開発</a:t>
+              </a:r>
+              <a:endParaRPr kumimoji="1" lang="ja-JP" altLang="en-US" b="1" dirty="0"/>
+            </a:p>
+          </p:txBody>
+        </p:sp>
+        <p:sp>
+          <p:nvSpPr>
+            <p:cNvPr id="49" name="テキスト ボックス 48"/>
+            <p:cNvSpPr txBox="1"/>
+            <p:nvPr/>
+          </p:nvSpPr>
+          <p:spPr>
+            <a:xfrm>
+              <a:off x="5951765" y="2236144"/>
+              <a:ext cx="492443" cy="276999"/>
+            </a:xfrm>
+            <a:prstGeom prst="rect">
+              <a:avLst/>
+            </a:prstGeom>
+            <a:noFill/>
+          </p:spPr>
+          <p:txBody>
+            <a:bodyPr wrap="none" rtlCol="0">
+              <a:spAutoFit/>
+            </a:bodyPr>
+            <a:lstStyle/>
+            <a:p>
+              <a:r>
+                <a:rPr lang="ja-JP" altLang="en-US" sz="1200" dirty="0"/>
+                <a:t>読込</a:t>
+              </a:r>
+              <a:endParaRPr kumimoji="1" lang="ja-JP" altLang="en-US" sz="1200" dirty="0"/>
+            </a:p>
+          </p:txBody>
+        </p:sp>
+        <p:cxnSp>
+          <p:nvCxnSpPr>
+            <p:cNvPr id="51" name="直線コネクタ 50"/>
+            <p:cNvCxnSpPr/>
+            <p:nvPr/>
+          </p:nvCxnSpPr>
+          <p:spPr>
+            <a:xfrm>
+              <a:off x="4139952" y="300194"/>
+              <a:ext cx="72008" cy="5217038"/>
+            </a:xfrm>
+            <a:prstGeom prst="line">
+              <a:avLst/>
+            </a:prstGeom>
+            <a:ln w="12700">
+              <a:solidFill>
+                <a:schemeClr val="tx1"/>
+              </a:solidFill>
+              <a:prstDash val="dash"/>
+            </a:ln>
+          </p:spPr>
+          <p:style>
+            <a:lnRef idx="1">
+              <a:schemeClr val="accent1"/>
+            </a:lnRef>
+            <a:fillRef idx="0">
+              <a:schemeClr val="accent1"/>
+            </a:fillRef>
+            <a:effectRef idx="0">
+              <a:schemeClr val="accent1"/>
+            </a:effectRef>
+            <a:fontRef idx="minor">
+              <a:schemeClr val="tx1"/>
+            </a:fontRef>
+          </p:style>
+        </p:cxnSp>
+        <p:sp>
+          <p:nvSpPr>
+            <p:cNvPr id="53" name="右矢印 52"/>
+            <p:cNvSpPr/>
+            <p:nvPr/>
+          </p:nvSpPr>
+          <p:spPr>
+            <a:xfrm>
+              <a:off x="3813027" y="1149015"/>
+              <a:ext cx="725855" cy="484632"/>
+            </a:xfrm>
+            <a:prstGeom prst="rightArrow">
+              <a:avLst/>
+            </a:prstGeom>
+          </p:spPr>
+          <p:style>
+            <a:lnRef idx="2">
+              <a:schemeClr val="accent1">
+                <a:shade val="50000"/>
+              </a:schemeClr>
+            </a:lnRef>
+            <a:fillRef idx="1">
+              <a:schemeClr val="accent1"/>
+            </a:fillRef>
+            <a:effectRef idx="0">
+              <a:schemeClr val="accent1"/>
+            </a:effectRef>
+            <a:fontRef idx="minor">
+              <a:schemeClr val="lt1"/>
+            </a:fontRef>
+          </p:style>
+          <p:txBody>
+            <a:bodyPr rtlCol="0" anchor="ctr"/>
+            <a:lstStyle/>
+            <a:p>
+              <a:pPr algn="ctr"/>
+              <a:endParaRPr kumimoji="1" lang="ja-JP" altLang="en-US"/>
+            </a:p>
+          </p:txBody>
+        </p:sp>
+        <p:sp>
+          <p:nvSpPr>
+            <p:cNvPr id="55" name="テキスト ボックス 54"/>
+            <p:cNvSpPr txBox="1"/>
+            <p:nvPr/>
+          </p:nvSpPr>
+          <p:spPr>
+            <a:xfrm>
+              <a:off x="7247127" y="1714882"/>
+              <a:ext cx="1708876" cy="369332"/>
+            </a:xfrm>
+            <a:prstGeom prst="rect">
+              <a:avLst/>
+            </a:prstGeom>
+            <a:noFill/>
+          </p:spPr>
+          <p:txBody>
+            <a:bodyPr wrap="square" rtlCol="0">
+              <a:spAutoFit/>
+            </a:bodyPr>
+            <a:lstStyle/>
+            <a:p>
+              <a:r>
+                <a:rPr lang="en-US" altLang="ja-JP" dirty="0" smtClean="0"/>
+                <a:t>ETL</a:t>
+              </a:r>
+              <a:r>
+                <a:rPr lang="ja-JP" altLang="en-US" dirty="0" smtClean="0"/>
+                <a:t>デザイナー</a:t>
+              </a:r>
+              <a:endParaRPr kumimoji="1" lang="ja-JP" altLang="en-US" dirty="0"/>
+            </a:p>
+          </p:txBody>
+        </p:sp>
+        <p:sp>
+          <p:nvSpPr>
+            <p:cNvPr id="43" name="正方形/長方形 42"/>
+            <p:cNvSpPr/>
+            <p:nvPr/>
+          </p:nvSpPr>
+          <p:spPr>
+            <a:xfrm>
+              <a:off x="2415215" y="3013113"/>
+              <a:ext cx="1258767" cy="809560"/>
+            </a:xfrm>
+            <a:prstGeom prst="rect">
+              <a:avLst/>
+            </a:prstGeom>
+            <a:ln>
+              <a:solidFill>
+                <a:schemeClr val="accent3"/>
+              </a:solidFill>
+            </a:ln>
+          </p:spPr>
+          <p:style>
+            <a:lnRef idx="2">
+              <a:schemeClr val="accent6"/>
+            </a:lnRef>
+            <a:fillRef idx="1">
+              <a:schemeClr val="lt1"/>
+            </a:fillRef>
+            <a:effectRef idx="0">
+              <a:schemeClr val="accent6"/>
+            </a:effectRef>
+            <a:fontRef idx="minor">
+              <a:schemeClr val="dk1"/>
+            </a:fontRef>
+          </p:style>
+          <p:txBody>
+            <a:bodyPr rtlCol="0" anchor="t"/>
+            <a:lstStyle/>
+            <a:p>
+              <a:r>
+                <a:rPr lang="en-US" altLang="ja-JP" sz="1400" dirty="0" smtClean="0"/>
+                <a:t>Java</a:t>
+              </a:r>
+            </a:p>
+            <a:p>
+              <a:r>
+                <a:rPr lang="en-US" altLang="ja-JP" sz="1400" dirty="0" smtClean="0"/>
+                <a:t>(Reader</a:t>
+              </a:r>
+              <a:r>
+                <a:rPr lang="ja-JP" altLang="en-US" sz="1400" dirty="0" err="1" smtClean="0"/>
+                <a:t>、</a:t>
+              </a:r>
+              <a:endParaRPr lang="en-US" altLang="ja-JP" sz="1400" dirty="0" smtClean="0"/>
+            </a:p>
+            <a:p>
+              <a:r>
+                <a:rPr lang="en-US" altLang="ja-JP" sz="1400" dirty="0" smtClean="0"/>
+                <a:t>Writer</a:t>
+              </a:r>
+              <a:r>
+                <a:rPr lang="ja-JP" altLang="en-US" sz="1400" dirty="0" smtClean="0"/>
+                <a:t>等</a:t>
+              </a:r>
+              <a:r>
+                <a:rPr lang="en-US" altLang="ja-JP" sz="1400" dirty="0" smtClean="0"/>
+                <a:t>)</a:t>
+              </a:r>
+              <a:endParaRPr lang="ja-JP" altLang="en-US" sz="1400" dirty="0"/>
+            </a:p>
+          </p:txBody>
+        </p:sp>
+        <p:cxnSp>
+          <p:nvCxnSpPr>
+            <p:cNvPr id="48" name="直線矢印コネクタ 47"/>
+            <p:cNvCxnSpPr>
+              <a:endCxn id="43" idx="1"/>
+            </p:cNvCxnSpPr>
+            <p:nvPr/>
+          </p:nvCxnSpPr>
+          <p:spPr>
+            <a:xfrm>
+              <a:off x="1426221" y="2513143"/>
+              <a:ext cx="988994" cy="904750"/>
+            </a:xfrm>
+            <a:prstGeom prst="straightConnector1">
+              <a:avLst/>
+            </a:prstGeom>
+            <a:ln w="38100">
+              <a:solidFill>
+                <a:srgbClr val="FF0000"/>
+              </a:solidFill>
+              <a:tailEnd type="arrow"/>
+            </a:ln>
+          </p:spPr>
+          <p:style>
+            <a:lnRef idx="1">
+              <a:schemeClr val="accent1"/>
+            </a:lnRef>
+            <a:fillRef idx="0">
+              <a:schemeClr val="accent1"/>
+            </a:fillRef>
+            <a:effectRef idx="0">
+              <a:schemeClr val="accent1"/>
+            </a:effectRef>
+            <a:fontRef idx="minor">
+              <a:schemeClr val="tx1"/>
+            </a:fontRef>
+          </p:style>
+        </p:cxnSp>
+        <p:sp>
+          <p:nvSpPr>
+            <p:cNvPr id="50" name="正方形/長方形 49"/>
+            <p:cNvSpPr/>
+            <p:nvPr/>
+          </p:nvSpPr>
+          <p:spPr>
+            <a:xfrm>
+              <a:off x="4667050" y="3015837"/>
+              <a:ext cx="1339835" cy="809560"/>
+            </a:xfrm>
+            <a:prstGeom prst="rect">
+              <a:avLst/>
+            </a:prstGeom>
+            <a:ln>
+              <a:solidFill>
+                <a:schemeClr val="accent1"/>
+              </a:solidFill>
+            </a:ln>
+          </p:spPr>
+          <p:style>
+            <a:lnRef idx="2">
+              <a:schemeClr val="accent6"/>
+            </a:lnRef>
+            <a:fillRef idx="1">
+              <a:schemeClr val="lt1"/>
+            </a:fillRef>
+            <a:effectRef idx="0">
+              <a:schemeClr val="accent6"/>
+            </a:effectRef>
+            <a:fontRef idx="minor">
+              <a:schemeClr val="dk1"/>
+            </a:fontRef>
+          </p:style>
+          <p:txBody>
+            <a:bodyPr rtlCol="0" anchor="t"/>
+            <a:lstStyle/>
+            <a:p>
+              <a:r>
+                <a:rPr lang="en-US" altLang="ja-JP" sz="1400" dirty="0"/>
+                <a:t>Java</a:t>
+              </a:r>
+            </a:p>
+            <a:p>
+              <a:r>
+                <a:rPr lang="en-US" altLang="ja-JP" sz="1400" dirty="0"/>
+                <a:t>(Reader</a:t>
+              </a:r>
+              <a:r>
+                <a:rPr lang="ja-JP" altLang="en-US" sz="1400" dirty="0" err="1" smtClean="0"/>
+                <a:t>、</a:t>
+              </a:r>
+              <a:r>
+                <a:rPr lang="en-US" altLang="ja-JP" sz="1400" dirty="0" smtClean="0"/>
+                <a:t>Writer</a:t>
+              </a:r>
+              <a:r>
+                <a:rPr lang="ja-JP" altLang="en-US" sz="1400" dirty="0"/>
+                <a:t>等</a:t>
+              </a:r>
+              <a:r>
+                <a:rPr lang="en-US" altLang="ja-JP" sz="1400" dirty="0"/>
+                <a:t>)</a:t>
+              </a:r>
+              <a:endParaRPr lang="ja-JP" altLang="en-US" sz="1400" dirty="0"/>
+            </a:p>
+            <a:p>
+              <a:endParaRPr lang="en-US" altLang="ja-JP" sz="1400" dirty="0" smtClean="0"/>
+            </a:p>
+          </p:txBody>
+        </p:sp>
+        <p:cxnSp>
+          <p:nvCxnSpPr>
+            <p:cNvPr id="52" name="直線矢印コネクタ 51"/>
+            <p:cNvCxnSpPr>
+              <a:stCxn id="28" idx="3"/>
+            </p:cNvCxnSpPr>
+            <p:nvPr/>
+          </p:nvCxnSpPr>
+          <p:spPr>
+            <a:xfrm flipV="1">
+              <a:off x="6008126" y="2997914"/>
+              <a:ext cx="2020258" cy="2258554"/>
+            </a:xfrm>
+            <a:prstGeom prst="straightConnector1">
+              <a:avLst/>
+            </a:prstGeom>
+            <a:ln w="38100">
+              <a:solidFill>
+                <a:srgbClr val="FF0000"/>
+              </a:solidFill>
+              <a:tailEnd type="arrow"/>
+            </a:ln>
+          </p:spPr>
+          <p:style>
+            <a:lnRef idx="1">
+              <a:schemeClr val="accent1"/>
+            </a:lnRef>
+            <a:fillRef idx="0">
+              <a:schemeClr val="accent1"/>
+            </a:fillRef>
+            <a:effectRef idx="0">
+              <a:schemeClr val="accent1"/>
+            </a:effectRef>
+            <a:fontRef idx="minor">
+              <a:schemeClr val="tx1"/>
+            </a:fontRef>
+          </p:style>
+        </p:cxnSp>
+        <p:sp>
+          <p:nvSpPr>
+            <p:cNvPr id="54" name="テキスト ボックス 53"/>
+            <p:cNvSpPr txBox="1"/>
+            <p:nvPr/>
+          </p:nvSpPr>
+          <p:spPr>
+            <a:xfrm>
+              <a:off x="6084186" y="4564894"/>
+              <a:ext cx="492443" cy="276999"/>
+            </a:xfrm>
+            <a:prstGeom prst="rect">
+              <a:avLst/>
+            </a:prstGeom>
+            <a:noFill/>
+          </p:spPr>
+          <p:txBody>
+            <a:bodyPr wrap="none" rtlCol="0">
+              <a:spAutoFit/>
+            </a:bodyPr>
+            <a:lstStyle/>
+            <a:p>
+              <a:r>
+                <a:rPr lang="ja-JP" altLang="en-US" sz="1200" dirty="0"/>
+                <a:t>設定</a:t>
+              </a:r>
+              <a:endParaRPr kumimoji="1" lang="ja-JP" altLang="en-US" sz="1200" dirty="0"/>
+            </a:p>
+          </p:txBody>
+        </p:sp>
+        <p:cxnSp>
+          <p:nvCxnSpPr>
+            <p:cNvPr id="58" name="直線矢印コネクタ 57"/>
+            <p:cNvCxnSpPr/>
+            <p:nvPr/>
+          </p:nvCxnSpPr>
+          <p:spPr>
+            <a:xfrm>
+              <a:off x="5868144" y="1714882"/>
+              <a:ext cx="1140856" cy="706006"/>
+            </a:xfrm>
+            <a:prstGeom prst="straightConnector1">
+              <a:avLst/>
+            </a:prstGeom>
+            <a:ln w="38100">
+              <a:solidFill>
+                <a:srgbClr val="FF0000"/>
+              </a:solidFill>
+              <a:tailEnd type="arrow"/>
+            </a:ln>
+          </p:spPr>
+          <p:style>
+            <a:lnRef idx="1">
+              <a:schemeClr val="accent1"/>
+            </a:lnRef>
+            <a:fillRef idx="0">
+              <a:schemeClr val="accent1"/>
+            </a:fillRef>
+            <a:effectRef idx="0">
+              <a:schemeClr val="accent1"/>
+            </a:effectRef>
+            <a:fontRef idx="minor">
+              <a:schemeClr val="tx1"/>
+            </a:fontRef>
+          </p:style>
+        </p:cxnSp>
+        <p:sp>
+          <p:nvSpPr>
+            <p:cNvPr id="61" name="テキスト ボックス 60"/>
+            <p:cNvSpPr txBox="1"/>
+            <p:nvPr/>
+          </p:nvSpPr>
+          <p:spPr>
+            <a:xfrm>
+              <a:off x="5951765" y="1320486"/>
+              <a:ext cx="1742785" cy="276999"/>
+            </a:xfrm>
+            <a:prstGeom prst="rect">
+              <a:avLst/>
+            </a:prstGeom>
+            <a:noFill/>
+          </p:spPr>
+          <p:txBody>
+            <a:bodyPr wrap="none" rtlCol="0">
+              <a:spAutoFit/>
+            </a:bodyPr>
+            <a:lstStyle/>
+            <a:p>
+              <a:r>
+                <a:rPr lang="ja-JP" altLang="en-US" sz="1200" dirty="0"/>
+                <a:t>処理</a:t>
+              </a:r>
+              <a:r>
+                <a:rPr lang="ja-JP" altLang="en-US" sz="1200" dirty="0" smtClean="0"/>
+                <a:t>フロー</a:t>
+              </a:r>
+              <a:r>
+                <a:rPr lang="ja-JP" altLang="en-US" sz="1200" dirty="0"/>
+                <a:t>の</a:t>
+              </a:r>
+              <a:r>
+                <a:rPr lang="ja-JP" altLang="en-US" sz="1200" dirty="0" smtClean="0"/>
+                <a:t>追加・編集</a:t>
+              </a:r>
+              <a:endParaRPr kumimoji="1" lang="ja-JP" altLang="en-US" sz="1200" dirty="0"/>
+            </a:p>
+          </p:txBody>
+        </p:sp>
+        <p:sp>
+          <p:nvSpPr>
+            <p:cNvPr id="65" name="正方形/長方形 64"/>
+            <p:cNvSpPr/>
+            <p:nvPr/>
+          </p:nvSpPr>
+          <p:spPr>
+            <a:xfrm>
+              <a:off x="1842379" y="6226439"/>
+              <a:ext cx="323933" cy="288032"/>
+            </a:xfrm>
+            <a:prstGeom prst="rect">
+              <a:avLst/>
+            </a:prstGeom>
+            <a:ln>
+              <a:solidFill>
+                <a:schemeClr val="accent3"/>
+              </a:solidFill>
+            </a:ln>
+          </p:spPr>
+          <p:style>
+            <a:lnRef idx="2">
+              <a:schemeClr val="accent6"/>
+            </a:lnRef>
+            <a:fillRef idx="1">
+              <a:schemeClr val="lt1"/>
+            </a:fillRef>
+            <a:effectRef idx="0">
+              <a:schemeClr val="accent6"/>
+            </a:effectRef>
+            <a:fontRef idx="minor">
+              <a:schemeClr val="dk1"/>
+            </a:fontRef>
+          </p:style>
+          <p:txBody>
+            <a:bodyPr rtlCol="0" anchor="t"/>
+            <a:lstStyle/>
+            <a:p>
+              <a:endParaRPr lang="ja-JP" altLang="en-US" sz="1400" dirty="0"/>
+            </a:p>
+          </p:txBody>
+        </p:sp>
+        <p:sp>
+          <p:nvSpPr>
+            <p:cNvPr id="66" name="テキスト ボックス 65"/>
+            <p:cNvSpPr txBox="1"/>
+            <p:nvPr/>
+          </p:nvSpPr>
+          <p:spPr>
+            <a:xfrm>
+              <a:off x="2114504" y="6185789"/>
+              <a:ext cx="1678220" cy="369332"/>
+            </a:xfrm>
+            <a:prstGeom prst="rect">
+              <a:avLst/>
+            </a:prstGeom>
+            <a:noFill/>
+          </p:spPr>
+          <p:txBody>
+            <a:bodyPr wrap="square" rtlCol="0">
+              <a:spAutoFit/>
+            </a:bodyPr>
+            <a:lstStyle/>
+            <a:p>
+              <a:r>
+                <a:rPr kumimoji="1" lang="ja-JP" altLang="en-US" dirty="0" smtClean="0"/>
+                <a:t>：作成するもの</a:t>
+              </a:r>
+              <a:endParaRPr kumimoji="1" lang="ja-JP" altLang="en-US" dirty="0"/>
+            </a:p>
+          </p:txBody>
+        </p:sp>
+        <p:sp>
+          <p:nvSpPr>
+            <p:cNvPr id="67" name="正方形/長方形 66"/>
+            <p:cNvSpPr/>
+            <p:nvPr/>
+          </p:nvSpPr>
+          <p:spPr>
+            <a:xfrm>
+              <a:off x="4208526" y="6210384"/>
+              <a:ext cx="323933" cy="288032"/>
+            </a:xfrm>
+            <a:prstGeom prst="rect">
+              <a:avLst/>
+            </a:prstGeom>
+            <a:ln>
+              <a:solidFill>
+                <a:schemeClr val="accent1"/>
+              </a:solidFill>
+            </a:ln>
+          </p:spPr>
+          <p:style>
+            <a:lnRef idx="2">
+              <a:schemeClr val="accent6"/>
+            </a:lnRef>
+            <a:fillRef idx="1">
+              <a:schemeClr val="lt1"/>
+            </a:fillRef>
+            <a:effectRef idx="0">
+              <a:schemeClr val="accent6"/>
+            </a:effectRef>
+            <a:fontRef idx="minor">
+              <a:schemeClr val="dk1"/>
+            </a:fontRef>
+          </p:style>
+          <p:txBody>
+            <a:bodyPr rtlCol="0" anchor="t"/>
+            <a:lstStyle/>
+            <a:p>
               <a:endParaRPr lang="ja-JP" altLang="en-US" sz="1400" dirty="0"/>
             </a:p>
           </p:txBody>
@@ -5641,7 +6025,7 @@
 </p:sld>
 </file>
 
-<file path=ppt/slides/slide11.xml><?xml version="1.0" encoding="utf-8"?>
+<file path=ppt/slides/slide12.xml><?xml version="1.0" encoding="utf-8"?>
 <p:sld xmlns:a="http://schemas.openxmlformats.org/drawingml/2006/main" xmlns:r="http://schemas.openxmlformats.org/officeDocument/2006/relationships" xmlns:p="http://schemas.openxmlformats.org/presentationml/2006/main">
   <p:cSld>
     <p:spTree>
@@ -6528,7 +6912,7 @@
 </p:sld>
 </file>
 
-<file path=ppt/slides/slide12.xml><?xml version="1.0" encoding="utf-8"?>
+<file path=ppt/slides/slide13.xml><?xml version="1.0" encoding="utf-8"?>
 <p:sld xmlns:a="http://schemas.openxmlformats.org/drawingml/2006/main" xmlns:r="http://schemas.openxmlformats.org/officeDocument/2006/relationships" xmlns:p="http://schemas.openxmlformats.org/presentationml/2006/main">
   <p:cSld>
     <p:spTree>
@@ -7470,7 +7854,7 @@
 </p:sld>
 </file>
 
-<file path=ppt/slides/slide13.xml><?xml version="1.0" encoding="utf-8"?>
+<file path=ppt/slides/slide14.xml><?xml version="1.0" encoding="utf-8"?>
 <p:sld xmlns:a="http://schemas.openxmlformats.org/drawingml/2006/main" xmlns:r="http://schemas.openxmlformats.org/officeDocument/2006/relationships" xmlns:p="http://schemas.openxmlformats.org/presentationml/2006/main">
   <p:cSld>
     <p:spTree>
@@ -8412,7 +8796,7 @@
 </p:sld>
 </file>
 
-<file path=ppt/slides/slide14.xml><?xml version="1.0" encoding="utf-8"?>
+<file path=ppt/slides/slide15.xml><?xml version="1.0" encoding="utf-8"?>
 <p:sld xmlns:a="http://schemas.openxmlformats.org/drawingml/2006/main" xmlns:r="http://schemas.openxmlformats.org/officeDocument/2006/relationships" xmlns:p="http://schemas.openxmlformats.org/presentationml/2006/main">
   <p:cSld>
     <p:spTree>
@@ -9354,7 +9738,7 @@
 </p:sld>
 </file>
 
-<file path=ppt/slides/slide15.xml><?xml version="1.0" encoding="utf-8"?>
+<file path=ppt/slides/slide16.xml><?xml version="1.0" encoding="utf-8"?>
 <p:sld xmlns:a="http://schemas.openxmlformats.org/drawingml/2006/main" xmlns:r="http://schemas.openxmlformats.org/officeDocument/2006/relationships" xmlns:p="http://schemas.openxmlformats.org/presentationml/2006/main">
   <p:cSld>
     <p:spTree>
@@ -9592,7 +9976,7 @@
 </p:sld>
 </file>
 
-<file path=ppt/slides/slide16.xml><?xml version="1.0" encoding="utf-8"?>
+<file path=ppt/slides/slide17.xml><?xml version="1.0" encoding="utf-8"?>
 <p:sld xmlns:a="http://schemas.openxmlformats.org/drawingml/2006/main" xmlns:r="http://schemas.openxmlformats.org/officeDocument/2006/relationships" xmlns:p="http://schemas.openxmlformats.org/presentationml/2006/main">
   <p:cSld>
     <p:spTree>
@@ -9986,1060 +10370,6 @@
 </p:sld>
 </file>
 
-<file path=ppt/slides/slide17.xml><?xml version="1.0" encoding="utf-8"?>
-<p:sld xmlns:a="http://schemas.openxmlformats.org/drawingml/2006/main" xmlns:r="http://schemas.openxmlformats.org/officeDocument/2006/relationships" xmlns:p="http://schemas.openxmlformats.org/presentationml/2006/main">
-  <p:cSld>
-    <p:spTree>
-      <p:nvGrpSpPr>
-        <p:cNvPr id="1" name=""/>
-        <p:cNvGrpSpPr/>
-        <p:nvPr/>
-      </p:nvGrpSpPr>
-      <p:grpSpPr>
-        <a:xfrm>
-          <a:off x="0" y="0"/>
-          <a:ext cx="0" cy="0"/>
-          <a:chOff x="0" y="0"/>
-          <a:chExt cx="0" cy="0"/>
-        </a:xfrm>
-      </p:grpSpPr>
-      <p:grpSp>
-        <p:nvGrpSpPr>
-          <p:cNvPr id="11" name="グループ化 10"/>
-          <p:cNvGrpSpPr/>
-          <p:nvPr/>
-        </p:nvGrpSpPr>
-        <p:grpSpPr>
-          <a:xfrm>
-            <a:off x="434094" y="301614"/>
-            <a:ext cx="8276993" cy="5904340"/>
-            <a:chOff x="434094" y="301614"/>
-            <a:chExt cx="8276993" cy="5904340"/>
-          </a:xfrm>
-        </p:grpSpPr>
-        <p:sp>
-          <p:nvSpPr>
-            <p:cNvPr id="50" name="角丸四角形 49"/>
-            <p:cNvSpPr/>
-            <p:nvPr/>
-          </p:nvSpPr>
-          <p:spPr>
-            <a:xfrm>
-              <a:off x="434094" y="3346134"/>
-              <a:ext cx="5402449" cy="2859820"/>
-            </a:xfrm>
-            <a:prstGeom prst="roundRect">
-              <a:avLst>
-                <a:gd name="adj" fmla="val 8192"/>
-              </a:avLst>
-            </a:prstGeom>
-            <a:noFill/>
-            <a:ln w="12700">
-              <a:prstDash val="dash"/>
-            </a:ln>
-          </p:spPr>
-          <p:style>
-            <a:lnRef idx="2">
-              <a:schemeClr val="accent1">
-                <a:shade val="50000"/>
-              </a:schemeClr>
-            </a:lnRef>
-            <a:fillRef idx="1">
-              <a:schemeClr val="accent1"/>
-            </a:fillRef>
-            <a:effectRef idx="0">
-              <a:schemeClr val="accent1"/>
-            </a:effectRef>
-            <a:fontRef idx="minor">
-              <a:schemeClr val="lt1"/>
-            </a:fontRef>
-          </p:style>
-          <p:txBody>
-            <a:bodyPr rtlCol="0" anchor="ctr"/>
-            <a:lstStyle/>
-            <a:p>
-              <a:pPr algn="ctr"/>
-              <a:endParaRPr kumimoji="1" lang="ja-JP" altLang="en-US"/>
-            </a:p>
-          </p:txBody>
-        </p:sp>
-        <p:pic>
-          <p:nvPicPr>
-            <p:cNvPr id="2" name="図 1"/>
-            <p:cNvPicPr>
-              <a:picLocks noChangeAspect="1"/>
-            </p:cNvPicPr>
-            <p:nvPr/>
-          </p:nvPicPr>
-          <p:blipFill>
-            <a:blip r:embed="rId2" cstate="print">
-              <a:extLst>
-                <a:ext uri="{28A0092B-C50C-407E-A947-70E740481C1C}">
-                  <a14:useLocalDpi xmlns:a14="http://schemas.microsoft.com/office/drawing/2010/main" val="0"/>
-                </a:ext>
-              </a:extLst>
-            </a:blip>
-            <a:stretch>
-              <a:fillRect/>
-            </a:stretch>
-          </p:blipFill>
-          <p:spPr>
-            <a:xfrm>
-              <a:off x="514070" y="672449"/>
-              <a:ext cx="1342318" cy="1349063"/>
-            </a:xfrm>
-            <a:prstGeom prst="rect">
-              <a:avLst/>
-            </a:prstGeom>
-          </p:spPr>
-        </p:pic>
-        <p:sp>
-          <p:nvSpPr>
-            <p:cNvPr id="3" name="正方形/長方形 2"/>
-            <p:cNvSpPr/>
-            <p:nvPr/>
-          </p:nvSpPr>
-          <p:spPr>
-            <a:xfrm>
-              <a:off x="4381811" y="5032827"/>
-              <a:ext cx="1342317" cy="809560"/>
-            </a:xfrm>
-            <a:prstGeom prst="rect">
-              <a:avLst/>
-            </a:prstGeom>
-            <a:ln>
-              <a:solidFill>
-                <a:schemeClr val="accent3"/>
-              </a:solidFill>
-            </a:ln>
-          </p:spPr>
-          <p:style>
-            <a:lnRef idx="2">
-              <a:schemeClr val="accent6"/>
-            </a:lnRef>
-            <a:fillRef idx="1">
-              <a:schemeClr val="lt1"/>
-            </a:fillRef>
-            <a:effectRef idx="0">
-              <a:schemeClr val="accent6"/>
-            </a:effectRef>
-            <a:fontRef idx="minor">
-              <a:schemeClr val="dk1"/>
-            </a:fontRef>
-          </p:style>
-          <p:txBody>
-            <a:bodyPr rtlCol="0" anchor="t"/>
-            <a:lstStyle/>
-            <a:p>
-              <a:r>
-                <a:rPr lang="en-US" altLang="ja-JP" sz="1400" dirty="0" smtClean="0"/>
-                <a:t>Bean</a:t>
-              </a:r>
-            </a:p>
-            <a:p>
-              <a:r>
-                <a:rPr lang="ja-JP" altLang="en-US" sz="1400" dirty="0"/>
-                <a:t>（</a:t>
-              </a:r>
-              <a:r>
-                <a:rPr lang="ja-JP" altLang="en-US" sz="1400" dirty="0" smtClean="0"/>
-                <a:t>データ</a:t>
-              </a:r>
-              <a:r>
-                <a:rPr lang="ja-JP" altLang="en-US" sz="1400" dirty="0"/>
-                <a:t>項目</a:t>
-              </a:r>
-              <a:r>
-                <a:rPr lang="ja-JP" altLang="en-US" sz="1400" dirty="0" smtClean="0"/>
-                <a:t>）</a:t>
-              </a:r>
-              <a:endParaRPr lang="en-US" altLang="ja-JP" sz="1400" dirty="0" smtClean="0"/>
-            </a:p>
-          </p:txBody>
-        </p:sp>
-        <p:sp>
-          <p:nvSpPr>
-            <p:cNvPr id="4" name="正方形/長方形 3"/>
-            <p:cNvSpPr/>
-            <p:nvPr/>
-          </p:nvSpPr>
-          <p:spPr>
-            <a:xfrm>
-              <a:off x="2941651" y="5032827"/>
-              <a:ext cx="1342317" cy="809560"/>
-            </a:xfrm>
-            <a:prstGeom prst="rect">
-              <a:avLst/>
-            </a:prstGeom>
-            <a:ln>
-              <a:solidFill>
-                <a:schemeClr val="accent3"/>
-              </a:solidFill>
-            </a:ln>
-          </p:spPr>
-          <p:style>
-            <a:lnRef idx="2">
-              <a:schemeClr val="accent6"/>
-            </a:lnRef>
-            <a:fillRef idx="1">
-              <a:schemeClr val="lt1"/>
-            </a:fillRef>
-            <a:effectRef idx="0">
-              <a:schemeClr val="accent6"/>
-            </a:effectRef>
-            <a:fontRef idx="minor">
-              <a:schemeClr val="dk1"/>
-            </a:fontRef>
-          </p:style>
-          <p:txBody>
-            <a:bodyPr rtlCol="0" anchor="t"/>
-            <a:lstStyle/>
-            <a:p>
-              <a:r>
-                <a:rPr lang="en-US" altLang="ja-JP" sz="1400" dirty="0" smtClean="0"/>
-                <a:t>SQL</a:t>
-              </a:r>
-            </a:p>
-            <a:p>
-              <a:r>
-                <a:rPr lang="ja-JP" altLang="en-US" sz="1400" dirty="0"/>
-                <a:t>（変換仕様</a:t>
-              </a:r>
-              <a:r>
-                <a:rPr lang="ja-JP" altLang="en-US" sz="1400" dirty="0" smtClean="0"/>
-                <a:t>）</a:t>
-              </a:r>
-              <a:endParaRPr lang="en-US" altLang="ja-JP" sz="1400" dirty="0" smtClean="0"/>
-            </a:p>
-          </p:txBody>
-        </p:sp>
-        <p:pic>
-          <p:nvPicPr>
-            <p:cNvPr id="5" name="Picture 3"/>
-            <p:cNvPicPr>
-              <a:picLocks noChangeAspect="1" noChangeArrowheads="1"/>
-            </p:cNvPicPr>
-            <p:nvPr/>
-          </p:nvPicPr>
-          <p:blipFill>
-            <a:blip r:embed="rId3" cstate="print">
-              <a:extLst>
-                <a:ext uri="{28A0092B-C50C-407E-A947-70E740481C1C}">
-                  <a14:useLocalDpi xmlns:a14="http://schemas.microsoft.com/office/drawing/2010/main" val="0"/>
-                </a:ext>
-              </a:extLst>
-            </a:blip>
-            <a:srcRect/>
-            <a:stretch>
-              <a:fillRect/>
-            </a:stretch>
-          </p:blipFill>
-          <p:spPr bwMode="auto">
-            <a:xfrm>
-              <a:off x="4297671" y="2210165"/>
-              <a:ext cx="2032041" cy="1533079"/>
-            </a:xfrm>
-            <a:prstGeom prst="rect">
-              <a:avLst/>
-            </a:prstGeom>
-            <a:noFill/>
-            <a:ln>
-              <a:noFill/>
-            </a:ln>
-            <a:extLst>
-              <a:ext uri="{909E8E84-426E-40DD-AFC4-6F175D3DCCD1}">
-                <a14:hiddenFill xmlns:a14="http://schemas.microsoft.com/office/drawing/2010/main">
-                  <a:solidFill>
-                    <a:schemeClr val="accent1"/>
-                  </a:solidFill>
-                </a14:hiddenFill>
-              </a:ext>
-              <a:ext uri="{91240B29-F687-4F45-9708-019B960494DF}">
-                <a14:hiddenLine xmlns:a14="http://schemas.microsoft.com/office/drawing/2010/main" w="9525">
-                  <a:solidFill>
-                    <a:schemeClr val="tx1"/>
-                  </a:solidFill>
-                  <a:miter lim="800000"/>
-                  <a:headEnd/>
-                  <a:tailEnd/>
-                </a14:hiddenLine>
-              </a:ext>
-            </a:extLst>
-          </p:spPr>
-        </p:pic>
-        <p:sp>
-          <p:nvSpPr>
-            <p:cNvPr id="6" name="正方形/長方形 5"/>
-            <p:cNvSpPr/>
-            <p:nvPr/>
-          </p:nvSpPr>
-          <p:spPr>
-            <a:xfrm>
-              <a:off x="530096" y="2293689"/>
-              <a:ext cx="1342318" cy="809560"/>
-            </a:xfrm>
-            <a:prstGeom prst="rect">
-              <a:avLst/>
-            </a:prstGeom>
-            <a:ln>
-              <a:solidFill>
-                <a:schemeClr val="accent1"/>
-              </a:solidFill>
-            </a:ln>
-          </p:spPr>
-          <p:style>
-            <a:lnRef idx="2">
-              <a:schemeClr val="accent6"/>
-            </a:lnRef>
-            <a:fillRef idx="1">
-              <a:schemeClr val="lt1"/>
-            </a:fillRef>
-            <a:effectRef idx="0">
-              <a:schemeClr val="accent6"/>
-            </a:effectRef>
-            <a:fontRef idx="minor">
-              <a:schemeClr val="dk1"/>
-            </a:fontRef>
-          </p:style>
-          <p:txBody>
-            <a:bodyPr rtlCol="0" anchor="t"/>
-            <a:lstStyle/>
-            <a:p>
-              <a:r>
-                <a:rPr lang="ja-JP" altLang="en-US" sz="1400" dirty="0"/>
-                <a:t>テンプレート</a:t>
-              </a:r>
-              <a:endParaRPr lang="en-US" altLang="ja-JP" sz="1400" dirty="0" smtClean="0"/>
-            </a:p>
-            <a:p>
-              <a:r>
-                <a:rPr lang="ja-JP" altLang="en-US" sz="1400" dirty="0" smtClean="0"/>
-                <a:t>（</a:t>
-              </a:r>
-              <a:r>
-                <a:rPr lang="ja-JP" altLang="en-US" sz="1400" dirty="0"/>
-                <a:t>処理</a:t>
-              </a:r>
-              <a:r>
-                <a:rPr lang="ja-JP" altLang="en-US" sz="1400" dirty="0" smtClean="0"/>
-                <a:t>フロー）</a:t>
-              </a:r>
-              <a:endParaRPr lang="en-US" altLang="ja-JP" sz="1400" dirty="0" smtClean="0"/>
-            </a:p>
-            <a:p>
-              <a:endParaRPr lang="en-US" altLang="ja-JP" sz="1400" dirty="0" smtClean="0"/>
-            </a:p>
-          </p:txBody>
-        </p:sp>
-        <p:cxnSp>
-          <p:nvCxnSpPr>
-            <p:cNvPr id="7" name="直線矢印コネクタ 6"/>
-            <p:cNvCxnSpPr>
-              <a:stCxn id="6" idx="3"/>
-            </p:cNvCxnSpPr>
-            <p:nvPr/>
-          </p:nvCxnSpPr>
-          <p:spPr>
-            <a:xfrm>
-              <a:off x="1872414" y="2698469"/>
-              <a:ext cx="2339546" cy="0"/>
-            </a:xfrm>
-            <a:prstGeom prst="straightConnector1">
-              <a:avLst/>
-            </a:prstGeom>
-            <a:ln w="38100">
-              <a:solidFill>
-                <a:srgbClr val="FF0000"/>
-              </a:solidFill>
-              <a:tailEnd type="arrow"/>
-            </a:ln>
-          </p:spPr>
-          <p:style>
-            <a:lnRef idx="1">
-              <a:schemeClr val="accent1"/>
-            </a:lnRef>
-            <a:fillRef idx="0">
-              <a:schemeClr val="accent1"/>
-            </a:fillRef>
-            <a:effectRef idx="0">
-              <a:schemeClr val="accent1"/>
-            </a:effectRef>
-            <a:fontRef idx="minor">
-              <a:schemeClr val="tx1"/>
-            </a:fontRef>
-          </p:style>
-        </p:cxnSp>
-        <p:cxnSp>
-          <p:nvCxnSpPr>
-            <p:cNvPr id="8" name="直線矢印コネクタ 7"/>
-            <p:cNvCxnSpPr>
-              <a:stCxn id="18" idx="3"/>
-            </p:cNvCxnSpPr>
-            <p:nvPr/>
-          </p:nvCxnSpPr>
-          <p:spPr>
-            <a:xfrm flipV="1">
-              <a:off x="1912090" y="2698469"/>
-              <a:ext cx="3924453" cy="1295330"/>
-            </a:xfrm>
-            <a:prstGeom prst="straightConnector1">
-              <a:avLst/>
-            </a:prstGeom>
-            <a:ln w="38100">
-              <a:solidFill>
-                <a:srgbClr val="FF0000"/>
-              </a:solidFill>
-              <a:tailEnd type="arrow"/>
-            </a:ln>
-          </p:spPr>
-          <p:style>
-            <a:lnRef idx="1">
-              <a:schemeClr val="accent1"/>
-            </a:lnRef>
-            <a:fillRef idx="0">
-              <a:schemeClr val="accent1"/>
-            </a:fillRef>
-            <a:effectRef idx="0">
-              <a:schemeClr val="accent1"/>
-            </a:effectRef>
-            <a:fontRef idx="minor">
-              <a:schemeClr val="tx1"/>
-            </a:fontRef>
-          </p:style>
-        </p:cxnSp>
-        <p:cxnSp>
-          <p:nvCxnSpPr>
-            <p:cNvPr id="9" name="直線矢印コネクタ 8"/>
-            <p:cNvCxnSpPr>
-              <a:stCxn id="4" idx="0"/>
-            </p:cNvCxnSpPr>
-            <p:nvPr/>
-          </p:nvCxnSpPr>
-          <p:spPr>
-            <a:xfrm flipV="1">
-              <a:off x="3612810" y="2884410"/>
-              <a:ext cx="2223733" cy="2148417"/>
-            </a:xfrm>
-            <a:prstGeom prst="straightConnector1">
-              <a:avLst/>
-            </a:prstGeom>
-            <a:ln w="38100">
-              <a:solidFill>
-                <a:srgbClr val="FF0000"/>
-              </a:solidFill>
-              <a:tailEnd type="arrow"/>
-            </a:ln>
-          </p:spPr>
-          <p:style>
-            <a:lnRef idx="1">
-              <a:schemeClr val="accent1"/>
-            </a:lnRef>
-            <a:fillRef idx="0">
-              <a:schemeClr val="accent1"/>
-            </a:fillRef>
-            <a:effectRef idx="0">
-              <a:schemeClr val="accent1"/>
-            </a:effectRef>
-            <a:fontRef idx="minor">
-              <a:schemeClr val="tx1"/>
-            </a:fontRef>
-          </p:style>
-        </p:cxnSp>
-        <p:sp>
-          <p:nvSpPr>
-            <p:cNvPr id="13" name="正方形/長方形 12"/>
-            <p:cNvSpPr/>
-            <p:nvPr/>
-          </p:nvSpPr>
-          <p:spPr>
-            <a:xfrm>
-              <a:off x="7452320" y="2570420"/>
-              <a:ext cx="1258767" cy="809560"/>
-            </a:xfrm>
-            <a:prstGeom prst="rect">
-              <a:avLst/>
-            </a:prstGeom>
-            <a:ln>
-              <a:solidFill>
-                <a:schemeClr val="accent1"/>
-              </a:solidFill>
-            </a:ln>
-          </p:spPr>
-          <p:style>
-            <a:lnRef idx="2">
-              <a:schemeClr val="accent6"/>
-            </a:lnRef>
-            <a:fillRef idx="1">
-              <a:schemeClr val="lt1"/>
-            </a:fillRef>
-            <a:effectRef idx="0">
-              <a:schemeClr val="accent6"/>
-            </a:effectRef>
-            <a:fontRef idx="minor">
-              <a:schemeClr val="dk1"/>
-            </a:fontRef>
-          </p:style>
-          <p:txBody>
-            <a:bodyPr rtlCol="0" anchor="t"/>
-            <a:lstStyle/>
-            <a:p>
-              <a:pPr algn="just"/>
-              <a:r>
-                <a:rPr lang="ja-JP" altLang="en-US" sz="1400" dirty="0" smtClean="0"/>
-                <a:t>設定ファイル</a:t>
-              </a:r>
-              <a:endParaRPr lang="ja-JP" altLang="en-US" sz="1400" dirty="0"/>
-            </a:p>
-          </p:txBody>
-        </p:sp>
-        <p:cxnSp>
-          <p:nvCxnSpPr>
-            <p:cNvPr id="14" name="直線矢印コネクタ 13"/>
-            <p:cNvCxnSpPr>
-              <a:stCxn id="5" idx="3"/>
-              <a:endCxn id="13" idx="1"/>
-            </p:cNvCxnSpPr>
-            <p:nvPr/>
-          </p:nvCxnSpPr>
-          <p:spPr>
-            <a:xfrm flipV="1">
-              <a:off x="6329712" y="2975200"/>
-              <a:ext cx="1122608" cy="1505"/>
-            </a:xfrm>
-            <a:prstGeom prst="straightConnector1">
-              <a:avLst/>
-            </a:prstGeom>
-            <a:ln w="38100">
-              <a:solidFill>
-                <a:srgbClr val="FF0000"/>
-              </a:solidFill>
-              <a:tailEnd type="arrow"/>
-            </a:ln>
-          </p:spPr>
-          <p:style>
-            <a:lnRef idx="1">
-              <a:schemeClr val="accent1"/>
-            </a:lnRef>
-            <a:fillRef idx="0">
-              <a:schemeClr val="accent1"/>
-            </a:fillRef>
-            <a:effectRef idx="0">
-              <a:schemeClr val="accent1"/>
-            </a:effectRef>
-            <a:fontRef idx="minor">
-              <a:schemeClr val="tx1"/>
-            </a:fontRef>
-          </p:style>
-        </p:cxnSp>
-        <p:sp>
-          <p:nvSpPr>
-            <p:cNvPr id="18" name="正方形/長方形 17"/>
-            <p:cNvSpPr/>
-            <p:nvPr/>
-          </p:nvSpPr>
-          <p:spPr>
-            <a:xfrm>
-              <a:off x="572255" y="3589019"/>
-              <a:ext cx="1339835" cy="809560"/>
-            </a:xfrm>
-            <a:prstGeom prst="rect">
-              <a:avLst/>
-            </a:prstGeom>
-            <a:ln>
-              <a:solidFill>
-                <a:schemeClr val="accent1"/>
-              </a:solidFill>
-            </a:ln>
-          </p:spPr>
-          <p:style>
-            <a:lnRef idx="2">
-              <a:schemeClr val="accent6"/>
-            </a:lnRef>
-            <a:fillRef idx="1">
-              <a:schemeClr val="lt1"/>
-            </a:fillRef>
-            <a:effectRef idx="0">
-              <a:schemeClr val="accent6"/>
-            </a:effectRef>
-            <a:fontRef idx="minor">
-              <a:schemeClr val="dk1"/>
-            </a:fontRef>
-          </p:style>
-          <p:txBody>
-            <a:bodyPr rtlCol="0" anchor="t"/>
-            <a:lstStyle/>
-            <a:p>
-              <a:r>
-                <a:rPr lang="en-US" altLang="ja-JP" sz="1400" dirty="0"/>
-                <a:t>Java</a:t>
-              </a:r>
-            </a:p>
-            <a:p>
-              <a:r>
-                <a:rPr lang="en-US" altLang="ja-JP" sz="1400" dirty="0"/>
-                <a:t>(Reader</a:t>
-              </a:r>
-              <a:r>
-                <a:rPr lang="ja-JP" altLang="en-US" sz="1400" dirty="0" err="1" smtClean="0"/>
-                <a:t>、</a:t>
-              </a:r>
-              <a:r>
-                <a:rPr lang="en-US" altLang="ja-JP" sz="1400" dirty="0" smtClean="0"/>
-                <a:t>Writer</a:t>
-              </a:r>
-              <a:r>
-                <a:rPr lang="ja-JP" altLang="en-US" sz="1400" dirty="0"/>
-                <a:t>等</a:t>
-              </a:r>
-              <a:r>
-                <a:rPr lang="en-US" altLang="ja-JP" sz="1400" dirty="0"/>
-                <a:t>)</a:t>
-              </a:r>
-              <a:endParaRPr lang="ja-JP" altLang="en-US" sz="1400" dirty="0"/>
-            </a:p>
-            <a:p>
-              <a:endParaRPr lang="en-US" altLang="ja-JP" sz="1400" dirty="0" smtClean="0"/>
-            </a:p>
-          </p:txBody>
-        </p:sp>
-        <p:cxnSp>
-          <p:nvCxnSpPr>
-            <p:cNvPr id="19" name="直線矢印コネクタ 18"/>
-            <p:cNvCxnSpPr>
-              <a:stCxn id="3" idx="0"/>
-            </p:cNvCxnSpPr>
-            <p:nvPr/>
-          </p:nvCxnSpPr>
-          <p:spPr>
-            <a:xfrm flipV="1">
-              <a:off x="5052970" y="3044728"/>
-              <a:ext cx="783573" cy="1988099"/>
-            </a:xfrm>
-            <a:prstGeom prst="straightConnector1">
-              <a:avLst/>
-            </a:prstGeom>
-            <a:ln w="38100">
-              <a:solidFill>
-                <a:srgbClr val="FF0000"/>
-              </a:solidFill>
-              <a:tailEnd type="arrow"/>
-            </a:ln>
-          </p:spPr>
-          <p:style>
-            <a:lnRef idx="1">
-              <a:schemeClr val="accent1"/>
-            </a:lnRef>
-            <a:fillRef idx="0">
-              <a:schemeClr val="accent1"/>
-            </a:fillRef>
-            <a:effectRef idx="0">
-              <a:schemeClr val="accent1"/>
-            </a:effectRef>
-            <a:fontRef idx="minor">
-              <a:schemeClr val="tx1"/>
-            </a:fontRef>
-          </p:style>
-        </p:cxnSp>
-        <p:cxnSp>
-          <p:nvCxnSpPr>
-            <p:cNvPr id="21" name="直線矢印コネクタ 20"/>
-            <p:cNvCxnSpPr/>
-            <p:nvPr/>
-          </p:nvCxnSpPr>
-          <p:spPr>
-            <a:xfrm>
-              <a:off x="1627059" y="1654763"/>
-              <a:ext cx="3037271" cy="777158"/>
-            </a:xfrm>
-            <a:prstGeom prst="straightConnector1">
-              <a:avLst/>
-            </a:prstGeom>
-            <a:ln w="38100">
-              <a:solidFill>
-                <a:srgbClr val="FF0000"/>
-              </a:solidFill>
-              <a:tailEnd type="arrow"/>
-            </a:ln>
-          </p:spPr>
-          <p:style>
-            <a:lnRef idx="1">
-              <a:schemeClr val="accent1"/>
-            </a:lnRef>
-            <a:fillRef idx="0">
-              <a:schemeClr val="accent1"/>
-            </a:fillRef>
-            <a:effectRef idx="0">
-              <a:schemeClr val="accent1"/>
-            </a:effectRef>
-            <a:fontRef idx="minor">
-              <a:schemeClr val="tx1"/>
-            </a:fontRef>
-          </p:style>
-        </p:cxnSp>
-        <p:sp>
-          <p:nvSpPr>
-            <p:cNvPr id="22" name="テキスト ボックス 21"/>
-            <p:cNvSpPr txBox="1"/>
-            <p:nvPr/>
-          </p:nvSpPr>
-          <p:spPr>
-            <a:xfrm>
-              <a:off x="2208327" y="1562563"/>
-              <a:ext cx="2795721" cy="338554"/>
-            </a:xfrm>
-            <a:prstGeom prst="rect">
-              <a:avLst/>
-            </a:prstGeom>
-            <a:noFill/>
-          </p:spPr>
-          <p:txBody>
-            <a:bodyPr wrap="square" rtlCol="0">
-              <a:spAutoFit/>
-            </a:bodyPr>
-            <a:lstStyle/>
-            <a:p>
-              <a:r>
-                <a:rPr lang="ja-JP" altLang="en-US" sz="1600" dirty="0" smtClean="0"/>
-                <a:t>②処理フロー</a:t>
-              </a:r>
-              <a:r>
-                <a:rPr lang="ja-JP" altLang="en-US" sz="1600" dirty="0"/>
-                <a:t>の</a:t>
-              </a:r>
-              <a:r>
-                <a:rPr lang="ja-JP" altLang="en-US" sz="1600" dirty="0" smtClean="0"/>
-                <a:t>追加・編集</a:t>
-              </a:r>
-              <a:endParaRPr kumimoji="1" lang="ja-JP" altLang="en-US" sz="1600" dirty="0"/>
-            </a:p>
-          </p:txBody>
-        </p:sp>
-        <p:sp>
-          <p:nvSpPr>
-            <p:cNvPr id="23" name="テキスト ボックス 22"/>
-            <p:cNvSpPr txBox="1"/>
-            <p:nvPr/>
-          </p:nvSpPr>
-          <p:spPr>
-            <a:xfrm>
-              <a:off x="2339752" y="2348880"/>
-              <a:ext cx="955712" cy="338554"/>
-            </a:xfrm>
-            <a:prstGeom prst="rect">
-              <a:avLst/>
-            </a:prstGeom>
-            <a:noFill/>
-          </p:spPr>
-          <p:txBody>
-            <a:bodyPr wrap="square" rtlCol="0">
-              <a:spAutoFit/>
-            </a:bodyPr>
-            <a:lstStyle/>
-            <a:p>
-              <a:r>
-                <a:rPr lang="ja-JP" altLang="en-US" sz="1600" dirty="0" smtClean="0"/>
-                <a:t>①読込</a:t>
-              </a:r>
-              <a:endParaRPr kumimoji="1" lang="ja-JP" altLang="en-US" sz="1600" dirty="0"/>
-            </a:p>
-          </p:txBody>
-        </p:sp>
-        <p:sp>
-          <p:nvSpPr>
-            <p:cNvPr id="27" name="テキスト ボックス 26"/>
-            <p:cNvSpPr txBox="1"/>
-            <p:nvPr/>
-          </p:nvSpPr>
-          <p:spPr>
-            <a:xfrm>
-              <a:off x="514070" y="5272592"/>
-              <a:ext cx="2468946" cy="584775"/>
-            </a:xfrm>
-            <a:prstGeom prst="rect">
-              <a:avLst/>
-            </a:prstGeom>
-            <a:noFill/>
-          </p:spPr>
-          <p:txBody>
-            <a:bodyPr wrap="none" rtlCol="0">
-              <a:spAutoFit/>
-            </a:bodyPr>
-            <a:lstStyle/>
-            <a:p>
-              <a:r>
-                <a:rPr lang="ja-JP" altLang="en-US" sz="1600" dirty="0" smtClean="0"/>
-                <a:t>③</a:t>
-              </a:r>
-              <a:r>
-                <a:rPr lang="en-US" altLang="ja-JP" sz="1600" dirty="0" smtClean="0"/>
-                <a:t>Bean</a:t>
-              </a:r>
-              <a:r>
-                <a:rPr lang="ja-JP" altLang="en-US" sz="1600" dirty="0" err="1" smtClean="0"/>
-                <a:t>、</a:t>
-              </a:r>
-              <a:r>
-                <a:rPr lang="en-US" altLang="ja-JP" sz="1600" dirty="0" smtClean="0"/>
-                <a:t>SQL</a:t>
-              </a:r>
-              <a:r>
-                <a:rPr lang="ja-JP" altLang="en-US" sz="1600" dirty="0" smtClean="0"/>
-                <a:t>の作成と</a:t>
-              </a:r>
-              <a:endParaRPr lang="en-US" altLang="ja-JP" sz="1600" dirty="0" smtClean="0"/>
-            </a:p>
-            <a:p>
-              <a:r>
-                <a:rPr kumimoji="1" lang="ja-JP" altLang="en-US" sz="1600" dirty="0" smtClean="0"/>
-                <a:t>プロパティパネル</a:t>
-              </a:r>
-              <a:r>
-                <a:rPr kumimoji="1" lang="ja-JP" altLang="en-US" sz="1600" dirty="0"/>
-                <a:t>で</a:t>
-              </a:r>
-              <a:r>
-                <a:rPr kumimoji="1" lang="ja-JP" altLang="en-US" sz="1600" dirty="0" smtClean="0"/>
-                <a:t>の設定</a:t>
-              </a:r>
-              <a:endParaRPr kumimoji="1" lang="ja-JP" altLang="en-US" sz="1600" dirty="0"/>
-            </a:p>
-          </p:txBody>
-        </p:sp>
-        <p:sp>
-          <p:nvSpPr>
-            <p:cNvPr id="28" name="テキスト ボックス 27"/>
-            <p:cNvSpPr txBox="1"/>
-            <p:nvPr/>
-          </p:nvSpPr>
-          <p:spPr>
-            <a:xfrm>
-              <a:off x="6444208" y="2636912"/>
-              <a:ext cx="800219" cy="338554"/>
-            </a:xfrm>
-            <a:prstGeom prst="rect">
-              <a:avLst/>
-            </a:prstGeom>
-            <a:noFill/>
-          </p:spPr>
-          <p:txBody>
-            <a:bodyPr wrap="none" rtlCol="0">
-              <a:spAutoFit/>
-            </a:bodyPr>
-            <a:lstStyle/>
-            <a:p>
-              <a:r>
-                <a:rPr lang="ja-JP" altLang="en-US" sz="1600" dirty="0" smtClean="0"/>
-                <a:t>④出力</a:t>
-              </a:r>
-              <a:endParaRPr kumimoji="1" lang="ja-JP" altLang="en-US" sz="1600" dirty="0"/>
-            </a:p>
-          </p:txBody>
-        </p:sp>
-        <p:cxnSp>
-          <p:nvCxnSpPr>
-            <p:cNvPr id="30" name="直線矢印コネクタ 29"/>
-            <p:cNvCxnSpPr/>
-            <p:nvPr/>
-          </p:nvCxnSpPr>
-          <p:spPr>
-            <a:xfrm flipV="1">
-              <a:off x="1921558" y="852469"/>
-              <a:ext cx="2178620" cy="360040"/>
-            </a:xfrm>
-            <a:prstGeom prst="straightConnector1">
-              <a:avLst/>
-            </a:prstGeom>
-            <a:ln w="38100">
-              <a:solidFill>
-                <a:srgbClr val="FF0000"/>
-              </a:solidFill>
-              <a:tailEnd type="arrow"/>
-            </a:ln>
-          </p:spPr>
-          <p:style>
-            <a:lnRef idx="1">
-              <a:schemeClr val="accent1"/>
-            </a:lnRef>
-            <a:fillRef idx="0">
-              <a:schemeClr val="accent1"/>
-            </a:fillRef>
-            <a:effectRef idx="0">
-              <a:schemeClr val="accent1"/>
-            </a:effectRef>
-            <a:fontRef idx="minor">
-              <a:schemeClr val="tx1"/>
-            </a:fontRef>
-          </p:style>
-        </p:cxnSp>
-        <p:sp>
-          <p:nvSpPr>
-            <p:cNvPr id="32" name="テキスト ボックス 31"/>
-            <p:cNvSpPr txBox="1"/>
-            <p:nvPr/>
-          </p:nvSpPr>
-          <p:spPr>
-            <a:xfrm>
-              <a:off x="2395856" y="672449"/>
-              <a:ext cx="800219" cy="338554"/>
-            </a:xfrm>
-            <a:prstGeom prst="rect">
-              <a:avLst/>
-            </a:prstGeom>
-            <a:noFill/>
-          </p:spPr>
-          <p:txBody>
-            <a:bodyPr wrap="none" rtlCol="0">
-              <a:spAutoFit/>
-            </a:bodyPr>
-            <a:lstStyle/>
-            <a:p>
-              <a:r>
-                <a:rPr lang="ja-JP" altLang="en-US" sz="1600" dirty="0" smtClean="0"/>
-                <a:t>⑤実行</a:t>
-              </a:r>
-              <a:endParaRPr lang="en-US" altLang="ja-JP" sz="1600" dirty="0" smtClean="0"/>
-            </a:p>
-          </p:txBody>
-        </p:sp>
-        <p:sp>
-          <p:nvSpPr>
-            <p:cNvPr id="59" name="正方形/長方形 58"/>
-            <p:cNvSpPr/>
-            <p:nvPr/>
-          </p:nvSpPr>
-          <p:spPr>
-            <a:xfrm>
-              <a:off x="4211960" y="404664"/>
-              <a:ext cx="1252561" cy="807845"/>
-            </a:xfrm>
-            <a:prstGeom prst="rect">
-              <a:avLst/>
-            </a:prstGeom>
-          </p:spPr>
-          <p:style>
-            <a:lnRef idx="2">
-              <a:schemeClr val="dk1">
-                <a:shade val="50000"/>
-              </a:schemeClr>
-            </a:lnRef>
-            <a:fillRef idx="1">
-              <a:schemeClr val="dk1"/>
-            </a:fillRef>
-            <a:effectRef idx="0">
-              <a:schemeClr val="dk1"/>
-            </a:effectRef>
-            <a:fontRef idx="minor">
-              <a:schemeClr val="lt1"/>
-            </a:fontRef>
-          </p:style>
-          <p:txBody>
-            <a:bodyPr rtlCol="0" anchor="t"/>
-            <a:lstStyle/>
-            <a:p>
-              <a:r>
-                <a:rPr kumimoji="1" lang="en-US" altLang="ja-JP" sz="1100" dirty="0" smtClean="0"/>
-                <a:t>C:\ &gt;</a:t>
-              </a:r>
-              <a:endParaRPr kumimoji="1" lang="ja-JP" altLang="en-US" sz="1100" dirty="0"/>
-            </a:p>
-          </p:txBody>
-        </p:sp>
-        <p:sp>
-          <p:nvSpPr>
-            <p:cNvPr id="61" name="正方形/長方形 60"/>
-            <p:cNvSpPr/>
-            <p:nvPr/>
-          </p:nvSpPr>
-          <p:spPr>
-            <a:xfrm>
-              <a:off x="4211959" y="301614"/>
-              <a:ext cx="1252561" cy="87529"/>
-            </a:xfrm>
-            <a:prstGeom prst="rect">
-              <a:avLst/>
-            </a:prstGeom>
-            <a:solidFill>
-              <a:schemeClr val="accent1"/>
-            </a:solidFill>
-          </p:spPr>
-          <p:style>
-            <a:lnRef idx="2">
-              <a:schemeClr val="dk1">
-                <a:shade val="50000"/>
-              </a:schemeClr>
-            </a:lnRef>
-            <a:fillRef idx="1">
-              <a:schemeClr val="dk1"/>
-            </a:fillRef>
-            <a:effectRef idx="0">
-              <a:schemeClr val="dk1"/>
-            </a:effectRef>
-            <a:fontRef idx="minor">
-              <a:schemeClr val="lt1"/>
-            </a:fontRef>
-          </p:style>
-          <p:txBody>
-            <a:bodyPr rtlCol="0" anchor="t"/>
-            <a:lstStyle/>
-            <a:p>
-              <a:endParaRPr kumimoji="1" lang="ja-JP" altLang="en-US" sz="1100" dirty="0"/>
-            </a:p>
-          </p:txBody>
-        </p:sp>
-        <p:sp>
-          <p:nvSpPr>
-            <p:cNvPr id="10" name="正方形/長方形 9"/>
-            <p:cNvSpPr/>
-            <p:nvPr/>
-          </p:nvSpPr>
-          <p:spPr>
-            <a:xfrm>
-              <a:off x="2208327" y="2210165"/>
-              <a:ext cx="1211545" cy="781967"/>
-            </a:xfrm>
-            <a:prstGeom prst="rect">
-              <a:avLst/>
-            </a:prstGeom>
-            <a:noFill/>
-            <a:ln w="57150"/>
-          </p:spPr>
-          <p:style>
-            <a:lnRef idx="2">
-              <a:schemeClr val="accent6"/>
-            </a:lnRef>
-            <a:fillRef idx="1">
-              <a:schemeClr val="lt1"/>
-            </a:fillRef>
-            <a:effectRef idx="0">
-              <a:schemeClr val="accent6"/>
-            </a:effectRef>
-            <a:fontRef idx="minor">
-              <a:schemeClr val="dk1"/>
-            </a:fontRef>
-          </p:style>
-          <p:txBody>
-            <a:bodyPr rtlCol="0" anchor="ctr"/>
-            <a:lstStyle/>
-            <a:p>
-              <a:pPr algn="ctr"/>
-              <a:endParaRPr kumimoji="1" lang="ja-JP" altLang="en-US"/>
-            </a:p>
-          </p:txBody>
-        </p:sp>
-      </p:grpSp>
-    </p:spTree>
-    <p:extLst>
-      <p:ext uri="{BB962C8B-B14F-4D97-AF65-F5344CB8AC3E}">
-        <p14:creationId xmlns:p14="http://schemas.microsoft.com/office/powerpoint/2010/main" val="757520447"/>
-      </p:ext>
-    </p:extLst>
-  </p:cSld>
-  <p:clrMapOvr>
-    <a:masterClrMapping/>
-  </p:clrMapOvr>
-</p:sld>
-</file>
-
 <file path=ppt/slides/slide18.xml><?xml version="1.0" encoding="utf-8"?>
 <p:sld xmlns:a="http://schemas.openxmlformats.org/drawingml/2006/main" xmlns:r="http://schemas.openxmlformats.org/officeDocument/2006/relationships" xmlns:p="http://schemas.openxmlformats.org/presentationml/2006/main">
   <p:cSld>
@@ -12048,8 +11378,8 @@
           </p:nvSpPr>
           <p:spPr>
             <a:xfrm>
-              <a:off x="2211835" y="1348777"/>
-              <a:ext cx="2360165" cy="781967"/>
+              <a:off x="2208327" y="2210165"/>
+              <a:ext cx="1211545" cy="781967"/>
             </a:xfrm>
             <a:prstGeom prst="rect">
               <a:avLst/>
@@ -12084,7 +11414,7 @@
     </p:spTree>
     <p:extLst>
       <p:ext uri="{BB962C8B-B14F-4D97-AF65-F5344CB8AC3E}">
-        <p14:creationId xmlns:p14="http://schemas.microsoft.com/office/powerpoint/2010/main" val="1893503174"/>
+        <p14:creationId xmlns:p14="http://schemas.microsoft.com/office/powerpoint/2010/main" val="757520447"/>
       </p:ext>
     </p:extLst>
   </p:cSld>
@@ -12119,10 +11449,10 @@
         </p:nvGrpSpPr>
         <p:grpSpPr>
           <a:xfrm>
-            <a:off x="390166" y="301614"/>
-            <a:ext cx="8320921" cy="5904340"/>
-            <a:chOff x="390166" y="301614"/>
-            <a:chExt cx="8320921" cy="5904340"/>
+            <a:off x="434094" y="301614"/>
+            <a:ext cx="8276993" cy="5904340"/>
+            <a:chOff x="434094" y="301614"/>
+            <a:chExt cx="8276993" cy="5904340"/>
           </a:xfrm>
         </p:grpSpPr>
         <p:sp>
@@ -13102,8 +12432,8 @@
           </p:nvSpPr>
           <p:spPr>
             <a:xfrm>
-              <a:off x="390166" y="5075400"/>
-              <a:ext cx="2473785" cy="781967"/>
+              <a:off x="2211835" y="1348777"/>
+              <a:ext cx="2360165" cy="781967"/>
             </a:xfrm>
             <a:prstGeom prst="rect">
               <a:avLst/>
@@ -13167,232 +12497,34 @@
       </p:grpSpPr>
       <p:grpSp>
         <p:nvGrpSpPr>
-          <p:cNvPr id="4" name="グループ化 3"/>
+          <p:cNvPr id="7" name="グループ化 6"/>
           <p:cNvGrpSpPr/>
           <p:nvPr/>
         </p:nvGrpSpPr>
         <p:grpSpPr>
           <a:xfrm>
-            <a:off x="834485" y="604837"/>
-            <a:ext cx="7486650" cy="5648326"/>
-            <a:chOff x="834485" y="604837"/>
-            <a:chExt cx="7486650" cy="5648326"/>
+            <a:off x="1115616" y="2638860"/>
+            <a:ext cx="4752528" cy="3095786"/>
+            <a:chOff x="1115616" y="2638860"/>
+            <a:chExt cx="4752528" cy="3095786"/>
           </a:xfrm>
         </p:grpSpPr>
-        <p:pic>
-          <p:nvPicPr>
-            <p:cNvPr id="3" name="Picture 2"/>
-            <p:cNvPicPr>
-              <a:picLocks noChangeAspect="1" noChangeArrowheads="1"/>
-            </p:cNvPicPr>
-            <p:nvPr/>
-          </p:nvPicPr>
-          <p:blipFill>
-            <a:blip r:embed="rId2">
-              <a:extLst>
-                <a:ext uri="{28A0092B-C50C-407E-A947-70E740481C1C}">
-                  <a14:useLocalDpi xmlns:a14="http://schemas.microsoft.com/office/drawing/2010/main" val="0"/>
-                </a:ext>
-              </a:extLst>
-            </a:blip>
-            <a:srcRect/>
-            <a:stretch>
-              <a:fillRect/>
-            </a:stretch>
-          </p:blipFill>
-          <p:spPr bwMode="auto">
-            <a:xfrm>
-              <a:off x="834485" y="604837"/>
-              <a:ext cx="7486650" cy="5648325"/>
-            </a:xfrm>
-            <a:prstGeom prst="rect">
-              <a:avLst/>
-            </a:prstGeom>
-            <a:noFill/>
-            <a:ln>
-              <a:noFill/>
-            </a:ln>
-            <a:extLst>
-              <a:ext uri="{909E8E84-426E-40DD-AFC4-6F175D3DCCD1}">
-                <a14:hiddenFill xmlns:a14="http://schemas.microsoft.com/office/drawing/2010/main">
-                  <a:solidFill>
-                    <a:schemeClr val="accent1"/>
-                  </a:solidFill>
-                </a14:hiddenFill>
-              </a:ext>
-              <a:ext uri="{91240B29-F687-4F45-9708-019B960494DF}">
-                <a14:hiddenLine xmlns:a14="http://schemas.microsoft.com/office/drawing/2010/main" w="9525">
-                  <a:solidFill>
-                    <a:schemeClr val="tx1"/>
-                  </a:solidFill>
-                  <a:miter lim="800000"/>
-                  <a:headEnd/>
-                  <a:tailEnd/>
-                </a14:hiddenLine>
-              </a:ext>
-            </a:extLst>
-          </p:spPr>
-        </p:pic>
         <p:sp>
           <p:nvSpPr>
-            <p:cNvPr id="11" name="正方形/長方形 10"/>
+            <p:cNvPr id="24" name="角丸四角形 23"/>
             <p:cNvSpPr/>
             <p:nvPr/>
           </p:nvSpPr>
           <p:spPr>
             <a:xfrm>
-              <a:off x="834485" y="1082421"/>
-              <a:ext cx="5033659" cy="5170742"/>
-            </a:xfrm>
-            <a:prstGeom prst="rect">
-              <a:avLst/>
-            </a:prstGeom>
-            <a:noFill/>
+              <a:off x="2195736" y="2638860"/>
+              <a:ext cx="3672408" cy="2590340"/>
+            </a:xfrm>
+            <a:prstGeom prst="roundRect">
+              <a:avLst/>
+            </a:prstGeom>
             <a:ln>
-              <a:solidFill>
-                <a:schemeClr val="accent6"/>
-              </a:solidFill>
-            </a:ln>
-          </p:spPr>
-          <p:style>
-            <a:lnRef idx="2">
-              <a:schemeClr val="accent1">
-                <a:shade val="50000"/>
-              </a:schemeClr>
-            </a:lnRef>
-            <a:fillRef idx="1">
-              <a:schemeClr val="accent1"/>
-            </a:fillRef>
-            <a:effectRef idx="0">
-              <a:schemeClr val="accent1"/>
-            </a:effectRef>
-            <a:fontRef idx="minor">
-              <a:schemeClr val="lt1"/>
-            </a:fontRef>
-          </p:style>
-          <p:txBody>
-            <a:bodyPr rtlCol="0" anchor="ctr"/>
-            <a:lstStyle/>
-            <a:p>
-              <a:pPr algn="ctr"/>
-              <a:endParaRPr kumimoji="1" lang="ja-JP" altLang="en-US"/>
-            </a:p>
-          </p:txBody>
-        </p:sp>
-        <p:sp>
-          <p:nvSpPr>
-            <p:cNvPr id="12" name="正方形/長方形 11"/>
-            <p:cNvSpPr/>
-            <p:nvPr/>
-          </p:nvSpPr>
-          <p:spPr>
-            <a:xfrm>
-              <a:off x="5922218" y="1082421"/>
-              <a:ext cx="2322190" cy="5170742"/>
-            </a:xfrm>
-            <a:prstGeom prst="rect">
-              <a:avLst/>
-            </a:prstGeom>
-            <a:noFill/>
-            <a:ln>
-              <a:solidFill>
-                <a:schemeClr val="accent3"/>
-              </a:solidFill>
-            </a:ln>
-          </p:spPr>
-          <p:style>
-            <a:lnRef idx="2">
-              <a:schemeClr val="accent1">
-                <a:shade val="50000"/>
-              </a:schemeClr>
-            </a:lnRef>
-            <a:fillRef idx="1">
-              <a:schemeClr val="accent1"/>
-            </a:fillRef>
-            <a:effectRef idx="0">
-              <a:schemeClr val="accent1"/>
-            </a:effectRef>
-            <a:fontRef idx="minor">
-              <a:schemeClr val="lt1"/>
-            </a:fontRef>
-          </p:style>
-          <p:txBody>
-            <a:bodyPr rtlCol="0" anchor="ctr"/>
-            <a:lstStyle/>
-            <a:p>
-              <a:pPr algn="ctr"/>
-              <a:endParaRPr kumimoji="1" lang="ja-JP" altLang="en-US"/>
-            </a:p>
-          </p:txBody>
-        </p:sp>
-        <p:sp>
-          <p:nvSpPr>
-            <p:cNvPr id="13" name="正方形/長方形 12"/>
-            <p:cNvSpPr/>
-            <p:nvPr/>
-          </p:nvSpPr>
-          <p:spPr>
-            <a:xfrm>
-              <a:off x="1043608" y="1268760"/>
-              <a:ext cx="959592" cy="3312368"/>
-            </a:xfrm>
-            <a:prstGeom prst="rect">
-              <a:avLst/>
-            </a:prstGeom>
-            <a:noFill/>
-            <a:ln>
-              <a:solidFill>
-                <a:schemeClr val="accent1"/>
-              </a:solidFill>
-            </a:ln>
-          </p:spPr>
-          <p:style>
-            <a:lnRef idx="2">
-              <a:schemeClr val="accent1">
-                <a:shade val="50000"/>
-              </a:schemeClr>
-            </a:lnRef>
-            <a:fillRef idx="1">
-              <a:schemeClr val="accent1"/>
-            </a:fillRef>
-            <a:effectRef idx="0">
-              <a:schemeClr val="accent1"/>
-            </a:effectRef>
-            <a:fontRef idx="minor">
-              <a:schemeClr val="lt1"/>
-            </a:fontRef>
-          </p:style>
-          <p:txBody>
-            <a:bodyPr rtlCol="0" anchor="ctr"/>
-            <a:lstStyle/>
-            <a:p>
-              <a:pPr algn="ctr"/>
-              <a:endParaRPr kumimoji="1" lang="ja-JP" altLang="en-US"/>
-            </a:p>
-          </p:txBody>
-        </p:sp>
-        <p:sp>
-          <p:nvSpPr>
-            <p:cNvPr id="2" name="角丸四角形 1"/>
-            <p:cNvSpPr/>
-            <p:nvPr/>
-          </p:nvSpPr>
-          <p:spPr>
-            <a:xfrm>
-              <a:off x="5995051" y="4149080"/>
-              <a:ext cx="2195285" cy="1656184"/>
-            </a:xfrm>
-            <a:prstGeom prst="roundRect">
-              <a:avLst/>
-            </a:prstGeom>
-            <a:solidFill>
-              <a:schemeClr val="accent3">
-                <a:lumMod val="20000"/>
-                <a:lumOff val="80000"/>
-              </a:schemeClr>
-            </a:solidFill>
-            <a:ln>
-              <a:noFill/>
+              <a:prstDash val="solid"/>
             </a:ln>
           </p:spPr>
           <p:style>
@@ -13413,71 +12545,35 @@
             <a:bodyPr rtlCol="0" anchor="t"/>
             <a:lstStyle/>
             <a:p>
-              <a:r>
-                <a:rPr lang="ja-JP" altLang="en-US" i="1" dirty="0" smtClean="0"/>
-                <a:t>プロパティパネル</a:t>
-              </a:r>
-              <a:endParaRPr lang="en-US" altLang="ja-JP" i="1" dirty="0" smtClean="0"/>
-            </a:p>
-            <a:p>
-              <a:r>
-                <a:rPr lang="ja-JP" altLang="en-US" dirty="0"/>
-                <a:t>選択した図形</a:t>
-              </a:r>
-              <a:r>
-                <a:rPr lang="ja-JP" altLang="en-US" dirty="0" smtClean="0"/>
-                <a:t>の</a:t>
-              </a:r>
-              <a:r>
-                <a:rPr lang="en-US" altLang="ja-JP" dirty="0"/>
-                <a:t>B</a:t>
-              </a:r>
-              <a:r>
-                <a:rPr lang="en-US" altLang="ja-JP" dirty="0" smtClean="0"/>
-                <a:t>ean</a:t>
-              </a:r>
-              <a:r>
-                <a:rPr lang="ja-JP" altLang="en-US" dirty="0" err="1" smtClean="0"/>
-                <a:t>、</a:t>
-              </a:r>
-              <a:r>
-                <a:rPr lang="en-US" altLang="ja-JP" dirty="0" smtClean="0"/>
-                <a:t>SQL</a:t>
-              </a:r>
-              <a:r>
-                <a:rPr lang="ja-JP" altLang="en-US" dirty="0" smtClean="0"/>
-                <a:t>など</a:t>
-              </a:r>
-              <a:r>
-                <a:rPr lang="ja-JP" altLang="en-US" dirty="0"/>
-                <a:t>の項目を設定します。</a:t>
-              </a:r>
-              <a:endParaRPr lang="ja-JP" altLang="en-US" i="1" dirty="0"/>
+              <a:pPr algn="ctr"/>
+              <a:r>
+                <a:rPr lang="ja-JP" altLang="en-US" dirty="0">
+                  <a:solidFill>
+                    <a:schemeClr val="accent6"/>
+                  </a:solidFill>
+                </a:rPr>
+                <a:t>クライアント</a:t>
+              </a:r>
+              <a:endParaRPr kumimoji="1" lang="ja-JP" altLang="en-US" dirty="0"/>
             </a:p>
           </p:txBody>
         </p:sp>
         <p:sp>
           <p:nvSpPr>
-            <p:cNvPr id="14" name="角丸四角形 13"/>
+            <p:cNvPr id="13" name="角丸四角形 12"/>
             <p:cNvSpPr/>
             <p:nvPr/>
           </p:nvSpPr>
           <p:spPr>
             <a:xfrm>
-              <a:off x="2843808" y="2636912"/>
-              <a:ext cx="2678369" cy="1201993"/>
+              <a:off x="2915816" y="3223690"/>
+              <a:ext cx="2232248" cy="483845"/>
             </a:xfrm>
             <a:prstGeom prst="roundRect">
               <a:avLst/>
             </a:prstGeom>
-            <a:solidFill>
-              <a:schemeClr val="accent6">
-                <a:lumMod val="20000"/>
-                <a:lumOff val="80000"/>
-              </a:schemeClr>
-            </a:solidFill>
             <a:ln>
-              <a:noFill/>
+              <a:prstDash val="sysDot"/>
             </a:ln>
           </p:spPr>
           <p:style>
@@ -13495,49 +12591,76 @@
             </a:fontRef>
           </p:style>
           <p:txBody>
-            <a:bodyPr rtlCol="0" anchor="t"/>
+            <a:bodyPr rtlCol="0" anchor="ctr"/>
             <a:lstStyle/>
             <a:p>
-              <a:r>
-                <a:rPr lang="ja-JP" altLang="en-US" i="1" dirty="0"/>
-                <a:t>キャンバス</a:t>
-              </a:r>
-            </a:p>
-            <a:p>
-              <a:r>
-                <a:rPr lang="ja-JP" altLang="en-US" dirty="0"/>
-                <a:t>図形を配置</a:t>
-              </a:r>
-              <a:r>
-                <a:rPr lang="ja-JP" altLang="en-US" dirty="0" smtClean="0"/>
-                <a:t>して処理フローを作成します。</a:t>
-              </a:r>
-              <a:endParaRPr lang="ja-JP" altLang="en-US" i="1" dirty="0"/>
+              <a:pPr algn="ctr"/>
+              <a:r>
+                <a:rPr lang="en-US" altLang="ja-JP" dirty="0">
+                  <a:solidFill>
+                    <a:schemeClr val="accent6"/>
+                  </a:solidFill>
+                </a:rPr>
+                <a:t>ETL</a:t>
+              </a:r>
+              <a:r>
+                <a:rPr lang="ja-JP" altLang="en-US" dirty="0" smtClean="0">
+                  <a:solidFill>
+                    <a:schemeClr val="accent6"/>
+                  </a:solidFill>
+                </a:rPr>
+                <a:t>デザイナー</a:t>
+              </a:r>
+              <a:endParaRPr kumimoji="1" lang="ja-JP" altLang="en-US" dirty="0"/>
             </a:p>
           </p:txBody>
         </p:sp>
+        <p:pic>
+          <p:nvPicPr>
+            <p:cNvPr id="28" name="図 27"/>
+            <p:cNvPicPr>
+              <a:picLocks noChangeAspect="1"/>
+            </p:cNvPicPr>
+            <p:nvPr/>
+          </p:nvPicPr>
+          <p:blipFill>
+            <a:blip r:embed="rId2" cstate="print">
+              <a:extLst>
+                <a:ext uri="{28A0092B-C50C-407E-A947-70E740481C1C}">
+                  <a14:useLocalDpi xmlns:a14="http://schemas.microsoft.com/office/drawing/2010/main" val="0"/>
+                </a:ext>
+              </a:extLst>
+            </a:blip>
+            <a:stretch>
+              <a:fillRect/>
+            </a:stretch>
+          </p:blipFill>
+          <p:spPr>
+            <a:xfrm>
+              <a:off x="1115616" y="4435720"/>
+              <a:ext cx="1292431" cy="1298926"/>
+            </a:xfrm>
+            <a:prstGeom prst="rect">
+              <a:avLst/>
+            </a:prstGeom>
+          </p:spPr>
+        </p:pic>
         <p:sp>
           <p:nvSpPr>
-            <p:cNvPr id="15" name="角丸四角形 14"/>
+            <p:cNvPr id="9" name="角丸四角形 8"/>
             <p:cNvSpPr/>
             <p:nvPr/>
           </p:nvSpPr>
           <p:spPr>
             <a:xfrm>
-              <a:off x="1043608" y="4869160"/>
-              <a:ext cx="4680520" cy="1224136"/>
+              <a:off x="2915816" y="4289251"/>
+              <a:ext cx="2232248" cy="507902"/>
             </a:xfrm>
             <a:prstGeom prst="roundRect">
               <a:avLst/>
             </a:prstGeom>
-            <a:solidFill>
-              <a:schemeClr val="accent1">
-                <a:lumMod val="20000"/>
-                <a:lumOff val="80000"/>
-              </a:schemeClr>
-            </a:solidFill>
             <a:ln>
-              <a:noFill/>
+              <a:prstDash val="sysDot"/>
             </a:ln>
           </p:spPr>
           <p:style>
@@ -13555,55 +12678,78 @@
             </a:fontRef>
           </p:style>
           <p:txBody>
-            <a:bodyPr rtlCol="0" anchor="t"/>
+            <a:bodyPr rtlCol="0" anchor="ctr"/>
             <a:lstStyle/>
             <a:p>
-              <a:r>
-                <a:rPr lang="ja-JP" altLang="en-US" i="1" dirty="0"/>
-                <a:t>パレット</a:t>
-              </a:r>
-            </a:p>
-            <a:p>
-              <a:r>
-                <a:rPr lang="ja-JP" altLang="en-US" dirty="0"/>
-                <a:t>配置できる図形が表示されます</a:t>
-              </a:r>
-              <a:r>
-                <a:rPr lang="ja-JP" altLang="en-US" dirty="0" smtClean="0"/>
-                <a:t>。ここからキャンバス上にドラッグ</a:t>
-              </a:r>
-              <a:r>
-                <a:rPr lang="en-US" altLang="ja-JP" dirty="0" smtClean="0"/>
-                <a:t>&amp;</a:t>
-              </a:r>
-              <a:r>
-                <a:rPr lang="ja-JP" altLang="en-US" dirty="0" smtClean="0"/>
-                <a:t>ドロップで作成します。</a:t>
-              </a:r>
-              <a:endParaRPr lang="ja-JP" altLang="en-US" i="1" dirty="0"/>
+              <a:pPr algn="ctr"/>
+              <a:r>
+                <a:rPr lang="en-US" altLang="ja-JP" dirty="0" smtClean="0">
+                  <a:solidFill>
+                    <a:schemeClr val="accent6"/>
+                  </a:solidFill>
+                </a:rPr>
+                <a:t>Java</a:t>
+              </a:r>
+              <a:r>
+                <a:rPr lang="ja-JP" altLang="en-US" dirty="0" smtClean="0">
+                  <a:solidFill>
+                    <a:schemeClr val="accent6"/>
+                  </a:solidFill>
+                </a:rPr>
+                <a:t>アプリケーション</a:t>
+              </a:r>
+              <a:endParaRPr kumimoji="1" lang="ja-JP" altLang="en-US" dirty="0"/>
             </a:p>
           </p:txBody>
         </p:sp>
         <p:cxnSp>
           <p:nvCxnSpPr>
-            <p:cNvPr id="5" name="直線矢印コネクタ 4"/>
-            <p:cNvCxnSpPr>
-              <a:endCxn id="13" idx="2"/>
-            </p:cNvCxnSpPr>
+            <p:cNvPr id="10" name="直線矢印コネクタ 9"/>
+            <p:cNvCxnSpPr/>
             <p:nvPr/>
           </p:nvCxnSpPr>
           <p:spPr>
+            <a:xfrm>
+              <a:off x="4139952" y="3707535"/>
+              <a:ext cx="0" cy="581715"/>
+            </a:xfrm>
+            <a:prstGeom prst="straightConnector1">
+              <a:avLst/>
+            </a:prstGeom>
+            <a:ln w="38100">
+              <a:tailEnd type="arrow"/>
+            </a:ln>
+          </p:spPr>
+          <p:style>
+            <a:lnRef idx="1">
+              <a:schemeClr val="accent1"/>
+            </a:lnRef>
+            <a:fillRef idx="0">
+              <a:schemeClr val="accent1"/>
+            </a:fillRef>
+            <a:effectRef idx="0">
+              <a:schemeClr val="accent1"/>
+            </a:effectRef>
+            <a:fontRef idx="minor">
+              <a:schemeClr val="tx1"/>
+            </a:fontRef>
+          </p:style>
+        </p:cxnSp>
+        <p:cxnSp>
+          <p:nvCxnSpPr>
+            <p:cNvPr id="14" name="直線矢印コネクタ 13"/>
+            <p:cNvCxnSpPr/>
+            <p:nvPr/>
+          </p:nvCxnSpPr>
+          <p:spPr>
             <a:xfrm flipV="1">
-              <a:off x="1523404" y="4581128"/>
-              <a:ext cx="0" cy="288032"/>
+              <a:off x="3851920" y="3707535"/>
+              <a:ext cx="0" cy="581715"/>
             </a:xfrm>
             <a:prstGeom prst="straightConnector1">
               <a:avLst/>
             </a:prstGeom>
             <a:ln w="38100">
-              <a:solidFill>
-                <a:schemeClr val="accent1"/>
-              </a:solidFill>
               <a:tailEnd type="arrow"/>
             </a:ln>
           </p:spPr>
@@ -13626,7 +12772,7 @@
     </p:spTree>
     <p:extLst>
       <p:ext uri="{BB962C8B-B14F-4D97-AF65-F5344CB8AC3E}">
-        <p14:creationId xmlns:p14="http://schemas.microsoft.com/office/powerpoint/2010/main" val="4157251795"/>
+        <p14:creationId xmlns:p14="http://schemas.microsoft.com/office/powerpoint/2010/main" val="76281303"/>
       </p:ext>
     </p:extLst>
   </p:cSld>
@@ -13668,10 +12814,10 @@
         </p:nvGrpSpPr>
         <p:grpSpPr>
           <a:xfrm>
-            <a:off x="434094" y="301614"/>
-            <a:ext cx="8276993" cy="5904340"/>
-            <a:chOff x="434094" y="301614"/>
-            <a:chExt cx="8276993" cy="5904340"/>
+            <a:off x="390166" y="301614"/>
+            <a:ext cx="8320921" cy="5904340"/>
+            <a:chOff x="390166" y="301614"/>
+            <a:chExt cx="8320921" cy="5904340"/>
           </a:xfrm>
         </p:grpSpPr>
         <p:sp>
@@ -14651,8 +13797,8 @@
           </p:nvSpPr>
           <p:spPr>
             <a:xfrm>
-              <a:off x="6236594" y="2415205"/>
-              <a:ext cx="1211545" cy="781967"/>
+              <a:off x="390166" y="5075400"/>
+              <a:ext cx="2473785" cy="781967"/>
             </a:xfrm>
             <a:prstGeom prst="rect">
               <a:avLst/>
@@ -15705,7 +14851,7 @@
           </p:nvSpPr>
           <p:spPr>
             <a:xfrm>
-              <a:off x="2190192" y="461485"/>
+              <a:off x="6236594" y="2415205"/>
               <a:ext cx="1211545" cy="781967"/>
             </a:xfrm>
             <a:prstGeom prst="rect">
@@ -15752,6 +14898,1060 @@
 </file>
 
 <file path=ppt/slides/slide22.xml><?xml version="1.0" encoding="utf-8"?>
+<p:sld xmlns:a="http://schemas.openxmlformats.org/drawingml/2006/main" xmlns:r="http://schemas.openxmlformats.org/officeDocument/2006/relationships" xmlns:p="http://schemas.openxmlformats.org/presentationml/2006/main">
+  <p:cSld>
+    <p:spTree>
+      <p:nvGrpSpPr>
+        <p:cNvPr id="1" name=""/>
+        <p:cNvGrpSpPr/>
+        <p:nvPr/>
+      </p:nvGrpSpPr>
+      <p:grpSpPr>
+        <a:xfrm>
+          <a:off x="0" y="0"/>
+          <a:ext cx="0" cy="0"/>
+          <a:chOff x="0" y="0"/>
+          <a:chExt cx="0" cy="0"/>
+        </a:xfrm>
+      </p:grpSpPr>
+      <p:grpSp>
+        <p:nvGrpSpPr>
+          <p:cNvPr id="11" name="グループ化 10"/>
+          <p:cNvGrpSpPr/>
+          <p:nvPr/>
+        </p:nvGrpSpPr>
+        <p:grpSpPr>
+          <a:xfrm>
+            <a:off x="434094" y="301614"/>
+            <a:ext cx="8276993" cy="5904340"/>
+            <a:chOff x="434094" y="301614"/>
+            <a:chExt cx="8276993" cy="5904340"/>
+          </a:xfrm>
+        </p:grpSpPr>
+        <p:sp>
+          <p:nvSpPr>
+            <p:cNvPr id="50" name="角丸四角形 49"/>
+            <p:cNvSpPr/>
+            <p:nvPr/>
+          </p:nvSpPr>
+          <p:spPr>
+            <a:xfrm>
+              <a:off x="434094" y="3346134"/>
+              <a:ext cx="5402449" cy="2859820"/>
+            </a:xfrm>
+            <a:prstGeom prst="roundRect">
+              <a:avLst>
+                <a:gd name="adj" fmla="val 8192"/>
+              </a:avLst>
+            </a:prstGeom>
+            <a:noFill/>
+            <a:ln w="12700">
+              <a:prstDash val="dash"/>
+            </a:ln>
+          </p:spPr>
+          <p:style>
+            <a:lnRef idx="2">
+              <a:schemeClr val="accent1">
+                <a:shade val="50000"/>
+              </a:schemeClr>
+            </a:lnRef>
+            <a:fillRef idx="1">
+              <a:schemeClr val="accent1"/>
+            </a:fillRef>
+            <a:effectRef idx="0">
+              <a:schemeClr val="accent1"/>
+            </a:effectRef>
+            <a:fontRef idx="minor">
+              <a:schemeClr val="lt1"/>
+            </a:fontRef>
+          </p:style>
+          <p:txBody>
+            <a:bodyPr rtlCol="0" anchor="ctr"/>
+            <a:lstStyle/>
+            <a:p>
+              <a:pPr algn="ctr"/>
+              <a:endParaRPr kumimoji="1" lang="ja-JP" altLang="en-US"/>
+            </a:p>
+          </p:txBody>
+        </p:sp>
+        <p:pic>
+          <p:nvPicPr>
+            <p:cNvPr id="2" name="図 1"/>
+            <p:cNvPicPr>
+              <a:picLocks noChangeAspect="1"/>
+            </p:cNvPicPr>
+            <p:nvPr/>
+          </p:nvPicPr>
+          <p:blipFill>
+            <a:blip r:embed="rId2" cstate="print">
+              <a:extLst>
+                <a:ext uri="{28A0092B-C50C-407E-A947-70E740481C1C}">
+                  <a14:useLocalDpi xmlns:a14="http://schemas.microsoft.com/office/drawing/2010/main" val="0"/>
+                </a:ext>
+              </a:extLst>
+            </a:blip>
+            <a:stretch>
+              <a:fillRect/>
+            </a:stretch>
+          </p:blipFill>
+          <p:spPr>
+            <a:xfrm>
+              <a:off x="514070" y="672449"/>
+              <a:ext cx="1342318" cy="1349063"/>
+            </a:xfrm>
+            <a:prstGeom prst="rect">
+              <a:avLst/>
+            </a:prstGeom>
+          </p:spPr>
+        </p:pic>
+        <p:sp>
+          <p:nvSpPr>
+            <p:cNvPr id="3" name="正方形/長方形 2"/>
+            <p:cNvSpPr/>
+            <p:nvPr/>
+          </p:nvSpPr>
+          <p:spPr>
+            <a:xfrm>
+              <a:off x="4381811" y="5032827"/>
+              <a:ext cx="1342317" cy="809560"/>
+            </a:xfrm>
+            <a:prstGeom prst="rect">
+              <a:avLst/>
+            </a:prstGeom>
+            <a:ln>
+              <a:solidFill>
+                <a:schemeClr val="accent3"/>
+              </a:solidFill>
+            </a:ln>
+          </p:spPr>
+          <p:style>
+            <a:lnRef idx="2">
+              <a:schemeClr val="accent6"/>
+            </a:lnRef>
+            <a:fillRef idx="1">
+              <a:schemeClr val="lt1"/>
+            </a:fillRef>
+            <a:effectRef idx="0">
+              <a:schemeClr val="accent6"/>
+            </a:effectRef>
+            <a:fontRef idx="minor">
+              <a:schemeClr val="dk1"/>
+            </a:fontRef>
+          </p:style>
+          <p:txBody>
+            <a:bodyPr rtlCol="0" anchor="t"/>
+            <a:lstStyle/>
+            <a:p>
+              <a:r>
+                <a:rPr lang="en-US" altLang="ja-JP" sz="1400" dirty="0" smtClean="0"/>
+                <a:t>Bean</a:t>
+              </a:r>
+            </a:p>
+            <a:p>
+              <a:r>
+                <a:rPr lang="ja-JP" altLang="en-US" sz="1400" dirty="0"/>
+                <a:t>（</a:t>
+              </a:r>
+              <a:r>
+                <a:rPr lang="ja-JP" altLang="en-US" sz="1400" dirty="0" smtClean="0"/>
+                <a:t>データ</a:t>
+              </a:r>
+              <a:r>
+                <a:rPr lang="ja-JP" altLang="en-US" sz="1400" dirty="0"/>
+                <a:t>項目</a:t>
+              </a:r>
+              <a:r>
+                <a:rPr lang="ja-JP" altLang="en-US" sz="1400" dirty="0" smtClean="0"/>
+                <a:t>）</a:t>
+              </a:r>
+              <a:endParaRPr lang="en-US" altLang="ja-JP" sz="1400" dirty="0" smtClean="0"/>
+            </a:p>
+          </p:txBody>
+        </p:sp>
+        <p:sp>
+          <p:nvSpPr>
+            <p:cNvPr id="4" name="正方形/長方形 3"/>
+            <p:cNvSpPr/>
+            <p:nvPr/>
+          </p:nvSpPr>
+          <p:spPr>
+            <a:xfrm>
+              <a:off x="2941651" y="5032827"/>
+              <a:ext cx="1342317" cy="809560"/>
+            </a:xfrm>
+            <a:prstGeom prst="rect">
+              <a:avLst/>
+            </a:prstGeom>
+            <a:ln>
+              <a:solidFill>
+                <a:schemeClr val="accent3"/>
+              </a:solidFill>
+            </a:ln>
+          </p:spPr>
+          <p:style>
+            <a:lnRef idx="2">
+              <a:schemeClr val="accent6"/>
+            </a:lnRef>
+            <a:fillRef idx="1">
+              <a:schemeClr val="lt1"/>
+            </a:fillRef>
+            <a:effectRef idx="0">
+              <a:schemeClr val="accent6"/>
+            </a:effectRef>
+            <a:fontRef idx="minor">
+              <a:schemeClr val="dk1"/>
+            </a:fontRef>
+          </p:style>
+          <p:txBody>
+            <a:bodyPr rtlCol="0" anchor="t"/>
+            <a:lstStyle/>
+            <a:p>
+              <a:r>
+                <a:rPr lang="en-US" altLang="ja-JP" sz="1400" dirty="0" smtClean="0"/>
+                <a:t>SQL</a:t>
+              </a:r>
+            </a:p>
+            <a:p>
+              <a:r>
+                <a:rPr lang="ja-JP" altLang="en-US" sz="1400" dirty="0"/>
+                <a:t>（変換仕様</a:t>
+              </a:r>
+              <a:r>
+                <a:rPr lang="ja-JP" altLang="en-US" sz="1400" dirty="0" smtClean="0"/>
+                <a:t>）</a:t>
+              </a:r>
+              <a:endParaRPr lang="en-US" altLang="ja-JP" sz="1400" dirty="0" smtClean="0"/>
+            </a:p>
+          </p:txBody>
+        </p:sp>
+        <p:pic>
+          <p:nvPicPr>
+            <p:cNvPr id="5" name="Picture 3"/>
+            <p:cNvPicPr>
+              <a:picLocks noChangeAspect="1" noChangeArrowheads="1"/>
+            </p:cNvPicPr>
+            <p:nvPr/>
+          </p:nvPicPr>
+          <p:blipFill>
+            <a:blip r:embed="rId3" cstate="print">
+              <a:extLst>
+                <a:ext uri="{28A0092B-C50C-407E-A947-70E740481C1C}">
+                  <a14:useLocalDpi xmlns:a14="http://schemas.microsoft.com/office/drawing/2010/main" val="0"/>
+                </a:ext>
+              </a:extLst>
+            </a:blip>
+            <a:srcRect/>
+            <a:stretch>
+              <a:fillRect/>
+            </a:stretch>
+          </p:blipFill>
+          <p:spPr bwMode="auto">
+            <a:xfrm>
+              <a:off x="4297671" y="2210165"/>
+              <a:ext cx="2032041" cy="1533079"/>
+            </a:xfrm>
+            <a:prstGeom prst="rect">
+              <a:avLst/>
+            </a:prstGeom>
+            <a:noFill/>
+            <a:ln>
+              <a:noFill/>
+            </a:ln>
+            <a:extLst>
+              <a:ext uri="{909E8E84-426E-40DD-AFC4-6F175D3DCCD1}">
+                <a14:hiddenFill xmlns:a14="http://schemas.microsoft.com/office/drawing/2010/main">
+                  <a:solidFill>
+                    <a:schemeClr val="accent1"/>
+                  </a:solidFill>
+                </a14:hiddenFill>
+              </a:ext>
+              <a:ext uri="{91240B29-F687-4F45-9708-019B960494DF}">
+                <a14:hiddenLine xmlns:a14="http://schemas.microsoft.com/office/drawing/2010/main" w="9525">
+                  <a:solidFill>
+                    <a:schemeClr val="tx1"/>
+                  </a:solidFill>
+                  <a:miter lim="800000"/>
+                  <a:headEnd/>
+                  <a:tailEnd/>
+                </a14:hiddenLine>
+              </a:ext>
+            </a:extLst>
+          </p:spPr>
+        </p:pic>
+        <p:sp>
+          <p:nvSpPr>
+            <p:cNvPr id="6" name="正方形/長方形 5"/>
+            <p:cNvSpPr/>
+            <p:nvPr/>
+          </p:nvSpPr>
+          <p:spPr>
+            <a:xfrm>
+              <a:off x="530096" y="2293689"/>
+              <a:ext cx="1342318" cy="809560"/>
+            </a:xfrm>
+            <a:prstGeom prst="rect">
+              <a:avLst/>
+            </a:prstGeom>
+            <a:ln>
+              <a:solidFill>
+                <a:schemeClr val="accent1"/>
+              </a:solidFill>
+            </a:ln>
+          </p:spPr>
+          <p:style>
+            <a:lnRef idx="2">
+              <a:schemeClr val="accent6"/>
+            </a:lnRef>
+            <a:fillRef idx="1">
+              <a:schemeClr val="lt1"/>
+            </a:fillRef>
+            <a:effectRef idx="0">
+              <a:schemeClr val="accent6"/>
+            </a:effectRef>
+            <a:fontRef idx="minor">
+              <a:schemeClr val="dk1"/>
+            </a:fontRef>
+          </p:style>
+          <p:txBody>
+            <a:bodyPr rtlCol="0" anchor="t"/>
+            <a:lstStyle/>
+            <a:p>
+              <a:r>
+                <a:rPr lang="ja-JP" altLang="en-US" sz="1400" dirty="0"/>
+                <a:t>テンプレート</a:t>
+              </a:r>
+              <a:endParaRPr lang="en-US" altLang="ja-JP" sz="1400" dirty="0" smtClean="0"/>
+            </a:p>
+            <a:p>
+              <a:r>
+                <a:rPr lang="ja-JP" altLang="en-US" sz="1400" dirty="0" smtClean="0"/>
+                <a:t>（</a:t>
+              </a:r>
+              <a:r>
+                <a:rPr lang="ja-JP" altLang="en-US" sz="1400" dirty="0"/>
+                <a:t>処理</a:t>
+              </a:r>
+              <a:r>
+                <a:rPr lang="ja-JP" altLang="en-US" sz="1400" dirty="0" smtClean="0"/>
+                <a:t>フロー）</a:t>
+              </a:r>
+              <a:endParaRPr lang="en-US" altLang="ja-JP" sz="1400" dirty="0" smtClean="0"/>
+            </a:p>
+            <a:p>
+              <a:endParaRPr lang="en-US" altLang="ja-JP" sz="1400" dirty="0" smtClean="0"/>
+            </a:p>
+          </p:txBody>
+        </p:sp>
+        <p:cxnSp>
+          <p:nvCxnSpPr>
+            <p:cNvPr id="7" name="直線矢印コネクタ 6"/>
+            <p:cNvCxnSpPr>
+              <a:stCxn id="6" idx="3"/>
+            </p:cNvCxnSpPr>
+            <p:nvPr/>
+          </p:nvCxnSpPr>
+          <p:spPr>
+            <a:xfrm>
+              <a:off x="1872414" y="2698469"/>
+              <a:ext cx="2339546" cy="0"/>
+            </a:xfrm>
+            <a:prstGeom prst="straightConnector1">
+              <a:avLst/>
+            </a:prstGeom>
+            <a:ln w="38100">
+              <a:solidFill>
+                <a:srgbClr val="FF0000"/>
+              </a:solidFill>
+              <a:tailEnd type="arrow"/>
+            </a:ln>
+          </p:spPr>
+          <p:style>
+            <a:lnRef idx="1">
+              <a:schemeClr val="accent1"/>
+            </a:lnRef>
+            <a:fillRef idx="0">
+              <a:schemeClr val="accent1"/>
+            </a:fillRef>
+            <a:effectRef idx="0">
+              <a:schemeClr val="accent1"/>
+            </a:effectRef>
+            <a:fontRef idx="minor">
+              <a:schemeClr val="tx1"/>
+            </a:fontRef>
+          </p:style>
+        </p:cxnSp>
+        <p:cxnSp>
+          <p:nvCxnSpPr>
+            <p:cNvPr id="8" name="直線矢印コネクタ 7"/>
+            <p:cNvCxnSpPr>
+              <a:stCxn id="18" idx="3"/>
+            </p:cNvCxnSpPr>
+            <p:nvPr/>
+          </p:nvCxnSpPr>
+          <p:spPr>
+            <a:xfrm flipV="1">
+              <a:off x="1912090" y="2698469"/>
+              <a:ext cx="3924453" cy="1295330"/>
+            </a:xfrm>
+            <a:prstGeom prst="straightConnector1">
+              <a:avLst/>
+            </a:prstGeom>
+            <a:ln w="38100">
+              <a:solidFill>
+                <a:srgbClr val="FF0000"/>
+              </a:solidFill>
+              <a:tailEnd type="arrow"/>
+            </a:ln>
+          </p:spPr>
+          <p:style>
+            <a:lnRef idx="1">
+              <a:schemeClr val="accent1"/>
+            </a:lnRef>
+            <a:fillRef idx="0">
+              <a:schemeClr val="accent1"/>
+            </a:fillRef>
+            <a:effectRef idx="0">
+              <a:schemeClr val="accent1"/>
+            </a:effectRef>
+            <a:fontRef idx="minor">
+              <a:schemeClr val="tx1"/>
+            </a:fontRef>
+          </p:style>
+        </p:cxnSp>
+        <p:cxnSp>
+          <p:nvCxnSpPr>
+            <p:cNvPr id="9" name="直線矢印コネクタ 8"/>
+            <p:cNvCxnSpPr>
+              <a:stCxn id="4" idx="0"/>
+            </p:cNvCxnSpPr>
+            <p:nvPr/>
+          </p:nvCxnSpPr>
+          <p:spPr>
+            <a:xfrm flipV="1">
+              <a:off x="3612810" y="2884410"/>
+              <a:ext cx="2223733" cy="2148417"/>
+            </a:xfrm>
+            <a:prstGeom prst="straightConnector1">
+              <a:avLst/>
+            </a:prstGeom>
+            <a:ln w="38100">
+              <a:solidFill>
+                <a:srgbClr val="FF0000"/>
+              </a:solidFill>
+              <a:tailEnd type="arrow"/>
+            </a:ln>
+          </p:spPr>
+          <p:style>
+            <a:lnRef idx="1">
+              <a:schemeClr val="accent1"/>
+            </a:lnRef>
+            <a:fillRef idx="0">
+              <a:schemeClr val="accent1"/>
+            </a:fillRef>
+            <a:effectRef idx="0">
+              <a:schemeClr val="accent1"/>
+            </a:effectRef>
+            <a:fontRef idx="minor">
+              <a:schemeClr val="tx1"/>
+            </a:fontRef>
+          </p:style>
+        </p:cxnSp>
+        <p:sp>
+          <p:nvSpPr>
+            <p:cNvPr id="13" name="正方形/長方形 12"/>
+            <p:cNvSpPr/>
+            <p:nvPr/>
+          </p:nvSpPr>
+          <p:spPr>
+            <a:xfrm>
+              <a:off x="7452320" y="2570420"/>
+              <a:ext cx="1258767" cy="809560"/>
+            </a:xfrm>
+            <a:prstGeom prst="rect">
+              <a:avLst/>
+            </a:prstGeom>
+            <a:ln>
+              <a:solidFill>
+                <a:schemeClr val="accent1"/>
+              </a:solidFill>
+            </a:ln>
+          </p:spPr>
+          <p:style>
+            <a:lnRef idx="2">
+              <a:schemeClr val="accent6"/>
+            </a:lnRef>
+            <a:fillRef idx="1">
+              <a:schemeClr val="lt1"/>
+            </a:fillRef>
+            <a:effectRef idx="0">
+              <a:schemeClr val="accent6"/>
+            </a:effectRef>
+            <a:fontRef idx="minor">
+              <a:schemeClr val="dk1"/>
+            </a:fontRef>
+          </p:style>
+          <p:txBody>
+            <a:bodyPr rtlCol="0" anchor="t"/>
+            <a:lstStyle/>
+            <a:p>
+              <a:pPr algn="just"/>
+              <a:r>
+                <a:rPr lang="ja-JP" altLang="en-US" sz="1400" dirty="0" smtClean="0"/>
+                <a:t>設定ファイル</a:t>
+              </a:r>
+              <a:endParaRPr lang="ja-JP" altLang="en-US" sz="1400" dirty="0"/>
+            </a:p>
+          </p:txBody>
+        </p:sp>
+        <p:cxnSp>
+          <p:nvCxnSpPr>
+            <p:cNvPr id="14" name="直線矢印コネクタ 13"/>
+            <p:cNvCxnSpPr>
+              <a:stCxn id="5" idx="3"/>
+              <a:endCxn id="13" idx="1"/>
+            </p:cNvCxnSpPr>
+            <p:nvPr/>
+          </p:nvCxnSpPr>
+          <p:spPr>
+            <a:xfrm flipV="1">
+              <a:off x="6329712" y="2975200"/>
+              <a:ext cx="1122608" cy="1505"/>
+            </a:xfrm>
+            <a:prstGeom prst="straightConnector1">
+              <a:avLst/>
+            </a:prstGeom>
+            <a:ln w="38100">
+              <a:solidFill>
+                <a:srgbClr val="FF0000"/>
+              </a:solidFill>
+              <a:tailEnd type="arrow"/>
+            </a:ln>
+          </p:spPr>
+          <p:style>
+            <a:lnRef idx="1">
+              <a:schemeClr val="accent1"/>
+            </a:lnRef>
+            <a:fillRef idx="0">
+              <a:schemeClr val="accent1"/>
+            </a:fillRef>
+            <a:effectRef idx="0">
+              <a:schemeClr val="accent1"/>
+            </a:effectRef>
+            <a:fontRef idx="minor">
+              <a:schemeClr val="tx1"/>
+            </a:fontRef>
+          </p:style>
+        </p:cxnSp>
+        <p:sp>
+          <p:nvSpPr>
+            <p:cNvPr id="18" name="正方形/長方形 17"/>
+            <p:cNvSpPr/>
+            <p:nvPr/>
+          </p:nvSpPr>
+          <p:spPr>
+            <a:xfrm>
+              <a:off x="572255" y="3589019"/>
+              <a:ext cx="1339835" cy="809560"/>
+            </a:xfrm>
+            <a:prstGeom prst="rect">
+              <a:avLst/>
+            </a:prstGeom>
+            <a:ln>
+              <a:solidFill>
+                <a:schemeClr val="accent1"/>
+              </a:solidFill>
+            </a:ln>
+          </p:spPr>
+          <p:style>
+            <a:lnRef idx="2">
+              <a:schemeClr val="accent6"/>
+            </a:lnRef>
+            <a:fillRef idx="1">
+              <a:schemeClr val="lt1"/>
+            </a:fillRef>
+            <a:effectRef idx="0">
+              <a:schemeClr val="accent6"/>
+            </a:effectRef>
+            <a:fontRef idx="minor">
+              <a:schemeClr val="dk1"/>
+            </a:fontRef>
+          </p:style>
+          <p:txBody>
+            <a:bodyPr rtlCol="0" anchor="t"/>
+            <a:lstStyle/>
+            <a:p>
+              <a:r>
+                <a:rPr lang="en-US" altLang="ja-JP" sz="1400" dirty="0"/>
+                <a:t>Java</a:t>
+              </a:r>
+            </a:p>
+            <a:p>
+              <a:r>
+                <a:rPr lang="en-US" altLang="ja-JP" sz="1400" dirty="0"/>
+                <a:t>(Reader</a:t>
+              </a:r>
+              <a:r>
+                <a:rPr lang="ja-JP" altLang="en-US" sz="1400" dirty="0" err="1" smtClean="0"/>
+                <a:t>、</a:t>
+              </a:r>
+              <a:r>
+                <a:rPr lang="en-US" altLang="ja-JP" sz="1400" dirty="0" smtClean="0"/>
+                <a:t>Writer</a:t>
+              </a:r>
+              <a:r>
+                <a:rPr lang="ja-JP" altLang="en-US" sz="1400" dirty="0"/>
+                <a:t>等</a:t>
+              </a:r>
+              <a:r>
+                <a:rPr lang="en-US" altLang="ja-JP" sz="1400" dirty="0"/>
+                <a:t>)</a:t>
+              </a:r>
+              <a:endParaRPr lang="ja-JP" altLang="en-US" sz="1400" dirty="0"/>
+            </a:p>
+            <a:p>
+              <a:endParaRPr lang="en-US" altLang="ja-JP" sz="1400" dirty="0" smtClean="0"/>
+            </a:p>
+          </p:txBody>
+        </p:sp>
+        <p:cxnSp>
+          <p:nvCxnSpPr>
+            <p:cNvPr id="19" name="直線矢印コネクタ 18"/>
+            <p:cNvCxnSpPr>
+              <a:stCxn id="3" idx="0"/>
+            </p:cNvCxnSpPr>
+            <p:nvPr/>
+          </p:nvCxnSpPr>
+          <p:spPr>
+            <a:xfrm flipV="1">
+              <a:off x="5052970" y="3044728"/>
+              <a:ext cx="783573" cy="1988099"/>
+            </a:xfrm>
+            <a:prstGeom prst="straightConnector1">
+              <a:avLst/>
+            </a:prstGeom>
+            <a:ln w="38100">
+              <a:solidFill>
+                <a:srgbClr val="FF0000"/>
+              </a:solidFill>
+              <a:tailEnd type="arrow"/>
+            </a:ln>
+          </p:spPr>
+          <p:style>
+            <a:lnRef idx="1">
+              <a:schemeClr val="accent1"/>
+            </a:lnRef>
+            <a:fillRef idx="0">
+              <a:schemeClr val="accent1"/>
+            </a:fillRef>
+            <a:effectRef idx="0">
+              <a:schemeClr val="accent1"/>
+            </a:effectRef>
+            <a:fontRef idx="minor">
+              <a:schemeClr val="tx1"/>
+            </a:fontRef>
+          </p:style>
+        </p:cxnSp>
+        <p:cxnSp>
+          <p:nvCxnSpPr>
+            <p:cNvPr id="21" name="直線矢印コネクタ 20"/>
+            <p:cNvCxnSpPr/>
+            <p:nvPr/>
+          </p:nvCxnSpPr>
+          <p:spPr>
+            <a:xfrm>
+              <a:off x="1627059" y="1654763"/>
+              <a:ext cx="3037271" cy="777158"/>
+            </a:xfrm>
+            <a:prstGeom prst="straightConnector1">
+              <a:avLst/>
+            </a:prstGeom>
+            <a:ln w="38100">
+              <a:solidFill>
+                <a:srgbClr val="FF0000"/>
+              </a:solidFill>
+              <a:tailEnd type="arrow"/>
+            </a:ln>
+          </p:spPr>
+          <p:style>
+            <a:lnRef idx="1">
+              <a:schemeClr val="accent1"/>
+            </a:lnRef>
+            <a:fillRef idx="0">
+              <a:schemeClr val="accent1"/>
+            </a:fillRef>
+            <a:effectRef idx="0">
+              <a:schemeClr val="accent1"/>
+            </a:effectRef>
+            <a:fontRef idx="minor">
+              <a:schemeClr val="tx1"/>
+            </a:fontRef>
+          </p:style>
+        </p:cxnSp>
+        <p:sp>
+          <p:nvSpPr>
+            <p:cNvPr id="22" name="テキスト ボックス 21"/>
+            <p:cNvSpPr txBox="1"/>
+            <p:nvPr/>
+          </p:nvSpPr>
+          <p:spPr>
+            <a:xfrm>
+              <a:off x="2208327" y="1562563"/>
+              <a:ext cx="2795721" cy="338554"/>
+            </a:xfrm>
+            <a:prstGeom prst="rect">
+              <a:avLst/>
+            </a:prstGeom>
+            <a:noFill/>
+          </p:spPr>
+          <p:txBody>
+            <a:bodyPr wrap="square" rtlCol="0">
+              <a:spAutoFit/>
+            </a:bodyPr>
+            <a:lstStyle/>
+            <a:p>
+              <a:r>
+                <a:rPr lang="ja-JP" altLang="en-US" sz="1600" dirty="0" smtClean="0"/>
+                <a:t>②処理フロー</a:t>
+              </a:r>
+              <a:r>
+                <a:rPr lang="ja-JP" altLang="en-US" sz="1600" dirty="0"/>
+                <a:t>の</a:t>
+              </a:r>
+              <a:r>
+                <a:rPr lang="ja-JP" altLang="en-US" sz="1600" dirty="0" smtClean="0"/>
+                <a:t>追加・編集</a:t>
+              </a:r>
+              <a:endParaRPr kumimoji="1" lang="ja-JP" altLang="en-US" sz="1600" dirty="0"/>
+            </a:p>
+          </p:txBody>
+        </p:sp>
+        <p:sp>
+          <p:nvSpPr>
+            <p:cNvPr id="23" name="テキスト ボックス 22"/>
+            <p:cNvSpPr txBox="1"/>
+            <p:nvPr/>
+          </p:nvSpPr>
+          <p:spPr>
+            <a:xfrm>
+              <a:off x="2339752" y="2348880"/>
+              <a:ext cx="955712" cy="338554"/>
+            </a:xfrm>
+            <a:prstGeom prst="rect">
+              <a:avLst/>
+            </a:prstGeom>
+            <a:noFill/>
+          </p:spPr>
+          <p:txBody>
+            <a:bodyPr wrap="square" rtlCol="0">
+              <a:spAutoFit/>
+            </a:bodyPr>
+            <a:lstStyle/>
+            <a:p>
+              <a:r>
+                <a:rPr lang="ja-JP" altLang="en-US" sz="1600" dirty="0" smtClean="0"/>
+                <a:t>①読込</a:t>
+              </a:r>
+              <a:endParaRPr kumimoji="1" lang="ja-JP" altLang="en-US" sz="1600" dirty="0"/>
+            </a:p>
+          </p:txBody>
+        </p:sp>
+        <p:sp>
+          <p:nvSpPr>
+            <p:cNvPr id="27" name="テキスト ボックス 26"/>
+            <p:cNvSpPr txBox="1"/>
+            <p:nvPr/>
+          </p:nvSpPr>
+          <p:spPr>
+            <a:xfrm>
+              <a:off x="514070" y="5272592"/>
+              <a:ext cx="2468946" cy="584775"/>
+            </a:xfrm>
+            <a:prstGeom prst="rect">
+              <a:avLst/>
+            </a:prstGeom>
+            <a:noFill/>
+          </p:spPr>
+          <p:txBody>
+            <a:bodyPr wrap="none" rtlCol="0">
+              <a:spAutoFit/>
+            </a:bodyPr>
+            <a:lstStyle/>
+            <a:p>
+              <a:r>
+                <a:rPr lang="ja-JP" altLang="en-US" sz="1600" dirty="0" smtClean="0"/>
+                <a:t>③</a:t>
+              </a:r>
+              <a:r>
+                <a:rPr lang="en-US" altLang="ja-JP" sz="1600" dirty="0" smtClean="0"/>
+                <a:t>Bean</a:t>
+              </a:r>
+              <a:r>
+                <a:rPr lang="ja-JP" altLang="en-US" sz="1600" dirty="0" err="1" smtClean="0"/>
+                <a:t>、</a:t>
+              </a:r>
+              <a:r>
+                <a:rPr lang="en-US" altLang="ja-JP" sz="1600" dirty="0" smtClean="0"/>
+                <a:t>SQL</a:t>
+              </a:r>
+              <a:r>
+                <a:rPr lang="ja-JP" altLang="en-US" sz="1600" dirty="0" smtClean="0"/>
+                <a:t>の作成と</a:t>
+              </a:r>
+              <a:endParaRPr lang="en-US" altLang="ja-JP" sz="1600" dirty="0" smtClean="0"/>
+            </a:p>
+            <a:p>
+              <a:r>
+                <a:rPr kumimoji="1" lang="ja-JP" altLang="en-US" sz="1600" dirty="0" smtClean="0"/>
+                <a:t>プロパティパネル</a:t>
+              </a:r>
+              <a:r>
+                <a:rPr kumimoji="1" lang="ja-JP" altLang="en-US" sz="1600" dirty="0"/>
+                <a:t>で</a:t>
+              </a:r>
+              <a:r>
+                <a:rPr kumimoji="1" lang="ja-JP" altLang="en-US" sz="1600" dirty="0" smtClean="0"/>
+                <a:t>の設定</a:t>
+              </a:r>
+              <a:endParaRPr kumimoji="1" lang="ja-JP" altLang="en-US" sz="1600" dirty="0"/>
+            </a:p>
+          </p:txBody>
+        </p:sp>
+        <p:sp>
+          <p:nvSpPr>
+            <p:cNvPr id="28" name="テキスト ボックス 27"/>
+            <p:cNvSpPr txBox="1"/>
+            <p:nvPr/>
+          </p:nvSpPr>
+          <p:spPr>
+            <a:xfrm>
+              <a:off x="6444208" y="2636912"/>
+              <a:ext cx="800219" cy="338554"/>
+            </a:xfrm>
+            <a:prstGeom prst="rect">
+              <a:avLst/>
+            </a:prstGeom>
+            <a:noFill/>
+          </p:spPr>
+          <p:txBody>
+            <a:bodyPr wrap="none" rtlCol="0">
+              <a:spAutoFit/>
+            </a:bodyPr>
+            <a:lstStyle/>
+            <a:p>
+              <a:r>
+                <a:rPr lang="ja-JP" altLang="en-US" sz="1600" dirty="0" smtClean="0"/>
+                <a:t>④出力</a:t>
+              </a:r>
+              <a:endParaRPr kumimoji="1" lang="ja-JP" altLang="en-US" sz="1600" dirty="0"/>
+            </a:p>
+          </p:txBody>
+        </p:sp>
+        <p:cxnSp>
+          <p:nvCxnSpPr>
+            <p:cNvPr id="30" name="直線矢印コネクタ 29"/>
+            <p:cNvCxnSpPr/>
+            <p:nvPr/>
+          </p:nvCxnSpPr>
+          <p:spPr>
+            <a:xfrm flipV="1">
+              <a:off x="1921558" y="852469"/>
+              <a:ext cx="2178620" cy="360040"/>
+            </a:xfrm>
+            <a:prstGeom prst="straightConnector1">
+              <a:avLst/>
+            </a:prstGeom>
+            <a:ln w="38100">
+              <a:solidFill>
+                <a:srgbClr val="FF0000"/>
+              </a:solidFill>
+              <a:tailEnd type="arrow"/>
+            </a:ln>
+          </p:spPr>
+          <p:style>
+            <a:lnRef idx="1">
+              <a:schemeClr val="accent1"/>
+            </a:lnRef>
+            <a:fillRef idx="0">
+              <a:schemeClr val="accent1"/>
+            </a:fillRef>
+            <a:effectRef idx="0">
+              <a:schemeClr val="accent1"/>
+            </a:effectRef>
+            <a:fontRef idx="minor">
+              <a:schemeClr val="tx1"/>
+            </a:fontRef>
+          </p:style>
+        </p:cxnSp>
+        <p:sp>
+          <p:nvSpPr>
+            <p:cNvPr id="32" name="テキスト ボックス 31"/>
+            <p:cNvSpPr txBox="1"/>
+            <p:nvPr/>
+          </p:nvSpPr>
+          <p:spPr>
+            <a:xfrm>
+              <a:off x="2395856" y="672449"/>
+              <a:ext cx="800219" cy="338554"/>
+            </a:xfrm>
+            <a:prstGeom prst="rect">
+              <a:avLst/>
+            </a:prstGeom>
+            <a:noFill/>
+          </p:spPr>
+          <p:txBody>
+            <a:bodyPr wrap="none" rtlCol="0">
+              <a:spAutoFit/>
+            </a:bodyPr>
+            <a:lstStyle/>
+            <a:p>
+              <a:r>
+                <a:rPr lang="ja-JP" altLang="en-US" sz="1600" dirty="0" smtClean="0"/>
+                <a:t>⑤実行</a:t>
+              </a:r>
+              <a:endParaRPr lang="en-US" altLang="ja-JP" sz="1600" dirty="0" smtClean="0"/>
+            </a:p>
+          </p:txBody>
+        </p:sp>
+        <p:sp>
+          <p:nvSpPr>
+            <p:cNvPr id="59" name="正方形/長方形 58"/>
+            <p:cNvSpPr/>
+            <p:nvPr/>
+          </p:nvSpPr>
+          <p:spPr>
+            <a:xfrm>
+              <a:off x="4211960" y="404664"/>
+              <a:ext cx="1252561" cy="807845"/>
+            </a:xfrm>
+            <a:prstGeom prst="rect">
+              <a:avLst/>
+            </a:prstGeom>
+          </p:spPr>
+          <p:style>
+            <a:lnRef idx="2">
+              <a:schemeClr val="dk1">
+                <a:shade val="50000"/>
+              </a:schemeClr>
+            </a:lnRef>
+            <a:fillRef idx="1">
+              <a:schemeClr val="dk1"/>
+            </a:fillRef>
+            <a:effectRef idx="0">
+              <a:schemeClr val="dk1"/>
+            </a:effectRef>
+            <a:fontRef idx="minor">
+              <a:schemeClr val="lt1"/>
+            </a:fontRef>
+          </p:style>
+          <p:txBody>
+            <a:bodyPr rtlCol="0" anchor="t"/>
+            <a:lstStyle/>
+            <a:p>
+              <a:r>
+                <a:rPr kumimoji="1" lang="en-US" altLang="ja-JP" sz="1100" dirty="0" smtClean="0"/>
+                <a:t>C:\ &gt;</a:t>
+              </a:r>
+              <a:endParaRPr kumimoji="1" lang="ja-JP" altLang="en-US" sz="1100" dirty="0"/>
+            </a:p>
+          </p:txBody>
+        </p:sp>
+        <p:sp>
+          <p:nvSpPr>
+            <p:cNvPr id="61" name="正方形/長方形 60"/>
+            <p:cNvSpPr/>
+            <p:nvPr/>
+          </p:nvSpPr>
+          <p:spPr>
+            <a:xfrm>
+              <a:off x="4211959" y="301614"/>
+              <a:ext cx="1252561" cy="87529"/>
+            </a:xfrm>
+            <a:prstGeom prst="rect">
+              <a:avLst/>
+            </a:prstGeom>
+            <a:solidFill>
+              <a:schemeClr val="accent1"/>
+            </a:solidFill>
+          </p:spPr>
+          <p:style>
+            <a:lnRef idx="2">
+              <a:schemeClr val="dk1">
+                <a:shade val="50000"/>
+              </a:schemeClr>
+            </a:lnRef>
+            <a:fillRef idx="1">
+              <a:schemeClr val="dk1"/>
+            </a:fillRef>
+            <a:effectRef idx="0">
+              <a:schemeClr val="dk1"/>
+            </a:effectRef>
+            <a:fontRef idx="minor">
+              <a:schemeClr val="lt1"/>
+            </a:fontRef>
+          </p:style>
+          <p:txBody>
+            <a:bodyPr rtlCol="0" anchor="t"/>
+            <a:lstStyle/>
+            <a:p>
+              <a:endParaRPr kumimoji="1" lang="ja-JP" altLang="en-US" sz="1100" dirty="0"/>
+            </a:p>
+          </p:txBody>
+        </p:sp>
+        <p:sp>
+          <p:nvSpPr>
+            <p:cNvPr id="10" name="正方形/長方形 9"/>
+            <p:cNvSpPr/>
+            <p:nvPr/>
+          </p:nvSpPr>
+          <p:spPr>
+            <a:xfrm>
+              <a:off x="2190192" y="461485"/>
+              <a:ext cx="1211545" cy="781967"/>
+            </a:xfrm>
+            <a:prstGeom prst="rect">
+              <a:avLst/>
+            </a:prstGeom>
+            <a:noFill/>
+            <a:ln w="57150"/>
+          </p:spPr>
+          <p:style>
+            <a:lnRef idx="2">
+              <a:schemeClr val="accent6"/>
+            </a:lnRef>
+            <a:fillRef idx="1">
+              <a:schemeClr val="lt1"/>
+            </a:fillRef>
+            <a:effectRef idx="0">
+              <a:schemeClr val="accent6"/>
+            </a:effectRef>
+            <a:fontRef idx="minor">
+              <a:schemeClr val="dk1"/>
+            </a:fontRef>
+          </p:style>
+          <p:txBody>
+            <a:bodyPr rtlCol="0" anchor="ctr"/>
+            <a:lstStyle/>
+            <a:p>
+              <a:pPr algn="ctr"/>
+              <a:endParaRPr kumimoji="1" lang="ja-JP" altLang="en-US"/>
+            </a:p>
+          </p:txBody>
+        </p:sp>
+      </p:grpSp>
+    </p:spTree>
+    <p:extLst>
+      <p:ext uri="{BB962C8B-B14F-4D97-AF65-F5344CB8AC3E}">
+        <p14:creationId xmlns:p14="http://schemas.microsoft.com/office/powerpoint/2010/main" val="1893503174"/>
+      </p:ext>
+    </p:extLst>
+  </p:cSld>
+  <p:clrMapOvr>
+    <a:masterClrMapping/>
+  </p:clrMapOvr>
+</p:sld>
+</file>
+
+<file path=ppt/slides/slide23.xml><?xml version="1.0" encoding="utf-8"?>
 <p:sld xmlns:a="http://schemas.openxmlformats.org/drawingml/2006/main" xmlns:r="http://schemas.openxmlformats.org/officeDocument/2006/relationships" xmlns:p="http://schemas.openxmlformats.org/presentationml/2006/main">
   <p:cSld>
     <p:spTree>
@@ -16490,7 +16690,7 @@
 </p:sld>
 </file>
 
-<file path=ppt/slides/slide23.xml><?xml version="1.0" encoding="utf-8"?>
+<file path=ppt/slides/slide24.xml><?xml version="1.0" encoding="utf-8"?>
 <p:sld xmlns:a="http://schemas.openxmlformats.org/drawingml/2006/main" xmlns:r="http://schemas.openxmlformats.org/officeDocument/2006/relationships" xmlns:p="http://schemas.openxmlformats.org/presentationml/2006/main">
   <p:cSld>
     <p:spTree>
@@ -17331,7 +17531,7 @@
 </p:sld>
 </file>
 
-<file path=ppt/slides/slide24.xml><?xml version="1.0" encoding="utf-8"?>
+<file path=ppt/slides/slide25.xml><?xml version="1.0" encoding="utf-8"?>
 <p:sld xmlns:a="http://schemas.openxmlformats.org/drawingml/2006/main" xmlns:r="http://schemas.openxmlformats.org/officeDocument/2006/relationships" xmlns:p="http://schemas.openxmlformats.org/presentationml/2006/main">
   <p:cSld>
     <p:spTree>
@@ -19353,7 +19553,7 @@
 </p:sld>
 </file>
 
-<file path=ppt/slides/slide25.xml><?xml version="1.0" encoding="utf-8"?>
+<file path=ppt/slides/slide26.xml><?xml version="1.0" encoding="utf-8"?>
 <p:sld xmlns:a="http://schemas.openxmlformats.org/drawingml/2006/main" xmlns:r="http://schemas.openxmlformats.org/officeDocument/2006/relationships" xmlns:p="http://schemas.openxmlformats.org/presentationml/2006/main">
   <p:cSld>
     <p:spTree>
@@ -20707,7 +20907,7 @@
 </p:sld>
 </file>
 
-<file path=ppt/slides/slide26.xml><?xml version="1.0" encoding="utf-8"?>
+<file path=ppt/slides/slide27.xml><?xml version="1.0" encoding="utf-8"?>
 <p:sld xmlns:a="http://schemas.openxmlformats.org/drawingml/2006/main" xmlns:r="http://schemas.openxmlformats.org/officeDocument/2006/relationships" xmlns:p="http://schemas.openxmlformats.org/presentationml/2006/main">
   <p:cSld>
     <p:spTree>
@@ -21599,7 +21799,7 @@
 </p:sld>
 </file>
 
-<file path=ppt/slides/slide27.xml><?xml version="1.0" encoding="utf-8"?>
+<file path=ppt/slides/slide28.xml><?xml version="1.0" encoding="utf-8"?>
 <p:sld xmlns:a="http://schemas.openxmlformats.org/drawingml/2006/main" xmlns:r="http://schemas.openxmlformats.org/officeDocument/2006/relationships" xmlns:p="http://schemas.openxmlformats.org/presentationml/2006/main">
   <p:cSld>
     <p:spTree>
@@ -22158,7 +22358,7 @@
 </p:sld>
 </file>
 
-<file path=ppt/slides/slide28.xml><?xml version="1.0" encoding="utf-8"?>
+<file path=ppt/slides/slide29.xml><?xml version="1.0" encoding="utf-8"?>
 <p:sld xmlns:a="http://schemas.openxmlformats.org/drawingml/2006/main" xmlns:r="http://schemas.openxmlformats.org/officeDocument/2006/relationships" xmlns:p="http://schemas.openxmlformats.org/presentationml/2006/main">
   <p:cSld>
     <p:spTree>
@@ -23133,7 +23333,502 @@
 </p:sld>
 </file>
 
-<file path=ppt/slides/slide29.xml><?xml version="1.0" encoding="utf-8"?>
+<file path=ppt/slides/slide3.xml><?xml version="1.0" encoding="utf-8"?>
+<p:sld xmlns:a="http://schemas.openxmlformats.org/drawingml/2006/main" xmlns:r="http://schemas.openxmlformats.org/officeDocument/2006/relationships" xmlns:p="http://schemas.openxmlformats.org/presentationml/2006/main">
+  <p:cSld>
+    <p:spTree>
+      <p:nvGrpSpPr>
+        <p:cNvPr id="1" name=""/>
+        <p:cNvGrpSpPr/>
+        <p:nvPr/>
+      </p:nvGrpSpPr>
+      <p:grpSpPr>
+        <a:xfrm>
+          <a:off x="0" y="0"/>
+          <a:ext cx="0" cy="0"/>
+          <a:chOff x="0" y="0"/>
+          <a:chExt cx="0" cy="0"/>
+        </a:xfrm>
+      </p:grpSpPr>
+      <p:grpSp>
+        <p:nvGrpSpPr>
+          <p:cNvPr id="4" name="グループ化 3"/>
+          <p:cNvGrpSpPr/>
+          <p:nvPr/>
+        </p:nvGrpSpPr>
+        <p:grpSpPr>
+          <a:xfrm>
+            <a:off x="834485" y="604837"/>
+            <a:ext cx="7486650" cy="5648326"/>
+            <a:chOff x="834485" y="604837"/>
+            <a:chExt cx="7486650" cy="5648326"/>
+          </a:xfrm>
+        </p:grpSpPr>
+        <p:pic>
+          <p:nvPicPr>
+            <p:cNvPr id="3" name="Picture 2"/>
+            <p:cNvPicPr>
+              <a:picLocks noChangeAspect="1" noChangeArrowheads="1"/>
+            </p:cNvPicPr>
+            <p:nvPr/>
+          </p:nvPicPr>
+          <p:blipFill>
+            <a:blip r:embed="rId2">
+              <a:extLst>
+                <a:ext uri="{28A0092B-C50C-407E-A947-70E740481C1C}">
+                  <a14:useLocalDpi xmlns:a14="http://schemas.microsoft.com/office/drawing/2010/main" val="0"/>
+                </a:ext>
+              </a:extLst>
+            </a:blip>
+            <a:srcRect/>
+            <a:stretch>
+              <a:fillRect/>
+            </a:stretch>
+          </p:blipFill>
+          <p:spPr bwMode="auto">
+            <a:xfrm>
+              <a:off x="834485" y="604837"/>
+              <a:ext cx="7486650" cy="5648325"/>
+            </a:xfrm>
+            <a:prstGeom prst="rect">
+              <a:avLst/>
+            </a:prstGeom>
+            <a:noFill/>
+            <a:ln>
+              <a:noFill/>
+            </a:ln>
+            <a:extLst>
+              <a:ext uri="{909E8E84-426E-40DD-AFC4-6F175D3DCCD1}">
+                <a14:hiddenFill xmlns:a14="http://schemas.microsoft.com/office/drawing/2010/main">
+                  <a:solidFill>
+                    <a:schemeClr val="accent1"/>
+                  </a:solidFill>
+                </a14:hiddenFill>
+              </a:ext>
+              <a:ext uri="{91240B29-F687-4F45-9708-019B960494DF}">
+                <a14:hiddenLine xmlns:a14="http://schemas.microsoft.com/office/drawing/2010/main" w="9525">
+                  <a:solidFill>
+                    <a:schemeClr val="tx1"/>
+                  </a:solidFill>
+                  <a:miter lim="800000"/>
+                  <a:headEnd/>
+                  <a:tailEnd/>
+                </a14:hiddenLine>
+              </a:ext>
+            </a:extLst>
+          </p:spPr>
+        </p:pic>
+        <p:sp>
+          <p:nvSpPr>
+            <p:cNvPr id="11" name="正方形/長方形 10"/>
+            <p:cNvSpPr/>
+            <p:nvPr/>
+          </p:nvSpPr>
+          <p:spPr>
+            <a:xfrm>
+              <a:off x="834485" y="1082421"/>
+              <a:ext cx="5033659" cy="5170742"/>
+            </a:xfrm>
+            <a:prstGeom prst="rect">
+              <a:avLst/>
+            </a:prstGeom>
+            <a:noFill/>
+            <a:ln>
+              <a:solidFill>
+                <a:schemeClr val="accent6"/>
+              </a:solidFill>
+            </a:ln>
+          </p:spPr>
+          <p:style>
+            <a:lnRef idx="2">
+              <a:schemeClr val="accent1">
+                <a:shade val="50000"/>
+              </a:schemeClr>
+            </a:lnRef>
+            <a:fillRef idx="1">
+              <a:schemeClr val="accent1"/>
+            </a:fillRef>
+            <a:effectRef idx="0">
+              <a:schemeClr val="accent1"/>
+            </a:effectRef>
+            <a:fontRef idx="minor">
+              <a:schemeClr val="lt1"/>
+            </a:fontRef>
+          </p:style>
+          <p:txBody>
+            <a:bodyPr rtlCol="0" anchor="ctr"/>
+            <a:lstStyle/>
+            <a:p>
+              <a:pPr algn="ctr"/>
+              <a:endParaRPr kumimoji="1" lang="ja-JP" altLang="en-US"/>
+            </a:p>
+          </p:txBody>
+        </p:sp>
+        <p:sp>
+          <p:nvSpPr>
+            <p:cNvPr id="12" name="正方形/長方形 11"/>
+            <p:cNvSpPr/>
+            <p:nvPr/>
+          </p:nvSpPr>
+          <p:spPr>
+            <a:xfrm>
+              <a:off x="5922218" y="1082421"/>
+              <a:ext cx="2322190" cy="5170742"/>
+            </a:xfrm>
+            <a:prstGeom prst="rect">
+              <a:avLst/>
+            </a:prstGeom>
+            <a:noFill/>
+            <a:ln>
+              <a:solidFill>
+                <a:schemeClr val="accent3"/>
+              </a:solidFill>
+            </a:ln>
+          </p:spPr>
+          <p:style>
+            <a:lnRef idx="2">
+              <a:schemeClr val="accent1">
+                <a:shade val="50000"/>
+              </a:schemeClr>
+            </a:lnRef>
+            <a:fillRef idx="1">
+              <a:schemeClr val="accent1"/>
+            </a:fillRef>
+            <a:effectRef idx="0">
+              <a:schemeClr val="accent1"/>
+            </a:effectRef>
+            <a:fontRef idx="minor">
+              <a:schemeClr val="lt1"/>
+            </a:fontRef>
+          </p:style>
+          <p:txBody>
+            <a:bodyPr rtlCol="0" anchor="ctr"/>
+            <a:lstStyle/>
+            <a:p>
+              <a:pPr algn="ctr"/>
+              <a:endParaRPr kumimoji="1" lang="ja-JP" altLang="en-US"/>
+            </a:p>
+          </p:txBody>
+        </p:sp>
+        <p:sp>
+          <p:nvSpPr>
+            <p:cNvPr id="13" name="正方形/長方形 12"/>
+            <p:cNvSpPr/>
+            <p:nvPr/>
+          </p:nvSpPr>
+          <p:spPr>
+            <a:xfrm>
+              <a:off x="1043608" y="1268760"/>
+              <a:ext cx="959592" cy="3312368"/>
+            </a:xfrm>
+            <a:prstGeom prst="rect">
+              <a:avLst/>
+            </a:prstGeom>
+            <a:noFill/>
+            <a:ln>
+              <a:solidFill>
+                <a:schemeClr val="accent1"/>
+              </a:solidFill>
+            </a:ln>
+          </p:spPr>
+          <p:style>
+            <a:lnRef idx="2">
+              <a:schemeClr val="accent1">
+                <a:shade val="50000"/>
+              </a:schemeClr>
+            </a:lnRef>
+            <a:fillRef idx="1">
+              <a:schemeClr val="accent1"/>
+            </a:fillRef>
+            <a:effectRef idx="0">
+              <a:schemeClr val="accent1"/>
+            </a:effectRef>
+            <a:fontRef idx="minor">
+              <a:schemeClr val="lt1"/>
+            </a:fontRef>
+          </p:style>
+          <p:txBody>
+            <a:bodyPr rtlCol="0" anchor="ctr"/>
+            <a:lstStyle/>
+            <a:p>
+              <a:pPr algn="ctr"/>
+              <a:endParaRPr kumimoji="1" lang="ja-JP" altLang="en-US"/>
+            </a:p>
+          </p:txBody>
+        </p:sp>
+        <p:sp>
+          <p:nvSpPr>
+            <p:cNvPr id="2" name="角丸四角形 1"/>
+            <p:cNvSpPr/>
+            <p:nvPr/>
+          </p:nvSpPr>
+          <p:spPr>
+            <a:xfrm>
+              <a:off x="5995051" y="4149080"/>
+              <a:ext cx="2195285" cy="1656184"/>
+            </a:xfrm>
+            <a:prstGeom prst="roundRect">
+              <a:avLst/>
+            </a:prstGeom>
+            <a:solidFill>
+              <a:schemeClr val="accent3">
+                <a:lumMod val="20000"/>
+                <a:lumOff val="80000"/>
+              </a:schemeClr>
+            </a:solidFill>
+            <a:ln>
+              <a:noFill/>
+            </a:ln>
+          </p:spPr>
+          <p:style>
+            <a:lnRef idx="2">
+              <a:schemeClr val="accent6"/>
+            </a:lnRef>
+            <a:fillRef idx="1">
+              <a:schemeClr val="lt1"/>
+            </a:fillRef>
+            <a:effectRef idx="0">
+              <a:schemeClr val="accent6"/>
+            </a:effectRef>
+            <a:fontRef idx="minor">
+              <a:schemeClr val="dk1"/>
+            </a:fontRef>
+          </p:style>
+          <p:txBody>
+            <a:bodyPr rtlCol="0" anchor="t"/>
+            <a:lstStyle/>
+            <a:p>
+              <a:r>
+                <a:rPr lang="ja-JP" altLang="en-US" i="1" dirty="0" smtClean="0"/>
+                <a:t>プロパティパネル</a:t>
+              </a:r>
+              <a:endParaRPr lang="en-US" altLang="ja-JP" i="1" dirty="0" smtClean="0"/>
+            </a:p>
+            <a:p>
+              <a:r>
+                <a:rPr lang="ja-JP" altLang="en-US" dirty="0"/>
+                <a:t>選択した図形</a:t>
+              </a:r>
+              <a:r>
+                <a:rPr lang="ja-JP" altLang="en-US" dirty="0" smtClean="0"/>
+                <a:t>の</a:t>
+              </a:r>
+              <a:r>
+                <a:rPr lang="en-US" altLang="ja-JP" dirty="0"/>
+                <a:t>B</a:t>
+              </a:r>
+              <a:r>
+                <a:rPr lang="en-US" altLang="ja-JP" dirty="0" smtClean="0"/>
+                <a:t>ean</a:t>
+              </a:r>
+              <a:r>
+                <a:rPr lang="ja-JP" altLang="en-US" dirty="0" err="1" smtClean="0"/>
+                <a:t>、</a:t>
+              </a:r>
+              <a:r>
+                <a:rPr lang="en-US" altLang="ja-JP" dirty="0" smtClean="0"/>
+                <a:t>SQL</a:t>
+              </a:r>
+              <a:r>
+                <a:rPr lang="ja-JP" altLang="en-US" dirty="0" smtClean="0"/>
+                <a:t>など</a:t>
+              </a:r>
+              <a:r>
+                <a:rPr lang="ja-JP" altLang="en-US" dirty="0"/>
+                <a:t>の項目を設定します。</a:t>
+              </a:r>
+              <a:endParaRPr lang="ja-JP" altLang="en-US" i="1" dirty="0"/>
+            </a:p>
+          </p:txBody>
+        </p:sp>
+        <p:sp>
+          <p:nvSpPr>
+            <p:cNvPr id="14" name="角丸四角形 13"/>
+            <p:cNvSpPr/>
+            <p:nvPr/>
+          </p:nvSpPr>
+          <p:spPr>
+            <a:xfrm>
+              <a:off x="2843808" y="2636912"/>
+              <a:ext cx="2678369" cy="1201993"/>
+            </a:xfrm>
+            <a:prstGeom prst="roundRect">
+              <a:avLst/>
+            </a:prstGeom>
+            <a:solidFill>
+              <a:schemeClr val="accent6">
+                <a:lumMod val="20000"/>
+                <a:lumOff val="80000"/>
+              </a:schemeClr>
+            </a:solidFill>
+            <a:ln>
+              <a:noFill/>
+            </a:ln>
+          </p:spPr>
+          <p:style>
+            <a:lnRef idx="2">
+              <a:schemeClr val="accent6"/>
+            </a:lnRef>
+            <a:fillRef idx="1">
+              <a:schemeClr val="lt1"/>
+            </a:fillRef>
+            <a:effectRef idx="0">
+              <a:schemeClr val="accent6"/>
+            </a:effectRef>
+            <a:fontRef idx="minor">
+              <a:schemeClr val="dk1"/>
+            </a:fontRef>
+          </p:style>
+          <p:txBody>
+            <a:bodyPr rtlCol="0" anchor="t"/>
+            <a:lstStyle/>
+            <a:p>
+              <a:r>
+                <a:rPr lang="ja-JP" altLang="en-US" i="1" dirty="0"/>
+                <a:t>キャンバス</a:t>
+              </a:r>
+            </a:p>
+            <a:p>
+              <a:r>
+                <a:rPr lang="ja-JP" altLang="en-US" dirty="0"/>
+                <a:t>図形を配置</a:t>
+              </a:r>
+              <a:r>
+                <a:rPr lang="ja-JP" altLang="en-US" dirty="0" smtClean="0"/>
+                <a:t>して処理フローを作成します。</a:t>
+              </a:r>
+              <a:endParaRPr lang="ja-JP" altLang="en-US" i="1" dirty="0"/>
+            </a:p>
+          </p:txBody>
+        </p:sp>
+        <p:sp>
+          <p:nvSpPr>
+            <p:cNvPr id="15" name="角丸四角形 14"/>
+            <p:cNvSpPr/>
+            <p:nvPr/>
+          </p:nvSpPr>
+          <p:spPr>
+            <a:xfrm>
+              <a:off x="1043608" y="4869160"/>
+              <a:ext cx="4680520" cy="1224136"/>
+            </a:xfrm>
+            <a:prstGeom prst="roundRect">
+              <a:avLst/>
+            </a:prstGeom>
+            <a:solidFill>
+              <a:schemeClr val="accent1">
+                <a:lumMod val="20000"/>
+                <a:lumOff val="80000"/>
+              </a:schemeClr>
+            </a:solidFill>
+            <a:ln>
+              <a:noFill/>
+            </a:ln>
+          </p:spPr>
+          <p:style>
+            <a:lnRef idx="2">
+              <a:schemeClr val="accent6"/>
+            </a:lnRef>
+            <a:fillRef idx="1">
+              <a:schemeClr val="lt1"/>
+            </a:fillRef>
+            <a:effectRef idx="0">
+              <a:schemeClr val="accent6"/>
+            </a:effectRef>
+            <a:fontRef idx="minor">
+              <a:schemeClr val="dk1"/>
+            </a:fontRef>
+          </p:style>
+          <p:txBody>
+            <a:bodyPr rtlCol="0" anchor="t"/>
+            <a:lstStyle/>
+            <a:p>
+              <a:r>
+                <a:rPr lang="ja-JP" altLang="en-US" i="1" dirty="0"/>
+                <a:t>パレット</a:t>
+              </a:r>
+            </a:p>
+            <a:p>
+              <a:r>
+                <a:rPr lang="ja-JP" altLang="en-US" dirty="0"/>
+                <a:t>配置できる図形が表示されます</a:t>
+              </a:r>
+              <a:r>
+                <a:rPr lang="ja-JP" altLang="en-US" dirty="0" smtClean="0"/>
+                <a:t>。ここからキャンバス上にドラッグ</a:t>
+              </a:r>
+              <a:r>
+                <a:rPr lang="en-US" altLang="ja-JP" dirty="0" smtClean="0"/>
+                <a:t>&amp;</a:t>
+              </a:r>
+              <a:r>
+                <a:rPr lang="ja-JP" altLang="en-US" dirty="0" smtClean="0"/>
+                <a:t>ドロップで作成します。</a:t>
+              </a:r>
+              <a:endParaRPr lang="ja-JP" altLang="en-US" i="1" dirty="0"/>
+            </a:p>
+          </p:txBody>
+        </p:sp>
+        <p:cxnSp>
+          <p:nvCxnSpPr>
+            <p:cNvPr id="5" name="直線矢印コネクタ 4"/>
+            <p:cNvCxnSpPr>
+              <a:endCxn id="13" idx="2"/>
+            </p:cNvCxnSpPr>
+            <p:nvPr/>
+          </p:nvCxnSpPr>
+          <p:spPr>
+            <a:xfrm flipV="1">
+              <a:off x="1523404" y="4581128"/>
+              <a:ext cx="0" cy="288032"/>
+            </a:xfrm>
+            <a:prstGeom prst="straightConnector1">
+              <a:avLst/>
+            </a:prstGeom>
+            <a:ln w="38100">
+              <a:solidFill>
+                <a:schemeClr val="accent1"/>
+              </a:solidFill>
+              <a:tailEnd type="arrow"/>
+            </a:ln>
+          </p:spPr>
+          <p:style>
+            <a:lnRef idx="1">
+              <a:schemeClr val="accent1"/>
+            </a:lnRef>
+            <a:fillRef idx="0">
+              <a:schemeClr val="accent1"/>
+            </a:fillRef>
+            <a:effectRef idx="0">
+              <a:schemeClr val="accent1"/>
+            </a:effectRef>
+            <a:fontRef idx="minor">
+              <a:schemeClr val="tx1"/>
+            </a:fontRef>
+          </p:style>
+        </p:cxnSp>
+      </p:grpSp>
+    </p:spTree>
+    <p:extLst>
+      <p:ext uri="{BB962C8B-B14F-4D97-AF65-F5344CB8AC3E}">
+        <p14:creationId xmlns:p14="http://schemas.microsoft.com/office/powerpoint/2010/main" val="4157251795"/>
+      </p:ext>
+    </p:extLst>
+  </p:cSld>
+  <p:clrMapOvr>
+    <a:masterClrMapping/>
+  </p:clrMapOvr>
+  <p:timing>
+    <p:tnLst>
+      <p:par>
+        <p:cTn id="1" dur="indefinite" restart="never" nodeType="tmRoot"/>
+      </p:par>
+    </p:tnLst>
+  </p:timing>
+</p:sld>
+</file>
+
+<file path=ppt/slides/slide30.xml><?xml version="1.0" encoding="utf-8"?>
 <p:sld xmlns:a="http://schemas.openxmlformats.org/drawingml/2006/main" xmlns:r="http://schemas.openxmlformats.org/officeDocument/2006/relationships" xmlns:p="http://schemas.openxmlformats.org/presentationml/2006/main">
   <p:cSld>
     <p:spTree>
@@ -24306,167 +25001,7 @@
 </p:sld>
 </file>
 
-<file path=ppt/slides/slide3.xml><?xml version="1.0" encoding="utf-8"?>
-<p:sld xmlns:a="http://schemas.openxmlformats.org/drawingml/2006/main" xmlns:r="http://schemas.openxmlformats.org/officeDocument/2006/relationships" xmlns:p="http://schemas.openxmlformats.org/presentationml/2006/main">
-  <p:cSld>
-    <p:spTree>
-      <p:nvGrpSpPr>
-        <p:cNvPr id="1" name=""/>
-        <p:cNvGrpSpPr/>
-        <p:nvPr/>
-      </p:nvGrpSpPr>
-      <p:grpSpPr>
-        <a:xfrm>
-          <a:off x="0" y="0"/>
-          <a:ext cx="0" cy="0"/>
-          <a:chOff x="0" y="0"/>
-          <a:chExt cx="0" cy="0"/>
-        </a:xfrm>
-      </p:grpSpPr>
-      <p:grpSp>
-        <p:nvGrpSpPr>
-          <p:cNvPr id="2" name="グループ化 1"/>
-          <p:cNvGrpSpPr/>
-          <p:nvPr/>
-        </p:nvGrpSpPr>
-        <p:grpSpPr>
-          <a:xfrm>
-            <a:off x="828675" y="604838"/>
-            <a:ext cx="7486650" cy="5648325"/>
-            <a:chOff x="828675" y="604838"/>
-            <a:chExt cx="7486650" cy="5648325"/>
-          </a:xfrm>
-        </p:grpSpPr>
-        <p:pic>
-          <p:nvPicPr>
-            <p:cNvPr id="1027" name="Picture 3"/>
-            <p:cNvPicPr>
-              <a:picLocks noChangeAspect="1" noChangeArrowheads="1"/>
-            </p:cNvPicPr>
-            <p:nvPr/>
-          </p:nvPicPr>
-          <p:blipFill>
-            <a:blip r:embed="rId2">
-              <a:extLst>
-                <a:ext uri="{28A0092B-C50C-407E-A947-70E740481C1C}">
-                  <a14:useLocalDpi xmlns:a14="http://schemas.microsoft.com/office/drawing/2010/main" val="0"/>
-                </a:ext>
-              </a:extLst>
-            </a:blip>
-            <a:srcRect/>
-            <a:stretch>
-              <a:fillRect/>
-            </a:stretch>
-          </p:blipFill>
-          <p:spPr bwMode="auto">
-            <a:xfrm>
-              <a:off x="828675" y="604838"/>
-              <a:ext cx="7486650" cy="5648325"/>
-            </a:xfrm>
-            <a:prstGeom prst="rect">
-              <a:avLst/>
-            </a:prstGeom>
-            <a:noFill/>
-            <a:ln>
-              <a:noFill/>
-            </a:ln>
-            <a:extLst>
-              <a:ext uri="{909E8E84-426E-40DD-AFC4-6F175D3DCCD1}">
-                <a14:hiddenFill xmlns:a14="http://schemas.microsoft.com/office/drawing/2010/main">
-                  <a:solidFill>
-                    <a:schemeClr val="accent1"/>
-                  </a:solidFill>
-                </a14:hiddenFill>
-              </a:ext>
-              <a:ext uri="{91240B29-F687-4F45-9708-019B960494DF}">
-                <a14:hiddenLine xmlns:a14="http://schemas.microsoft.com/office/drawing/2010/main" w="9525">
-                  <a:solidFill>
-                    <a:schemeClr val="tx1"/>
-                  </a:solidFill>
-                  <a:miter lim="800000"/>
-                  <a:headEnd/>
-                  <a:tailEnd/>
-                </a14:hiddenLine>
-              </a:ext>
-            </a:extLst>
-          </p:spPr>
-        </p:pic>
-        <p:pic>
-          <p:nvPicPr>
-            <p:cNvPr id="2051" name="Picture 3"/>
-            <p:cNvPicPr>
-              <a:picLocks noChangeAspect="1" noChangeArrowheads="1"/>
-            </p:cNvPicPr>
-            <p:nvPr/>
-          </p:nvPicPr>
-          <p:blipFill>
-            <a:blip r:embed="rId3">
-              <a:extLst>
-                <a:ext uri="{28A0092B-C50C-407E-A947-70E740481C1C}">
-                  <a14:useLocalDpi xmlns:a14="http://schemas.microsoft.com/office/drawing/2010/main" val="0"/>
-                </a:ext>
-              </a:extLst>
-            </a:blip>
-            <a:srcRect/>
-            <a:stretch>
-              <a:fillRect/>
-            </a:stretch>
-          </p:blipFill>
-          <p:spPr bwMode="auto">
-            <a:xfrm>
-              <a:off x="859846" y="620688"/>
-              <a:ext cx="3829050" cy="247650"/>
-            </a:xfrm>
-            <a:prstGeom prst="rect">
-              <a:avLst/>
-            </a:prstGeom>
-            <a:noFill/>
-            <a:ln>
-              <a:noFill/>
-            </a:ln>
-            <a:extLst>
-              <a:ext uri="{909E8E84-426E-40DD-AFC4-6F175D3DCCD1}">
-                <a14:hiddenFill xmlns:a14="http://schemas.microsoft.com/office/drawing/2010/main">
-                  <a:solidFill>
-                    <a:schemeClr val="accent1"/>
-                  </a:solidFill>
-                </a14:hiddenFill>
-              </a:ext>
-              <a:ext uri="{91240B29-F687-4F45-9708-019B960494DF}">
-                <a14:hiddenLine xmlns:a14="http://schemas.microsoft.com/office/drawing/2010/main" w="9525">
-                  <a:solidFill>
-                    <a:schemeClr val="tx1"/>
-                  </a:solidFill>
-                  <a:miter lim="800000"/>
-                  <a:headEnd/>
-                  <a:tailEnd/>
-                </a14:hiddenLine>
-              </a:ext>
-            </a:extLst>
-          </p:spPr>
-        </p:pic>
-      </p:grpSp>
-    </p:spTree>
-    <p:extLst>
-      <p:ext uri="{BB962C8B-B14F-4D97-AF65-F5344CB8AC3E}">
-        <p14:creationId xmlns:p14="http://schemas.microsoft.com/office/powerpoint/2010/main" val="3012983944"/>
-      </p:ext>
-    </p:extLst>
-  </p:cSld>
-  <p:clrMapOvr>
-    <a:masterClrMapping/>
-  </p:clrMapOvr>
-  <p:timing>
-    <p:tnLst>
-      <p:par>
-        <p:cTn id="1" dur="indefinite" restart="never" nodeType="tmRoot"/>
-      </p:par>
-    </p:tnLst>
-  </p:timing>
-</p:sld>
-</file>
-
-<file path=ppt/slides/slide30.xml><?xml version="1.0" encoding="utf-8"?>
+<file path=ppt/slides/slide31.xml><?xml version="1.0" encoding="utf-8"?>
 <p:sld xmlns:a="http://schemas.openxmlformats.org/drawingml/2006/main" xmlns:r="http://schemas.openxmlformats.org/officeDocument/2006/relationships" xmlns:p="http://schemas.openxmlformats.org/presentationml/2006/main">
   <p:cSld>
     <p:spTree>
@@ -25165,6 +25700,166 @@
       </p:grpSpPr>
       <p:grpSp>
         <p:nvGrpSpPr>
+          <p:cNvPr id="2" name="グループ化 1"/>
+          <p:cNvGrpSpPr/>
+          <p:nvPr/>
+        </p:nvGrpSpPr>
+        <p:grpSpPr>
+          <a:xfrm>
+            <a:off x="828675" y="604838"/>
+            <a:ext cx="7486650" cy="5648325"/>
+            <a:chOff x="828675" y="604838"/>
+            <a:chExt cx="7486650" cy="5648325"/>
+          </a:xfrm>
+        </p:grpSpPr>
+        <p:pic>
+          <p:nvPicPr>
+            <p:cNvPr id="1027" name="Picture 3"/>
+            <p:cNvPicPr>
+              <a:picLocks noChangeAspect="1" noChangeArrowheads="1"/>
+            </p:cNvPicPr>
+            <p:nvPr/>
+          </p:nvPicPr>
+          <p:blipFill>
+            <a:blip r:embed="rId2">
+              <a:extLst>
+                <a:ext uri="{28A0092B-C50C-407E-A947-70E740481C1C}">
+                  <a14:useLocalDpi xmlns:a14="http://schemas.microsoft.com/office/drawing/2010/main" val="0"/>
+                </a:ext>
+              </a:extLst>
+            </a:blip>
+            <a:srcRect/>
+            <a:stretch>
+              <a:fillRect/>
+            </a:stretch>
+          </p:blipFill>
+          <p:spPr bwMode="auto">
+            <a:xfrm>
+              <a:off x="828675" y="604838"/>
+              <a:ext cx="7486650" cy="5648325"/>
+            </a:xfrm>
+            <a:prstGeom prst="rect">
+              <a:avLst/>
+            </a:prstGeom>
+            <a:noFill/>
+            <a:ln>
+              <a:noFill/>
+            </a:ln>
+            <a:extLst>
+              <a:ext uri="{909E8E84-426E-40DD-AFC4-6F175D3DCCD1}">
+                <a14:hiddenFill xmlns:a14="http://schemas.microsoft.com/office/drawing/2010/main">
+                  <a:solidFill>
+                    <a:schemeClr val="accent1"/>
+                  </a:solidFill>
+                </a14:hiddenFill>
+              </a:ext>
+              <a:ext uri="{91240B29-F687-4F45-9708-019B960494DF}">
+                <a14:hiddenLine xmlns:a14="http://schemas.microsoft.com/office/drawing/2010/main" w="9525">
+                  <a:solidFill>
+                    <a:schemeClr val="tx1"/>
+                  </a:solidFill>
+                  <a:miter lim="800000"/>
+                  <a:headEnd/>
+                  <a:tailEnd/>
+                </a14:hiddenLine>
+              </a:ext>
+            </a:extLst>
+          </p:spPr>
+        </p:pic>
+        <p:pic>
+          <p:nvPicPr>
+            <p:cNvPr id="2051" name="Picture 3"/>
+            <p:cNvPicPr>
+              <a:picLocks noChangeAspect="1" noChangeArrowheads="1"/>
+            </p:cNvPicPr>
+            <p:nvPr/>
+          </p:nvPicPr>
+          <p:blipFill>
+            <a:blip r:embed="rId3">
+              <a:extLst>
+                <a:ext uri="{28A0092B-C50C-407E-A947-70E740481C1C}">
+                  <a14:useLocalDpi xmlns:a14="http://schemas.microsoft.com/office/drawing/2010/main" val="0"/>
+                </a:ext>
+              </a:extLst>
+            </a:blip>
+            <a:srcRect/>
+            <a:stretch>
+              <a:fillRect/>
+            </a:stretch>
+          </p:blipFill>
+          <p:spPr bwMode="auto">
+            <a:xfrm>
+              <a:off x="859846" y="620688"/>
+              <a:ext cx="3829050" cy="247650"/>
+            </a:xfrm>
+            <a:prstGeom prst="rect">
+              <a:avLst/>
+            </a:prstGeom>
+            <a:noFill/>
+            <a:ln>
+              <a:noFill/>
+            </a:ln>
+            <a:extLst>
+              <a:ext uri="{909E8E84-426E-40DD-AFC4-6F175D3DCCD1}">
+                <a14:hiddenFill xmlns:a14="http://schemas.microsoft.com/office/drawing/2010/main">
+                  <a:solidFill>
+                    <a:schemeClr val="accent1"/>
+                  </a:solidFill>
+                </a14:hiddenFill>
+              </a:ext>
+              <a:ext uri="{91240B29-F687-4F45-9708-019B960494DF}">
+                <a14:hiddenLine xmlns:a14="http://schemas.microsoft.com/office/drawing/2010/main" w="9525">
+                  <a:solidFill>
+                    <a:schemeClr val="tx1"/>
+                  </a:solidFill>
+                  <a:miter lim="800000"/>
+                  <a:headEnd/>
+                  <a:tailEnd/>
+                </a14:hiddenLine>
+              </a:ext>
+            </a:extLst>
+          </p:spPr>
+        </p:pic>
+      </p:grpSp>
+    </p:spTree>
+    <p:extLst>
+      <p:ext uri="{BB962C8B-B14F-4D97-AF65-F5344CB8AC3E}">
+        <p14:creationId xmlns:p14="http://schemas.microsoft.com/office/powerpoint/2010/main" val="3012983944"/>
+      </p:ext>
+    </p:extLst>
+  </p:cSld>
+  <p:clrMapOvr>
+    <a:masterClrMapping/>
+  </p:clrMapOvr>
+  <p:timing>
+    <p:tnLst>
+      <p:par>
+        <p:cTn id="1" dur="indefinite" restart="never" nodeType="tmRoot"/>
+      </p:par>
+    </p:tnLst>
+  </p:timing>
+</p:sld>
+</file>
+
+<file path=ppt/slides/slide5.xml><?xml version="1.0" encoding="utf-8"?>
+<p:sld xmlns:a="http://schemas.openxmlformats.org/drawingml/2006/main" xmlns:r="http://schemas.openxmlformats.org/officeDocument/2006/relationships" xmlns:p="http://schemas.openxmlformats.org/presentationml/2006/main">
+  <p:cSld>
+    <p:spTree>
+      <p:nvGrpSpPr>
+        <p:cNvPr id="1" name=""/>
+        <p:cNvGrpSpPr/>
+        <p:nvPr/>
+      </p:nvGrpSpPr>
+      <p:grpSpPr>
+        <a:xfrm>
+          <a:off x="0" y="0"/>
+          <a:ext cx="0" cy="0"/>
+          <a:chOff x="0" y="0"/>
+          <a:chExt cx="0" cy="0"/>
+        </a:xfrm>
+      </p:grpSpPr>
+      <p:grpSp>
+        <p:nvGrpSpPr>
           <p:cNvPr id="4" name="グループ化 3"/>
           <p:cNvGrpSpPr/>
           <p:nvPr/>
@@ -25477,7 +26172,7 @@
 </p:sld>
 </file>
 
-<file path=ppt/slides/slide5.xml><?xml version="1.0" encoding="utf-8"?>
+<file path=ppt/slides/slide6.xml><?xml version="1.0" encoding="utf-8"?>
 <p:sld xmlns:a="http://schemas.openxmlformats.org/drawingml/2006/main" xmlns:r="http://schemas.openxmlformats.org/officeDocument/2006/relationships" xmlns:p="http://schemas.openxmlformats.org/presentationml/2006/main">
   <p:cSld>
     <p:spTree>
@@ -25866,7 +26561,7 @@
 </p:sld>
 </file>
 
-<file path=ppt/slides/slide6.xml><?xml version="1.0" encoding="utf-8"?>
+<file path=ppt/slides/slide7.xml><?xml version="1.0" encoding="utf-8"?>
 <p:sld xmlns:a="http://schemas.openxmlformats.org/drawingml/2006/main" xmlns:r="http://schemas.openxmlformats.org/officeDocument/2006/relationships" xmlns:p="http://schemas.openxmlformats.org/presentationml/2006/main">
   <p:cSld>
     <p:spTree>
@@ -26391,7 +27086,7 @@
 </p:sld>
 </file>
 
-<file path=ppt/slides/slide7.xml><?xml version="1.0" encoding="utf-8"?>
+<file path=ppt/slides/slide8.xml><?xml version="1.0" encoding="utf-8"?>
 <p:sld xmlns:a="http://schemas.openxmlformats.org/drawingml/2006/main" xmlns:r="http://schemas.openxmlformats.org/officeDocument/2006/relationships" xmlns:p="http://schemas.openxmlformats.org/presentationml/2006/main">
   <p:cSld>
     <p:spTree>
@@ -26743,7 +27438,7 @@
 </p:sld>
 </file>
 
-<file path=ppt/slides/slide8.xml><?xml version="1.0" encoding="utf-8"?>
+<file path=ppt/slides/slide9.xml><?xml version="1.0" encoding="utf-8"?>
 <p:sld xmlns:a="http://schemas.openxmlformats.org/drawingml/2006/main" xmlns:r="http://schemas.openxmlformats.org/officeDocument/2006/relationships" xmlns:p="http://schemas.openxmlformats.org/presentationml/2006/main">
   <p:cSld>
     <p:spTree>
@@ -27040,389 +27735,6 @@
     <p:extLst>
       <p:ext uri="{BB962C8B-B14F-4D97-AF65-F5344CB8AC3E}">
         <p14:creationId xmlns:p14="http://schemas.microsoft.com/office/powerpoint/2010/main" val="3483803343"/>
-      </p:ext>
-    </p:extLst>
-  </p:cSld>
-  <p:clrMapOvr>
-    <a:masterClrMapping/>
-  </p:clrMapOvr>
-</p:sld>
-</file>
-
-<file path=ppt/slides/slide9.xml><?xml version="1.0" encoding="utf-8"?>
-<p:sld xmlns:a="http://schemas.openxmlformats.org/drawingml/2006/main" xmlns:r="http://schemas.openxmlformats.org/officeDocument/2006/relationships" xmlns:p="http://schemas.openxmlformats.org/presentationml/2006/main">
-  <p:cSld>
-    <p:spTree>
-      <p:nvGrpSpPr>
-        <p:cNvPr id="1" name=""/>
-        <p:cNvGrpSpPr/>
-        <p:nvPr/>
-      </p:nvGrpSpPr>
-      <p:grpSpPr>
-        <a:xfrm>
-          <a:off x="0" y="0"/>
-          <a:ext cx="0" cy="0"/>
-          <a:chOff x="0" y="0"/>
-          <a:chExt cx="0" cy="0"/>
-        </a:xfrm>
-      </p:grpSpPr>
-      <p:grpSp>
-        <p:nvGrpSpPr>
-          <p:cNvPr id="2" name="グループ化 1"/>
-          <p:cNvGrpSpPr/>
-          <p:nvPr/>
-        </p:nvGrpSpPr>
-        <p:grpSpPr>
-          <a:xfrm>
-            <a:off x="828675" y="604838"/>
-            <a:ext cx="7486650" cy="5648325"/>
-            <a:chOff x="828675" y="604838"/>
-            <a:chExt cx="7486650" cy="5648325"/>
-          </a:xfrm>
-        </p:grpSpPr>
-        <p:pic>
-          <p:nvPicPr>
-            <p:cNvPr id="2050" name="Picture 2"/>
-            <p:cNvPicPr>
-              <a:picLocks noChangeAspect="1" noChangeArrowheads="1"/>
-            </p:cNvPicPr>
-            <p:nvPr/>
-          </p:nvPicPr>
-          <p:blipFill>
-            <a:blip r:embed="rId2">
-              <a:extLst>
-                <a:ext uri="{28A0092B-C50C-407E-A947-70E740481C1C}">
-                  <a14:useLocalDpi xmlns:a14="http://schemas.microsoft.com/office/drawing/2010/main" val="0"/>
-                </a:ext>
-              </a:extLst>
-            </a:blip>
-            <a:srcRect/>
-            <a:stretch>
-              <a:fillRect/>
-            </a:stretch>
-          </p:blipFill>
-          <p:spPr bwMode="auto">
-            <a:xfrm>
-              <a:off x="828675" y="604838"/>
-              <a:ext cx="7486650" cy="5648325"/>
-            </a:xfrm>
-            <a:prstGeom prst="rect">
-              <a:avLst/>
-            </a:prstGeom>
-            <a:noFill/>
-            <a:ln>
-              <a:noFill/>
-            </a:ln>
-            <a:extLst>
-              <a:ext uri="{909E8E84-426E-40DD-AFC4-6F175D3DCCD1}">
-                <a14:hiddenFill xmlns:a14="http://schemas.microsoft.com/office/drawing/2010/main">
-                  <a:solidFill>
-                    <a:schemeClr val="accent1"/>
-                  </a:solidFill>
-                </a14:hiddenFill>
-              </a:ext>
-              <a:ext uri="{91240B29-F687-4F45-9708-019B960494DF}">
-                <a14:hiddenLine xmlns:a14="http://schemas.microsoft.com/office/drawing/2010/main" w="9525">
-                  <a:solidFill>
-                    <a:schemeClr val="tx1"/>
-                  </a:solidFill>
-                  <a:miter lim="800000"/>
-                  <a:headEnd/>
-                  <a:tailEnd/>
-                </a14:hiddenLine>
-              </a:ext>
-            </a:extLst>
-          </p:spPr>
-        </p:pic>
-        <p:sp>
-          <p:nvSpPr>
-            <p:cNvPr id="3" name="正方形/長方形 2"/>
-            <p:cNvSpPr/>
-            <p:nvPr/>
-          </p:nvSpPr>
-          <p:spPr>
-            <a:xfrm>
-              <a:off x="5916140" y="3128281"/>
-              <a:ext cx="2304256" cy="474554"/>
-            </a:xfrm>
-            <a:prstGeom prst="rect">
-              <a:avLst/>
-            </a:prstGeom>
-            <a:noFill/>
-            <a:ln>
-              <a:solidFill>
-                <a:srgbClr val="FF0000"/>
-              </a:solidFill>
-            </a:ln>
-          </p:spPr>
-          <p:style>
-            <a:lnRef idx="2">
-              <a:schemeClr val="accent1">
-                <a:shade val="50000"/>
-              </a:schemeClr>
-            </a:lnRef>
-            <a:fillRef idx="1">
-              <a:schemeClr val="accent1"/>
-            </a:fillRef>
-            <a:effectRef idx="0">
-              <a:schemeClr val="accent1"/>
-            </a:effectRef>
-            <a:fontRef idx="minor">
-              <a:schemeClr val="lt1"/>
-            </a:fontRef>
-          </p:style>
-          <p:txBody>
-            <a:bodyPr rtlCol="0" anchor="ctr"/>
-            <a:lstStyle/>
-            <a:p>
-              <a:pPr algn="ctr"/>
-              <a:endParaRPr kumimoji="1" lang="ja-JP" altLang="en-US"/>
-            </a:p>
-          </p:txBody>
-        </p:sp>
-        <p:sp>
-          <p:nvSpPr>
-            <p:cNvPr id="4" name="正方形/長方形 3"/>
-            <p:cNvSpPr/>
-            <p:nvPr/>
-          </p:nvSpPr>
-          <p:spPr>
-            <a:xfrm>
-              <a:off x="5916140" y="5229200"/>
-              <a:ext cx="2304256" cy="474554"/>
-            </a:xfrm>
-            <a:prstGeom prst="rect">
-              <a:avLst/>
-            </a:prstGeom>
-            <a:noFill/>
-            <a:ln>
-              <a:solidFill>
-                <a:srgbClr val="FF0000"/>
-              </a:solidFill>
-            </a:ln>
-          </p:spPr>
-          <p:style>
-            <a:lnRef idx="2">
-              <a:schemeClr val="accent1">
-                <a:shade val="50000"/>
-              </a:schemeClr>
-            </a:lnRef>
-            <a:fillRef idx="1">
-              <a:schemeClr val="accent1"/>
-            </a:fillRef>
-            <a:effectRef idx="0">
-              <a:schemeClr val="accent1"/>
-            </a:effectRef>
-            <a:fontRef idx="minor">
-              <a:schemeClr val="lt1"/>
-            </a:fontRef>
-          </p:style>
-          <p:txBody>
-            <a:bodyPr rtlCol="0" anchor="ctr"/>
-            <a:lstStyle/>
-            <a:p>
-              <a:pPr algn="ctr"/>
-              <a:endParaRPr kumimoji="1" lang="ja-JP" altLang="en-US"/>
-            </a:p>
-          </p:txBody>
-        </p:sp>
-        <p:sp>
-          <p:nvSpPr>
-            <p:cNvPr id="5" name="正方形/長方形 4"/>
-            <p:cNvSpPr/>
-            <p:nvPr/>
-          </p:nvSpPr>
-          <p:spPr>
-            <a:xfrm>
-              <a:off x="5916140" y="3598060"/>
-              <a:ext cx="2304256" cy="474554"/>
-            </a:xfrm>
-            <a:prstGeom prst="rect">
-              <a:avLst/>
-            </a:prstGeom>
-            <a:noFill/>
-            <a:ln>
-              <a:solidFill>
-                <a:srgbClr val="FF0000"/>
-              </a:solidFill>
-            </a:ln>
-          </p:spPr>
-          <p:style>
-            <a:lnRef idx="2">
-              <a:schemeClr val="accent1">
-                <a:shade val="50000"/>
-              </a:schemeClr>
-            </a:lnRef>
-            <a:fillRef idx="1">
-              <a:schemeClr val="accent1"/>
-            </a:fillRef>
-            <a:effectRef idx="0">
-              <a:schemeClr val="accent1"/>
-            </a:effectRef>
-            <a:fontRef idx="minor">
-              <a:schemeClr val="lt1"/>
-            </a:fontRef>
-          </p:style>
-          <p:txBody>
-            <a:bodyPr rtlCol="0" anchor="ctr"/>
-            <a:lstStyle/>
-            <a:p>
-              <a:pPr algn="ctr"/>
-              <a:endParaRPr kumimoji="1" lang="ja-JP" altLang="en-US"/>
-            </a:p>
-          </p:txBody>
-        </p:sp>
-        <p:sp>
-          <p:nvSpPr>
-            <p:cNvPr id="6" name="正方形/長方形 5"/>
-            <p:cNvSpPr/>
-            <p:nvPr/>
-          </p:nvSpPr>
-          <p:spPr>
-            <a:xfrm>
-              <a:off x="7068268" y="1125768"/>
-              <a:ext cx="965089" cy="360040"/>
-            </a:xfrm>
-            <a:prstGeom prst="rect">
-              <a:avLst/>
-            </a:prstGeom>
-            <a:noFill/>
-            <a:ln>
-              <a:solidFill>
-                <a:srgbClr val="FF0000"/>
-              </a:solidFill>
-            </a:ln>
-          </p:spPr>
-          <p:style>
-            <a:lnRef idx="2">
-              <a:schemeClr val="accent1">
-                <a:shade val="50000"/>
-              </a:schemeClr>
-            </a:lnRef>
-            <a:fillRef idx="1">
-              <a:schemeClr val="accent1"/>
-            </a:fillRef>
-            <a:effectRef idx="0">
-              <a:schemeClr val="accent1"/>
-            </a:effectRef>
-            <a:fontRef idx="minor">
-              <a:schemeClr val="lt1"/>
-            </a:fontRef>
-          </p:style>
-          <p:txBody>
-            <a:bodyPr rtlCol="0" anchor="ctr"/>
-            <a:lstStyle/>
-            <a:p>
-              <a:pPr algn="ctr"/>
-              <a:endParaRPr kumimoji="1" lang="ja-JP" altLang="en-US"/>
-            </a:p>
-          </p:txBody>
-        </p:sp>
-        <p:sp>
-          <p:nvSpPr>
-            <p:cNvPr id="7" name="正方形/長方形 6"/>
-            <p:cNvSpPr/>
-            <p:nvPr/>
-          </p:nvSpPr>
-          <p:spPr>
-            <a:xfrm>
-              <a:off x="838422" y="3128280"/>
-              <a:ext cx="4309641" cy="1236823"/>
-            </a:xfrm>
-            <a:prstGeom prst="rect">
-              <a:avLst/>
-            </a:prstGeom>
-            <a:noFill/>
-            <a:ln>
-              <a:solidFill>
-                <a:srgbClr val="FF0000"/>
-              </a:solidFill>
-            </a:ln>
-          </p:spPr>
-          <p:style>
-            <a:lnRef idx="2">
-              <a:schemeClr val="accent1">
-                <a:shade val="50000"/>
-              </a:schemeClr>
-            </a:lnRef>
-            <a:fillRef idx="1">
-              <a:schemeClr val="accent1"/>
-            </a:fillRef>
-            <a:effectRef idx="0">
-              <a:schemeClr val="accent1"/>
-            </a:effectRef>
-            <a:fontRef idx="minor">
-              <a:schemeClr val="lt1"/>
-            </a:fontRef>
-          </p:style>
-          <p:txBody>
-            <a:bodyPr rtlCol="0" anchor="ctr"/>
-            <a:lstStyle/>
-            <a:p>
-              <a:pPr algn="ctr"/>
-              <a:endParaRPr kumimoji="1" lang="ja-JP" altLang="en-US"/>
-            </a:p>
-          </p:txBody>
-        </p:sp>
-        <p:pic>
-          <p:nvPicPr>
-            <p:cNvPr id="8194" name="Picture 2"/>
-            <p:cNvPicPr>
-              <a:picLocks noChangeAspect="1" noChangeArrowheads="1"/>
-            </p:cNvPicPr>
-            <p:nvPr/>
-          </p:nvPicPr>
-          <p:blipFill>
-            <a:blip r:embed="rId3">
-              <a:extLst>
-                <a:ext uri="{28A0092B-C50C-407E-A947-70E740481C1C}">
-                  <a14:useLocalDpi xmlns:a14="http://schemas.microsoft.com/office/drawing/2010/main" val="0"/>
-                </a:ext>
-              </a:extLst>
-            </a:blip>
-            <a:srcRect/>
-            <a:stretch>
-              <a:fillRect/>
-            </a:stretch>
-          </p:blipFill>
-          <p:spPr bwMode="auto">
-            <a:xfrm>
-              <a:off x="838422" y="635730"/>
-              <a:ext cx="2990850" cy="247650"/>
-            </a:xfrm>
-            <a:prstGeom prst="rect">
-              <a:avLst/>
-            </a:prstGeom>
-            <a:noFill/>
-            <a:ln>
-              <a:noFill/>
-            </a:ln>
-            <a:extLst>
-              <a:ext uri="{909E8E84-426E-40DD-AFC4-6F175D3DCCD1}">
-                <a14:hiddenFill xmlns:a14="http://schemas.microsoft.com/office/drawing/2010/main">
-                  <a:solidFill>
-                    <a:schemeClr val="accent1"/>
-                  </a:solidFill>
-                </a14:hiddenFill>
-              </a:ext>
-              <a:ext uri="{91240B29-F687-4F45-9708-019B960494DF}">
-                <a14:hiddenLine xmlns:a14="http://schemas.microsoft.com/office/drawing/2010/main" w="9525">
-                  <a:solidFill>
-                    <a:schemeClr val="tx1"/>
-                  </a:solidFill>
-                  <a:miter lim="800000"/>
-                  <a:headEnd/>
-                  <a:tailEnd/>
-                </a14:hiddenLine>
-              </a:ext>
-            </a:extLst>
-          </p:spPr>
-        </p:pic>
-      </p:grpSp>
-    </p:spTree>
-    <p:extLst>
-      <p:ext uri="{BB962C8B-B14F-4D97-AF65-F5344CB8AC3E}">
-        <p14:creationId xmlns:p14="http://schemas.microsoft.com/office/powerpoint/2010/main" val="4130806423"/>
       </p:ext>
     </p:extLst>
   </p:cSld>

--- a/doc/image/etl-designer-images.pptx
+++ b/doc/image/etl-designer-images.pptx
@@ -25668,6 +25668,115 @@
           </p:txBody>
         </p:sp>
       </p:grpSp>
+      <p:grpSp>
+        <p:nvGrpSpPr>
+          <p:cNvPr id="16" name="グループ化 15"/>
+          <p:cNvGrpSpPr/>
+          <p:nvPr/>
+        </p:nvGrpSpPr>
+        <p:grpSpPr>
+          <a:xfrm>
+            <a:off x="2934510" y="4923258"/>
+            <a:ext cx="2228850" cy="1266825"/>
+            <a:chOff x="5723947" y="743653"/>
+            <a:chExt cx="2228850" cy="1266825"/>
+          </a:xfrm>
+        </p:grpSpPr>
+        <p:pic>
+          <p:nvPicPr>
+            <p:cNvPr id="17" name="Picture 2"/>
+            <p:cNvPicPr>
+              <a:picLocks noChangeAspect="1" noChangeArrowheads="1"/>
+            </p:cNvPicPr>
+            <p:nvPr/>
+          </p:nvPicPr>
+          <p:blipFill>
+            <a:blip r:embed="rId10">
+              <a:extLst>
+                <a:ext uri="{28A0092B-C50C-407E-A947-70E740481C1C}">
+                  <a14:useLocalDpi xmlns:a14="http://schemas.microsoft.com/office/drawing/2010/main" val="0"/>
+                </a:ext>
+              </a:extLst>
+            </a:blip>
+            <a:srcRect/>
+            <a:stretch>
+              <a:fillRect/>
+            </a:stretch>
+          </p:blipFill>
+          <p:spPr bwMode="auto">
+            <a:xfrm>
+              <a:off x="5723947" y="743653"/>
+              <a:ext cx="2228850" cy="1266825"/>
+            </a:xfrm>
+            <a:prstGeom prst="rect">
+              <a:avLst/>
+            </a:prstGeom>
+            <a:noFill/>
+            <a:ln>
+              <a:noFill/>
+            </a:ln>
+            <a:extLst>
+              <a:ext uri="{909E8E84-426E-40DD-AFC4-6F175D3DCCD1}">
+                <a14:hiddenFill xmlns:a14="http://schemas.microsoft.com/office/drawing/2010/main">
+                  <a:solidFill>
+                    <a:schemeClr val="accent1"/>
+                  </a:solidFill>
+                </a14:hiddenFill>
+              </a:ext>
+              <a:ext uri="{91240B29-F687-4F45-9708-019B960494DF}">
+                <a14:hiddenLine xmlns:a14="http://schemas.microsoft.com/office/drawing/2010/main" w="9525">
+                  <a:solidFill>
+                    <a:schemeClr val="tx1"/>
+                  </a:solidFill>
+                  <a:miter lim="800000"/>
+                  <a:headEnd/>
+                  <a:tailEnd/>
+                </a14:hiddenLine>
+              </a:ext>
+            </a:extLst>
+          </p:spPr>
+        </p:pic>
+        <p:sp>
+          <p:nvSpPr>
+            <p:cNvPr id="18" name="正方形/長方形 17"/>
+            <p:cNvSpPr/>
+            <p:nvPr/>
+          </p:nvSpPr>
+          <p:spPr>
+            <a:xfrm>
+              <a:off x="7085168" y="916486"/>
+              <a:ext cx="364962" cy="460579"/>
+            </a:xfrm>
+            <a:prstGeom prst="rect">
+              <a:avLst/>
+            </a:prstGeom>
+            <a:noFill/>
+            <a:ln w="57150"/>
+          </p:spPr>
+          <p:style>
+            <a:lnRef idx="2">
+              <a:schemeClr val="accent6"/>
+            </a:lnRef>
+            <a:fillRef idx="1">
+              <a:schemeClr val="lt1"/>
+            </a:fillRef>
+            <a:effectRef idx="0">
+              <a:schemeClr val="accent6"/>
+            </a:effectRef>
+            <a:fontRef idx="minor">
+              <a:schemeClr val="dk1"/>
+            </a:fontRef>
+          </p:style>
+          <p:txBody>
+            <a:bodyPr rtlCol="0" anchor="ctr"/>
+            <a:lstStyle/>
+            <a:p>
+              <a:pPr algn="ctr"/>
+              <a:endParaRPr kumimoji="1" lang="ja-JP" altLang="en-US"/>
+            </a:p>
+          </p:txBody>
+        </p:sp>
+      </p:grpSp>
     </p:spTree>
     <p:extLst>
       <p:ext uri="{BB962C8B-B14F-4D97-AF65-F5344CB8AC3E}">

--- a/doc/image/etl-designer-images.pptx
+++ b/doc/image/etl-designer-images.pptx
@@ -6,35 +6,36 @@
   </p:sldMasterIdLst>
   <p:sldIdLst>
     <p:sldId id="276" r:id="rId2"/>
-    <p:sldId id="257" r:id="rId3"/>
-    <p:sldId id="258" r:id="rId4"/>
-    <p:sldId id="259" r:id="rId5"/>
-    <p:sldId id="260" r:id="rId6"/>
-    <p:sldId id="261" r:id="rId7"/>
-    <p:sldId id="262" r:id="rId8"/>
-    <p:sldId id="263" r:id="rId9"/>
-    <p:sldId id="289" r:id="rId10"/>
-    <p:sldId id="282" r:id="rId11"/>
-    <p:sldId id="288" r:id="rId12"/>
-    <p:sldId id="312" r:id="rId13"/>
-    <p:sldId id="313" r:id="rId14"/>
-    <p:sldId id="314" r:id="rId15"/>
-    <p:sldId id="284" r:id="rId16"/>
-    <p:sldId id="287" r:id="rId17"/>
-    <p:sldId id="290" r:id="rId18"/>
-    <p:sldId id="308" r:id="rId19"/>
-    <p:sldId id="309" r:id="rId20"/>
-    <p:sldId id="310" r:id="rId21"/>
-    <p:sldId id="311" r:id="rId22"/>
-    <p:sldId id="296" r:id="rId23"/>
-    <p:sldId id="297" r:id="rId24"/>
-    <p:sldId id="299" r:id="rId25"/>
-    <p:sldId id="301" r:id="rId26"/>
-    <p:sldId id="300" r:id="rId27"/>
-    <p:sldId id="303" r:id="rId28"/>
-    <p:sldId id="305" r:id="rId29"/>
-    <p:sldId id="306" r:id="rId30"/>
-    <p:sldId id="307" r:id="rId31"/>
+    <p:sldId id="315" r:id="rId3"/>
+    <p:sldId id="257" r:id="rId4"/>
+    <p:sldId id="258" r:id="rId5"/>
+    <p:sldId id="259" r:id="rId6"/>
+    <p:sldId id="260" r:id="rId7"/>
+    <p:sldId id="261" r:id="rId8"/>
+    <p:sldId id="262" r:id="rId9"/>
+    <p:sldId id="263" r:id="rId10"/>
+    <p:sldId id="289" r:id="rId11"/>
+    <p:sldId id="282" r:id="rId12"/>
+    <p:sldId id="288" r:id="rId13"/>
+    <p:sldId id="312" r:id="rId14"/>
+    <p:sldId id="313" r:id="rId15"/>
+    <p:sldId id="314" r:id="rId16"/>
+    <p:sldId id="284" r:id="rId17"/>
+    <p:sldId id="287" r:id="rId18"/>
+    <p:sldId id="290" r:id="rId19"/>
+    <p:sldId id="308" r:id="rId20"/>
+    <p:sldId id="309" r:id="rId21"/>
+    <p:sldId id="310" r:id="rId22"/>
+    <p:sldId id="311" r:id="rId23"/>
+    <p:sldId id="296" r:id="rId24"/>
+    <p:sldId id="297" r:id="rId25"/>
+    <p:sldId id="299" r:id="rId26"/>
+    <p:sldId id="301" r:id="rId27"/>
+    <p:sldId id="300" r:id="rId28"/>
+    <p:sldId id="303" r:id="rId29"/>
+    <p:sldId id="305" r:id="rId30"/>
+    <p:sldId id="306" r:id="rId31"/>
+    <p:sldId id="307" r:id="rId32"/>
   </p:sldIdLst>
   <p:sldSz cx="9144000" cy="6858000" type="screen4x3"/>
   <p:notesSz cx="6858000" cy="9144000"/>
@@ -317,7 +318,7 @@
           <a:p>
             <a:fld id="{435ACF63-84AB-4FEC-B6CA-3D83091BAA8C}" type="datetimeFigureOut">
               <a:rPr kumimoji="1" lang="ja-JP" altLang="en-US" smtClean="0"/>
-              <a:t>2017/11/30</a:t>
+              <a:t>2017/12/12</a:t>
             </a:fld>
             <a:endParaRPr kumimoji="1" lang="ja-JP" altLang="en-US"/>
           </a:p>
@@ -519,7 +520,7 @@
           <a:p>
             <a:fld id="{435ACF63-84AB-4FEC-B6CA-3D83091BAA8C}" type="datetimeFigureOut">
               <a:rPr kumimoji="1" lang="ja-JP" altLang="en-US" smtClean="0"/>
-              <a:t>2017/11/30</a:t>
+              <a:t>2017/12/12</a:t>
             </a:fld>
             <a:endParaRPr kumimoji="1" lang="ja-JP" altLang="en-US"/>
           </a:p>
@@ -731,7 +732,7 @@
           <a:p>
             <a:fld id="{435ACF63-84AB-4FEC-B6CA-3D83091BAA8C}" type="datetimeFigureOut">
               <a:rPr kumimoji="1" lang="ja-JP" altLang="en-US" smtClean="0"/>
-              <a:t>2017/11/30</a:t>
+              <a:t>2017/12/12</a:t>
             </a:fld>
             <a:endParaRPr kumimoji="1" lang="ja-JP" altLang="en-US"/>
           </a:p>
@@ -933,7 +934,7 @@
           <a:p>
             <a:fld id="{435ACF63-84AB-4FEC-B6CA-3D83091BAA8C}" type="datetimeFigureOut">
               <a:rPr kumimoji="1" lang="ja-JP" altLang="en-US" smtClean="0"/>
-              <a:t>2017/11/30</a:t>
+              <a:t>2017/12/12</a:t>
             </a:fld>
             <a:endParaRPr kumimoji="1" lang="ja-JP" altLang="en-US"/>
           </a:p>
@@ -1179,7 +1180,7 @@
           <a:p>
             <a:fld id="{435ACF63-84AB-4FEC-B6CA-3D83091BAA8C}" type="datetimeFigureOut">
               <a:rPr kumimoji="1" lang="ja-JP" altLang="en-US" smtClean="0"/>
-              <a:t>2017/11/30</a:t>
+              <a:t>2017/12/12</a:t>
             </a:fld>
             <a:endParaRPr kumimoji="1" lang="ja-JP" altLang="en-US"/>
           </a:p>
@@ -1531,7 +1532,7 @@
           <a:p>
             <a:fld id="{435ACF63-84AB-4FEC-B6CA-3D83091BAA8C}" type="datetimeFigureOut">
               <a:rPr kumimoji="1" lang="ja-JP" altLang="en-US" smtClean="0"/>
-              <a:t>2017/11/30</a:t>
+              <a:t>2017/12/12</a:t>
             </a:fld>
             <a:endParaRPr kumimoji="1" lang="ja-JP" altLang="en-US"/>
           </a:p>
@@ -2017,7 +2018,7 @@
           <a:p>
             <a:fld id="{435ACF63-84AB-4FEC-B6CA-3D83091BAA8C}" type="datetimeFigureOut">
               <a:rPr kumimoji="1" lang="ja-JP" altLang="en-US" smtClean="0"/>
-              <a:t>2017/11/30</a:t>
+              <a:t>2017/12/12</a:t>
             </a:fld>
             <a:endParaRPr kumimoji="1" lang="ja-JP" altLang="en-US"/>
           </a:p>
@@ -2135,7 +2136,7 @@
           <a:p>
             <a:fld id="{435ACF63-84AB-4FEC-B6CA-3D83091BAA8C}" type="datetimeFigureOut">
               <a:rPr kumimoji="1" lang="ja-JP" altLang="en-US" smtClean="0"/>
-              <a:t>2017/11/30</a:t>
+              <a:t>2017/12/12</a:t>
             </a:fld>
             <a:endParaRPr kumimoji="1" lang="ja-JP" altLang="en-US"/>
           </a:p>
@@ -2230,7 +2231,7 @@
           <a:p>
             <a:fld id="{435ACF63-84AB-4FEC-B6CA-3D83091BAA8C}" type="datetimeFigureOut">
               <a:rPr kumimoji="1" lang="ja-JP" altLang="en-US" smtClean="0"/>
-              <a:t>2017/11/30</a:t>
+              <a:t>2017/12/12</a:t>
             </a:fld>
             <a:endParaRPr kumimoji="1" lang="ja-JP" altLang="en-US"/>
           </a:p>
@@ -2539,7 +2540,7 @@
           <a:p>
             <a:fld id="{435ACF63-84AB-4FEC-B6CA-3D83091BAA8C}" type="datetimeFigureOut">
               <a:rPr kumimoji="1" lang="ja-JP" altLang="en-US" smtClean="0"/>
-              <a:t>2017/11/30</a:t>
+              <a:t>2017/12/12</a:t>
             </a:fld>
             <a:endParaRPr kumimoji="1" lang="ja-JP" altLang="en-US"/>
           </a:p>
@@ -2792,7 +2793,7 @@
           <a:p>
             <a:fld id="{435ACF63-84AB-4FEC-B6CA-3D83091BAA8C}" type="datetimeFigureOut">
               <a:rPr kumimoji="1" lang="ja-JP" altLang="en-US" smtClean="0"/>
-              <a:t>2017/11/30</a:t>
+              <a:t>2017/12/12</a:t>
             </a:fld>
             <a:endParaRPr kumimoji="1" lang="ja-JP" altLang="en-US"/>
           </a:p>
@@ -3037,7 +3038,7 @@
           <a:p>
             <a:fld id="{435ACF63-84AB-4FEC-B6CA-3D83091BAA8C}" type="datetimeFigureOut">
               <a:rPr kumimoji="1" lang="ja-JP" altLang="en-US" smtClean="0"/>
-              <a:t>2017/11/30</a:t>
+              <a:t>2017/12/12</a:t>
             </a:fld>
             <a:endParaRPr kumimoji="1" lang="ja-JP" altLang="en-US"/>
           </a:p>
@@ -3771,756 +3772,28 @@
       </p:grpSpPr>
       <p:grpSp>
         <p:nvGrpSpPr>
-          <p:cNvPr id="6" name="グループ化 5"/>
+          <p:cNvPr id="2" name="グループ化 1"/>
           <p:cNvGrpSpPr/>
           <p:nvPr/>
         </p:nvGrpSpPr>
         <p:grpSpPr>
           <a:xfrm>
-            <a:off x="266861" y="107340"/>
-            <a:ext cx="8689142" cy="6562020"/>
-            <a:chOff x="266861" y="107340"/>
-            <a:chExt cx="8689142" cy="6562020"/>
+            <a:off x="828675" y="604838"/>
+            <a:ext cx="7486650" cy="5648325"/>
+            <a:chOff x="828675" y="604838"/>
+            <a:chExt cx="7486650" cy="5648325"/>
           </a:xfrm>
         </p:grpSpPr>
-        <p:sp>
-          <p:nvSpPr>
-            <p:cNvPr id="69" name="正方形/長方形 68"/>
-            <p:cNvSpPr/>
-            <p:nvPr/>
-          </p:nvSpPr>
-          <p:spPr>
-            <a:xfrm>
-              <a:off x="313936" y="6021288"/>
-              <a:ext cx="8469159" cy="648072"/>
-            </a:xfrm>
-            <a:prstGeom prst="rect">
-              <a:avLst/>
-            </a:prstGeom>
-            <a:ln>
-              <a:solidFill>
-                <a:schemeClr val="tx1"/>
-              </a:solidFill>
-            </a:ln>
-          </p:spPr>
-          <p:style>
-            <a:lnRef idx="2">
-              <a:schemeClr val="accent6"/>
-            </a:lnRef>
-            <a:fillRef idx="1">
-              <a:schemeClr val="lt1"/>
-            </a:fillRef>
-            <a:effectRef idx="0">
-              <a:schemeClr val="accent6"/>
-            </a:effectRef>
-            <a:fontRef idx="minor">
-              <a:schemeClr val="dk1"/>
-            </a:fontRef>
-          </p:style>
-          <p:txBody>
-            <a:bodyPr rtlCol="0" anchor="ctr"/>
-            <a:lstStyle/>
-            <a:p>
-              <a:r>
-                <a:rPr kumimoji="1" lang="ja-JP" altLang="en-US" dirty="0" smtClean="0"/>
-                <a:t>凡例</a:t>
-              </a:r>
-              <a:endParaRPr kumimoji="1" lang="ja-JP" altLang="en-US" dirty="0"/>
-            </a:p>
-          </p:txBody>
-        </p:sp>
         <p:pic>
           <p:nvPicPr>
-            <p:cNvPr id="2" name="図 1"/>
-            <p:cNvPicPr>
-              <a:picLocks noChangeAspect="1"/>
-            </p:cNvPicPr>
-            <p:nvPr/>
-          </p:nvPicPr>
-          <p:blipFill>
-            <a:blip r:embed="rId2" cstate="print">
-              <a:extLst>
-                <a:ext uri="{28A0092B-C50C-407E-A947-70E740481C1C}">
-                  <a14:useLocalDpi xmlns:a14="http://schemas.microsoft.com/office/drawing/2010/main" val="0"/>
-                </a:ext>
-              </a:extLst>
-            </a:blip>
-            <a:stretch>
-              <a:fillRect/>
-            </a:stretch>
-          </p:blipFill>
-          <p:spPr>
-            <a:xfrm>
-              <a:off x="266861" y="639777"/>
-              <a:ext cx="1342318" cy="1349063"/>
-            </a:xfrm>
-            <a:prstGeom prst="rect">
-              <a:avLst/>
-            </a:prstGeom>
-          </p:spPr>
-        </p:pic>
-        <p:sp>
-          <p:nvSpPr>
-            <p:cNvPr id="3" name="正方形/長方形 2"/>
-            <p:cNvSpPr/>
-            <p:nvPr/>
-          </p:nvSpPr>
-          <p:spPr>
-            <a:xfrm>
-              <a:off x="266861" y="2097912"/>
-              <a:ext cx="1258767" cy="809560"/>
-            </a:xfrm>
-            <a:prstGeom prst="rect">
-              <a:avLst/>
-            </a:prstGeom>
-            <a:ln>
-              <a:solidFill>
-                <a:schemeClr val="accent3"/>
-              </a:solidFill>
-            </a:ln>
-          </p:spPr>
-          <p:style>
-            <a:lnRef idx="2">
-              <a:schemeClr val="accent6"/>
-            </a:lnRef>
-            <a:fillRef idx="1">
-              <a:schemeClr val="lt1"/>
-            </a:fillRef>
-            <a:effectRef idx="0">
-              <a:schemeClr val="accent6"/>
-            </a:effectRef>
-            <a:fontRef idx="minor">
-              <a:schemeClr val="dk1"/>
-            </a:fontRef>
-          </p:style>
-          <p:txBody>
-            <a:bodyPr rtlCol="0" anchor="t"/>
-            <a:lstStyle/>
-            <a:p>
-              <a:r>
-                <a:rPr lang="ja-JP" altLang="en-US" sz="1400" dirty="0" smtClean="0"/>
-                <a:t>設計書</a:t>
-              </a:r>
-              <a:endParaRPr lang="en-US" altLang="ja-JP" sz="1400" dirty="0" smtClean="0"/>
-            </a:p>
-            <a:p>
-              <a:r>
-                <a:rPr lang="ja-JP" altLang="en-US" sz="1400" dirty="0" smtClean="0"/>
-                <a:t>・</a:t>
-              </a:r>
-              <a:r>
-                <a:rPr lang="ja-JP" altLang="en-US" sz="1400" dirty="0"/>
-                <a:t>処理</a:t>
-              </a:r>
-              <a:r>
-                <a:rPr lang="ja-JP" altLang="en-US" sz="1400" dirty="0" smtClean="0"/>
-                <a:t>フロー</a:t>
-              </a:r>
-              <a:endParaRPr lang="en-US" altLang="ja-JP" sz="1400" dirty="0"/>
-            </a:p>
-            <a:p>
-              <a:r>
-                <a:rPr lang="ja-JP" altLang="en-US" sz="1400" dirty="0" smtClean="0"/>
-                <a:t>・</a:t>
-              </a:r>
-              <a:r>
-                <a:rPr lang="ja-JP" altLang="en-US" sz="1400" dirty="0"/>
-                <a:t>変換</a:t>
-              </a:r>
-              <a:r>
-                <a:rPr lang="ja-JP" altLang="en-US" sz="1400" dirty="0" smtClean="0"/>
-                <a:t>仕様</a:t>
-              </a:r>
-              <a:endParaRPr lang="en-US" altLang="ja-JP" sz="1400" dirty="0" smtClean="0"/>
-            </a:p>
-            <a:p>
-              <a:endParaRPr lang="ja-JP" altLang="en-US" sz="1400" dirty="0"/>
-            </a:p>
-          </p:txBody>
-        </p:sp>
-        <p:sp>
-          <p:nvSpPr>
-            <p:cNvPr id="5" name="正方形/長方形 4"/>
-            <p:cNvSpPr/>
-            <p:nvPr/>
-          </p:nvSpPr>
-          <p:spPr>
-            <a:xfrm>
-              <a:off x="313936" y="4841893"/>
-              <a:ext cx="1258767" cy="809560"/>
-            </a:xfrm>
-            <a:prstGeom prst="rect">
-              <a:avLst/>
-            </a:prstGeom>
-            <a:ln>
-              <a:solidFill>
-                <a:schemeClr val="accent3"/>
-              </a:solidFill>
-            </a:ln>
-          </p:spPr>
-          <p:style>
-            <a:lnRef idx="2">
-              <a:schemeClr val="accent6"/>
-            </a:lnRef>
-            <a:fillRef idx="1">
-              <a:schemeClr val="lt1"/>
-            </a:fillRef>
-            <a:effectRef idx="0">
-              <a:schemeClr val="accent6"/>
-            </a:effectRef>
-            <a:fontRef idx="minor">
-              <a:schemeClr val="dk1"/>
-            </a:fontRef>
-          </p:style>
-          <p:txBody>
-            <a:bodyPr rtlCol="0" anchor="t"/>
-            <a:lstStyle/>
-            <a:p>
-              <a:r>
-                <a:rPr lang="ja-JP" altLang="en-US" sz="1400" dirty="0" smtClean="0"/>
-                <a:t>設計書</a:t>
-              </a:r>
-              <a:endParaRPr lang="en-US" altLang="ja-JP" sz="1400" dirty="0" smtClean="0"/>
-            </a:p>
-            <a:p>
-              <a:r>
-                <a:rPr lang="ja-JP" altLang="en-US" sz="1400" dirty="0"/>
-                <a:t>・</a:t>
-              </a:r>
-              <a:r>
-                <a:rPr lang="ja-JP" altLang="en-US" sz="1400" dirty="0" smtClean="0"/>
-                <a:t>データ項目</a:t>
-              </a:r>
-              <a:endParaRPr lang="ja-JP" altLang="en-US" sz="1400" dirty="0"/>
-            </a:p>
-            <a:p>
-              <a:endParaRPr lang="en-US" altLang="ja-JP" dirty="0"/>
-            </a:p>
-          </p:txBody>
-        </p:sp>
-        <p:sp>
-          <p:nvSpPr>
-            <p:cNvPr id="19" name="テキスト ボックス 18"/>
-            <p:cNvSpPr txBox="1"/>
-            <p:nvPr/>
-          </p:nvSpPr>
-          <p:spPr>
-            <a:xfrm>
-              <a:off x="943320" y="793085"/>
-              <a:ext cx="646331" cy="369332"/>
-            </a:xfrm>
-            <a:prstGeom prst="rect">
-              <a:avLst/>
-            </a:prstGeom>
-            <a:noFill/>
-          </p:spPr>
-          <p:txBody>
-            <a:bodyPr wrap="none" rtlCol="0">
-              <a:spAutoFit/>
-            </a:bodyPr>
-            <a:lstStyle/>
-            <a:p>
-              <a:r>
-                <a:rPr kumimoji="1" lang="ja-JP" altLang="en-US" dirty="0" smtClean="0"/>
-                <a:t>設計</a:t>
-              </a:r>
-              <a:endParaRPr kumimoji="1" lang="ja-JP" altLang="en-US" dirty="0"/>
-            </a:p>
-          </p:txBody>
-        </p:sp>
-        <p:sp>
-          <p:nvSpPr>
-            <p:cNvPr id="20" name="テキスト ボックス 19"/>
-            <p:cNvSpPr txBox="1"/>
-            <p:nvPr/>
-          </p:nvSpPr>
-          <p:spPr>
-            <a:xfrm>
-              <a:off x="3084352" y="793085"/>
-              <a:ext cx="646331" cy="369332"/>
-            </a:xfrm>
-            <a:prstGeom prst="rect">
-              <a:avLst/>
-            </a:prstGeom>
-            <a:noFill/>
-          </p:spPr>
-          <p:txBody>
-            <a:bodyPr wrap="none" rtlCol="0">
-              <a:spAutoFit/>
-            </a:bodyPr>
-            <a:lstStyle/>
-            <a:p>
-              <a:r>
-                <a:rPr kumimoji="1" lang="ja-JP" altLang="en-US" dirty="0" smtClean="0"/>
-                <a:t>実装</a:t>
-              </a:r>
-              <a:endParaRPr kumimoji="1" lang="ja-JP" altLang="en-US" dirty="0"/>
-            </a:p>
-          </p:txBody>
-        </p:sp>
-        <p:sp>
-          <p:nvSpPr>
-            <p:cNvPr id="36" name="正方形/長方形 35"/>
-            <p:cNvSpPr/>
-            <p:nvPr/>
-          </p:nvSpPr>
-          <p:spPr>
-            <a:xfrm>
-              <a:off x="2415215" y="2098723"/>
-              <a:ext cx="1258767" cy="809560"/>
-            </a:xfrm>
-            <a:prstGeom prst="rect">
-              <a:avLst/>
-            </a:prstGeom>
-            <a:ln>
-              <a:solidFill>
-                <a:schemeClr val="accent3"/>
-              </a:solidFill>
-            </a:ln>
-          </p:spPr>
-          <p:style>
-            <a:lnRef idx="2">
-              <a:schemeClr val="accent6"/>
-            </a:lnRef>
-            <a:fillRef idx="1">
-              <a:schemeClr val="lt1"/>
-            </a:fillRef>
-            <a:effectRef idx="0">
-              <a:schemeClr val="accent6"/>
-            </a:effectRef>
-            <a:fontRef idx="minor">
-              <a:schemeClr val="dk1"/>
-            </a:fontRef>
-          </p:style>
-          <p:txBody>
-            <a:bodyPr rtlCol="0" anchor="t"/>
-            <a:lstStyle/>
-            <a:p>
-              <a:pPr algn="just"/>
-              <a:r>
-                <a:rPr lang="en-US" altLang="ja-JP" sz="1400" dirty="0"/>
-                <a:t>JOB</a:t>
-              </a:r>
-              <a:r>
-                <a:rPr lang="ja-JP" altLang="en-US" sz="1400" dirty="0" smtClean="0"/>
-                <a:t>定義ファイル</a:t>
-              </a:r>
-              <a:endParaRPr lang="ja-JP" altLang="en-US" sz="1400" dirty="0"/>
-            </a:p>
-          </p:txBody>
-        </p:sp>
-        <p:sp>
-          <p:nvSpPr>
-            <p:cNvPr id="37" name="正方形/長方形 36"/>
-            <p:cNvSpPr/>
-            <p:nvPr/>
-          </p:nvSpPr>
-          <p:spPr>
-            <a:xfrm>
-              <a:off x="2415215" y="4841893"/>
-              <a:ext cx="1258767" cy="809560"/>
-            </a:xfrm>
-            <a:prstGeom prst="rect">
-              <a:avLst/>
-            </a:prstGeom>
-            <a:ln>
-              <a:solidFill>
-                <a:schemeClr val="accent3"/>
-              </a:solidFill>
-            </a:ln>
-          </p:spPr>
-          <p:style>
-            <a:lnRef idx="2">
-              <a:schemeClr val="accent6"/>
-            </a:lnRef>
-            <a:fillRef idx="1">
-              <a:schemeClr val="lt1"/>
-            </a:fillRef>
-            <a:effectRef idx="0">
-              <a:schemeClr val="accent6"/>
-            </a:effectRef>
-            <a:fontRef idx="minor">
-              <a:schemeClr val="dk1"/>
-            </a:fontRef>
-          </p:style>
-          <p:txBody>
-            <a:bodyPr rtlCol="0" anchor="t"/>
-            <a:lstStyle/>
-            <a:p>
-              <a:r>
-                <a:rPr lang="en-US" altLang="ja-JP" sz="1400" dirty="0" smtClean="0"/>
-                <a:t>Bean</a:t>
-              </a:r>
-              <a:endParaRPr lang="ja-JP" altLang="en-US" sz="1400" dirty="0"/>
-            </a:p>
-          </p:txBody>
-        </p:sp>
-        <p:sp>
-          <p:nvSpPr>
-            <p:cNvPr id="38" name="正方形/長方形 37"/>
-            <p:cNvSpPr/>
-            <p:nvPr/>
-          </p:nvSpPr>
-          <p:spPr>
-            <a:xfrm>
-              <a:off x="2415215" y="3927503"/>
-              <a:ext cx="1258767" cy="809560"/>
-            </a:xfrm>
-            <a:prstGeom prst="rect">
-              <a:avLst/>
-            </a:prstGeom>
-            <a:ln>
-              <a:solidFill>
-                <a:schemeClr val="accent3"/>
-              </a:solidFill>
-            </a:ln>
-          </p:spPr>
-          <p:style>
-            <a:lnRef idx="2">
-              <a:schemeClr val="accent6"/>
-            </a:lnRef>
-            <a:fillRef idx="1">
-              <a:schemeClr val="lt1"/>
-            </a:fillRef>
-            <a:effectRef idx="0">
-              <a:schemeClr val="accent6"/>
-            </a:effectRef>
-            <a:fontRef idx="minor">
-              <a:schemeClr val="dk1"/>
-            </a:fontRef>
-          </p:style>
-          <p:txBody>
-            <a:bodyPr rtlCol="0" anchor="t"/>
-            <a:lstStyle/>
-            <a:p>
-              <a:r>
-                <a:rPr lang="en-US" altLang="ja-JP" sz="1400" dirty="0" smtClean="0"/>
-                <a:t>SQL</a:t>
-              </a:r>
-              <a:endParaRPr lang="ja-JP" altLang="en-US" sz="1400" dirty="0"/>
-            </a:p>
-          </p:txBody>
-        </p:sp>
-        <p:cxnSp>
-          <p:nvCxnSpPr>
-            <p:cNvPr id="13" name="直線矢印コネクタ 12"/>
-            <p:cNvCxnSpPr/>
-            <p:nvPr/>
-          </p:nvCxnSpPr>
-          <p:spPr>
-            <a:xfrm>
-              <a:off x="1418989" y="2420888"/>
-              <a:ext cx="1006913" cy="0"/>
-            </a:xfrm>
-            <a:prstGeom prst="straightConnector1">
-              <a:avLst/>
-            </a:prstGeom>
-            <a:ln w="38100">
-              <a:solidFill>
-                <a:srgbClr val="FF0000"/>
-              </a:solidFill>
-              <a:tailEnd type="arrow"/>
-            </a:ln>
-          </p:spPr>
-          <p:style>
-            <a:lnRef idx="1">
-              <a:schemeClr val="accent1"/>
-            </a:lnRef>
-            <a:fillRef idx="0">
-              <a:schemeClr val="accent1"/>
-            </a:fillRef>
-            <a:effectRef idx="0">
-              <a:schemeClr val="accent1"/>
-            </a:effectRef>
-            <a:fontRef idx="minor">
-              <a:schemeClr val="tx1"/>
-            </a:fontRef>
-          </p:style>
-        </p:cxnSp>
-        <p:cxnSp>
-          <p:nvCxnSpPr>
-            <p:cNvPr id="16" name="直線矢印コネクタ 15"/>
-            <p:cNvCxnSpPr>
-              <a:endCxn id="38" idx="1"/>
-            </p:cNvCxnSpPr>
-            <p:nvPr/>
-          </p:nvCxnSpPr>
-          <p:spPr>
-            <a:xfrm>
-              <a:off x="1418989" y="2708920"/>
-              <a:ext cx="996226" cy="1623363"/>
-            </a:xfrm>
-            <a:prstGeom prst="straightConnector1">
-              <a:avLst/>
-            </a:prstGeom>
-            <a:ln w="38100">
-              <a:solidFill>
-                <a:srgbClr val="FF0000"/>
-              </a:solidFill>
-              <a:tailEnd type="arrow"/>
-            </a:ln>
-          </p:spPr>
-          <p:style>
-            <a:lnRef idx="1">
-              <a:schemeClr val="accent1"/>
-            </a:lnRef>
-            <a:fillRef idx="0">
-              <a:schemeClr val="accent1"/>
-            </a:fillRef>
-            <a:effectRef idx="0">
-              <a:schemeClr val="accent1"/>
-            </a:effectRef>
-            <a:fontRef idx="minor">
-              <a:schemeClr val="tx1"/>
-            </a:fontRef>
-          </p:style>
-        </p:cxnSp>
-        <p:cxnSp>
-          <p:nvCxnSpPr>
-            <p:cNvPr id="18" name="直線矢印コネクタ 17"/>
-            <p:cNvCxnSpPr>
-              <a:endCxn id="37" idx="1"/>
-            </p:cNvCxnSpPr>
-            <p:nvPr/>
-          </p:nvCxnSpPr>
-          <p:spPr>
-            <a:xfrm>
-              <a:off x="1500641" y="5241444"/>
-              <a:ext cx="914574" cy="5229"/>
-            </a:xfrm>
-            <a:prstGeom prst="straightConnector1">
-              <a:avLst/>
-            </a:prstGeom>
-            <a:ln w="38100">
-              <a:solidFill>
-                <a:srgbClr val="FF0000"/>
-              </a:solidFill>
-              <a:tailEnd type="arrow"/>
-            </a:ln>
-          </p:spPr>
-          <p:style>
-            <a:lnRef idx="1">
-              <a:schemeClr val="accent1"/>
-            </a:lnRef>
-            <a:fillRef idx="0">
-              <a:schemeClr val="accent1"/>
-            </a:fillRef>
-            <a:effectRef idx="0">
-              <a:schemeClr val="accent1"/>
-            </a:effectRef>
-            <a:fontRef idx="minor">
-              <a:schemeClr val="tx1"/>
-            </a:fontRef>
-          </p:style>
-        </p:cxnSp>
-        <p:sp>
-          <p:nvSpPr>
-            <p:cNvPr id="23" name="テキスト ボックス 22"/>
-            <p:cNvSpPr txBox="1"/>
-            <p:nvPr/>
-          </p:nvSpPr>
-          <p:spPr>
-            <a:xfrm>
-              <a:off x="277132" y="115528"/>
-              <a:ext cx="3898824" cy="646331"/>
-            </a:xfrm>
-            <a:prstGeom prst="rect">
-              <a:avLst/>
-            </a:prstGeom>
-            <a:noFill/>
-          </p:spPr>
-          <p:txBody>
-            <a:bodyPr wrap="none" rtlCol="0">
-              <a:spAutoFit/>
-            </a:bodyPr>
-            <a:lstStyle/>
-            <a:p>
-              <a:r>
-                <a:rPr kumimoji="1" lang="ja-JP" altLang="en-US" b="1" dirty="0" smtClean="0"/>
-                <a:t>従来</a:t>
-              </a:r>
-              <a:r>
-                <a:rPr kumimoji="1" lang="en-US" altLang="ja-JP" b="1" dirty="0" smtClean="0"/>
-                <a:t>(ETL/ETL</a:t>
-              </a:r>
-              <a:r>
-                <a:rPr kumimoji="1" lang="ja-JP" altLang="en-US" b="1" dirty="0" smtClean="0"/>
-                <a:t>デザイナーを使用しない</a:t>
-              </a:r>
-              <a:r>
-                <a:rPr kumimoji="1" lang="en-US" altLang="ja-JP" b="1" dirty="0" smtClean="0"/>
-                <a:t>)</a:t>
-              </a:r>
-            </a:p>
-            <a:p>
-              <a:r>
-                <a:rPr kumimoji="1" lang="ja-JP" altLang="en-US" b="1" dirty="0" smtClean="0"/>
-                <a:t>のバッチ開発</a:t>
-              </a:r>
-              <a:endParaRPr kumimoji="1" lang="ja-JP" altLang="en-US" b="1" dirty="0"/>
-            </a:p>
-          </p:txBody>
-        </p:sp>
-        <p:pic>
-          <p:nvPicPr>
-            <p:cNvPr id="27" name="図 26"/>
-            <p:cNvPicPr>
-              <a:picLocks noChangeAspect="1"/>
-            </p:cNvPicPr>
-            <p:nvPr/>
-          </p:nvPicPr>
-          <p:blipFill>
-            <a:blip r:embed="rId2" cstate="print">
-              <a:extLst>
-                <a:ext uri="{28A0092B-C50C-407E-A947-70E740481C1C}">
-                  <a14:useLocalDpi xmlns:a14="http://schemas.microsoft.com/office/drawing/2010/main" val="0"/>
-                </a:ext>
-              </a:extLst>
-            </a:blip>
-            <a:stretch>
-              <a:fillRect/>
-            </a:stretch>
-          </p:blipFill>
-          <p:spPr>
-            <a:xfrm>
-              <a:off x="4649782" y="639777"/>
-              <a:ext cx="1342318" cy="1349063"/>
-            </a:xfrm>
-            <a:prstGeom prst="rect">
-              <a:avLst/>
-            </a:prstGeom>
-          </p:spPr>
-        </p:pic>
-        <p:sp>
-          <p:nvSpPr>
-            <p:cNvPr id="28" name="正方形/長方形 27"/>
-            <p:cNvSpPr/>
-            <p:nvPr/>
-          </p:nvSpPr>
-          <p:spPr>
-            <a:xfrm>
-              <a:off x="4665809" y="4851688"/>
-              <a:ext cx="1342317" cy="809560"/>
-            </a:xfrm>
-            <a:prstGeom prst="rect">
-              <a:avLst/>
-            </a:prstGeom>
-            <a:ln>
-              <a:solidFill>
-                <a:schemeClr val="accent3"/>
-              </a:solidFill>
-            </a:ln>
-          </p:spPr>
-          <p:style>
-            <a:lnRef idx="2">
-              <a:schemeClr val="accent6"/>
-            </a:lnRef>
-            <a:fillRef idx="1">
-              <a:schemeClr val="lt1"/>
-            </a:fillRef>
-            <a:effectRef idx="0">
-              <a:schemeClr val="accent6"/>
-            </a:effectRef>
-            <a:fontRef idx="minor">
-              <a:schemeClr val="dk1"/>
-            </a:fontRef>
-          </p:style>
-          <p:txBody>
-            <a:bodyPr rtlCol="0" anchor="t"/>
-            <a:lstStyle/>
-            <a:p>
-              <a:r>
-                <a:rPr lang="en-US" altLang="ja-JP" sz="1400" dirty="0" smtClean="0"/>
-                <a:t>Bean</a:t>
-              </a:r>
-            </a:p>
-            <a:p>
-              <a:r>
-                <a:rPr lang="ja-JP" altLang="en-US" sz="1400" dirty="0"/>
-                <a:t>（</a:t>
-              </a:r>
-              <a:r>
-                <a:rPr lang="ja-JP" altLang="en-US" sz="1400" dirty="0" smtClean="0"/>
-                <a:t>データ</a:t>
-              </a:r>
-              <a:r>
-                <a:rPr lang="ja-JP" altLang="en-US" sz="1400" dirty="0"/>
-                <a:t>項目</a:t>
-              </a:r>
-              <a:r>
-                <a:rPr lang="ja-JP" altLang="en-US" sz="1400" dirty="0" smtClean="0"/>
-                <a:t>）</a:t>
-              </a:r>
-              <a:endParaRPr lang="en-US" altLang="ja-JP" sz="1400" dirty="0" smtClean="0"/>
-            </a:p>
-          </p:txBody>
-        </p:sp>
-        <p:sp>
-          <p:nvSpPr>
-            <p:cNvPr id="29" name="正方形/長方形 28"/>
-            <p:cNvSpPr/>
-            <p:nvPr/>
-          </p:nvSpPr>
-          <p:spPr>
-            <a:xfrm>
-              <a:off x="4665809" y="3933762"/>
-              <a:ext cx="1342317" cy="809560"/>
-            </a:xfrm>
-            <a:prstGeom prst="rect">
-              <a:avLst/>
-            </a:prstGeom>
-            <a:ln>
-              <a:solidFill>
-                <a:schemeClr val="accent3"/>
-              </a:solidFill>
-            </a:ln>
-          </p:spPr>
-          <p:style>
-            <a:lnRef idx="2">
-              <a:schemeClr val="accent6"/>
-            </a:lnRef>
-            <a:fillRef idx="1">
-              <a:schemeClr val="lt1"/>
-            </a:fillRef>
-            <a:effectRef idx="0">
-              <a:schemeClr val="accent6"/>
-            </a:effectRef>
-            <a:fontRef idx="minor">
-              <a:schemeClr val="dk1"/>
-            </a:fontRef>
-          </p:style>
-          <p:txBody>
-            <a:bodyPr rtlCol="0" anchor="t"/>
-            <a:lstStyle/>
-            <a:p>
-              <a:r>
-                <a:rPr lang="en-US" altLang="ja-JP" sz="1400" dirty="0" smtClean="0"/>
-                <a:t>SQL</a:t>
-              </a:r>
-            </a:p>
-            <a:p>
-              <a:r>
-                <a:rPr lang="ja-JP" altLang="en-US" sz="1400" dirty="0"/>
-                <a:t>（変換仕様</a:t>
-              </a:r>
-              <a:r>
-                <a:rPr lang="ja-JP" altLang="en-US" sz="1400" dirty="0" smtClean="0"/>
-                <a:t>）</a:t>
-              </a:r>
-              <a:endParaRPr lang="en-US" altLang="ja-JP" sz="1400" dirty="0" smtClean="0"/>
-            </a:p>
-          </p:txBody>
-        </p:sp>
-        <p:pic>
-          <p:nvPicPr>
-            <p:cNvPr id="30" name="Picture 3"/>
+            <p:cNvPr id="2050" name="Picture 2"/>
             <p:cNvPicPr>
               <a:picLocks noChangeAspect="1" noChangeArrowheads="1"/>
             </p:cNvPicPr>
             <p:nvPr/>
           </p:nvPicPr>
           <p:blipFill>
-            <a:blip r:embed="rId3" cstate="print">
+            <a:blip r:embed="rId2">
               <a:extLst>
                 <a:ext uri="{28A0092B-C50C-407E-A947-70E740481C1C}">
                   <a14:useLocalDpi xmlns:a14="http://schemas.microsoft.com/office/drawing/2010/main" val="0"/>
@@ -4534,8 +3807,8 @@
           </p:blipFill>
           <p:spPr bwMode="auto">
             <a:xfrm>
-              <a:off x="6444208" y="2151383"/>
-              <a:ext cx="2032041" cy="1533079"/>
+              <a:off x="828675" y="604838"/>
+              <a:ext cx="7486650" cy="5648325"/>
             </a:xfrm>
             <a:prstGeom prst="rect">
               <a:avLst/>
@@ -4567,21 +3840,426 @@
         </p:pic>
         <p:sp>
           <p:nvSpPr>
-            <p:cNvPr id="31" name="正方形/長方形 30"/>
+            <p:cNvPr id="3" name="正方形/長方形 2"/>
             <p:cNvSpPr/>
             <p:nvPr/>
           </p:nvSpPr>
           <p:spPr>
             <a:xfrm>
-              <a:off x="4665808" y="2097912"/>
-              <a:ext cx="1342318" cy="809560"/>
+              <a:off x="5916140" y="3128281"/>
+              <a:ext cx="2304256" cy="474554"/>
             </a:xfrm>
             <a:prstGeom prst="rect">
               <a:avLst/>
             </a:prstGeom>
+            <a:noFill/>
             <a:ln>
               <a:solidFill>
-                <a:schemeClr val="accent1"/>
+                <a:srgbClr val="FF0000"/>
+              </a:solidFill>
+            </a:ln>
+          </p:spPr>
+          <p:style>
+            <a:lnRef idx="2">
+              <a:schemeClr val="accent1">
+                <a:shade val="50000"/>
+              </a:schemeClr>
+            </a:lnRef>
+            <a:fillRef idx="1">
+              <a:schemeClr val="accent1"/>
+            </a:fillRef>
+            <a:effectRef idx="0">
+              <a:schemeClr val="accent1"/>
+            </a:effectRef>
+            <a:fontRef idx="minor">
+              <a:schemeClr val="lt1"/>
+            </a:fontRef>
+          </p:style>
+          <p:txBody>
+            <a:bodyPr rtlCol="0" anchor="ctr"/>
+            <a:lstStyle/>
+            <a:p>
+              <a:pPr algn="ctr"/>
+              <a:endParaRPr kumimoji="1" lang="ja-JP" altLang="en-US"/>
+            </a:p>
+          </p:txBody>
+        </p:sp>
+        <p:sp>
+          <p:nvSpPr>
+            <p:cNvPr id="4" name="正方形/長方形 3"/>
+            <p:cNvSpPr/>
+            <p:nvPr/>
+          </p:nvSpPr>
+          <p:spPr>
+            <a:xfrm>
+              <a:off x="5916140" y="5229200"/>
+              <a:ext cx="2304256" cy="474554"/>
+            </a:xfrm>
+            <a:prstGeom prst="rect">
+              <a:avLst/>
+            </a:prstGeom>
+            <a:noFill/>
+            <a:ln>
+              <a:solidFill>
+                <a:srgbClr val="FF0000"/>
+              </a:solidFill>
+            </a:ln>
+          </p:spPr>
+          <p:style>
+            <a:lnRef idx="2">
+              <a:schemeClr val="accent1">
+                <a:shade val="50000"/>
+              </a:schemeClr>
+            </a:lnRef>
+            <a:fillRef idx="1">
+              <a:schemeClr val="accent1"/>
+            </a:fillRef>
+            <a:effectRef idx="0">
+              <a:schemeClr val="accent1"/>
+            </a:effectRef>
+            <a:fontRef idx="minor">
+              <a:schemeClr val="lt1"/>
+            </a:fontRef>
+          </p:style>
+          <p:txBody>
+            <a:bodyPr rtlCol="0" anchor="ctr"/>
+            <a:lstStyle/>
+            <a:p>
+              <a:pPr algn="ctr"/>
+              <a:endParaRPr kumimoji="1" lang="ja-JP" altLang="en-US"/>
+            </a:p>
+          </p:txBody>
+        </p:sp>
+        <p:sp>
+          <p:nvSpPr>
+            <p:cNvPr id="5" name="正方形/長方形 4"/>
+            <p:cNvSpPr/>
+            <p:nvPr/>
+          </p:nvSpPr>
+          <p:spPr>
+            <a:xfrm>
+              <a:off x="5916140" y="3598060"/>
+              <a:ext cx="2304256" cy="474554"/>
+            </a:xfrm>
+            <a:prstGeom prst="rect">
+              <a:avLst/>
+            </a:prstGeom>
+            <a:noFill/>
+            <a:ln>
+              <a:solidFill>
+                <a:srgbClr val="FF0000"/>
+              </a:solidFill>
+            </a:ln>
+          </p:spPr>
+          <p:style>
+            <a:lnRef idx="2">
+              <a:schemeClr val="accent1">
+                <a:shade val="50000"/>
+              </a:schemeClr>
+            </a:lnRef>
+            <a:fillRef idx="1">
+              <a:schemeClr val="accent1"/>
+            </a:fillRef>
+            <a:effectRef idx="0">
+              <a:schemeClr val="accent1"/>
+            </a:effectRef>
+            <a:fontRef idx="minor">
+              <a:schemeClr val="lt1"/>
+            </a:fontRef>
+          </p:style>
+          <p:txBody>
+            <a:bodyPr rtlCol="0" anchor="ctr"/>
+            <a:lstStyle/>
+            <a:p>
+              <a:pPr algn="ctr"/>
+              <a:endParaRPr kumimoji="1" lang="ja-JP" altLang="en-US"/>
+            </a:p>
+          </p:txBody>
+        </p:sp>
+        <p:sp>
+          <p:nvSpPr>
+            <p:cNvPr id="6" name="正方形/長方形 5"/>
+            <p:cNvSpPr/>
+            <p:nvPr/>
+          </p:nvSpPr>
+          <p:spPr>
+            <a:xfrm>
+              <a:off x="7068268" y="1125768"/>
+              <a:ext cx="965089" cy="360040"/>
+            </a:xfrm>
+            <a:prstGeom prst="rect">
+              <a:avLst/>
+            </a:prstGeom>
+            <a:noFill/>
+            <a:ln>
+              <a:solidFill>
+                <a:srgbClr val="FF0000"/>
+              </a:solidFill>
+            </a:ln>
+          </p:spPr>
+          <p:style>
+            <a:lnRef idx="2">
+              <a:schemeClr val="accent1">
+                <a:shade val="50000"/>
+              </a:schemeClr>
+            </a:lnRef>
+            <a:fillRef idx="1">
+              <a:schemeClr val="accent1"/>
+            </a:fillRef>
+            <a:effectRef idx="0">
+              <a:schemeClr val="accent1"/>
+            </a:effectRef>
+            <a:fontRef idx="minor">
+              <a:schemeClr val="lt1"/>
+            </a:fontRef>
+          </p:style>
+          <p:txBody>
+            <a:bodyPr rtlCol="0" anchor="ctr"/>
+            <a:lstStyle/>
+            <a:p>
+              <a:pPr algn="ctr"/>
+              <a:endParaRPr kumimoji="1" lang="ja-JP" altLang="en-US"/>
+            </a:p>
+          </p:txBody>
+        </p:sp>
+        <p:sp>
+          <p:nvSpPr>
+            <p:cNvPr id="7" name="正方形/長方形 6"/>
+            <p:cNvSpPr/>
+            <p:nvPr/>
+          </p:nvSpPr>
+          <p:spPr>
+            <a:xfrm>
+              <a:off x="838422" y="3128280"/>
+              <a:ext cx="4309641" cy="1236823"/>
+            </a:xfrm>
+            <a:prstGeom prst="rect">
+              <a:avLst/>
+            </a:prstGeom>
+            <a:noFill/>
+            <a:ln>
+              <a:solidFill>
+                <a:srgbClr val="FF0000"/>
+              </a:solidFill>
+            </a:ln>
+          </p:spPr>
+          <p:style>
+            <a:lnRef idx="2">
+              <a:schemeClr val="accent1">
+                <a:shade val="50000"/>
+              </a:schemeClr>
+            </a:lnRef>
+            <a:fillRef idx="1">
+              <a:schemeClr val="accent1"/>
+            </a:fillRef>
+            <a:effectRef idx="0">
+              <a:schemeClr val="accent1"/>
+            </a:effectRef>
+            <a:fontRef idx="minor">
+              <a:schemeClr val="lt1"/>
+            </a:fontRef>
+          </p:style>
+          <p:txBody>
+            <a:bodyPr rtlCol="0" anchor="ctr"/>
+            <a:lstStyle/>
+            <a:p>
+              <a:pPr algn="ctr"/>
+              <a:endParaRPr kumimoji="1" lang="ja-JP" altLang="en-US"/>
+            </a:p>
+          </p:txBody>
+        </p:sp>
+        <p:pic>
+          <p:nvPicPr>
+            <p:cNvPr id="8194" name="Picture 2"/>
+            <p:cNvPicPr>
+              <a:picLocks noChangeAspect="1" noChangeArrowheads="1"/>
+            </p:cNvPicPr>
+            <p:nvPr/>
+          </p:nvPicPr>
+          <p:blipFill>
+            <a:blip r:embed="rId3">
+              <a:extLst>
+                <a:ext uri="{28A0092B-C50C-407E-A947-70E740481C1C}">
+                  <a14:useLocalDpi xmlns:a14="http://schemas.microsoft.com/office/drawing/2010/main" val="0"/>
+                </a:ext>
+              </a:extLst>
+            </a:blip>
+            <a:srcRect/>
+            <a:stretch>
+              <a:fillRect/>
+            </a:stretch>
+          </p:blipFill>
+          <p:spPr bwMode="auto">
+            <a:xfrm>
+              <a:off x="838422" y="635730"/>
+              <a:ext cx="2990850" cy="247650"/>
+            </a:xfrm>
+            <a:prstGeom prst="rect">
+              <a:avLst/>
+            </a:prstGeom>
+            <a:noFill/>
+            <a:ln>
+              <a:noFill/>
+            </a:ln>
+            <a:extLst>
+              <a:ext uri="{909E8E84-426E-40DD-AFC4-6F175D3DCCD1}">
+                <a14:hiddenFill xmlns:a14="http://schemas.microsoft.com/office/drawing/2010/main">
+                  <a:solidFill>
+                    <a:schemeClr val="accent1"/>
+                  </a:solidFill>
+                </a14:hiddenFill>
+              </a:ext>
+              <a:ext uri="{91240B29-F687-4F45-9708-019B960494DF}">
+                <a14:hiddenLine xmlns:a14="http://schemas.microsoft.com/office/drawing/2010/main" w="9525">
+                  <a:solidFill>
+                    <a:schemeClr val="tx1"/>
+                  </a:solidFill>
+                  <a:miter lim="800000"/>
+                  <a:headEnd/>
+                  <a:tailEnd/>
+                </a14:hiddenLine>
+              </a:ext>
+            </a:extLst>
+          </p:spPr>
+        </p:pic>
+      </p:grpSp>
+    </p:spTree>
+    <p:extLst>
+      <p:ext uri="{BB962C8B-B14F-4D97-AF65-F5344CB8AC3E}">
+        <p14:creationId xmlns:p14="http://schemas.microsoft.com/office/powerpoint/2010/main" val="4130806423"/>
+      </p:ext>
+    </p:extLst>
+  </p:cSld>
+  <p:clrMapOvr>
+    <a:masterClrMapping/>
+  </p:clrMapOvr>
+</p:sld>
+</file>
+
+<file path=ppt/slides/slide11.xml><?xml version="1.0" encoding="utf-8"?>
+<p:sld xmlns:a="http://schemas.openxmlformats.org/drawingml/2006/main" xmlns:r="http://schemas.openxmlformats.org/officeDocument/2006/relationships" xmlns:p="http://schemas.openxmlformats.org/presentationml/2006/main">
+  <p:cSld>
+    <p:spTree>
+      <p:nvGrpSpPr>
+        <p:cNvPr id="1" name=""/>
+        <p:cNvGrpSpPr/>
+        <p:nvPr/>
+      </p:nvGrpSpPr>
+      <p:grpSpPr>
+        <a:xfrm>
+          <a:off x="0" y="0"/>
+          <a:ext cx="0" cy="0"/>
+          <a:chOff x="0" y="0"/>
+          <a:chExt cx="0" cy="0"/>
+        </a:xfrm>
+      </p:grpSpPr>
+      <p:grpSp>
+        <p:nvGrpSpPr>
+          <p:cNvPr id="6" name="グループ化 5"/>
+          <p:cNvGrpSpPr/>
+          <p:nvPr/>
+        </p:nvGrpSpPr>
+        <p:grpSpPr>
+          <a:xfrm>
+            <a:off x="266861" y="107340"/>
+            <a:ext cx="8689142" cy="6562020"/>
+            <a:chOff x="266861" y="107340"/>
+            <a:chExt cx="8689142" cy="6562020"/>
+          </a:xfrm>
+        </p:grpSpPr>
+        <p:sp>
+          <p:nvSpPr>
+            <p:cNvPr id="69" name="正方形/長方形 68"/>
+            <p:cNvSpPr/>
+            <p:nvPr/>
+          </p:nvSpPr>
+          <p:spPr>
+            <a:xfrm>
+              <a:off x="313936" y="6021288"/>
+              <a:ext cx="8469159" cy="648072"/>
+            </a:xfrm>
+            <a:prstGeom prst="rect">
+              <a:avLst/>
+            </a:prstGeom>
+            <a:ln>
+              <a:solidFill>
+                <a:schemeClr val="tx1"/>
+              </a:solidFill>
+            </a:ln>
+          </p:spPr>
+          <p:style>
+            <a:lnRef idx="2">
+              <a:schemeClr val="accent6"/>
+            </a:lnRef>
+            <a:fillRef idx="1">
+              <a:schemeClr val="lt1"/>
+            </a:fillRef>
+            <a:effectRef idx="0">
+              <a:schemeClr val="accent6"/>
+            </a:effectRef>
+            <a:fontRef idx="minor">
+              <a:schemeClr val="dk1"/>
+            </a:fontRef>
+          </p:style>
+          <p:txBody>
+            <a:bodyPr rtlCol="0" anchor="ctr"/>
+            <a:lstStyle/>
+            <a:p>
+              <a:r>
+                <a:rPr kumimoji="1" lang="ja-JP" altLang="en-US" dirty="0" smtClean="0"/>
+                <a:t>凡例</a:t>
+              </a:r>
+              <a:endParaRPr kumimoji="1" lang="ja-JP" altLang="en-US" dirty="0"/>
+            </a:p>
+          </p:txBody>
+        </p:sp>
+        <p:pic>
+          <p:nvPicPr>
+            <p:cNvPr id="2" name="図 1"/>
+            <p:cNvPicPr>
+              <a:picLocks noChangeAspect="1"/>
+            </p:cNvPicPr>
+            <p:nvPr/>
+          </p:nvPicPr>
+          <p:blipFill>
+            <a:blip r:embed="rId2" cstate="print">
+              <a:extLst>
+                <a:ext uri="{28A0092B-C50C-407E-A947-70E740481C1C}">
+                  <a14:useLocalDpi xmlns:a14="http://schemas.microsoft.com/office/drawing/2010/main" val="0"/>
+                </a:ext>
+              </a:extLst>
+            </a:blip>
+            <a:stretch>
+              <a:fillRect/>
+            </a:stretch>
+          </p:blipFill>
+          <p:spPr>
+            <a:xfrm>
+              <a:off x="266861" y="639777"/>
+              <a:ext cx="1342318" cy="1349063"/>
+            </a:xfrm>
+            <a:prstGeom prst="rect">
+              <a:avLst/>
+            </a:prstGeom>
+          </p:spPr>
+        </p:pic>
+        <p:sp>
+          <p:nvSpPr>
+            <p:cNvPr id="3" name="正方形/長方形 2"/>
+            <p:cNvSpPr/>
+            <p:nvPr/>
+          </p:nvSpPr>
+          <p:spPr>
+            <a:xfrm>
+              <a:off x="266861" y="2097912"/>
+              <a:ext cx="1258767" cy="809560"/>
+            </a:xfrm>
+            <a:prstGeom prst="rect">
+              <a:avLst/>
+            </a:prstGeom>
+            <a:ln>
+              <a:solidFill>
+                <a:schemeClr val="accent3"/>
               </a:solidFill>
             </a:ln>
           </p:spPr>
@@ -4604,15 +4282,15 @@
             <a:lstStyle/>
             <a:p>
               <a:r>
-                <a:rPr lang="ja-JP" altLang="en-US" sz="1400" dirty="0"/>
-                <a:t>テンプレート</a:t>
+                <a:rPr lang="ja-JP" altLang="en-US" sz="1400" dirty="0" smtClean="0"/>
+                <a:t>設計書</a:t>
               </a:r>
               <a:endParaRPr lang="en-US" altLang="ja-JP" sz="1400" dirty="0" smtClean="0"/>
             </a:p>
             <a:p>
               <a:r>
                 <a:rPr lang="ja-JP" altLang="en-US" sz="1400" dirty="0" smtClean="0"/>
-                <a:t>（</a:t>
+                <a:t>・</a:t>
               </a:r>
               <a:r>
                 <a:rPr lang="ja-JP" altLang="en-US" sz="1400" dirty="0"/>
@@ -4620,228 +4298,39 @@
               </a:r>
               <a:r>
                 <a:rPr lang="ja-JP" altLang="en-US" sz="1400" dirty="0" smtClean="0"/>
-                <a:t>フロー）</a:t>
+                <a:t>フロー</a:t>
+              </a:r>
+              <a:endParaRPr lang="en-US" altLang="ja-JP" sz="1400" dirty="0"/>
+            </a:p>
+            <a:p>
+              <a:r>
+                <a:rPr lang="ja-JP" altLang="en-US" sz="1400" dirty="0" smtClean="0"/>
+                <a:t>・</a:t>
+              </a:r>
+              <a:r>
+                <a:rPr lang="ja-JP" altLang="en-US" sz="1400" dirty="0"/>
+                <a:t>変換</a:t>
+              </a:r>
+              <a:r>
+                <a:rPr lang="ja-JP" altLang="en-US" sz="1400" dirty="0" smtClean="0"/>
+                <a:t>仕様</a:t>
               </a:r>
               <a:endParaRPr lang="en-US" altLang="ja-JP" sz="1400" dirty="0" smtClean="0"/>
             </a:p>
             <a:p>
-              <a:endParaRPr lang="en-US" altLang="ja-JP" sz="1400" dirty="0" smtClean="0"/>
-            </a:p>
-          </p:txBody>
-        </p:sp>
-        <p:cxnSp>
-          <p:nvCxnSpPr>
-            <p:cNvPr id="32" name="直線矢印コネクタ 31"/>
-            <p:cNvCxnSpPr>
-              <a:stCxn id="31" idx="3"/>
-            </p:cNvCxnSpPr>
-            <p:nvPr/>
-          </p:nvCxnSpPr>
-          <p:spPr>
-            <a:xfrm>
-              <a:off x="6008126" y="2502692"/>
-              <a:ext cx="868130" cy="195777"/>
-            </a:xfrm>
-            <a:prstGeom prst="straightConnector1">
-              <a:avLst/>
-            </a:prstGeom>
-            <a:ln w="38100">
-              <a:solidFill>
-                <a:srgbClr val="FF0000"/>
-              </a:solidFill>
-              <a:tailEnd type="arrow"/>
-            </a:ln>
-          </p:spPr>
-          <p:style>
-            <a:lnRef idx="1">
-              <a:schemeClr val="accent1"/>
-            </a:lnRef>
-            <a:fillRef idx="0">
-              <a:schemeClr val="accent1"/>
-            </a:fillRef>
-            <a:effectRef idx="0">
-              <a:schemeClr val="accent1"/>
-            </a:effectRef>
-            <a:fontRef idx="minor">
-              <a:schemeClr val="tx1"/>
-            </a:fontRef>
-          </p:style>
-        </p:cxnSp>
-        <p:cxnSp>
-          <p:nvCxnSpPr>
-            <p:cNvPr id="35" name="直線矢印コネクタ 34"/>
-            <p:cNvCxnSpPr>
-              <a:stCxn id="50" idx="3"/>
-            </p:cNvCxnSpPr>
-            <p:nvPr/>
-          </p:nvCxnSpPr>
-          <p:spPr>
-            <a:xfrm flipV="1">
-              <a:off x="6006885" y="2997914"/>
-              <a:ext cx="1020624" cy="422703"/>
-            </a:xfrm>
-            <a:prstGeom prst="straightConnector1">
-              <a:avLst/>
-            </a:prstGeom>
-            <a:ln w="38100">
-              <a:solidFill>
-                <a:srgbClr val="FF0000"/>
-              </a:solidFill>
-              <a:tailEnd type="arrow"/>
-            </a:ln>
-          </p:spPr>
-          <p:style>
-            <a:lnRef idx="1">
-              <a:schemeClr val="accent1"/>
-            </a:lnRef>
-            <a:fillRef idx="0">
-              <a:schemeClr val="accent1"/>
-            </a:fillRef>
-            <a:effectRef idx="0">
-              <a:schemeClr val="accent1"/>
-            </a:effectRef>
-            <a:fontRef idx="minor">
-              <a:schemeClr val="tx1"/>
-            </a:fontRef>
-          </p:style>
-        </p:cxnSp>
-        <p:cxnSp>
-          <p:nvCxnSpPr>
-            <p:cNvPr id="39" name="直線矢印コネクタ 38"/>
-            <p:cNvCxnSpPr>
-              <a:stCxn id="29" idx="3"/>
-            </p:cNvCxnSpPr>
-            <p:nvPr/>
-          </p:nvCxnSpPr>
-          <p:spPr>
-            <a:xfrm flipV="1">
-              <a:off x="6008126" y="2780928"/>
-              <a:ext cx="2020258" cy="1557614"/>
-            </a:xfrm>
-            <a:prstGeom prst="straightConnector1">
-              <a:avLst/>
-            </a:prstGeom>
-            <a:ln w="38100">
-              <a:solidFill>
-                <a:srgbClr val="FF0000"/>
-              </a:solidFill>
-              <a:tailEnd type="arrow"/>
-            </a:ln>
-          </p:spPr>
-          <p:style>
-            <a:lnRef idx="1">
-              <a:schemeClr val="accent1"/>
-            </a:lnRef>
-            <a:fillRef idx="0">
-              <a:schemeClr val="accent1"/>
-            </a:fillRef>
-            <a:effectRef idx="0">
-              <a:schemeClr val="accent1"/>
-            </a:effectRef>
-            <a:fontRef idx="minor">
-              <a:schemeClr val="tx1"/>
-            </a:fontRef>
-          </p:style>
-        </p:cxnSp>
-        <p:sp>
-          <p:nvSpPr>
-            <p:cNvPr id="40" name="テキスト ボックス 39"/>
-            <p:cNvSpPr txBox="1"/>
-            <p:nvPr/>
-          </p:nvSpPr>
-          <p:spPr>
-            <a:xfrm>
-              <a:off x="5436096" y="803500"/>
-              <a:ext cx="1223412" cy="369332"/>
-            </a:xfrm>
-            <a:prstGeom prst="rect">
-              <a:avLst/>
-            </a:prstGeom>
-            <a:noFill/>
-          </p:spPr>
-          <p:txBody>
-            <a:bodyPr wrap="none" rtlCol="0">
-              <a:spAutoFit/>
-            </a:bodyPr>
-            <a:lstStyle/>
-            <a:p>
-              <a:r>
-                <a:rPr kumimoji="1" lang="ja-JP" altLang="en-US" dirty="0" smtClean="0"/>
-                <a:t>設計・実装</a:t>
-              </a:r>
-              <a:endParaRPr kumimoji="1" lang="ja-JP" altLang="en-US" dirty="0"/>
+              <a:endParaRPr lang="ja-JP" altLang="en-US" sz="1400" dirty="0"/>
             </a:p>
           </p:txBody>
         </p:sp>
         <p:sp>
           <p:nvSpPr>
-            <p:cNvPr id="41" name="テキスト ボックス 40"/>
-            <p:cNvSpPr txBox="1"/>
+            <p:cNvPr id="5" name="正方形/長方形 4"/>
+            <p:cNvSpPr/>
             <p:nvPr/>
           </p:nvSpPr>
           <p:spPr>
             <a:xfrm>
-              <a:off x="5989617" y="2997914"/>
-              <a:ext cx="492443" cy="276999"/>
-            </a:xfrm>
-            <a:prstGeom prst="rect">
-              <a:avLst/>
-            </a:prstGeom>
-            <a:noFill/>
-          </p:spPr>
-          <p:txBody>
-            <a:bodyPr wrap="none" rtlCol="0">
-              <a:spAutoFit/>
-            </a:bodyPr>
-            <a:lstStyle/>
-            <a:p>
-              <a:r>
-                <a:rPr lang="ja-JP" altLang="en-US" sz="1200" dirty="0"/>
-                <a:t>設定</a:t>
-              </a:r>
-              <a:endParaRPr kumimoji="1" lang="ja-JP" altLang="en-US" sz="1200" dirty="0"/>
-            </a:p>
-          </p:txBody>
-        </p:sp>
-        <p:sp>
-          <p:nvSpPr>
-            <p:cNvPr id="42" name="テキスト ボックス 41"/>
-            <p:cNvSpPr txBox="1"/>
-            <p:nvPr/>
-          </p:nvSpPr>
-          <p:spPr>
-            <a:xfrm>
-              <a:off x="6029427" y="3800073"/>
-              <a:ext cx="492443" cy="276999"/>
-            </a:xfrm>
-            <a:prstGeom prst="rect">
-              <a:avLst/>
-            </a:prstGeom>
-            <a:noFill/>
-          </p:spPr>
-          <p:txBody>
-            <a:bodyPr wrap="none" rtlCol="0">
-              <a:spAutoFit/>
-            </a:bodyPr>
-            <a:lstStyle/>
-            <a:p>
-              <a:r>
-                <a:rPr kumimoji="1" lang="ja-JP" altLang="en-US" sz="1200" dirty="0" smtClean="0"/>
-                <a:t>設定</a:t>
-              </a:r>
-              <a:endParaRPr kumimoji="1" lang="ja-JP" altLang="en-US" sz="1200" dirty="0"/>
-            </a:p>
-          </p:txBody>
-        </p:sp>
-        <p:sp>
-          <p:nvSpPr>
-            <p:cNvPr id="44" name="正方形/長方形 43"/>
-            <p:cNvSpPr/>
-            <p:nvPr/>
-          </p:nvSpPr>
-          <p:spPr>
-            <a:xfrm>
-              <a:off x="7524328" y="4581128"/>
+              <a:off x="313936" y="4841893"/>
               <a:ext cx="1258767" cy="809560"/>
             </a:xfrm>
             <a:prstGeom prst="rect">
@@ -4849,7 +4338,7 @@
             </a:prstGeom>
             <a:ln>
               <a:solidFill>
-                <a:schemeClr val="accent1"/>
+                <a:schemeClr val="accent3"/>
               </a:solidFill>
             </a:ln>
           </p:spPr>
@@ -4871,59 +4360,37 @@
             <a:bodyPr rtlCol="0" anchor="t"/>
             <a:lstStyle/>
             <a:p>
-              <a:pPr algn="just"/>
+              <a:r>
+                <a:rPr lang="ja-JP" altLang="en-US" sz="1400" dirty="0" smtClean="0"/>
+                <a:t>設計書</a:t>
+              </a:r>
+              <a:endParaRPr lang="en-US" altLang="ja-JP" sz="1400" dirty="0" smtClean="0"/>
+            </a:p>
+            <a:p>
               <a:r>
                 <a:rPr lang="ja-JP" altLang="en-US" sz="1400" dirty="0"/>
-                <a:t>設定ファイル</a:t>
-              </a:r>
+                <a:t>・</a:t>
+              </a:r>
+              <a:r>
+                <a:rPr lang="ja-JP" altLang="en-US" sz="1400" dirty="0" smtClean="0"/>
+                <a:t>データ項目</a:t>
+              </a:r>
+              <a:endParaRPr lang="ja-JP" altLang="en-US" sz="1400" dirty="0"/>
+            </a:p>
+            <a:p>
+              <a:endParaRPr lang="en-US" altLang="ja-JP" dirty="0"/>
             </a:p>
           </p:txBody>
         </p:sp>
-        <p:cxnSp>
-          <p:nvCxnSpPr>
-            <p:cNvPr id="45" name="直線矢印コネクタ 44"/>
-            <p:cNvCxnSpPr/>
-            <p:nvPr/>
-          </p:nvCxnSpPr>
-          <p:spPr>
-            <a:xfrm>
-              <a:off x="8028384" y="3674011"/>
-              <a:ext cx="0" cy="907117"/>
-            </a:xfrm>
-            <a:prstGeom prst="straightConnector1">
-              <a:avLst/>
-            </a:prstGeom>
-            <a:ln w="38100">
-              <a:solidFill>
-                <a:srgbClr val="FF0000"/>
-              </a:solidFill>
-              <a:tailEnd type="arrow"/>
-            </a:ln>
-          </p:spPr>
-          <p:style>
-            <a:lnRef idx="1">
-              <a:schemeClr val="accent1"/>
-            </a:lnRef>
-            <a:fillRef idx="0">
-              <a:schemeClr val="accent1"/>
-            </a:fillRef>
-            <a:effectRef idx="0">
-              <a:schemeClr val="accent1"/>
-            </a:effectRef>
-            <a:fontRef idx="minor">
-              <a:schemeClr val="tx1"/>
-            </a:fontRef>
-          </p:style>
-        </p:cxnSp>
         <p:sp>
           <p:nvSpPr>
-            <p:cNvPr id="46" name="テキスト ボックス 45"/>
+            <p:cNvPr id="19" name="テキスト ボックス 18"/>
             <p:cNvSpPr txBox="1"/>
             <p:nvPr/>
           </p:nvSpPr>
           <p:spPr>
             <a:xfrm>
-              <a:off x="8153711" y="3892406"/>
+              <a:off x="943320" y="793085"/>
               <a:ext cx="646331" cy="369332"/>
             </a:xfrm>
             <a:prstGeom prst="rect">
@@ -4938,8 +4405,8 @@
             <a:lstStyle/>
             <a:p>
               <a:r>
-                <a:rPr lang="ja-JP" altLang="en-US" dirty="0"/>
-                <a:t>出力</a:t>
+                <a:rPr kumimoji="1" lang="ja-JP" altLang="en-US" dirty="0" smtClean="0"/>
+                <a:t>設計</a:t>
               </a:r>
               <a:endParaRPr kumimoji="1" lang="ja-JP" altLang="en-US" dirty="0"/>
             </a:p>
@@ -4947,14 +4414,14 @@
         </p:sp>
         <p:sp>
           <p:nvSpPr>
-            <p:cNvPr id="47" name="テキスト ボックス 46"/>
+            <p:cNvPr id="20" name="テキスト ボックス 19"/>
             <p:cNvSpPr txBox="1"/>
             <p:nvPr/>
           </p:nvSpPr>
           <p:spPr>
             <a:xfrm>
-              <a:off x="4562600" y="107340"/>
-              <a:ext cx="4152099" cy="369332"/>
+              <a:off x="3084352" y="793085"/>
+              <a:ext cx="646331" cy="369332"/>
             </a:xfrm>
             <a:prstGeom prst="rect">
               <a:avLst/>
@@ -4968,166 +4435,22 @@
             <a:lstStyle/>
             <a:p>
               <a:r>
-                <a:rPr kumimoji="1" lang="en-US" altLang="ja-JP" b="1" dirty="0" smtClean="0"/>
-                <a:t>ETL/ETL</a:t>
-              </a:r>
-              <a:r>
-                <a:rPr kumimoji="1" lang="ja-JP" altLang="en-US" b="1" dirty="0" smtClean="0"/>
-                <a:t>デザイナーを使用したバッチ開発</a:t>
-              </a:r>
-              <a:endParaRPr kumimoji="1" lang="ja-JP" altLang="en-US" b="1" dirty="0"/>
+                <a:rPr kumimoji="1" lang="ja-JP" altLang="en-US" dirty="0" smtClean="0"/>
+                <a:t>実装</a:t>
+              </a:r>
+              <a:endParaRPr kumimoji="1" lang="ja-JP" altLang="en-US" dirty="0"/>
             </a:p>
           </p:txBody>
         </p:sp>
         <p:sp>
           <p:nvSpPr>
-            <p:cNvPr id="49" name="テキスト ボックス 48"/>
-            <p:cNvSpPr txBox="1"/>
+            <p:cNvPr id="36" name="正方形/長方形 35"/>
+            <p:cNvSpPr/>
             <p:nvPr/>
           </p:nvSpPr>
           <p:spPr>
             <a:xfrm>
-              <a:off x="5951765" y="2236144"/>
-              <a:ext cx="492443" cy="276999"/>
-            </a:xfrm>
-            <a:prstGeom prst="rect">
-              <a:avLst/>
-            </a:prstGeom>
-            <a:noFill/>
-          </p:spPr>
-          <p:txBody>
-            <a:bodyPr wrap="none" rtlCol="0">
-              <a:spAutoFit/>
-            </a:bodyPr>
-            <a:lstStyle/>
-            <a:p>
-              <a:r>
-                <a:rPr lang="ja-JP" altLang="en-US" sz="1200" dirty="0"/>
-                <a:t>読込</a:t>
-              </a:r>
-              <a:endParaRPr kumimoji="1" lang="ja-JP" altLang="en-US" sz="1200" dirty="0"/>
-            </a:p>
-          </p:txBody>
-        </p:sp>
-        <p:cxnSp>
-          <p:nvCxnSpPr>
-            <p:cNvPr id="51" name="直線コネクタ 50"/>
-            <p:cNvCxnSpPr/>
-            <p:nvPr/>
-          </p:nvCxnSpPr>
-          <p:spPr>
-            <a:xfrm>
-              <a:off x="4139952" y="300194"/>
-              <a:ext cx="72008" cy="5217038"/>
-            </a:xfrm>
-            <a:prstGeom prst="line">
-              <a:avLst/>
-            </a:prstGeom>
-            <a:ln w="12700">
-              <a:solidFill>
-                <a:schemeClr val="tx1"/>
-              </a:solidFill>
-              <a:prstDash val="dash"/>
-            </a:ln>
-          </p:spPr>
-          <p:style>
-            <a:lnRef idx="1">
-              <a:schemeClr val="accent1"/>
-            </a:lnRef>
-            <a:fillRef idx="0">
-              <a:schemeClr val="accent1"/>
-            </a:fillRef>
-            <a:effectRef idx="0">
-              <a:schemeClr val="accent1"/>
-            </a:effectRef>
-            <a:fontRef idx="minor">
-              <a:schemeClr val="tx1"/>
-            </a:fontRef>
-          </p:style>
-        </p:cxnSp>
-        <p:sp>
-          <p:nvSpPr>
-            <p:cNvPr id="53" name="右矢印 52"/>
-            <p:cNvSpPr/>
-            <p:nvPr/>
-          </p:nvSpPr>
-          <p:spPr>
-            <a:xfrm>
-              <a:off x="3813027" y="1149015"/>
-              <a:ext cx="725855" cy="484632"/>
-            </a:xfrm>
-            <a:prstGeom prst="rightArrow">
-              <a:avLst/>
-            </a:prstGeom>
-          </p:spPr>
-          <p:style>
-            <a:lnRef idx="2">
-              <a:schemeClr val="accent1">
-                <a:shade val="50000"/>
-              </a:schemeClr>
-            </a:lnRef>
-            <a:fillRef idx="1">
-              <a:schemeClr val="accent1"/>
-            </a:fillRef>
-            <a:effectRef idx="0">
-              <a:schemeClr val="accent1"/>
-            </a:effectRef>
-            <a:fontRef idx="minor">
-              <a:schemeClr val="lt1"/>
-            </a:fontRef>
-          </p:style>
-          <p:txBody>
-            <a:bodyPr rtlCol="0" anchor="ctr"/>
-            <a:lstStyle/>
-            <a:p>
-              <a:pPr algn="ctr"/>
-              <a:endParaRPr kumimoji="1" lang="ja-JP" altLang="en-US"/>
-            </a:p>
-          </p:txBody>
-        </p:sp>
-        <p:sp>
-          <p:nvSpPr>
-            <p:cNvPr id="55" name="テキスト ボックス 54"/>
-            <p:cNvSpPr txBox="1"/>
-            <p:nvPr/>
-          </p:nvSpPr>
-          <p:spPr>
-            <a:xfrm>
-              <a:off x="7247127" y="1714882"/>
-              <a:ext cx="1708876" cy="369332"/>
-            </a:xfrm>
-            <a:prstGeom prst="rect">
-              <a:avLst/>
-            </a:prstGeom>
-            <a:noFill/>
-          </p:spPr>
-          <p:txBody>
-            <a:bodyPr wrap="square" rtlCol="0">
-              <a:spAutoFit/>
-            </a:bodyPr>
-            <a:lstStyle/>
-            <a:p>
-              <a:r>
-                <a:rPr lang="en-US" altLang="ja-JP" dirty="0" smtClean="0"/>
-                <a:t>ETL</a:t>
-              </a:r>
-              <a:r>
-                <a:rPr lang="ja-JP" altLang="en-US" dirty="0" smtClean="0"/>
-                <a:t>デザイナー</a:t>
-              </a:r>
-              <a:endParaRPr kumimoji="1" lang="ja-JP" altLang="en-US" dirty="0"/>
-            </a:p>
-          </p:txBody>
-        </p:sp>
-        <p:sp>
-          <p:nvSpPr>
-            <p:cNvPr id="43" name="正方形/長方形 42"/>
-            <p:cNvSpPr/>
-            <p:nvPr/>
-          </p:nvSpPr>
-          <p:spPr>
-            <a:xfrm>
-              <a:off x="2415215" y="3013113"/>
+              <a:off x="2415215" y="2098723"/>
               <a:ext cx="1258767" cy="809560"/>
             </a:xfrm>
             <a:prstGeom prst="rect">
@@ -5157,94 +4480,36 @@
             <a:bodyPr rtlCol="0" anchor="t"/>
             <a:lstStyle/>
             <a:p>
-              <a:r>
-                <a:rPr lang="en-US" altLang="ja-JP" sz="1400" dirty="0" smtClean="0"/>
-                <a:t>Java</a:t>
-              </a:r>
-            </a:p>
-            <a:p>
-              <a:r>
-                <a:rPr lang="en-US" altLang="ja-JP" sz="1400" dirty="0" smtClean="0"/>
-                <a:t>(Reader</a:t>
-              </a:r>
-              <a:r>
-                <a:rPr lang="ja-JP" altLang="en-US" sz="1400" dirty="0" err="1" smtClean="0"/>
-                <a:t>、</a:t>
-              </a:r>
-              <a:endParaRPr lang="en-US" altLang="ja-JP" sz="1400" dirty="0" smtClean="0"/>
-            </a:p>
-            <a:p>
-              <a:r>
-                <a:rPr lang="en-US" altLang="ja-JP" sz="1400" dirty="0" smtClean="0"/>
-                <a:t>Writer</a:t>
+              <a:pPr algn="just"/>
+              <a:r>
+                <a:rPr lang="en-US" altLang="ja-JP" sz="1400" dirty="0"/>
+                <a:t>JOB</a:t>
               </a:r>
               <a:r>
                 <a:rPr lang="ja-JP" altLang="en-US" sz="1400" dirty="0" smtClean="0"/>
-                <a:t>等</a:t>
-              </a:r>
-              <a:r>
-                <a:rPr lang="en-US" altLang="ja-JP" sz="1400" dirty="0" smtClean="0"/>
-                <a:t>)</a:t>
+                <a:t>定義ファイル</a:t>
               </a:r>
               <a:endParaRPr lang="ja-JP" altLang="en-US" sz="1400" dirty="0"/>
             </a:p>
           </p:txBody>
         </p:sp>
-        <p:cxnSp>
-          <p:nvCxnSpPr>
-            <p:cNvPr id="48" name="直線矢印コネクタ 47"/>
-            <p:cNvCxnSpPr>
-              <a:endCxn id="43" idx="1"/>
-            </p:cNvCxnSpPr>
-            <p:nvPr/>
-          </p:nvCxnSpPr>
-          <p:spPr>
-            <a:xfrm>
-              <a:off x="1426221" y="2513143"/>
-              <a:ext cx="988994" cy="904750"/>
-            </a:xfrm>
-            <a:prstGeom prst="straightConnector1">
-              <a:avLst/>
-            </a:prstGeom>
-            <a:ln w="38100">
-              <a:solidFill>
-                <a:srgbClr val="FF0000"/>
-              </a:solidFill>
-              <a:tailEnd type="arrow"/>
-            </a:ln>
-          </p:spPr>
-          <p:style>
-            <a:lnRef idx="1">
-              <a:schemeClr val="accent1"/>
-            </a:lnRef>
-            <a:fillRef idx="0">
-              <a:schemeClr val="accent1"/>
-            </a:fillRef>
-            <a:effectRef idx="0">
-              <a:schemeClr val="accent1"/>
-            </a:effectRef>
-            <a:fontRef idx="minor">
-              <a:schemeClr val="tx1"/>
-            </a:fontRef>
-          </p:style>
-        </p:cxnSp>
         <p:sp>
           <p:nvSpPr>
-            <p:cNvPr id="50" name="正方形/長方形 49"/>
+            <p:cNvPr id="37" name="正方形/長方形 36"/>
             <p:cNvSpPr/>
             <p:nvPr/>
           </p:nvSpPr>
           <p:spPr>
             <a:xfrm>
-              <a:off x="4667050" y="3015837"/>
-              <a:ext cx="1339835" cy="809560"/>
+              <a:off x="2415215" y="4841893"/>
+              <a:ext cx="1258767" cy="809560"/>
             </a:xfrm>
             <a:prstGeom prst="rect">
               <a:avLst/>
             </a:prstGeom>
             <a:ln>
               <a:solidFill>
-                <a:schemeClr val="accent1"/>
+                <a:schemeClr val="accent3"/>
               </a:solidFill>
             </a:ln>
           </p:spPr>
@@ -5267,194 +4532,23 @@
             <a:lstStyle/>
             <a:p>
               <a:r>
-                <a:rPr lang="en-US" altLang="ja-JP" sz="1400" dirty="0"/>
-                <a:t>Java</a:t>
-              </a:r>
-            </a:p>
-            <a:p>
-              <a:r>
-                <a:rPr lang="en-US" altLang="ja-JP" sz="1400" dirty="0"/>
-                <a:t>(Reader</a:t>
-              </a:r>
-              <a:r>
-                <a:rPr lang="ja-JP" altLang="en-US" sz="1400" dirty="0" err="1" smtClean="0"/>
-                <a:t>、</a:t>
-              </a:r>
-              <a:r>
                 <a:rPr lang="en-US" altLang="ja-JP" sz="1400" dirty="0" smtClean="0"/>
-                <a:t>Writer</a:t>
-              </a:r>
-              <a:r>
-                <a:rPr lang="ja-JP" altLang="en-US" sz="1400" dirty="0"/>
-                <a:t>等</a:t>
-              </a:r>
-              <a:r>
-                <a:rPr lang="en-US" altLang="ja-JP" sz="1400" dirty="0"/>
-                <a:t>)</a:t>
+                <a:t>Bean</a:t>
               </a:r>
               <a:endParaRPr lang="ja-JP" altLang="en-US" sz="1400" dirty="0"/>
-            </a:p>
-            <a:p>
-              <a:endParaRPr lang="en-US" altLang="ja-JP" sz="1400" dirty="0" smtClean="0"/>
-            </a:p>
-          </p:txBody>
-        </p:sp>
-        <p:cxnSp>
-          <p:nvCxnSpPr>
-            <p:cNvPr id="52" name="直線矢印コネクタ 51"/>
-            <p:cNvCxnSpPr>
-              <a:stCxn id="28" idx="3"/>
-            </p:cNvCxnSpPr>
-            <p:nvPr/>
-          </p:nvCxnSpPr>
-          <p:spPr>
-            <a:xfrm flipV="1">
-              <a:off x="6008126" y="2997914"/>
-              <a:ext cx="2020258" cy="2258554"/>
-            </a:xfrm>
-            <a:prstGeom prst="straightConnector1">
-              <a:avLst/>
-            </a:prstGeom>
-            <a:ln w="38100">
-              <a:solidFill>
-                <a:srgbClr val="FF0000"/>
-              </a:solidFill>
-              <a:tailEnd type="arrow"/>
-            </a:ln>
-          </p:spPr>
-          <p:style>
-            <a:lnRef idx="1">
-              <a:schemeClr val="accent1"/>
-            </a:lnRef>
-            <a:fillRef idx="0">
-              <a:schemeClr val="accent1"/>
-            </a:fillRef>
-            <a:effectRef idx="0">
-              <a:schemeClr val="accent1"/>
-            </a:effectRef>
-            <a:fontRef idx="minor">
-              <a:schemeClr val="tx1"/>
-            </a:fontRef>
-          </p:style>
-        </p:cxnSp>
-        <p:sp>
-          <p:nvSpPr>
-            <p:cNvPr id="54" name="テキスト ボックス 53"/>
-            <p:cNvSpPr txBox="1"/>
-            <p:nvPr/>
-          </p:nvSpPr>
-          <p:spPr>
-            <a:xfrm>
-              <a:off x="6084186" y="4564894"/>
-              <a:ext cx="492443" cy="276999"/>
-            </a:xfrm>
-            <a:prstGeom prst="rect">
-              <a:avLst/>
-            </a:prstGeom>
-            <a:noFill/>
-          </p:spPr>
-          <p:txBody>
-            <a:bodyPr wrap="none" rtlCol="0">
-              <a:spAutoFit/>
-            </a:bodyPr>
-            <a:lstStyle/>
-            <a:p>
-              <a:r>
-                <a:rPr lang="ja-JP" altLang="en-US" sz="1200" dirty="0"/>
-                <a:t>設定</a:t>
-              </a:r>
-              <a:endParaRPr kumimoji="1" lang="ja-JP" altLang="en-US" sz="1200" dirty="0"/>
-            </a:p>
-          </p:txBody>
-        </p:sp>
-        <p:cxnSp>
-          <p:nvCxnSpPr>
-            <p:cNvPr id="58" name="直線矢印コネクタ 57"/>
-            <p:cNvCxnSpPr/>
-            <p:nvPr/>
-          </p:nvCxnSpPr>
-          <p:spPr>
-            <a:xfrm>
-              <a:off x="5868144" y="1714882"/>
-              <a:ext cx="1140856" cy="706006"/>
-            </a:xfrm>
-            <a:prstGeom prst="straightConnector1">
-              <a:avLst/>
-            </a:prstGeom>
-            <a:ln w="38100">
-              <a:solidFill>
-                <a:srgbClr val="FF0000"/>
-              </a:solidFill>
-              <a:tailEnd type="arrow"/>
-            </a:ln>
-          </p:spPr>
-          <p:style>
-            <a:lnRef idx="1">
-              <a:schemeClr val="accent1"/>
-            </a:lnRef>
-            <a:fillRef idx="0">
-              <a:schemeClr val="accent1"/>
-            </a:fillRef>
-            <a:effectRef idx="0">
-              <a:schemeClr val="accent1"/>
-            </a:effectRef>
-            <a:fontRef idx="minor">
-              <a:schemeClr val="tx1"/>
-            </a:fontRef>
-          </p:style>
-        </p:cxnSp>
-        <p:sp>
-          <p:nvSpPr>
-            <p:cNvPr id="61" name="テキスト ボックス 60"/>
-            <p:cNvSpPr txBox="1"/>
-            <p:nvPr/>
-          </p:nvSpPr>
-          <p:spPr>
-            <a:xfrm>
-              <a:off x="5951765" y="1320486"/>
-              <a:ext cx="1742785" cy="276999"/>
-            </a:xfrm>
-            <a:prstGeom prst="rect">
-              <a:avLst/>
-            </a:prstGeom>
-            <a:noFill/>
-          </p:spPr>
-          <p:txBody>
-            <a:bodyPr wrap="none" rtlCol="0">
-              <a:spAutoFit/>
-            </a:bodyPr>
-            <a:lstStyle/>
-            <a:p>
-              <a:r>
-                <a:rPr lang="ja-JP" altLang="en-US" sz="1200" dirty="0"/>
-                <a:t>処理</a:t>
-              </a:r>
-              <a:r>
-                <a:rPr lang="ja-JP" altLang="en-US" sz="1200" dirty="0" smtClean="0"/>
-                <a:t>フロー</a:t>
-              </a:r>
-              <a:r>
-                <a:rPr lang="ja-JP" altLang="en-US" sz="1200" dirty="0"/>
-                <a:t>の</a:t>
-              </a:r>
-              <a:r>
-                <a:rPr lang="ja-JP" altLang="en-US" sz="1200" dirty="0" smtClean="0"/>
-                <a:t>追加・編集</a:t>
-              </a:r>
-              <a:endParaRPr kumimoji="1" lang="ja-JP" altLang="en-US" sz="1200" dirty="0"/>
             </a:p>
           </p:txBody>
         </p:sp>
         <p:sp>
           <p:nvSpPr>
-            <p:cNvPr id="65" name="正方形/長方形 64"/>
+            <p:cNvPr id="38" name="正方形/長方形 37"/>
             <p:cNvSpPr/>
             <p:nvPr/>
           </p:nvSpPr>
           <p:spPr>
             <a:xfrm>
-              <a:off x="1842379" y="6226439"/>
-              <a:ext cx="323933" cy="288032"/>
+              <a:off x="2415215" y="3927503"/>
+              <a:ext cx="1258767" cy="809560"/>
             </a:xfrm>
             <a:prstGeom prst="rect">
               <a:avLst/>
@@ -5483,20 +4577,136 @@
             <a:bodyPr rtlCol="0" anchor="t"/>
             <a:lstStyle/>
             <a:p>
+              <a:r>
+                <a:rPr lang="en-US" altLang="ja-JP" sz="1400" dirty="0" smtClean="0"/>
+                <a:t>SQL</a:t>
+              </a:r>
               <a:endParaRPr lang="ja-JP" altLang="en-US" sz="1400" dirty="0"/>
             </a:p>
           </p:txBody>
         </p:sp>
+        <p:cxnSp>
+          <p:nvCxnSpPr>
+            <p:cNvPr id="13" name="直線矢印コネクタ 12"/>
+            <p:cNvCxnSpPr/>
+            <p:nvPr/>
+          </p:nvCxnSpPr>
+          <p:spPr>
+            <a:xfrm>
+              <a:off x="1418989" y="2420888"/>
+              <a:ext cx="1006913" cy="0"/>
+            </a:xfrm>
+            <a:prstGeom prst="straightConnector1">
+              <a:avLst/>
+            </a:prstGeom>
+            <a:ln w="38100">
+              <a:solidFill>
+                <a:srgbClr val="FF0000"/>
+              </a:solidFill>
+              <a:tailEnd type="arrow"/>
+            </a:ln>
+          </p:spPr>
+          <p:style>
+            <a:lnRef idx="1">
+              <a:schemeClr val="accent1"/>
+            </a:lnRef>
+            <a:fillRef idx="0">
+              <a:schemeClr val="accent1"/>
+            </a:fillRef>
+            <a:effectRef idx="0">
+              <a:schemeClr val="accent1"/>
+            </a:effectRef>
+            <a:fontRef idx="minor">
+              <a:schemeClr val="tx1"/>
+            </a:fontRef>
+          </p:style>
+        </p:cxnSp>
+        <p:cxnSp>
+          <p:nvCxnSpPr>
+            <p:cNvPr id="16" name="直線矢印コネクタ 15"/>
+            <p:cNvCxnSpPr>
+              <a:endCxn id="38" idx="1"/>
+            </p:cNvCxnSpPr>
+            <p:nvPr/>
+          </p:nvCxnSpPr>
+          <p:spPr>
+            <a:xfrm>
+              <a:off x="1418989" y="2708920"/>
+              <a:ext cx="996226" cy="1623363"/>
+            </a:xfrm>
+            <a:prstGeom prst="straightConnector1">
+              <a:avLst/>
+            </a:prstGeom>
+            <a:ln w="38100">
+              <a:solidFill>
+                <a:srgbClr val="FF0000"/>
+              </a:solidFill>
+              <a:tailEnd type="arrow"/>
+            </a:ln>
+          </p:spPr>
+          <p:style>
+            <a:lnRef idx="1">
+              <a:schemeClr val="accent1"/>
+            </a:lnRef>
+            <a:fillRef idx="0">
+              <a:schemeClr val="accent1"/>
+            </a:fillRef>
+            <a:effectRef idx="0">
+              <a:schemeClr val="accent1"/>
+            </a:effectRef>
+            <a:fontRef idx="minor">
+              <a:schemeClr val="tx1"/>
+            </a:fontRef>
+          </p:style>
+        </p:cxnSp>
+        <p:cxnSp>
+          <p:nvCxnSpPr>
+            <p:cNvPr id="18" name="直線矢印コネクタ 17"/>
+            <p:cNvCxnSpPr>
+              <a:endCxn id="37" idx="1"/>
+            </p:cNvCxnSpPr>
+            <p:nvPr/>
+          </p:nvCxnSpPr>
+          <p:spPr>
+            <a:xfrm>
+              <a:off x="1500641" y="5241444"/>
+              <a:ext cx="914574" cy="5229"/>
+            </a:xfrm>
+            <a:prstGeom prst="straightConnector1">
+              <a:avLst/>
+            </a:prstGeom>
+            <a:ln w="38100">
+              <a:solidFill>
+                <a:srgbClr val="FF0000"/>
+              </a:solidFill>
+              <a:tailEnd type="arrow"/>
+            </a:ln>
+          </p:spPr>
+          <p:style>
+            <a:lnRef idx="1">
+              <a:schemeClr val="accent1"/>
+            </a:lnRef>
+            <a:fillRef idx="0">
+              <a:schemeClr val="accent1"/>
+            </a:fillRef>
+            <a:effectRef idx="0">
+              <a:schemeClr val="accent1"/>
+            </a:effectRef>
+            <a:fontRef idx="minor">
+              <a:schemeClr val="tx1"/>
+            </a:fontRef>
+          </p:style>
+        </p:cxnSp>
         <p:sp>
           <p:nvSpPr>
-            <p:cNvPr id="66" name="テキスト ボックス 65"/>
+            <p:cNvPr id="23" name="テキスト ボックス 22"/>
             <p:cNvSpPr txBox="1"/>
             <p:nvPr/>
           </p:nvSpPr>
           <p:spPr>
             <a:xfrm>
-              <a:off x="2114504" y="6185789"/>
-              <a:ext cx="1678220" cy="369332"/>
+              <a:off x="277132" y="115528"/>
+              <a:ext cx="3898824" cy="646331"/>
             </a:xfrm>
             <a:prstGeom prst="rect">
               <a:avLst/>
@@ -5504,36 +4714,84 @@
             <a:noFill/>
           </p:spPr>
           <p:txBody>
-            <a:bodyPr wrap="square" rtlCol="0">
+            <a:bodyPr wrap="none" rtlCol="0">
               <a:spAutoFit/>
             </a:bodyPr>
             <a:lstStyle/>
             <a:p>
               <a:r>
-                <a:rPr kumimoji="1" lang="ja-JP" altLang="en-US" dirty="0" smtClean="0"/>
-                <a:t>：作成するもの</a:t>
-              </a:r>
-              <a:endParaRPr kumimoji="1" lang="ja-JP" altLang="en-US" dirty="0"/>
+                <a:rPr kumimoji="1" lang="ja-JP" altLang="en-US" b="1" dirty="0" smtClean="0"/>
+                <a:t>従来</a:t>
+              </a:r>
+              <a:r>
+                <a:rPr kumimoji="1" lang="en-US" altLang="ja-JP" b="1" dirty="0" smtClean="0"/>
+                <a:t>(ETL/ETL</a:t>
+              </a:r>
+              <a:r>
+                <a:rPr kumimoji="1" lang="ja-JP" altLang="en-US" b="1" dirty="0" smtClean="0"/>
+                <a:t>デザイナーを使用しない</a:t>
+              </a:r>
+              <a:r>
+                <a:rPr kumimoji="1" lang="en-US" altLang="ja-JP" b="1" dirty="0" smtClean="0"/>
+                <a:t>)</a:t>
+              </a:r>
+            </a:p>
+            <a:p>
+              <a:r>
+                <a:rPr kumimoji="1" lang="ja-JP" altLang="en-US" b="1" dirty="0" smtClean="0"/>
+                <a:t>のバッチ開発</a:t>
+              </a:r>
+              <a:endParaRPr kumimoji="1" lang="ja-JP" altLang="en-US" b="1" dirty="0"/>
             </a:p>
           </p:txBody>
         </p:sp>
+        <p:pic>
+          <p:nvPicPr>
+            <p:cNvPr id="27" name="図 26"/>
+            <p:cNvPicPr>
+              <a:picLocks noChangeAspect="1"/>
+            </p:cNvPicPr>
+            <p:nvPr/>
+          </p:nvPicPr>
+          <p:blipFill>
+            <a:blip r:embed="rId2" cstate="print">
+              <a:extLst>
+                <a:ext uri="{28A0092B-C50C-407E-A947-70E740481C1C}">
+                  <a14:useLocalDpi xmlns:a14="http://schemas.microsoft.com/office/drawing/2010/main" val="0"/>
+                </a:ext>
+              </a:extLst>
+            </a:blip>
+            <a:stretch>
+              <a:fillRect/>
+            </a:stretch>
+          </p:blipFill>
+          <p:spPr>
+            <a:xfrm>
+              <a:off x="4649782" y="639777"/>
+              <a:ext cx="1342318" cy="1349063"/>
+            </a:xfrm>
+            <a:prstGeom prst="rect">
+              <a:avLst/>
+            </a:prstGeom>
+          </p:spPr>
+        </p:pic>
         <p:sp>
           <p:nvSpPr>
-            <p:cNvPr id="67" name="正方形/長方形 66"/>
+            <p:cNvPr id="28" name="正方形/長方形 27"/>
             <p:cNvSpPr/>
             <p:nvPr/>
           </p:nvSpPr>
           <p:spPr>
             <a:xfrm>
-              <a:off x="4208526" y="6210384"/>
-              <a:ext cx="323933" cy="288032"/>
+              <a:off x="4665809" y="4851688"/>
+              <a:ext cx="1342317" cy="809560"/>
             </a:xfrm>
             <a:prstGeom prst="rect">
               <a:avLst/>
             </a:prstGeom>
             <a:ln>
               <a:solidFill>
-                <a:schemeClr val="accent1"/>
+                <a:schemeClr val="accent3"/>
               </a:solidFill>
             </a:ln>
           </p:spPr>
@@ -5555,6 +4813,1132 @@
             <a:bodyPr rtlCol="0" anchor="t"/>
             <a:lstStyle/>
             <a:p>
+              <a:r>
+                <a:rPr lang="en-US" altLang="ja-JP" sz="1400" dirty="0" smtClean="0"/>
+                <a:t>Bean</a:t>
+              </a:r>
+            </a:p>
+            <a:p>
+              <a:r>
+                <a:rPr lang="ja-JP" altLang="en-US" sz="1400" dirty="0"/>
+                <a:t>（</a:t>
+              </a:r>
+              <a:r>
+                <a:rPr lang="ja-JP" altLang="en-US" sz="1400" dirty="0" smtClean="0"/>
+                <a:t>データ</a:t>
+              </a:r>
+              <a:r>
+                <a:rPr lang="ja-JP" altLang="en-US" sz="1400" dirty="0"/>
+                <a:t>項目</a:t>
+              </a:r>
+              <a:r>
+                <a:rPr lang="ja-JP" altLang="en-US" sz="1400" dirty="0" smtClean="0"/>
+                <a:t>）</a:t>
+              </a:r>
+              <a:endParaRPr lang="en-US" altLang="ja-JP" sz="1400" dirty="0" smtClean="0"/>
+            </a:p>
+          </p:txBody>
+        </p:sp>
+        <p:sp>
+          <p:nvSpPr>
+            <p:cNvPr id="29" name="正方形/長方形 28"/>
+            <p:cNvSpPr/>
+            <p:nvPr/>
+          </p:nvSpPr>
+          <p:spPr>
+            <a:xfrm>
+              <a:off x="4665809" y="3933762"/>
+              <a:ext cx="1342317" cy="809560"/>
+            </a:xfrm>
+            <a:prstGeom prst="rect">
+              <a:avLst/>
+            </a:prstGeom>
+            <a:ln>
+              <a:solidFill>
+                <a:schemeClr val="accent3"/>
+              </a:solidFill>
+            </a:ln>
+          </p:spPr>
+          <p:style>
+            <a:lnRef idx="2">
+              <a:schemeClr val="accent6"/>
+            </a:lnRef>
+            <a:fillRef idx="1">
+              <a:schemeClr val="lt1"/>
+            </a:fillRef>
+            <a:effectRef idx="0">
+              <a:schemeClr val="accent6"/>
+            </a:effectRef>
+            <a:fontRef idx="minor">
+              <a:schemeClr val="dk1"/>
+            </a:fontRef>
+          </p:style>
+          <p:txBody>
+            <a:bodyPr rtlCol="0" anchor="t"/>
+            <a:lstStyle/>
+            <a:p>
+              <a:r>
+                <a:rPr lang="en-US" altLang="ja-JP" sz="1400" dirty="0" smtClean="0"/>
+                <a:t>SQL</a:t>
+              </a:r>
+            </a:p>
+            <a:p>
+              <a:r>
+                <a:rPr lang="ja-JP" altLang="en-US" sz="1400" dirty="0"/>
+                <a:t>（変換仕様</a:t>
+              </a:r>
+              <a:r>
+                <a:rPr lang="ja-JP" altLang="en-US" sz="1400" dirty="0" smtClean="0"/>
+                <a:t>）</a:t>
+              </a:r>
+              <a:endParaRPr lang="en-US" altLang="ja-JP" sz="1400" dirty="0" smtClean="0"/>
+            </a:p>
+          </p:txBody>
+        </p:sp>
+        <p:pic>
+          <p:nvPicPr>
+            <p:cNvPr id="30" name="Picture 3"/>
+            <p:cNvPicPr>
+              <a:picLocks noChangeAspect="1" noChangeArrowheads="1"/>
+            </p:cNvPicPr>
+            <p:nvPr/>
+          </p:nvPicPr>
+          <p:blipFill>
+            <a:blip r:embed="rId3" cstate="print">
+              <a:extLst>
+                <a:ext uri="{28A0092B-C50C-407E-A947-70E740481C1C}">
+                  <a14:useLocalDpi xmlns:a14="http://schemas.microsoft.com/office/drawing/2010/main" val="0"/>
+                </a:ext>
+              </a:extLst>
+            </a:blip>
+            <a:srcRect/>
+            <a:stretch>
+              <a:fillRect/>
+            </a:stretch>
+          </p:blipFill>
+          <p:spPr bwMode="auto">
+            <a:xfrm>
+              <a:off x="6444208" y="2151383"/>
+              <a:ext cx="2032041" cy="1533079"/>
+            </a:xfrm>
+            <a:prstGeom prst="rect">
+              <a:avLst/>
+            </a:prstGeom>
+            <a:noFill/>
+            <a:ln>
+              <a:noFill/>
+            </a:ln>
+            <a:extLst>
+              <a:ext uri="{909E8E84-426E-40DD-AFC4-6F175D3DCCD1}">
+                <a14:hiddenFill xmlns:a14="http://schemas.microsoft.com/office/drawing/2010/main">
+                  <a:solidFill>
+                    <a:schemeClr val="accent1"/>
+                  </a:solidFill>
+                </a14:hiddenFill>
+              </a:ext>
+              <a:ext uri="{91240B29-F687-4F45-9708-019B960494DF}">
+                <a14:hiddenLine xmlns:a14="http://schemas.microsoft.com/office/drawing/2010/main" w="9525">
+                  <a:solidFill>
+                    <a:schemeClr val="tx1"/>
+                  </a:solidFill>
+                  <a:miter lim="800000"/>
+                  <a:headEnd/>
+                  <a:tailEnd/>
+                </a14:hiddenLine>
+              </a:ext>
+            </a:extLst>
+          </p:spPr>
+        </p:pic>
+        <p:sp>
+          <p:nvSpPr>
+            <p:cNvPr id="31" name="正方形/長方形 30"/>
+            <p:cNvSpPr/>
+            <p:nvPr/>
+          </p:nvSpPr>
+          <p:spPr>
+            <a:xfrm>
+              <a:off x="4665808" y="2097912"/>
+              <a:ext cx="1342318" cy="809560"/>
+            </a:xfrm>
+            <a:prstGeom prst="rect">
+              <a:avLst/>
+            </a:prstGeom>
+            <a:ln>
+              <a:solidFill>
+                <a:schemeClr val="accent1"/>
+              </a:solidFill>
+            </a:ln>
+          </p:spPr>
+          <p:style>
+            <a:lnRef idx="2">
+              <a:schemeClr val="accent6"/>
+            </a:lnRef>
+            <a:fillRef idx="1">
+              <a:schemeClr val="lt1"/>
+            </a:fillRef>
+            <a:effectRef idx="0">
+              <a:schemeClr val="accent6"/>
+            </a:effectRef>
+            <a:fontRef idx="minor">
+              <a:schemeClr val="dk1"/>
+            </a:fontRef>
+          </p:style>
+          <p:txBody>
+            <a:bodyPr rtlCol="0" anchor="t"/>
+            <a:lstStyle/>
+            <a:p>
+              <a:r>
+                <a:rPr lang="ja-JP" altLang="en-US" sz="1400" dirty="0"/>
+                <a:t>テンプレート</a:t>
+              </a:r>
+              <a:endParaRPr lang="en-US" altLang="ja-JP" sz="1400" dirty="0" smtClean="0"/>
+            </a:p>
+            <a:p>
+              <a:r>
+                <a:rPr lang="ja-JP" altLang="en-US" sz="1400" dirty="0" smtClean="0"/>
+                <a:t>（</a:t>
+              </a:r>
+              <a:r>
+                <a:rPr lang="ja-JP" altLang="en-US" sz="1400" dirty="0"/>
+                <a:t>処理</a:t>
+              </a:r>
+              <a:r>
+                <a:rPr lang="ja-JP" altLang="en-US" sz="1400" dirty="0" smtClean="0"/>
+                <a:t>フロー）</a:t>
+              </a:r>
+              <a:endParaRPr lang="en-US" altLang="ja-JP" sz="1400" dirty="0" smtClean="0"/>
+            </a:p>
+            <a:p>
+              <a:endParaRPr lang="en-US" altLang="ja-JP" sz="1400" dirty="0" smtClean="0"/>
+            </a:p>
+          </p:txBody>
+        </p:sp>
+        <p:cxnSp>
+          <p:nvCxnSpPr>
+            <p:cNvPr id="32" name="直線矢印コネクタ 31"/>
+            <p:cNvCxnSpPr>
+              <a:stCxn id="31" idx="3"/>
+            </p:cNvCxnSpPr>
+            <p:nvPr/>
+          </p:nvCxnSpPr>
+          <p:spPr>
+            <a:xfrm>
+              <a:off x="6008126" y="2502692"/>
+              <a:ext cx="868130" cy="195777"/>
+            </a:xfrm>
+            <a:prstGeom prst="straightConnector1">
+              <a:avLst/>
+            </a:prstGeom>
+            <a:ln w="38100">
+              <a:solidFill>
+                <a:srgbClr val="FF0000"/>
+              </a:solidFill>
+              <a:tailEnd type="arrow"/>
+            </a:ln>
+          </p:spPr>
+          <p:style>
+            <a:lnRef idx="1">
+              <a:schemeClr val="accent1"/>
+            </a:lnRef>
+            <a:fillRef idx="0">
+              <a:schemeClr val="accent1"/>
+            </a:fillRef>
+            <a:effectRef idx="0">
+              <a:schemeClr val="accent1"/>
+            </a:effectRef>
+            <a:fontRef idx="minor">
+              <a:schemeClr val="tx1"/>
+            </a:fontRef>
+          </p:style>
+        </p:cxnSp>
+        <p:cxnSp>
+          <p:nvCxnSpPr>
+            <p:cNvPr id="35" name="直線矢印コネクタ 34"/>
+            <p:cNvCxnSpPr>
+              <a:stCxn id="50" idx="3"/>
+            </p:cNvCxnSpPr>
+            <p:nvPr/>
+          </p:nvCxnSpPr>
+          <p:spPr>
+            <a:xfrm flipV="1">
+              <a:off x="6006885" y="2997914"/>
+              <a:ext cx="1020624" cy="422703"/>
+            </a:xfrm>
+            <a:prstGeom prst="straightConnector1">
+              <a:avLst/>
+            </a:prstGeom>
+            <a:ln w="38100">
+              <a:solidFill>
+                <a:srgbClr val="FF0000"/>
+              </a:solidFill>
+              <a:tailEnd type="arrow"/>
+            </a:ln>
+          </p:spPr>
+          <p:style>
+            <a:lnRef idx="1">
+              <a:schemeClr val="accent1"/>
+            </a:lnRef>
+            <a:fillRef idx="0">
+              <a:schemeClr val="accent1"/>
+            </a:fillRef>
+            <a:effectRef idx="0">
+              <a:schemeClr val="accent1"/>
+            </a:effectRef>
+            <a:fontRef idx="minor">
+              <a:schemeClr val="tx1"/>
+            </a:fontRef>
+          </p:style>
+        </p:cxnSp>
+        <p:cxnSp>
+          <p:nvCxnSpPr>
+            <p:cNvPr id="39" name="直線矢印コネクタ 38"/>
+            <p:cNvCxnSpPr>
+              <a:stCxn id="29" idx="3"/>
+            </p:cNvCxnSpPr>
+            <p:nvPr/>
+          </p:nvCxnSpPr>
+          <p:spPr>
+            <a:xfrm flipV="1">
+              <a:off x="6008126" y="2780928"/>
+              <a:ext cx="2020258" cy="1557614"/>
+            </a:xfrm>
+            <a:prstGeom prst="straightConnector1">
+              <a:avLst/>
+            </a:prstGeom>
+            <a:ln w="38100">
+              <a:solidFill>
+                <a:srgbClr val="FF0000"/>
+              </a:solidFill>
+              <a:tailEnd type="arrow"/>
+            </a:ln>
+          </p:spPr>
+          <p:style>
+            <a:lnRef idx="1">
+              <a:schemeClr val="accent1"/>
+            </a:lnRef>
+            <a:fillRef idx="0">
+              <a:schemeClr val="accent1"/>
+            </a:fillRef>
+            <a:effectRef idx="0">
+              <a:schemeClr val="accent1"/>
+            </a:effectRef>
+            <a:fontRef idx="minor">
+              <a:schemeClr val="tx1"/>
+            </a:fontRef>
+          </p:style>
+        </p:cxnSp>
+        <p:sp>
+          <p:nvSpPr>
+            <p:cNvPr id="40" name="テキスト ボックス 39"/>
+            <p:cNvSpPr txBox="1"/>
+            <p:nvPr/>
+          </p:nvSpPr>
+          <p:spPr>
+            <a:xfrm>
+              <a:off x="5436096" y="803500"/>
+              <a:ext cx="1223412" cy="369332"/>
+            </a:xfrm>
+            <a:prstGeom prst="rect">
+              <a:avLst/>
+            </a:prstGeom>
+            <a:noFill/>
+          </p:spPr>
+          <p:txBody>
+            <a:bodyPr wrap="none" rtlCol="0">
+              <a:spAutoFit/>
+            </a:bodyPr>
+            <a:lstStyle/>
+            <a:p>
+              <a:r>
+                <a:rPr kumimoji="1" lang="ja-JP" altLang="en-US" dirty="0" smtClean="0"/>
+                <a:t>設計・実装</a:t>
+              </a:r>
+              <a:endParaRPr kumimoji="1" lang="ja-JP" altLang="en-US" dirty="0"/>
+            </a:p>
+          </p:txBody>
+        </p:sp>
+        <p:sp>
+          <p:nvSpPr>
+            <p:cNvPr id="41" name="テキスト ボックス 40"/>
+            <p:cNvSpPr txBox="1"/>
+            <p:nvPr/>
+          </p:nvSpPr>
+          <p:spPr>
+            <a:xfrm>
+              <a:off x="5989617" y="2997914"/>
+              <a:ext cx="492443" cy="276999"/>
+            </a:xfrm>
+            <a:prstGeom prst="rect">
+              <a:avLst/>
+            </a:prstGeom>
+            <a:noFill/>
+          </p:spPr>
+          <p:txBody>
+            <a:bodyPr wrap="none" rtlCol="0">
+              <a:spAutoFit/>
+            </a:bodyPr>
+            <a:lstStyle/>
+            <a:p>
+              <a:r>
+                <a:rPr lang="ja-JP" altLang="en-US" sz="1200" dirty="0"/>
+                <a:t>設定</a:t>
+              </a:r>
+              <a:endParaRPr kumimoji="1" lang="ja-JP" altLang="en-US" sz="1200" dirty="0"/>
+            </a:p>
+          </p:txBody>
+        </p:sp>
+        <p:sp>
+          <p:nvSpPr>
+            <p:cNvPr id="42" name="テキスト ボックス 41"/>
+            <p:cNvSpPr txBox="1"/>
+            <p:nvPr/>
+          </p:nvSpPr>
+          <p:spPr>
+            <a:xfrm>
+              <a:off x="6029427" y="3800073"/>
+              <a:ext cx="492443" cy="276999"/>
+            </a:xfrm>
+            <a:prstGeom prst="rect">
+              <a:avLst/>
+            </a:prstGeom>
+            <a:noFill/>
+          </p:spPr>
+          <p:txBody>
+            <a:bodyPr wrap="none" rtlCol="0">
+              <a:spAutoFit/>
+            </a:bodyPr>
+            <a:lstStyle/>
+            <a:p>
+              <a:r>
+                <a:rPr kumimoji="1" lang="ja-JP" altLang="en-US" sz="1200" dirty="0" smtClean="0"/>
+                <a:t>設定</a:t>
+              </a:r>
+              <a:endParaRPr kumimoji="1" lang="ja-JP" altLang="en-US" sz="1200" dirty="0"/>
+            </a:p>
+          </p:txBody>
+        </p:sp>
+        <p:sp>
+          <p:nvSpPr>
+            <p:cNvPr id="44" name="正方形/長方形 43"/>
+            <p:cNvSpPr/>
+            <p:nvPr/>
+          </p:nvSpPr>
+          <p:spPr>
+            <a:xfrm>
+              <a:off x="7524328" y="4581128"/>
+              <a:ext cx="1258767" cy="809560"/>
+            </a:xfrm>
+            <a:prstGeom prst="rect">
+              <a:avLst/>
+            </a:prstGeom>
+            <a:ln>
+              <a:solidFill>
+                <a:schemeClr val="accent1"/>
+              </a:solidFill>
+            </a:ln>
+          </p:spPr>
+          <p:style>
+            <a:lnRef idx="2">
+              <a:schemeClr val="accent6"/>
+            </a:lnRef>
+            <a:fillRef idx="1">
+              <a:schemeClr val="lt1"/>
+            </a:fillRef>
+            <a:effectRef idx="0">
+              <a:schemeClr val="accent6"/>
+            </a:effectRef>
+            <a:fontRef idx="minor">
+              <a:schemeClr val="dk1"/>
+            </a:fontRef>
+          </p:style>
+          <p:txBody>
+            <a:bodyPr rtlCol="0" anchor="t"/>
+            <a:lstStyle/>
+            <a:p>
+              <a:pPr algn="just"/>
+              <a:r>
+                <a:rPr lang="ja-JP" altLang="en-US" sz="1400" dirty="0"/>
+                <a:t>設定ファイル</a:t>
+              </a:r>
+            </a:p>
+          </p:txBody>
+        </p:sp>
+        <p:cxnSp>
+          <p:nvCxnSpPr>
+            <p:cNvPr id="45" name="直線矢印コネクタ 44"/>
+            <p:cNvCxnSpPr/>
+            <p:nvPr/>
+          </p:nvCxnSpPr>
+          <p:spPr>
+            <a:xfrm>
+              <a:off x="8028384" y="3674011"/>
+              <a:ext cx="0" cy="907117"/>
+            </a:xfrm>
+            <a:prstGeom prst="straightConnector1">
+              <a:avLst/>
+            </a:prstGeom>
+            <a:ln w="38100">
+              <a:solidFill>
+                <a:srgbClr val="FF0000"/>
+              </a:solidFill>
+              <a:tailEnd type="arrow"/>
+            </a:ln>
+          </p:spPr>
+          <p:style>
+            <a:lnRef idx="1">
+              <a:schemeClr val="accent1"/>
+            </a:lnRef>
+            <a:fillRef idx="0">
+              <a:schemeClr val="accent1"/>
+            </a:fillRef>
+            <a:effectRef idx="0">
+              <a:schemeClr val="accent1"/>
+            </a:effectRef>
+            <a:fontRef idx="minor">
+              <a:schemeClr val="tx1"/>
+            </a:fontRef>
+          </p:style>
+        </p:cxnSp>
+        <p:sp>
+          <p:nvSpPr>
+            <p:cNvPr id="46" name="テキスト ボックス 45"/>
+            <p:cNvSpPr txBox="1"/>
+            <p:nvPr/>
+          </p:nvSpPr>
+          <p:spPr>
+            <a:xfrm>
+              <a:off x="8153711" y="3892406"/>
+              <a:ext cx="646331" cy="369332"/>
+            </a:xfrm>
+            <a:prstGeom prst="rect">
+              <a:avLst/>
+            </a:prstGeom>
+            <a:noFill/>
+          </p:spPr>
+          <p:txBody>
+            <a:bodyPr wrap="none" rtlCol="0">
+              <a:spAutoFit/>
+            </a:bodyPr>
+            <a:lstStyle/>
+            <a:p>
+              <a:r>
+                <a:rPr lang="ja-JP" altLang="en-US" dirty="0"/>
+                <a:t>出力</a:t>
+              </a:r>
+              <a:endParaRPr kumimoji="1" lang="ja-JP" altLang="en-US" dirty="0"/>
+            </a:p>
+          </p:txBody>
+        </p:sp>
+        <p:sp>
+          <p:nvSpPr>
+            <p:cNvPr id="47" name="テキスト ボックス 46"/>
+            <p:cNvSpPr txBox="1"/>
+            <p:nvPr/>
+          </p:nvSpPr>
+          <p:spPr>
+            <a:xfrm>
+              <a:off x="4562600" y="107340"/>
+              <a:ext cx="4152099" cy="369332"/>
+            </a:xfrm>
+            <a:prstGeom prst="rect">
+              <a:avLst/>
+            </a:prstGeom>
+            <a:noFill/>
+          </p:spPr>
+          <p:txBody>
+            <a:bodyPr wrap="none" rtlCol="0">
+              <a:spAutoFit/>
+            </a:bodyPr>
+            <a:lstStyle/>
+            <a:p>
+              <a:r>
+                <a:rPr kumimoji="1" lang="en-US" altLang="ja-JP" b="1" dirty="0" smtClean="0"/>
+                <a:t>ETL/ETL</a:t>
+              </a:r>
+              <a:r>
+                <a:rPr kumimoji="1" lang="ja-JP" altLang="en-US" b="1" dirty="0" smtClean="0"/>
+                <a:t>デザイナーを使用したバッチ開発</a:t>
+              </a:r>
+              <a:endParaRPr kumimoji="1" lang="ja-JP" altLang="en-US" b="1" dirty="0"/>
+            </a:p>
+          </p:txBody>
+        </p:sp>
+        <p:sp>
+          <p:nvSpPr>
+            <p:cNvPr id="49" name="テキスト ボックス 48"/>
+            <p:cNvSpPr txBox="1"/>
+            <p:nvPr/>
+          </p:nvSpPr>
+          <p:spPr>
+            <a:xfrm>
+              <a:off x="5951765" y="2236144"/>
+              <a:ext cx="492443" cy="276999"/>
+            </a:xfrm>
+            <a:prstGeom prst="rect">
+              <a:avLst/>
+            </a:prstGeom>
+            <a:noFill/>
+          </p:spPr>
+          <p:txBody>
+            <a:bodyPr wrap="none" rtlCol="0">
+              <a:spAutoFit/>
+            </a:bodyPr>
+            <a:lstStyle/>
+            <a:p>
+              <a:r>
+                <a:rPr lang="ja-JP" altLang="en-US" sz="1200" dirty="0"/>
+                <a:t>読込</a:t>
+              </a:r>
+              <a:endParaRPr kumimoji="1" lang="ja-JP" altLang="en-US" sz="1200" dirty="0"/>
+            </a:p>
+          </p:txBody>
+        </p:sp>
+        <p:cxnSp>
+          <p:nvCxnSpPr>
+            <p:cNvPr id="51" name="直線コネクタ 50"/>
+            <p:cNvCxnSpPr/>
+            <p:nvPr/>
+          </p:nvCxnSpPr>
+          <p:spPr>
+            <a:xfrm>
+              <a:off x="4139952" y="300194"/>
+              <a:ext cx="72008" cy="5217038"/>
+            </a:xfrm>
+            <a:prstGeom prst="line">
+              <a:avLst/>
+            </a:prstGeom>
+            <a:ln w="12700">
+              <a:solidFill>
+                <a:schemeClr val="tx1"/>
+              </a:solidFill>
+              <a:prstDash val="dash"/>
+            </a:ln>
+          </p:spPr>
+          <p:style>
+            <a:lnRef idx="1">
+              <a:schemeClr val="accent1"/>
+            </a:lnRef>
+            <a:fillRef idx="0">
+              <a:schemeClr val="accent1"/>
+            </a:fillRef>
+            <a:effectRef idx="0">
+              <a:schemeClr val="accent1"/>
+            </a:effectRef>
+            <a:fontRef idx="minor">
+              <a:schemeClr val="tx1"/>
+            </a:fontRef>
+          </p:style>
+        </p:cxnSp>
+        <p:sp>
+          <p:nvSpPr>
+            <p:cNvPr id="53" name="右矢印 52"/>
+            <p:cNvSpPr/>
+            <p:nvPr/>
+          </p:nvSpPr>
+          <p:spPr>
+            <a:xfrm>
+              <a:off x="3813027" y="1149015"/>
+              <a:ext cx="725855" cy="484632"/>
+            </a:xfrm>
+            <a:prstGeom prst="rightArrow">
+              <a:avLst/>
+            </a:prstGeom>
+          </p:spPr>
+          <p:style>
+            <a:lnRef idx="2">
+              <a:schemeClr val="accent1">
+                <a:shade val="50000"/>
+              </a:schemeClr>
+            </a:lnRef>
+            <a:fillRef idx="1">
+              <a:schemeClr val="accent1"/>
+            </a:fillRef>
+            <a:effectRef idx="0">
+              <a:schemeClr val="accent1"/>
+            </a:effectRef>
+            <a:fontRef idx="minor">
+              <a:schemeClr val="lt1"/>
+            </a:fontRef>
+          </p:style>
+          <p:txBody>
+            <a:bodyPr rtlCol="0" anchor="ctr"/>
+            <a:lstStyle/>
+            <a:p>
+              <a:pPr algn="ctr"/>
+              <a:endParaRPr kumimoji="1" lang="ja-JP" altLang="en-US"/>
+            </a:p>
+          </p:txBody>
+        </p:sp>
+        <p:sp>
+          <p:nvSpPr>
+            <p:cNvPr id="55" name="テキスト ボックス 54"/>
+            <p:cNvSpPr txBox="1"/>
+            <p:nvPr/>
+          </p:nvSpPr>
+          <p:spPr>
+            <a:xfrm>
+              <a:off x="7247127" y="1714882"/>
+              <a:ext cx="1708876" cy="369332"/>
+            </a:xfrm>
+            <a:prstGeom prst="rect">
+              <a:avLst/>
+            </a:prstGeom>
+            <a:noFill/>
+          </p:spPr>
+          <p:txBody>
+            <a:bodyPr wrap="square" rtlCol="0">
+              <a:spAutoFit/>
+            </a:bodyPr>
+            <a:lstStyle/>
+            <a:p>
+              <a:r>
+                <a:rPr lang="en-US" altLang="ja-JP" dirty="0" smtClean="0"/>
+                <a:t>ETL</a:t>
+              </a:r>
+              <a:r>
+                <a:rPr lang="ja-JP" altLang="en-US" dirty="0" smtClean="0"/>
+                <a:t>デザイナー</a:t>
+              </a:r>
+              <a:endParaRPr kumimoji="1" lang="ja-JP" altLang="en-US" dirty="0"/>
+            </a:p>
+          </p:txBody>
+        </p:sp>
+        <p:sp>
+          <p:nvSpPr>
+            <p:cNvPr id="43" name="正方形/長方形 42"/>
+            <p:cNvSpPr/>
+            <p:nvPr/>
+          </p:nvSpPr>
+          <p:spPr>
+            <a:xfrm>
+              <a:off x="2415215" y="3013113"/>
+              <a:ext cx="1258767" cy="809560"/>
+            </a:xfrm>
+            <a:prstGeom prst="rect">
+              <a:avLst/>
+            </a:prstGeom>
+            <a:ln>
+              <a:solidFill>
+                <a:schemeClr val="accent3"/>
+              </a:solidFill>
+            </a:ln>
+          </p:spPr>
+          <p:style>
+            <a:lnRef idx="2">
+              <a:schemeClr val="accent6"/>
+            </a:lnRef>
+            <a:fillRef idx="1">
+              <a:schemeClr val="lt1"/>
+            </a:fillRef>
+            <a:effectRef idx="0">
+              <a:schemeClr val="accent6"/>
+            </a:effectRef>
+            <a:fontRef idx="minor">
+              <a:schemeClr val="dk1"/>
+            </a:fontRef>
+          </p:style>
+          <p:txBody>
+            <a:bodyPr rtlCol="0" anchor="t"/>
+            <a:lstStyle/>
+            <a:p>
+              <a:r>
+                <a:rPr lang="en-US" altLang="ja-JP" sz="1400" dirty="0" smtClean="0"/>
+                <a:t>Java</a:t>
+              </a:r>
+            </a:p>
+            <a:p>
+              <a:r>
+                <a:rPr lang="en-US" altLang="ja-JP" sz="1400" dirty="0" smtClean="0"/>
+                <a:t>(Reader</a:t>
+              </a:r>
+              <a:r>
+                <a:rPr lang="ja-JP" altLang="en-US" sz="1400" dirty="0" err="1" smtClean="0"/>
+                <a:t>、</a:t>
+              </a:r>
+              <a:endParaRPr lang="en-US" altLang="ja-JP" sz="1400" dirty="0" smtClean="0"/>
+            </a:p>
+            <a:p>
+              <a:r>
+                <a:rPr lang="en-US" altLang="ja-JP" sz="1400" dirty="0" smtClean="0"/>
+                <a:t>Writer</a:t>
+              </a:r>
+              <a:r>
+                <a:rPr lang="ja-JP" altLang="en-US" sz="1400" dirty="0" smtClean="0"/>
+                <a:t>等</a:t>
+              </a:r>
+              <a:r>
+                <a:rPr lang="en-US" altLang="ja-JP" sz="1400" dirty="0" smtClean="0"/>
+                <a:t>)</a:t>
+              </a:r>
+              <a:endParaRPr lang="ja-JP" altLang="en-US" sz="1400" dirty="0"/>
+            </a:p>
+          </p:txBody>
+        </p:sp>
+        <p:cxnSp>
+          <p:nvCxnSpPr>
+            <p:cNvPr id="48" name="直線矢印コネクタ 47"/>
+            <p:cNvCxnSpPr>
+              <a:endCxn id="43" idx="1"/>
+            </p:cNvCxnSpPr>
+            <p:nvPr/>
+          </p:nvCxnSpPr>
+          <p:spPr>
+            <a:xfrm>
+              <a:off x="1426221" y="2513143"/>
+              <a:ext cx="988994" cy="904750"/>
+            </a:xfrm>
+            <a:prstGeom prst="straightConnector1">
+              <a:avLst/>
+            </a:prstGeom>
+            <a:ln w="38100">
+              <a:solidFill>
+                <a:srgbClr val="FF0000"/>
+              </a:solidFill>
+              <a:tailEnd type="arrow"/>
+            </a:ln>
+          </p:spPr>
+          <p:style>
+            <a:lnRef idx="1">
+              <a:schemeClr val="accent1"/>
+            </a:lnRef>
+            <a:fillRef idx="0">
+              <a:schemeClr val="accent1"/>
+            </a:fillRef>
+            <a:effectRef idx="0">
+              <a:schemeClr val="accent1"/>
+            </a:effectRef>
+            <a:fontRef idx="minor">
+              <a:schemeClr val="tx1"/>
+            </a:fontRef>
+          </p:style>
+        </p:cxnSp>
+        <p:sp>
+          <p:nvSpPr>
+            <p:cNvPr id="50" name="正方形/長方形 49"/>
+            <p:cNvSpPr/>
+            <p:nvPr/>
+          </p:nvSpPr>
+          <p:spPr>
+            <a:xfrm>
+              <a:off x="4667050" y="3015837"/>
+              <a:ext cx="1339835" cy="809560"/>
+            </a:xfrm>
+            <a:prstGeom prst="rect">
+              <a:avLst/>
+            </a:prstGeom>
+            <a:ln>
+              <a:solidFill>
+                <a:schemeClr val="accent1"/>
+              </a:solidFill>
+            </a:ln>
+          </p:spPr>
+          <p:style>
+            <a:lnRef idx="2">
+              <a:schemeClr val="accent6"/>
+            </a:lnRef>
+            <a:fillRef idx="1">
+              <a:schemeClr val="lt1"/>
+            </a:fillRef>
+            <a:effectRef idx="0">
+              <a:schemeClr val="accent6"/>
+            </a:effectRef>
+            <a:fontRef idx="minor">
+              <a:schemeClr val="dk1"/>
+            </a:fontRef>
+          </p:style>
+          <p:txBody>
+            <a:bodyPr rtlCol="0" anchor="t"/>
+            <a:lstStyle/>
+            <a:p>
+              <a:r>
+                <a:rPr lang="en-US" altLang="ja-JP" sz="1400" dirty="0"/>
+                <a:t>Java</a:t>
+              </a:r>
+            </a:p>
+            <a:p>
+              <a:r>
+                <a:rPr lang="en-US" altLang="ja-JP" sz="1400" dirty="0"/>
+                <a:t>(Reader</a:t>
+              </a:r>
+              <a:r>
+                <a:rPr lang="ja-JP" altLang="en-US" sz="1400" dirty="0" err="1" smtClean="0"/>
+                <a:t>、</a:t>
+              </a:r>
+              <a:r>
+                <a:rPr lang="en-US" altLang="ja-JP" sz="1400" dirty="0" smtClean="0"/>
+                <a:t>Writer</a:t>
+              </a:r>
+              <a:r>
+                <a:rPr lang="ja-JP" altLang="en-US" sz="1400" dirty="0"/>
+                <a:t>等</a:t>
+              </a:r>
+              <a:r>
+                <a:rPr lang="en-US" altLang="ja-JP" sz="1400" dirty="0"/>
+                <a:t>)</a:t>
+              </a:r>
+              <a:endParaRPr lang="ja-JP" altLang="en-US" sz="1400" dirty="0"/>
+            </a:p>
+            <a:p>
+              <a:endParaRPr lang="en-US" altLang="ja-JP" sz="1400" dirty="0" smtClean="0"/>
+            </a:p>
+          </p:txBody>
+        </p:sp>
+        <p:cxnSp>
+          <p:nvCxnSpPr>
+            <p:cNvPr id="52" name="直線矢印コネクタ 51"/>
+            <p:cNvCxnSpPr>
+              <a:stCxn id="28" idx="3"/>
+            </p:cNvCxnSpPr>
+            <p:nvPr/>
+          </p:nvCxnSpPr>
+          <p:spPr>
+            <a:xfrm flipV="1">
+              <a:off x="6008126" y="2997914"/>
+              <a:ext cx="2020258" cy="2258554"/>
+            </a:xfrm>
+            <a:prstGeom prst="straightConnector1">
+              <a:avLst/>
+            </a:prstGeom>
+            <a:ln w="38100">
+              <a:solidFill>
+                <a:srgbClr val="FF0000"/>
+              </a:solidFill>
+              <a:tailEnd type="arrow"/>
+            </a:ln>
+          </p:spPr>
+          <p:style>
+            <a:lnRef idx="1">
+              <a:schemeClr val="accent1"/>
+            </a:lnRef>
+            <a:fillRef idx="0">
+              <a:schemeClr val="accent1"/>
+            </a:fillRef>
+            <a:effectRef idx="0">
+              <a:schemeClr val="accent1"/>
+            </a:effectRef>
+            <a:fontRef idx="minor">
+              <a:schemeClr val="tx1"/>
+            </a:fontRef>
+          </p:style>
+        </p:cxnSp>
+        <p:sp>
+          <p:nvSpPr>
+            <p:cNvPr id="54" name="テキスト ボックス 53"/>
+            <p:cNvSpPr txBox="1"/>
+            <p:nvPr/>
+          </p:nvSpPr>
+          <p:spPr>
+            <a:xfrm>
+              <a:off x="6084186" y="4564894"/>
+              <a:ext cx="492443" cy="276999"/>
+            </a:xfrm>
+            <a:prstGeom prst="rect">
+              <a:avLst/>
+            </a:prstGeom>
+            <a:noFill/>
+          </p:spPr>
+          <p:txBody>
+            <a:bodyPr wrap="none" rtlCol="0">
+              <a:spAutoFit/>
+            </a:bodyPr>
+            <a:lstStyle/>
+            <a:p>
+              <a:r>
+                <a:rPr lang="ja-JP" altLang="en-US" sz="1200" dirty="0"/>
+                <a:t>設定</a:t>
+              </a:r>
+              <a:endParaRPr kumimoji="1" lang="ja-JP" altLang="en-US" sz="1200" dirty="0"/>
+            </a:p>
+          </p:txBody>
+        </p:sp>
+        <p:cxnSp>
+          <p:nvCxnSpPr>
+            <p:cNvPr id="58" name="直線矢印コネクタ 57"/>
+            <p:cNvCxnSpPr/>
+            <p:nvPr/>
+          </p:nvCxnSpPr>
+          <p:spPr>
+            <a:xfrm>
+              <a:off x="5868144" y="1714882"/>
+              <a:ext cx="1140856" cy="706006"/>
+            </a:xfrm>
+            <a:prstGeom prst="straightConnector1">
+              <a:avLst/>
+            </a:prstGeom>
+            <a:ln w="38100">
+              <a:solidFill>
+                <a:srgbClr val="FF0000"/>
+              </a:solidFill>
+              <a:tailEnd type="arrow"/>
+            </a:ln>
+          </p:spPr>
+          <p:style>
+            <a:lnRef idx="1">
+              <a:schemeClr val="accent1"/>
+            </a:lnRef>
+            <a:fillRef idx="0">
+              <a:schemeClr val="accent1"/>
+            </a:fillRef>
+            <a:effectRef idx="0">
+              <a:schemeClr val="accent1"/>
+            </a:effectRef>
+            <a:fontRef idx="minor">
+              <a:schemeClr val="tx1"/>
+            </a:fontRef>
+          </p:style>
+        </p:cxnSp>
+        <p:sp>
+          <p:nvSpPr>
+            <p:cNvPr id="61" name="テキスト ボックス 60"/>
+            <p:cNvSpPr txBox="1"/>
+            <p:nvPr/>
+          </p:nvSpPr>
+          <p:spPr>
+            <a:xfrm>
+              <a:off x="5951765" y="1320486"/>
+              <a:ext cx="1742785" cy="276999"/>
+            </a:xfrm>
+            <a:prstGeom prst="rect">
+              <a:avLst/>
+            </a:prstGeom>
+            <a:noFill/>
+          </p:spPr>
+          <p:txBody>
+            <a:bodyPr wrap="none" rtlCol="0">
+              <a:spAutoFit/>
+            </a:bodyPr>
+            <a:lstStyle/>
+            <a:p>
+              <a:r>
+                <a:rPr lang="ja-JP" altLang="en-US" sz="1200" dirty="0"/>
+                <a:t>処理</a:t>
+              </a:r>
+              <a:r>
+                <a:rPr lang="ja-JP" altLang="en-US" sz="1200" dirty="0" smtClean="0"/>
+                <a:t>フロー</a:t>
+              </a:r>
+              <a:r>
+                <a:rPr lang="ja-JP" altLang="en-US" sz="1200" dirty="0"/>
+                <a:t>の</a:t>
+              </a:r>
+              <a:r>
+                <a:rPr lang="ja-JP" altLang="en-US" sz="1200" dirty="0" smtClean="0"/>
+                <a:t>追加・編集</a:t>
+              </a:r>
+              <a:endParaRPr kumimoji="1" lang="ja-JP" altLang="en-US" sz="1200" dirty="0"/>
+            </a:p>
+          </p:txBody>
+        </p:sp>
+        <p:sp>
+          <p:nvSpPr>
+            <p:cNvPr id="65" name="正方形/長方形 64"/>
+            <p:cNvSpPr/>
+            <p:nvPr/>
+          </p:nvSpPr>
+          <p:spPr>
+            <a:xfrm>
+              <a:off x="1842379" y="6226439"/>
+              <a:ext cx="323933" cy="288032"/>
+            </a:xfrm>
+            <a:prstGeom prst="rect">
+              <a:avLst/>
+            </a:prstGeom>
+            <a:ln>
+              <a:solidFill>
+                <a:schemeClr val="accent3"/>
+              </a:solidFill>
+            </a:ln>
+          </p:spPr>
+          <p:style>
+            <a:lnRef idx="2">
+              <a:schemeClr val="accent6"/>
+            </a:lnRef>
+            <a:fillRef idx="1">
+              <a:schemeClr val="lt1"/>
+            </a:fillRef>
+            <a:effectRef idx="0">
+              <a:schemeClr val="accent6"/>
+            </a:effectRef>
+            <a:fontRef idx="minor">
+              <a:schemeClr val="dk1"/>
+            </a:fontRef>
+          </p:style>
+          <p:txBody>
+            <a:bodyPr rtlCol="0" anchor="t"/>
+            <a:lstStyle/>
+            <a:p>
+              <a:endParaRPr lang="ja-JP" altLang="en-US" sz="1400" dirty="0"/>
+            </a:p>
+          </p:txBody>
+        </p:sp>
+        <p:sp>
+          <p:nvSpPr>
+            <p:cNvPr id="66" name="テキスト ボックス 65"/>
+            <p:cNvSpPr txBox="1"/>
+            <p:nvPr/>
+          </p:nvSpPr>
+          <p:spPr>
+            <a:xfrm>
+              <a:off x="2114504" y="6185789"/>
+              <a:ext cx="1678220" cy="369332"/>
+            </a:xfrm>
+            <a:prstGeom prst="rect">
+              <a:avLst/>
+            </a:prstGeom>
+            <a:noFill/>
+          </p:spPr>
+          <p:txBody>
+            <a:bodyPr wrap="square" rtlCol="0">
+              <a:spAutoFit/>
+            </a:bodyPr>
+            <a:lstStyle/>
+            <a:p>
+              <a:r>
+                <a:rPr kumimoji="1" lang="ja-JP" altLang="en-US" dirty="0" smtClean="0"/>
+                <a:t>：作成するもの</a:t>
+              </a:r>
+              <a:endParaRPr kumimoji="1" lang="ja-JP" altLang="en-US" dirty="0"/>
+            </a:p>
+          </p:txBody>
+        </p:sp>
+        <p:sp>
+          <p:nvSpPr>
+            <p:cNvPr id="67" name="正方形/長方形 66"/>
+            <p:cNvSpPr/>
+            <p:nvPr/>
+          </p:nvSpPr>
+          <p:spPr>
+            <a:xfrm>
+              <a:off x="4208526" y="6210384"/>
+              <a:ext cx="323933" cy="288032"/>
+            </a:xfrm>
+            <a:prstGeom prst="rect">
+              <a:avLst/>
+            </a:prstGeom>
+            <a:ln>
+              <a:solidFill>
+                <a:schemeClr val="accent1"/>
+              </a:solidFill>
+            </a:ln>
+          </p:spPr>
+          <p:style>
+            <a:lnRef idx="2">
+              <a:schemeClr val="accent6"/>
+            </a:lnRef>
+            <a:fillRef idx="1">
+              <a:schemeClr val="lt1"/>
+            </a:fillRef>
+            <a:effectRef idx="0">
+              <a:schemeClr val="accent6"/>
+            </a:effectRef>
+            <a:fontRef idx="minor">
+              <a:schemeClr val="dk1"/>
+            </a:fontRef>
+          </p:style>
+          <p:txBody>
+            <a:bodyPr rtlCol="0" anchor="t"/>
+            <a:lstStyle/>
+            <a:p>
               <a:endParaRPr lang="ja-JP" altLang="en-US" sz="1400" dirty="0"/>
             </a:p>
           </p:txBody>
@@ -5641,7 +6025,7 @@
 </p:sld>
 </file>
 
-<file path=ppt/slides/slide11.xml><?xml version="1.0" encoding="utf-8"?>
+<file path=ppt/slides/slide12.xml><?xml version="1.0" encoding="utf-8"?>
 <p:sld xmlns:a="http://schemas.openxmlformats.org/drawingml/2006/main" xmlns:r="http://schemas.openxmlformats.org/officeDocument/2006/relationships" xmlns:p="http://schemas.openxmlformats.org/presentationml/2006/main">
   <p:cSld>
     <p:spTree>
@@ -6528,7 +6912,7 @@
 </p:sld>
 </file>
 
-<file path=ppt/slides/slide12.xml><?xml version="1.0" encoding="utf-8"?>
+<file path=ppt/slides/slide13.xml><?xml version="1.0" encoding="utf-8"?>
 <p:sld xmlns:a="http://schemas.openxmlformats.org/drawingml/2006/main" xmlns:r="http://schemas.openxmlformats.org/officeDocument/2006/relationships" xmlns:p="http://schemas.openxmlformats.org/presentationml/2006/main">
   <p:cSld>
     <p:spTree>
@@ -7470,7 +7854,7 @@
 </p:sld>
 </file>
 
-<file path=ppt/slides/slide13.xml><?xml version="1.0" encoding="utf-8"?>
+<file path=ppt/slides/slide14.xml><?xml version="1.0" encoding="utf-8"?>
 <p:sld xmlns:a="http://schemas.openxmlformats.org/drawingml/2006/main" xmlns:r="http://schemas.openxmlformats.org/officeDocument/2006/relationships" xmlns:p="http://schemas.openxmlformats.org/presentationml/2006/main">
   <p:cSld>
     <p:spTree>
@@ -8412,7 +8796,7 @@
 </p:sld>
 </file>
 
-<file path=ppt/slides/slide14.xml><?xml version="1.0" encoding="utf-8"?>
+<file path=ppt/slides/slide15.xml><?xml version="1.0" encoding="utf-8"?>
 <p:sld xmlns:a="http://schemas.openxmlformats.org/drawingml/2006/main" xmlns:r="http://schemas.openxmlformats.org/officeDocument/2006/relationships" xmlns:p="http://schemas.openxmlformats.org/presentationml/2006/main">
   <p:cSld>
     <p:spTree>
@@ -9354,7 +9738,7 @@
 </p:sld>
 </file>
 
-<file path=ppt/slides/slide15.xml><?xml version="1.0" encoding="utf-8"?>
+<file path=ppt/slides/slide16.xml><?xml version="1.0" encoding="utf-8"?>
 <p:sld xmlns:a="http://schemas.openxmlformats.org/drawingml/2006/main" xmlns:r="http://schemas.openxmlformats.org/officeDocument/2006/relationships" xmlns:p="http://schemas.openxmlformats.org/presentationml/2006/main">
   <p:cSld>
     <p:spTree>
@@ -9592,7 +9976,7 @@
 </p:sld>
 </file>
 
-<file path=ppt/slides/slide16.xml><?xml version="1.0" encoding="utf-8"?>
+<file path=ppt/slides/slide17.xml><?xml version="1.0" encoding="utf-8"?>
 <p:sld xmlns:a="http://schemas.openxmlformats.org/drawingml/2006/main" xmlns:r="http://schemas.openxmlformats.org/officeDocument/2006/relationships" xmlns:p="http://schemas.openxmlformats.org/presentationml/2006/main">
   <p:cSld>
     <p:spTree>
@@ -9986,1060 +10370,6 @@
 </p:sld>
 </file>
 
-<file path=ppt/slides/slide17.xml><?xml version="1.0" encoding="utf-8"?>
-<p:sld xmlns:a="http://schemas.openxmlformats.org/drawingml/2006/main" xmlns:r="http://schemas.openxmlformats.org/officeDocument/2006/relationships" xmlns:p="http://schemas.openxmlformats.org/presentationml/2006/main">
-  <p:cSld>
-    <p:spTree>
-      <p:nvGrpSpPr>
-        <p:cNvPr id="1" name=""/>
-        <p:cNvGrpSpPr/>
-        <p:nvPr/>
-      </p:nvGrpSpPr>
-      <p:grpSpPr>
-        <a:xfrm>
-          <a:off x="0" y="0"/>
-          <a:ext cx="0" cy="0"/>
-          <a:chOff x="0" y="0"/>
-          <a:chExt cx="0" cy="0"/>
-        </a:xfrm>
-      </p:grpSpPr>
-      <p:grpSp>
-        <p:nvGrpSpPr>
-          <p:cNvPr id="11" name="グループ化 10"/>
-          <p:cNvGrpSpPr/>
-          <p:nvPr/>
-        </p:nvGrpSpPr>
-        <p:grpSpPr>
-          <a:xfrm>
-            <a:off x="434094" y="301614"/>
-            <a:ext cx="8276993" cy="5904340"/>
-            <a:chOff x="434094" y="301614"/>
-            <a:chExt cx="8276993" cy="5904340"/>
-          </a:xfrm>
-        </p:grpSpPr>
-        <p:sp>
-          <p:nvSpPr>
-            <p:cNvPr id="50" name="角丸四角形 49"/>
-            <p:cNvSpPr/>
-            <p:nvPr/>
-          </p:nvSpPr>
-          <p:spPr>
-            <a:xfrm>
-              <a:off x="434094" y="3346134"/>
-              <a:ext cx="5402449" cy="2859820"/>
-            </a:xfrm>
-            <a:prstGeom prst="roundRect">
-              <a:avLst>
-                <a:gd name="adj" fmla="val 8192"/>
-              </a:avLst>
-            </a:prstGeom>
-            <a:noFill/>
-            <a:ln w="12700">
-              <a:prstDash val="dash"/>
-            </a:ln>
-          </p:spPr>
-          <p:style>
-            <a:lnRef idx="2">
-              <a:schemeClr val="accent1">
-                <a:shade val="50000"/>
-              </a:schemeClr>
-            </a:lnRef>
-            <a:fillRef idx="1">
-              <a:schemeClr val="accent1"/>
-            </a:fillRef>
-            <a:effectRef idx="0">
-              <a:schemeClr val="accent1"/>
-            </a:effectRef>
-            <a:fontRef idx="minor">
-              <a:schemeClr val="lt1"/>
-            </a:fontRef>
-          </p:style>
-          <p:txBody>
-            <a:bodyPr rtlCol="0" anchor="ctr"/>
-            <a:lstStyle/>
-            <a:p>
-              <a:pPr algn="ctr"/>
-              <a:endParaRPr kumimoji="1" lang="ja-JP" altLang="en-US"/>
-            </a:p>
-          </p:txBody>
-        </p:sp>
-        <p:pic>
-          <p:nvPicPr>
-            <p:cNvPr id="2" name="図 1"/>
-            <p:cNvPicPr>
-              <a:picLocks noChangeAspect="1"/>
-            </p:cNvPicPr>
-            <p:nvPr/>
-          </p:nvPicPr>
-          <p:blipFill>
-            <a:blip r:embed="rId2" cstate="print">
-              <a:extLst>
-                <a:ext uri="{28A0092B-C50C-407E-A947-70E740481C1C}">
-                  <a14:useLocalDpi xmlns:a14="http://schemas.microsoft.com/office/drawing/2010/main" val="0"/>
-                </a:ext>
-              </a:extLst>
-            </a:blip>
-            <a:stretch>
-              <a:fillRect/>
-            </a:stretch>
-          </p:blipFill>
-          <p:spPr>
-            <a:xfrm>
-              <a:off x="514070" y="672449"/>
-              <a:ext cx="1342318" cy="1349063"/>
-            </a:xfrm>
-            <a:prstGeom prst="rect">
-              <a:avLst/>
-            </a:prstGeom>
-          </p:spPr>
-        </p:pic>
-        <p:sp>
-          <p:nvSpPr>
-            <p:cNvPr id="3" name="正方形/長方形 2"/>
-            <p:cNvSpPr/>
-            <p:nvPr/>
-          </p:nvSpPr>
-          <p:spPr>
-            <a:xfrm>
-              <a:off x="4381811" y="5032827"/>
-              <a:ext cx="1342317" cy="809560"/>
-            </a:xfrm>
-            <a:prstGeom prst="rect">
-              <a:avLst/>
-            </a:prstGeom>
-            <a:ln>
-              <a:solidFill>
-                <a:schemeClr val="accent3"/>
-              </a:solidFill>
-            </a:ln>
-          </p:spPr>
-          <p:style>
-            <a:lnRef idx="2">
-              <a:schemeClr val="accent6"/>
-            </a:lnRef>
-            <a:fillRef idx="1">
-              <a:schemeClr val="lt1"/>
-            </a:fillRef>
-            <a:effectRef idx="0">
-              <a:schemeClr val="accent6"/>
-            </a:effectRef>
-            <a:fontRef idx="minor">
-              <a:schemeClr val="dk1"/>
-            </a:fontRef>
-          </p:style>
-          <p:txBody>
-            <a:bodyPr rtlCol="0" anchor="t"/>
-            <a:lstStyle/>
-            <a:p>
-              <a:r>
-                <a:rPr lang="en-US" altLang="ja-JP" sz="1400" dirty="0" smtClean="0"/>
-                <a:t>Bean</a:t>
-              </a:r>
-            </a:p>
-            <a:p>
-              <a:r>
-                <a:rPr lang="ja-JP" altLang="en-US" sz="1400" dirty="0"/>
-                <a:t>（</a:t>
-              </a:r>
-              <a:r>
-                <a:rPr lang="ja-JP" altLang="en-US" sz="1400" dirty="0" smtClean="0"/>
-                <a:t>データ</a:t>
-              </a:r>
-              <a:r>
-                <a:rPr lang="ja-JP" altLang="en-US" sz="1400" dirty="0"/>
-                <a:t>項目</a:t>
-              </a:r>
-              <a:r>
-                <a:rPr lang="ja-JP" altLang="en-US" sz="1400" dirty="0" smtClean="0"/>
-                <a:t>）</a:t>
-              </a:r>
-              <a:endParaRPr lang="en-US" altLang="ja-JP" sz="1400" dirty="0" smtClean="0"/>
-            </a:p>
-          </p:txBody>
-        </p:sp>
-        <p:sp>
-          <p:nvSpPr>
-            <p:cNvPr id="4" name="正方形/長方形 3"/>
-            <p:cNvSpPr/>
-            <p:nvPr/>
-          </p:nvSpPr>
-          <p:spPr>
-            <a:xfrm>
-              <a:off x="2941651" y="5032827"/>
-              <a:ext cx="1342317" cy="809560"/>
-            </a:xfrm>
-            <a:prstGeom prst="rect">
-              <a:avLst/>
-            </a:prstGeom>
-            <a:ln>
-              <a:solidFill>
-                <a:schemeClr val="accent3"/>
-              </a:solidFill>
-            </a:ln>
-          </p:spPr>
-          <p:style>
-            <a:lnRef idx="2">
-              <a:schemeClr val="accent6"/>
-            </a:lnRef>
-            <a:fillRef idx="1">
-              <a:schemeClr val="lt1"/>
-            </a:fillRef>
-            <a:effectRef idx="0">
-              <a:schemeClr val="accent6"/>
-            </a:effectRef>
-            <a:fontRef idx="minor">
-              <a:schemeClr val="dk1"/>
-            </a:fontRef>
-          </p:style>
-          <p:txBody>
-            <a:bodyPr rtlCol="0" anchor="t"/>
-            <a:lstStyle/>
-            <a:p>
-              <a:r>
-                <a:rPr lang="en-US" altLang="ja-JP" sz="1400" dirty="0" smtClean="0"/>
-                <a:t>SQL</a:t>
-              </a:r>
-            </a:p>
-            <a:p>
-              <a:r>
-                <a:rPr lang="ja-JP" altLang="en-US" sz="1400" dirty="0"/>
-                <a:t>（変換仕様</a:t>
-              </a:r>
-              <a:r>
-                <a:rPr lang="ja-JP" altLang="en-US" sz="1400" dirty="0" smtClean="0"/>
-                <a:t>）</a:t>
-              </a:r>
-              <a:endParaRPr lang="en-US" altLang="ja-JP" sz="1400" dirty="0" smtClean="0"/>
-            </a:p>
-          </p:txBody>
-        </p:sp>
-        <p:pic>
-          <p:nvPicPr>
-            <p:cNvPr id="5" name="Picture 3"/>
-            <p:cNvPicPr>
-              <a:picLocks noChangeAspect="1" noChangeArrowheads="1"/>
-            </p:cNvPicPr>
-            <p:nvPr/>
-          </p:nvPicPr>
-          <p:blipFill>
-            <a:blip r:embed="rId3" cstate="print">
-              <a:extLst>
-                <a:ext uri="{28A0092B-C50C-407E-A947-70E740481C1C}">
-                  <a14:useLocalDpi xmlns:a14="http://schemas.microsoft.com/office/drawing/2010/main" val="0"/>
-                </a:ext>
-              </a:extLst>
-            </a:blip>
-            <a:srcRect/>
-            <a:stretch>
-              <a:fillRect/>
-            </a:stretch>
-          </p:blipFill>
-          <p:spPr bwMode="auto">
-            <a:xfrm>
-              <a:off x="4297671" y="2210165"/>
-              <a:ext cx="2032041" cy="1533079"/>
-            </a:xfrm>
-            <a:prstGeom prst="rect">
-              <a:avLst/>
-            </a:prstGeom>
-            <a:noFill/>
-            <a:ln>
-              <a:noFill/>
-            </a:ln>
-            <a:extLst>
-              <a:ext uri="{909E8E84-426E-40DD-AFC4-6F175D3DCCD1}">
-                <a14:hiddenFill xmlns:a14="http://schemas.microsoft.com/office/drawing/2010/main">
-                  <a:solidFill>
-                    <a:schemeClr val="accent1"/>
-                  </a:solidFill>
-                </a14:hiddenFill>
-              </a:ext>
-              <a:ext uri="{91240B29-F687-4F45-9708-019B960494DF}">
-                <a14:hiddenLine xmlns:a14="http://schemas.microsoft.com/office/drawing/2010/main" w="9525">
-                  <a:solidFill>
-                    <a:schemeClr val="tx1"/>
-                  </a:solidFill>
-                  <a:miter lim="800000"/>
-                  <a:headEnd/>
-                  <a:tailEnd/>
-                </a14:hiddenLine>
-              </a:ext>
-            </a:extLst>
-          </p:spPr>
-        </p:pic>
-        <p:sp>
-          <p:nvSpPr>
-            <p:cNvPr id="6" name="正方形/長方形 5"/>
-            <p:cNvSpPr/>
-            <p:nvPr/>
-          </p:nvSpPr>
-          <p:spPr>
-            <a:xfrm>
-              <a:off x="530096" y="2293689"/>
-              <a:ext cx="1342318" cy="809560"/>
-            </a:xfrm>
-            <a:prstGeom prst="rect">
-              <a:avLst/>
-            </a:prstGeom>
-            <a:ln>
-              <a:solidFill>
-                <a:schemeClr val="accent1"/>
-              </a:solidFill>
-            </a:ln>
-          </p:spPr>
-          <p:style>
-            <a:lnRef idx="2">
-              <a:schemeClr val="accent6"/>
-            </a:lnRef>
-            <a:fillRef idx="1">
-              <a:schemeClr val="lt1"/>
-            </a:fillRef>
-            <a:effectRef idx="0">
-              <a:schemeClr val="accent6"/>
-            </a:effectRef>
-            <a:fontRef idx="minor">
-              <a:schemeClr val="dk1"/>
-            </a:fontRef>
-          </p:style>
-          <p:txBody>
-            <a:bodyPr rtlCol="0" anchor="t"/>
-            <a:lstStyle/>
-            <a:p>
-              <a:r>
-                <a:rPr lang="ja-JP" altLang="en-US" sz="1400" dirty="0"/>
-                <a:t>テンプレート</a:t>
-              </a:r>
-              <a:endParaRPr lang="en-US" altLang="ja-JP" sz="1400" dirty="0" smtClean="0"/>
-            </a:p>
-            <a:p>
-              <a:r>
-                <a:rPr lang="ja-JP" altLang="en-US" sz="1400" dirty="0" smtClean="0"/>
-                <a:t>（</a:t>
-              </a:r>
-              <a:r>
-                <a:rPr lang="ja-JP" altLang="en-US" sz="1400" dirty="0"/>
-                <a:t>処理</a:t>
-              </a:r>
-              <a:r>
-                <a:rPr lang="ja-JP" altLang="en-US" sz="1400" dirty="0" smtClean="0"/>
-                <a:t>フロー）</a:t>
-              </a:r>
-              <a:endParaRPr lang="en-US" altLang="ja-JP" sz="1400" dirty="0" smtClean="0"/>
-            </a:p>
-            <a:p>
-              <a:endParaRPr lang="en-US" altLang="ja-JP" sz="1400" dirty="0" smtClean="0"/>
-            </a:p>
-          </p:txBody>
-        </p:sp>
-        <p:cxnSp>
-          <p:nvCxnSpPr>
-            <p:cNvPr id="7" name="直線矢印コネクタ 6"/>
-            <p:cNvCxnSpPr>
-              <a:stCxn id="6" idx="3"/>
-            </p:cNvCxnSpPr>
-            <p:nvPr/>
-          </p:nvCxnSpPr>
-          <p:spPr>
-            <a:xfrm>
-              <a:off x="1872414" y="2698469"/>
-              <a:ext cx="2339546" cy="0"/>
-            </a:xfrm>
-            <a:prstGeom prst="straightConnector1">
-              <a:avLst/>
-            </a:prstGeom>
-            <a:ln w="38100">
-              <a:solidFill>
-                <a:srgbClr val="FF0000"/>
-              </a:solidFill>
-              <a:tailEnd type="arrow"/>
-            </a:ln>
-          </p:spPr>
-          <p:style>
-            <a:lnRef idx="1">
-              <a:schemeClr val="accent1"/>
-            </a:lnRef>
-            <a:fillRef idx="0">
-              <a:schemeClr val="accent1"/>
-            </a:fillRef>
-            <a:effectRef idx="0">
-              <a:schemeClr val="accent1"/>
-            </a:effectRef>
-            <a:fontRef idx="minor">
-              <a:schemeClr val="tx1"/>
-            </a:fontRef>
-          </p:style>
-        </p:cxnSp>
-        <p:cxnSp>
-          <p:nvCxnSpPr>
-            <p:cNvPr id="8" name="直線矢印コネクタ 7"/>
-            <p:cNvCxnSpPr>
-              <a:stCxn id="18" idx="3"/>
-            </p:cNvCxnSpPr>
-            <p:nvPr/>
-          </p:nvCxnSpPr>
-          <p:spPr>
-            <a:xfrm flipV="1">
-              <a:off x="1912090" y="2698469"/>
-              <a:ext cx="3924453" cy="1295330"/>
-            </a:xfrm>
-            <a:prstGeom prst="straightConnector1">
-              <a:avLst/>
-            </a:prstGeom>
-            <a:ln w="38100">
-              <a:solidFill>
-                <a:srgbClr val="FF0000"/>
-              </a:solidFill>
-              <a:tailEnd type="arrow"/>
-            </a:ln>
-          </p:spPr>
-          <p:style>
-            <a:lnRef idx="1">
-              <a:schemeClr val="accent1"/>
-            </a:lnRef>
-            <a:fillRef idx="0">
-              <a:schemeClr val="accent1"/>
-            </a:fillRef>
-            <a:effectRef idx="0">
-              <a:schemeClr val="accent1"/>
-            </a:effectRef>
-            <a:fontRef idx="minor">
-              <a:schemeClr val="tx1"/>
-            </a:fontRef>
-          </p:style>
-        </p:cxnSp>
-        <p:cxnSp>
-          <p:nvCxnSpPr>
-            <p:cNvPr id="9" name="直線矢印コネクタ 8"/>
-            <p:cNvCxnSpPr>
-              <a:stCxn id="4" idx="0"/>
-            </p:cNvCxnSpPr>
-            <p:nvPr/>
-          </p:nvCxnSpPr>
-          <p:spPr>
-            <a:xfrm flipV="1">
-              <a:off x="3612810" y="2884410"/>
-              <a:ext cx="2223733" cy="2148417"/>
-            </a:xfrm>
-            <a:prstGeom prst="straightConnector1">
-              <a:avLst/>
-            </a:prstGeom>
-            <a:ln w="38100">
-              <a:solidFill>
-                <a:srgbClr val="FF0000"/>
-              </a:solidFill>
-              <a:tailEnd type="arrow"/>
-            </a:ln>
-          </p:spPr>
-          <p:style>
-            <a:lnRef idx="1">
-              <a:schemeClr val="accent1"/>
-            </a:lnRef>
-            <a:fillRef idx="0">
-              <a:schemeClr val="accent1"/>
-            </a:fillRef>
-            <a:effectRef idx="0">
-              <a:schemeClr val="accent1"/>
-            </a:effectRef>
-            <a:fontRef idx="minor">
-              <a:schemeClr val="tx1"/>
-            </a:fontRef>
-          </p:style>
-        </p:cxnSp>
-        <p:sp>
-          <p:nvSpPr>
-            <p:cNvPr id="13" name="正方形/長方形 12"/>
-            <p:cNvSpPr/>
-            <p:nvPr/>
-          </p:nvSpPr>
-          <p:spPr>
-            <a:xfrm>
-              <a:off x="7452320" y="2570420"/>
-              <a:ext cx="1258767" cy="809560"/>
-            </a:xfrm>
-            <a:prstGeom prst="rect">
-              <a:avLst/>
-            </a:prstGeom>
-            <a:ln>
-              <a:solidFill>
-                <a:schemeClr val="accent1"/>
-              </a:solidFill>
-            </a:ln>
-          </p:spPr>
-          <p:style>
-            <a:lnRef idx="2">
-              <a:schemeClr val="accent6"/>
-            </a:lnRef>
-            <a:fillRef idx="1">
-              <a:schemeClr val="lt1"/>
-            </a:fillRef>
-            <a:effectRef idx="0">
-              <a:schemeClr val="accent6"/>
-            </a:effectRef>
-            <a:fontRef idx="minor">
-              <a:schemeClr val="dk1"/>
-            </a:fontRef>
-          </p:style>
-          <p:txBody>
-            <a:bodyPr rtlCol="0" anchor="t"/>
-            <a:lstStyle/>
-            <a:p>
-              <a:pPr algn="just"/>
-              <a:r>
-                <a:rPr lang="ja-JP" altLang="en-US" sz="1400" dirty="0" smtClean="0"/>
-                <a:t>設定ファイル</a:t>
-              </a:r>
-              <a:endParaRPr lang="ja-JP" altLang="en-US" sz="1400" dirty="0"/>
-            </a:p>
-          </p:txBody>
-        </p:sp>
-        <p:cxnSp>
-          <p:nvCxnSpPr>
-            <p:cNvPr id="14" name="直線矢印コネクタ 13"/>
-            <p:cNvCxnSpPr>
-              <a:stCxn id="5" idx="3"/>
-              <a:endCxn id="13" idx="1"/>
-            </p:cNvCxnSpPr>
-            <p:nvPr/>
-          </p:nvCxnSpPr>
-          <p:spPr>
-            <a:xfrm flipV="1">
-              <a:off x="6329712" y="2975200"/>
-              <a:ext cx="1122608" cy="1505"/>
-            </a:xfrm>
-            <a:prstGeom prst="straightConnector1">
-              <a:avLst/>
-            </a:prstGeom>
-            <a:ln w="38100">
-              <a:solidFill>
-                <a:srgbClr val="FF0000"/>
-              </a:solidFill>
-              <a:tailEnd type="arrow"/>
-            </a:ln>
-          </p:spPr>
-          <p:style>
-            <a:lnRef idx="1">
-              <a:schemeClr val="accent1"/>
-            </a:lnRef>
-            <a:fillRef idx="0">
-              <a:schemeClr val="accent1"/>
-            </a:fillRef>
-            <a:effectRef idx="0">
-              <a:schemeClr val="accent1"/>
-            </a:effectRef>
-            <a:fontRef idx="minor">
-              <a:schemeClr val="tx1"/>
-            </a:fontRef>
-          </p:style>
-        </p:cxnSp>
-        <p:sp>
-          <p:nvSpPr>
-            <p:cNvPr id="18" name="正方形/長方形 17"/>
-            <p:cNvSpPr/>
-            <p:nvPr/>
-          </p:nvSpPr>
-          <p:spPr>
-            <a:xfrm>
-              <a:off x="572255" y="3589019"/>
-              <a:ext cx="1339835" cy="809560"/>
-            </a:xfrm>
-            <a:prstGeom prst="rect">
-              <a:avLst/>
-            </a:prstGeom>
-            <a:ln>
-              <a:solidFill>
-                <a:schemeClr val="accent1"/>
-              </a:solidFill>
-            </a:ln>
-          </p:spPr>
-          <p:style>
-            <a:lnRef idx="2">
-              <a:schemeClr val="accent6"/>
-            </a:lnRef>
-            <a:fillRef idx="1">
-              <a:schemeClr val="lt1"/>
-            </a:fillRef>
-            <a:effectRef idx="0">
-              <a:schemeClr val="accent6"/>
-            </a:effectRef>
-            <a:fontRef idx="minor">
-              <a:schemeClr val="dk1"/>
-            </a:fontRef>
-          </p:style>
-          <p:txBody>
-            <a:bodyPr rtlCol="0" anchor="t"/>
-            <a:lstStyle/>
-            <a:p>
-              <a:r>
-                <a:rPr lang="en-US" altLang="ja-JP" sz="1400" dirty="0"/>
-                <a:t>Java</a:t>
-              </a:r>
-            </a:p>
-            <a:p>
-              <a:r>
-                <a:rPr lang="en-US" altLang="ja-JP" sz="1400" dirty="0"/>
-                <a:t>(Reader</a:t>
-              </a:r>
-              <a:r>
-                <a:rPr lang="ja-JP" altLang="en-US" sz="1400" dirty="0" err="1" smtClean="0"/>
-                <a:t>、</a:t>
-              </a:r>
-              <a:r>
-                <a:rPr lang="en-US" altLang="ja-JP" sz="1400" dirty="0" smtClean="0"/>
-                <a:t>Writer</a:t>
-              </a:r>
-              <a:r>
-                <a:rPr lang="ja-JP" altLang="en-US" sz="1400" dirty="0"/>
-                <a:t>等</a:t>
-              </a:r>
-              <a:r>
-                <a:rPr lang="en-US" altLang="ja-JP" sz="1400" dirty="0"/>
-                <a:t>)</a:t>
-              </a:r>
-              <a:endParaRPr lang="ja-JP" altLang="en-US" sz="1400" dirty="0"/>
-            </a:p>
-            <a:p>
-              <a:endParaRPr lang="en-US" altLang="ja-JP" sz="1400" dirty="0" smtClean="0"/>
-            </a:p>
-          </p:txBody>
-        </p:sp>
-        <p:cxnSp>
-          <p:nvCxnSpPr>
-            <p:cNvPr id="19" name="直線矢印コネクタ 18"/>
-            <p:cNvCxnSpPr>
-              <a:stCxn id="3" idx="0"/>
-            </p:cNvCxnSpPr>
-            <p:nvPr/>
-          </p:nvCxnSpPr>
-          <p:spPr>
-            <a:xfrm flipV="1">
-              <a:off x="5052970" y="3044728"/>
-              <a:ext cx="783573" cy="1988099"/>
-            </a:xfrm>
-            <a:prstGeom prst="straightConnector1">
-              <a:avLst/>
-            </a:prstGeom>
-            <a:ln w="38100">
-              <a:solidFill>
-                <a:srgbClr val="FF0000"/>
-              </a:solidFill>
-              <a:tailEnd type="arrow"/>
-            </a:ln>
-          </p:spPr>
-          <p:style>
-            <a:lnRef idx="1">
-              <a:schemeClr val="accent1"/>
-            </a:lnRef>
-            <a:fillRef idx="0">
-              <a:schemeClr val="accent1"/>
-            </a:fillRef>
-            <a:effectRef idx="0">
-              <a:schemeClr val="accent1"/>
-            </a:effectRef>
-            <a:fontRef idx="minor">
-              <a:schemeClr val="tx1"/>
-            </a:fontRef>
-          </p:style>
-        </p:cxnSp>
-        <p:cxnSp>
-          <p:nvCxnSpPr>
-            <p:cNvPr id="21" name="直線矢印コネクタ 20"/>
-            <p:cNvCxnSpPr/>
-            <p:nvPr/>
-          </p:nvCxnSpPr>
-          <p:spPr>
-            <a:xfrm>
-              <a:off x="1627059" y="1654763"/>
-              <a:ext cx="3037271" cy="777158"/>
-            </a:xfrm>
-            <a:prstGeom prst="straightConnector1">
-              <a:avLst/>
-            </a:prstGeom>
-            <a:ln w="38100">
-              <a:solidFill>
-                <a:srgbClr val="FF0000"/>
-              </a:solidFill>
-              <a:tailEnd type="arrow"/>
-            </a:ln>
-          </p:spPr>
-          <p:style>
-            <a:lnRef idx="1">
-              <a:schemeClr val="accent1"/>
-            </a:lnRef>
-            <a:fillRef idx="0">
-              <a:schemeClr val="accent1"/>
-            </a:fillRef>
-            <a:effectRef idx="0">
-              <a:schemeClr val="accent1"/>
-            </a:effectRef>
-            <a:fontRef idx="minor">
-              <a:schemeClr val="tx1"/>
-            </a:fontRef>
-          </p:style>
-        </p:cxnSp>
-        <p:sp>
-          <p:nvSpPr>
-            <p:cNvPr id="22" name="テキスト ボックス 21"/>
-            <p:cNvSpPr txBox="1"/>
-            <p:nvPr/>
-          </p:nvSpPr>
-          <p:spPr>
-            <a:xfrm>
-              <a:off x="2208327" y="1562563"/>
-              <a:ext cx="2795721" cy="338554"/>
-            </a:xfrm>
-            <a:prstGeom prst="rect">
-              <a:avLst/>
-            </a:prstGeom>
-            <a:noFill/>
-          </p:spPr>
-          <p:txBody>
-            <a:bodyPr wrap="square" rtlCol="0">
-              <a:spAutoFit/>
-            </a:bodyPr>
-            <a:lstStyle/>
-            <a:p>
-              <a:r>
-                <a:rPr lang="ja-JP" altLang="en-US" sz="1600" dirty="0" smtClean="0"/>
-                <a:t>②処理フロー</a:t>
-              </a:r>
-              <a:r>
-                <a:rPr lang="ja-JP" altLang="en-US" sz="1600" dirty="0"/>
-                <a:t>の</a:t>
-              </a:r>
-              <a:r>
-                <a:rPr lang="ja-JP" altLang="en-US" sz="1600" dirty="0" smtClean="0"/>
-                <a:t>追加・編集</a:t>
-              </a:r>
-              <a:endParaRPr kumimoji="1" lang="ja-JP" altLang="en-US" sz="1600" dirty="0"/>
-            </a:p>
-          </p:txBody>
-        </p:sp>
-        <p:sp>
-          <p:nvSpPr>
-            <p:cNvPr id="23" name="テキスト ボックス 22"/>
-            <p:cNvSpPr txBox="1"/>
-            <p:nvPr/>
-          </p:nvSpPr>
-          <p:spPr>
-            <a:xfrm>
-              <a:off x="2339752" y="2348880"/>
-              <a:ext cx="955712" cy="338554"/>
-            </a:xfrm>
-            <a:prstGeom prst="rect">
-              <a:avLst/>
-            </a:prstGeom>
-            <a:noFill/>
-          </p:spPr>
-          <p:txBody>
-            <a:bodyPr wrap="square" rtlCol="0">
-              <a:spAutoFit/>
-            </a:bodyPr>
-            <a:lstStyle/>
-            <a:p>
-              <a:r>
-                <a:rPr lang="ja-JP" altLang="en-US" sz="1600" dirty="0" smtClean="0"/>
-                <a:t>①読込</a:t>
-              </a:r>
-              <a:endParaRPr kumimoji="1" lang="ja-JP" altLang="en-US" sz="1600" dirty="0"/>
-            </a:p>
-          </p:txBody>
-        </p:sp>
-        <p:sp>
-          <p:nvSpPr>
-            <p:cNvPr id="27" name="テキスト ボックス 26"/>
-            <p:cNvSpPr txBox="1"/>
-            <p:nvPr/>
-          </p:nvSpPr>
-          <p:spPr>
-            <a:xfrm>
-              <a:off x="514070" y="5272592"/>
-              <a:ext cx="2468946" cy="584775"/>
-            </a:xfrm>
-            <a:prstGeom prst="rect">
-              <a:avLst/>
-            </a:prstGeom>
-            <a:noFill/>
-          </p:spPr>
-          <p:txBody>
-            <a:bodyPr wrap="none" rtlCol="0">
-              <a:spAutoFit/>
-            </a:bodyPr>
-            <a:lstStyle/>
-            <a:p>
-              <a:r>
-                <a:rPr lang="ja-JP" altLang="en-US" sz="1600" dirty="0" smtClean="0"/>
-                <a:t>③</a:t>
-              </a:r>
-              <a:r>
-                <a:rPr lang="en-US" altLang="ja-JP" sz="1600" dirty="0" smtClean="0"/>
-                <a:t>Bean</a:t>
-              </a:r>
-              <a:r>
-                <a:rPr lang="ja-JP" altLang="en-US" sz="1600" dirty="0" err="1" smtClean="0"/>
-                <a:t>、</a:t>
-              </a:r>
-              <a:r>
-                <a:rPr lang="en-US" altLang="ja-JP" sz="1600" dirty="0" smtClean="0"/>
-                <a:t>SQL</a:t>
-              </a:r>
-              <a:r>
-                <a:rPr lang="ja-JP" altLang="en-US" sz="1600" dirty="0" smtClean="0"/>
-                <a:t>の作成と</a:t>
-              </a:r>
-              <a:endParaRPr lang="en-US" altLang="ja-JP" sz="1600" dirty="0" smtClean="0"/>
-            </a:p>
-            <a:p>
-              <a:r>
-                <a:rPr kumimoji="1" lang="ja-JP" altLang="en-US" sz="1600" dirty="0" smtClean="0"/>
-                <a:t>プロパティパネル</a:t>
-              </a:r>
-              <a:r>
-                <a:rPr kumimoji="1" lang="ja-JP" altLang="en-US" sz="1600" dirty="0"/>
-                <a:t>で</a:t>
-              </a:r>
-              <a:r>
-                <a:rPr kumimoji="1" lang="ja-JP" altLang="en-US" sz="1600" dirty="0" smtClean="0"/>
-                <a:t>の設定</a:t>
-              </a:r>
-              <a:endParaRPr kumimoji="1" lang="ja-JP" altLang="en-US" sz="1600" dirty="0"/>
-            </a:p>
-          </p:txBody>
-        </p:sp>
-        <p:sp>
-          <p:nvSpPr>
-            <p:cNvPr id="28" name="テキスト ボックス 27"/>
-            <p:cNvSpPr txBox="1"/>
-            <p:nvPr/>
-          </p:nvSpPr>
-          <p:spPr>
-            <a:xfrm>
-              <a:off x="6444208" y="2636912"/>
-              <a:ext cx="800219" cy="338554"/>
-            </a:xfrm>
-            <a:prstGeom prst="rect">
-              <a:avLst/>
-            </a:prstGeom>
-            <a:noFill/>
-          </p:spPr>
-          <p:txBody>
-            <a:bodyPr wrap="none" rtlCol="0">
-              <a:spAutoFit/>
-            </a:bodyPr>
-            <a:lstStyle/>
-            <a:p>
-              <a:r>
-                <a:rPr lang="ja-JP" altLang="en-US" sz="1600" dirty="0" smtClean="0"/>
-                <a:t>④出力</a:t>
-              </a:r>
-              <a:endParaRPr kumimoji="1" lang="ja-JP" altLang="en-US" sz="1600" dirty="0"/>
-            </a:p>
-          </p:txBody>
-        </p:sp>
-        <p:cxnSp>
-          <p:nvCxnSpPr>
-            <p:cNvPr id="30" name="直線矢印コネクタ 29"/>
-            <p:cNvCxnSpPr/>
-            <p:nvPr/>
-          </p:nvCxnSpPr>
-          <p:spPr>
-            <a:xfrm flipV="1">
-              <a:off x="1921558" y="852469"/>
-              <a:ext cx="2178620" cy="360040"/>
-            </a:xfrm>
-            <a:prstGeom prst="straightConnector1">
-              <a:avLst/>
-            </a:prstGeom>
-            <a:ln w="38100">
-              <a:solidFill>
-                <a:srgbClr val="FF0000"/>
-              </a:solidFill>
-              <a:tailEnd type="arrow"/>
-            </a:ln>
-          </p:spPr>
-          <p:style>
-            <a:lnRef idx="1">
-              <a:schemeClr val="accent1"/>
-            </a:lnRef>
-            <a:fillRef idx="0">
-              <a:schemeClr val="accent1"/>
-            </a:fillRef>
-            <a:effectRef idx="0">
-              <a:schemeClr val="accent1"/>
-            </a:effectRef>
-            <a:fontRef idx="minor">
-              <a:schemeClr val="tx1"/>
-            </a:fontRef>
-          </p:style>
-        </p:cxnSp>
-        <p:sp>
-          <p:nvSpPr>
-            <p:cNvPr id="32" name="テキスト ボックス 31"/>
-            <p:cNvSpPr txBox="1"/>
-            <p:nvPr/>
-          </p:nvSpPr>
-          <p:spPr>
-            <a:xfrm>
-              <a:off x="2395856" y="672449"/>
-              <a:ext cx="800219" cy="338554"/>
-            </a:xfrm>
-            <a:prstGeom prst="rect">
-              <a:avLst/>
-            </a:prstGeom>
-            <a:noFill/>
-          </p:spPr>
-          <p:txBody>
-            <a:bodyPr wrap="none" rtlCol="0">
-              <a:spAutoFit/>
-            </a:bodyPr>
-            <a:lstStyle/>
-            <a:p>
-              <a:r>
-                <a:rPr lang="ja-JP" altLang="en-US" sz="1600" dirty="0" smtClean="0"/>
-                <a:t>⑤実行</a:t>
-              </a:r>
-              <a:endParaRPr lang="en-US" altLang="ja-JP" sz="1600" dirty="0" smtClean="0"/>
-            </a:p>
-          </p:txBody>
-        </p:sp>
-        <p:sp>
-          <p:nvSpPr>
-            <p:cNvPr id="59" name="正方形/長方形 58"/>
-            <p:cNvSpPr/>
-            <p:nvPr/>
-          </p:nvSpPr>
-          <p:spPr>
-            <a:xfrm>
-              <a:off x="4211960" y="404664"/>
-              <a:ext cx="1252561" cy="807845"/>
-            </a:xfrm>
-            <a:prstGeom prst="rect">
-              <a:avLst/>
-            </a:prstGeom>
-          </p:spPr>
-          <p:style>
-            <a:lnRef idx="2">
-              <a:schemeClr val="dk1">
-                <a:shade val="50000"/>
-              </a:schemeClr>
-            </a:lnRef>
-            <a:fillRef idx="1">
-              <a:schemeClr val="dk1"/>
-            </a:fillRef>
-            <a:effectRef idx="0">
-              <a:schemeClr val="dk1"/>
-            </a:effectRef>
-            <a:fontRef idx="minor">
-              <a:schemeClr val="lt1"/>
-            </a:fontRef>
-          </p:style>
-          <p:txBody>
-            <a:bodyPr rtlCol="0" anchor="t"/>
-            <a:lstStyle/>
-            <a:p>
-              <a:r>
-                <a:rPr kumimoji="1" lang="en-US" altLang="ja-JP" sz="1100" dirty="0" smtClean="0"/>
-                <a:t>C:\ &gt;</a:t>
-              </a:r>
-              <a:endParaRPr kumimoji="1" lang="ja-JP" altLang="en-US" sz="1100" dirty="0"/>
-            </a:p>
-          </p:txBody>
-        </p:sp>
-        <p:sp>
-          <p:nvSpPr>
-            <p:cNvPr id="61" name="正方形/長方形 60"/>
-            <p:cNvSpPr/>
-            <p:nvPr/>
-          </p:nvSpPr>
-          <p:spPr>
-            <a:xfrm>
-              <a:off x="4211959" y="301614"/>
-              <a:ext cx="1252561" cy="87529"/>
-            </a:xfrm>
-            <a:prstGeom prst="rect">
-              <a:avLst/>
-            </a:prstGeom>
-            <a:solidFill>
-              <a:schemeClr val="accent1"/>
-            </a:solidFill>
-          </p:spPr>
-          <p:style>
-            <a:lnRef idx="2">
-              <a:schemeClr val="dk1">
-                <a:shade val="50000"/>
-              </a:schemeClr>
-            </a:lnRef>
-            <a:fillRef idx="1">
-              <a:schemeClr val="dk1"/>
-            </a:fillRef>
-            <a:effectRef idx="0">
-              <a:schemeClr val="dk1"/>
-            </a:effectRef>
-            <a:fontRef idx="minor">
-              <a:schemeClr val="lt1"/>
-            </a:fontRef>
-          </p:style>
-          <p:txBody>
-            <a:bodyPr rtlCol="0" anchor="t"/>
-            <a:lstStyle/>
-            <a:p>
-              <a:endParaRPr kumimoji="1" lang="ja-JP" altLang="en-US" sz="1100" dirty="0"/>
-            </a:p>
-          </p:txBody>
-        </p:sp>
-        <p:sp>
-          <p:nvSpPr>
-            <p:cNvPr id="10" name="正方形/長方形 9"/>
-            <p:cNvSpPr/>
-            <p:nvPr/>
-          </p:nvSpPr>
-          <p:spPr>
-            <a:xfrm>
-              <a:off x="2208327" y="2210165"/>
-              <a:ext cx="1211545" cy="781967"/>
-            </a:xfrm>
-            <a:prstGeom prst="rect">
-              <a:avLst/>
-            </a:prstGeom>
-            <a:noFill/>
-            <a:ln w="57150"/>
-          </p:spPr>
-          <p:style>
-            <a:lnRef idx="2">
-              <a:schemeClr val="accent6"/>
-            </a:lnRef>
-            <a:fillRef idx="1">
-              <a:schemeClr val="lt1"/>
-            </a:fillRef>
-            <a:effectRef idx="0">
-              <a:schemeClr val="accent6"/>
-            </a:effectRef>
-            <a:fontRef idx="minor">
-              <a:schemeClr val="dk1"/>
-            </a:fontRef>
-          </p:style>
-          <p:txBody>
-            <a:bodyPr rtlCol="0" anchor="ctr"/>
-            <a:lstStyle/>
-            <a:p>
-              <a:pPr algn="ctr"/>
-              <a:endParaRPr kumimoji="1" lang="ja-JP" altLang="en-US"/>
-            </a:p>
-          </p:txBody>
-        </p:sp>
-      </p:grpSp>
-    </p:spTree>
-    <p:extLst>
-      <p:ext uri="{BB962C8B-B14F-4D97-AF65-F5344CB8AC3E}">
-        <p14:creationId xmlns:p14="http://schemas.microsoft.com/office/powerpoint/2010/main" val="757520447"/>
-      </p:ext>
-    </p:extLst>
-  </p:cSld>
-  <p:clrMapOvr>
-    <a:masterClrMapping/>
-  </p:clrMapOvr>
-</p:sld>
-</file>
-
 <file path=ppt/slides/slide18.xml><?xml version="1.0" encoding="utf-8"?>
 <p:sld xmlns:a="http://schemas.openxmlformats.org/drawingml/2006/main" xmlns:r="http://schemas.openxmlformats.org/officeDocument/2006/relationships" xmlns:p="http://schemas.openxmlformats.org/presentationml/2006/main">
   <p:cSld>
@@ -12048,8 +11378,8 @@
           </p:nvSpPr>
           <p:spPr>
             <a:xfrm>
-              <a:off x="2211835" y="1348777"/>
-              <a:ext cx="2360165" cy="781967"/>
+              <a:off x="2208327" y="2210165"/>
+              <a:ext cx="1211545" cy="781967"/>
             </a:xfrm>
             <a:prstGeom prst="rect">
               <a:avLst/>
@@ -12084,7 +11414,7 @@
     </p:spTree>
     <p:extLst>
       <p:ext uri="{BB962C8B-B14F-4D97-AF65-F5344CB8AC3E}">
-        <p14:creationId xmlns:p14="http://schemas.microsoft.com/office/powerpoint/2010/main" val="1893503174"/>
+        <p14:creationId xmlns:p14="http://schemas.microsoft.com/office/powerpoint/2010/main" val="757520447"/>
       </p:ext>
     </p:extLst>
   </p:cSld>
@@ -12119,10 +11449,10 @@
         </p:nvGrpSpPr>
         <p:grpSpPr>
           <a:xfrm>
-            <a:off x="390166" y="301614"/>
-            <a:ext cx="8320921" cy="5904340"/>
-            <a:chOff x="390166" y="301614"/>
-            <a:chExt cx="8320921" cy="5904340"/>
+            <a:off x="434094" y="301614"/>
+            <a:ext cx="8276993" cy="5904340"/>
+            <a:chOff x="434094" y="301614"/>
+            <a:chExt cx="8276993" cy="5904340"/>
           </a:xfrm>
         </p:grpSpPr>
         <p:sp>
@@ -13102,8 +12432,8 @@
           </p:nvSpPr>
           <p:spPr>
             <a:xfrm>
-              <a:off x="390166" y="5075400"/>
-              <a:ext cx="2473785" cy="781967"/>
+              <a:off x="2211835" y="1348777"/>
+              <a:ext cx="2360165" cy="781967"/>
             </a:xfrm>
             <a:prstGeom prst="rect">
               <a:avLst/>
@@ -13167,232 +12497,34 @@
       </p:grpSpPr>
       <p:grpSp>
         <p:nvGrpSpPr>
-          <p:cNvPr id="4" name="グループ化 3"/>
+          <p:cNvPr id="7" name="グループ化 6"/>
           <p:cNvGrpSpPr/>
           <p:nvPr/>
         </p:nvGrpSpPr>
         <p:grpSpPr>
           <a:xfrm>
-            <a:off x="834485" y="604837"/>
-            <a:ext cx="7486650" cy="5648326"/>
-            <a:chOff x="834485" y="604837"/>
-            <a:chExt cx="7486650" cy="5648326"/>
+            <a:off x="1115616" y="2638860"/>
+            <a:ext cx="4752528" cy="3095786"/>
+            <a:chOff x="1115616" y="2638860"/>
+            <a:chExt cx="4752528" cy="3095786"/>
           </a:xfrm>
         </p:grpSpPr>
-        <p:pic>
-          <p:nvPicPr>
-            <p:cNvPr id="3" name="Picture 2"/>
-            <p:cNvPicPr>
-              <a:picLocks noChangeAspect="1" noChangeArrowheads="1"/>
-            </p:cNvPicPr>
-            <p:nvPr/>
-          </p:nvPicPr>
-          <p:blipFill>
-            <a:blip r:embed="rId2">
-              <a:extLst>
-                <a:ext uri="{28A0092B-C50C-407E-A947-70E740481C1C}">
-                  <a14:useLocalDpi xmlns:a14="http://schemas.microsoft.com/office/drawing/2010/main" val="0"/>
-                </a:ext>
-              </a:extLst>
-            </a:blip>
-            <a:srcRect/>
-            <a:stretch>
-              <a:fillRect/>
-            </a:stretch>
-          </p:blipFill>
-          <p:spPr bwMode="auto">
-            <a:xfrm>
-              <a:off x="834485" y="604837"/>
-              <a:ext cx="7486650" cy="5648325"/>
-            </a:xfrm>
-            <a:prstGeom prst="rect">
-              <a:avLst/>
-            </a:prstGeom>
-            <a:noFill/>
-            <a:ln>
-              <a:noFill/>
-            </a:ln>
-            <a:extLst>
-              <a:ext uri="{909E8E84-426E-40DD-AFC4-6F175D3DCCD1}">
-                <a14:hiddenFill xmlns:a14="http://schemas.microsoft.com/office/drawing/2010/main">
-                  <a:solidFill>
-                    <a:schemeClr val="accent1"/>
-                  </a:solidFill>
-                </a14:hiddenFill>
-              </a:ext>
-              <a:ext uri="{91240B29-F687-4F45-9708-019B960494DF}">
-                <a14:hiddenLine xmlns:a14="http://schemas.microsoft.com/office/drawing/2010/main" w="9525">
-                  <a:solidFill>
-                    <a:schemeClr val="tx1"/>
-                  </a:solidFill>
-                  <a:miter lim="800000"/>
-                  <a:headEnd/>
-                  <a:tailEnd/>
-                </a14:hiddenLine>
-              </a:ext>
-            </a:extLst>
-          </p:spPr>
-        </p:pic>
         <p:sp>
           <p:nvSpPr>
-            <p:cNvPr id="11" name="正方形/長方形 10"/>
+            <p:cNvPr id="24" name="角丸四角形 23"/>
             <p:cNvSpPr/>
             <p:nvPr/>
           </p:nvSpPr>
           <p:spPr>
             <a:xfrm>
-              <a:off x="834485" y="1082421"/>
-              <a:ext cx="5033659" cy="5170742"/>
-            </a:xfrm>
-            <a:prstGeom prst="rect">
-              <a:avLst/>
-            </a:prstGeom>
-            <a:noFill/>
+              <a:off x="2195736" y="2638860"/>
+              <a:ext cx="3672408" cy="2590340"/>
+            </a:xfrm>
+            <a:prstGeom prst="roundRect">
+              <a:avLst/>
+            </a:prstGeom>
             <a:ln>
-              <a:solidFill>
-                <a:schemeClr val="accent6"/>
-              </a:solidFill>
-            </a:ln>
-          </p:spPr>
-          <p:style>
-            <a:lnRef idx="2">
-              <a:schemeClr val="accent1">
-                <a:shade val="50000"/>
-              </a:schemeClr>
-            </a:lnRef>
-            <a:fillRef idx="1">
-              <a:schemeClr val="accent1"/>
-            </a:fillRef>
-            <a:effectRef idx="0">
-              <a:schemeClr val="accent1"/>
-            </a:effectRef>
-            <a:fontRef idx="minor">
-              <a:schemeClr val="lt1"/>
-            </a:fontRef>
-          </p:style>
-          <p:txBody>
-            <a:bodyPr rtlCol="0" anchor="ctr"/>
-            <a:lstStyle/>
-            <a:p>
-              <a:pPr algn="ctr"/>
-              <a:endParaRPr kumimoji="1" lang="ja-JP" altLang="en-US"/>
-            </a:p>
-          </p:txBody>
-        </p:sp>
-        <p:sp>
-          <p:nvSpPr>
-            <p:cNvPr id="12" name="正方形/長方形 11"/>
-            <p:cNvSpPr/>
-            <p:nvPr/>
-          </p:nvSpPr>
-          <p:spPr>
-            <a:xfrm>
-              <a:off x="5922218" y="1082421"/>
-              <a:ext cx="2322190" cy="5170742"/>
-            </a:xfrm>
-            <a:prstGeom prst="rect">
-              <a:avLst/>
-            </a:prstGeom>
-            <a:noFill/>
-            <a:ln>
-              <a:solidFill>
-                <a:schemeClr val="accent3"/>
-              </a:solidFill>
-            </a:ln>
-          </p:spPr>
-          <p:style>
-            <a:lnRef idx="2">
-              <a:schemeClr val="accent1">
-                <a:shade val="50000"/>
-              </a:schemeClr>
-            </a:lnRef>
-            <a:fillRef idx="1">
-              <a:schemeClr val="accent1"/>
-            </a:fillRef>
-            <a:effectRef idx="0">
-              <a:schemeClr val="accent1"/>
-            </a:effectRef>
-            <a:fontRef idx="minor">
-              <a:schemeClr val="lt1"/>
-            </a:fontRef>
-          </p:style>
-          <p:txBody>
-            <a:bodyPr rtlCol="0" anchor="ctr"/>
-            <a:lstStyle/>
-            <a:p>
-              <a:pPr algn="ctr"/>
-              <a:endParaRPr kumimoji="1" lang="ja-JP" altLang="en-US"/>
-            </a:p>
-          </p:txBody>
-        </p:sp>
-        <p:sp>
-          <p:nvSpPr>
-            <p:cNvPr id="13" name="正方形/長方形 12"/>
-            <p:cNvSpPr/>
-            <p:nvPr/>
-          </p:nvSpPr>
-          <p:spPr>
-            <a:xfrm>
-              <a:off x="1043608" y="1268760"/>
-              <a:ext cx="959592" cy="3312368"/>
-            </a:xfrm>
-            <a:prstGeom prst="rect">
-              <a:avLst/>
-            </a:prstGeom>
-            <a:noFill/>
-            <a:ln>
-              <a:solidFill>
-                <a:schemeClr val="accent1"/>
-              </a:solidFill>
-            </a:ln>
-          </p:spPr>
-          <p:style>
-            <a:lnRef idx="2">
-              <a:schemeClr val="accent1">
-                <a:shade val="50000"/>
-              </a:schemeClr>
-            </a:lnRef>
-            <a:fillRef idx="1">
-              <a:schemeClr val="accent1"/>
-            </a:fillRef>
-            <a:effectRef idx="0">
-              <a:schemeClr val="accent1"/>
-            </a:effectRef>
-            <a:fontRef idx="minor">
-              <a:schemeClr val="lt1"/>
-            </a:fontRef>
-          </p:style>
-          <p:txBody>
-            <a:bodyPr rtlCol="0" anchor="ctr"/>
-            <a:lstStyle/>
-            <a:p>
-              <a:pPr algn="ctr"/>
-              <a:endParaRPr kumimoji="1" lang="ja-JP" altLang="en-US"/>
-            </a:p>
-          </p:txBody>
-        </p:sp>
-        <p:sp>
-          <p:nvSpPr>
-            <p:cNvPr id="2" name="角丸四角形 1"/>
-            <p:cNvSpPr/>
-            <p:nvPr/>
-          </p:nvSpPr>
-          <p:spPr>
-            <a:xfrm>
-              <a:off x="5995051" y="4149080"/>
-              <a:ext cx="2195285" cy="1656184"/>
-            </a:xfrm>
-            <a:prstGeom prst="roundRect">
-              <a:avLst/>
-            </a:prstGeom>
-            <a:solidFill>
-              <a:schemeClr val="accent3">
-                <a:lumMod val="20000"/>
-                <a:lumOff val="80000"/>
-              </a:schemeClr>
-            </a:solidFill>
-            <a:ln>
-              <a:noFill/>
+              <a:prstDash val="solid"/>
             </a:ln>
           </p:spPr>
           <p:style>
@@ -13413,71 +12545,35 @@
             <a:bodyPr rtlCol="0" anchor="t"/>
             <a:lstStyle/>
             <a:p>
-              <a:r>
-                <a:rPr lang="ja-JP" altLang="en-US" i="1" dirty="0" smtClean="0"/>
-                <a:t>プロパティパネル</a:t>
-              </a:r>
-              <a:endParaRPr lang="en-US" altLang="ja-JP" i="1" dirty="0" smtClean="0"/>
-            </a:p>
-            <a:p>
-              <a:r>
-                <a:rPr lang="ja-JP" altLang="en-US" dirty="0"/>
-                <a:t>選択した図形</a:t>
-              </a:r>
-              <a:r>
-                <a:rPr lang="ja-JP" altLang="en-US" dirty="0" smtClean="0"/>
-                <a:t>の</a:t>
-              </a:r>
-              <a:r>
-                <a:rPr lang="en-US" altLang="ja-JP" dirty="0"/>
-                <a:t>B</a:t>
-              </a:r>
-              <a:r>
-                <a:rPr lang="en-US" altLang="ja-JP" dirty="0" smtClean="0"/>
-                <a:t>ean</a:t>
-              </a:r>
-              <a:r>
-                <a:rPr lang="ja-JP" altLang="en-US" dirty="0" err="1" smtClean="0"/>
-                <a:t>、</a:t>
-              </a:r>
-              <a:r>
-                <a:rPr lang="en-US" altLang="ja-JP" dirty="0" smtClean="0"/>
-                <a:t>SQL</a:t>
-              </a:r>
-              <a:r>
-                <a:rPr lang="ja-JP" altLang="en-US" dirty="0" smtClean="0"/>
-                <a:t>など</a:t>
-              </a:r>
-              <a:r>
-                <a:rPr lang="ja-JP" altLang="en-US" dirty="0"/>
-                <a:t>の項目を設定します。</a:t>
-              </a:r>
-              <a:endParaRPr lang="ja-JP" altLang="en-US" i="1" dirty="0"/>
+              <a:pPr algn="ctr"/>
+              <a:r>
+                <a:rPr lang="ja-JP" altLang="en-US" dirty="0">
+                  <a:solidFill>
+                    <a:schemeClr val="accent6"/>
+                  </a:solidFill>
+                </a:rPr>
+                <a:t>クライアント</a:t>
+              </a:r>
+              <a:endParaRPr kumimoji="1" lang="ja-JP" altLang="en-US" dirty="0"/>
             </a:p>
           </p:txBody>
         </p:sp>
         <p:sp>
           <p:nvSpPr>
-            <p:cNvPr id="14" name="角丸四角形 13"/>
+            <p:cNvPr id="13" name="角丸四角形 12"/>
             <p:cNvSpPr/>
             <p:nvPr/>
           </p:nvSpPr>
           <p:spPr>
             <a:xfrm>
-              <a:off x="2843808" y="2636912"/>
-              <a:ext cx="2678369" cy="1201993"/>
+              <a:off x="2915816" y="3223690"/>
+              <a:ext cx="2232248" cy="483845"/>
             </a:xfrm>
             <a:prstGeom prst="roundRect">
               <a:avLst/>
             </a:prstGeom>
-            <a:solidFill>
-              <a:schemeClr val="accent6">
-                <a:lumMod val="20000"/>
-                <a:lumOff val="80000"/>
-              </a:schemeClr>
-            </a:solidFill>
             <a:ln>
-              <a:noFill/>
+              <a:prstDash val="sysDot"/>
             </a:ln>
           </p:spPr>
           <p:style>
@@ -13495,49 +12591,76 @@
             </a:fontRef>
           </p:style>
           <p:txBody>
-            <a:bodyPr rtlCol="0" anchor="t"/>
+            <a:bodyPr rtlCol="0" anchor="ctr"/>
             <a:lstStyle/>
             <a:p>
-              <a:r>
-                <a:rPr lang="ja-JP" altLang="en-US" i="1" dirty="0"/>
-                <a:t>キャンバス</a:t>
-              </a:r>
-            </a:p>
-            <a:p>
-              <a:r>
-                <a:rPr lang="ja-JP" altLang="en-US" dirty="0"/>
-                <a:t>図形を配置</a:t>
-              </a:r>
-              <a:r>
-                <a:rPr lang="ja-JP" altLang="en-US" dirty="0" smtClean="0"/>
-                <a:t>して処理フローを作成します。</a:t>
-              </a:r>
-              <a:endParaRPr lang="ja-JP" altLang="en-US" i="1" dirty="0"/>
+              <a:pPr algn="ctr"/>
+              <a:r>
+                <a:rPr lang="en-US" altLang="ja-JP" dirty="0">
+                  <a:solidFill>
+                    <a:schemeClr val="accent6"/>
+                  </a:solidFill>
+                </a:rPr>
+                <a:t>ETL</a:t>
+              </a:r>
+              <a:r>
+                <a:rPr lang="ja-JP" altLang="en-US" dirty="0" smtClean="0">
+                  <a:solidFill>
+                    <a:schemeClr val="accent6"/>
+                  </a:solidFill>
+                </a:rPr>
+                <a:t>デザイナー</a:t>
+              </a:r>
+              <a:endParaRPr kumimoji="1" lang="ja-JP" altLang="en-US" dirty="0"/>
             </a:p>
           </p:txBody>
         </p:sp>
+        <p:pic>
+          <p:nvPicPr>
+            <p:cNvPr id="28" name="図 27"/>
+            <p:cNvPicPr>
+              <a:picLocks noChangeAspect="1"/>
+            </p:cNvPicPr>
+            <p:nvPr/>
+          </p:nvPicPr>
+          <p:blipFill>
+            <a:blip r:embed="rId2" cstate="print">
+              <a:extLst>
+                <a:ext uri="{28A0092B-C50C-407E-A947-70E740481C1C}">
+                  <a14:useLocalDpi xmlns:a14="http://schemas.microsoft.com/office/drawing/2010/main" val="0"/>
+                </a:ext>
+              </a:extLst>
+            </a:blip>
+            <a:stretch>
+              <a:fillRect/>
+            </a:stretch>
+          </p:blipFill>
+          <p:spPr>
+            <a:xfrm>
+              <a:off x="1115616" y="4435720"/>
+              <a:ext cx="1292431" cy="1298926"/>
+            </a:xfrm>
+            <a:prstGeom prst="rect">
+              <a:avLst/>
+            </a:prstGeom>
+          </p:spPr>
+        </p:pic>
         <p:sp>
           <p:nvSpPr>
-            <p:cNvPr id="15" name="角丸四角形 14"/>
+            <p:cNvPr id="9" name="角丸四角形 8"/>
             <p:cNvSpPr/>
             <p:nvPr/>
           </p:nvSpPr>
           <p:spPr>
             <a:xfrm>
-              <a:off x="1043608" y="4869160"/>
-              <a:ext cx="4680520" cy="1224136"/>
+              <a:off x="2915816" y="4289251"/>
+              <a:ext cx="2232248" cy="507902"/>
             </a:xfrm>
             <a:prstGeom prst="roundRect">
               <a:avLst/>
             </a:prstGeom>
-            <a:solidFill>
-              <a:schemeClr val="accent1">
-                <a:lumMod val="20000"/>
-                <a:lumOff val="80000"/>
-              </a:schemeClr>
-            </a:solidFill>
             <a:ln>
-              <a:noFill/>
+              <a:prstDash val="sysDot"/>
             </a:ln>
           </p:spPr>
           <p:style>
@@ -13555,55 +12678,78 @@
             </a:fontRef>
           </p:style>
           <p:txBody>
-            <a:bodyPr rtlCol="0" anchor="t"/>
+            <a:bodyPr rtlCol="0" anchor="ctr"/>
             <a:lstStyle/>
             <a:p>
-              <a:r>
-                <a:rPr lang="ja-JP" altLang="en-US" i="1" dirty="0"/>
-                <a:t>パレット</a:t>
-              </a:r>
-            </a:p>
-            <a:p>
-              <a:r>
-                <a:rPr lang="ja-JP" altLang="en-US" dirty="0"/>
-                <a:t>配置できる図形が表示されます</a:t>
-              </a:r>
-              <a:r>
-                <a:rPr lang="ja-JP" altLang="en-US" dirty="0" smtClean="0"/>
-                <a:t>。ここからキャンバス上にドラッグ</a:t>
-              </a:r>
-              <a:r>
-                <a:rPr lang="en-US" altLang="ja-JP" dirty="0" smtClean="0"/>
-                <a:t>&amp;</a:t>
-              </a:r>
-              <a:r>
-                <a:rPr lang="ja-JP" altLang="en-US" dirty="0" smtClean="0"/>
-                <a:t>ドロップで作成します。</a:t>
-              </a:r>
-              <a:endParaRPr lang="ja-JP" altLang="en-US" i="1" dirty="0"/>
+              <a:pPr algn="ctr"/>
+              <a:r>
+                <a:rPr lang="en-US" altLang="ja-JP" dirty="0" smtClean="0">
+                  <a:solidFill>
+                    <a:schemeClr val="accent6"/>
+                  </a:solidFill>
+                </a:rPr>
+                <a:t>Java</a:t>
+              </a:r>
+              <a:r>
+                <a:rPr lang="ja-JP" altLang="en-US" dirty="0" smtClean="0">
+                  <a:solidFill>
+                    <a:schemeClr val="accent6"/>
+                  </a:solidFill>
+                </a:rPr>
+                <a:t>アプリケーション</a:t>
+              </a:r>
+              <a:endParaRPr kumimoji="1" lang="ja-JP" altLang="en-US" dirty="0"/>
             </a:p>
           </p:txBody>
         </p:sp>
         <p:cxnSp>
           <p:nvCxnSpPr>
-            <p:cNvPr id="5" name="直線矢印コネクタ 4"/>
-            <p:cNvCxnSpPr>
-              <a:endCxn id="13" idx="2"/>
-            </p:cNvCxnSpPr>
+            <p:cNvPr id="10" name="直線矢印コネクタ 9"/>
+            <p:cNvCxnSpPr/>
             <p:nvPr/>
           </p:nvCxnSpPr>
           <p:spPr>
+            <a:xfrm>
+              <a:off x="4139952" y="3707535"/>
+              <a:ext cx="0" cy="581715"/>
+            </a:xfrm>
+            <a:prstGeom prst="straightConnector1">
+              <a:avLst/>
+            </a:prstGeom>
+            <a:ln w="38100">
+              <a:tailEnd type="arrow"/>
+            </a:ln>
+          </p:spPr>
+          <p:style>
+            <a:lnRef idx="1">
+              <a:schemeClr val="accent1"/>
+            </a:lnRef>
+            <a:fillRef idx="0">
+              <a:schemeClr val="accent1"/>
+            </a:fillRef>
+            <a:effectRef idx="0">
+              <a:schemeClr val="accent1"/>
+            </a:effectRef>
+            <a:fontRef idx="minor">
+              <a:schemeClr val="tx1"/>
+            </a:fontRef>
+          </p:style>
+        </p:cxnSp>
+        <p:cxnSp>
+          <p:nvCxnSpPr>
+            <p:cNvPr id="14" name="直線矢印コネクタ 13"/>
+            <p:cNvCxnSpPr/>
+            <p:nvPr/>
+          </p:nvCxnSpPr>
+          <p:spPr>
             <a:xfrm flipV="1">
-              <a:off x="1523404" y="4581128"/>
-              <a:ext cx="0" cy="288032"/>
+              <a:off x="3851920" y="3707535"/>
+              <a:ext cx="0" cy="581715"/>
             </a:xfrm>
             <a:prstGeom prst="straightConnector1">
               <a:avLst/>
             </a:prstGeom>
             <a:ln w="38100">
-              <a:solidFill>
-                <a:schemeClr val="accent1"/>
-              </a:solidFill>
               <a:tailEnd type="arrow"/>
             </a:ln>
           </p:spPr>
@@ -13626,7 +12772,7 @@
     </p:spTree>
     <p:extLst>
       <p:ext uri="{BB962C8B-B14F-4D97-AF65-F5344CB8AC3E}">
-        <p14:creationId xmlns:p14="http://schemas.microsoft.com/office/powerpoint/2010/main" val="4157251795"/>
+        <p14:creationId xmlns:p14="http://schemas.microsoft.com/office/powerpoint/2010/main" val="76281303"/>
       </p:ext>
     </p:extLst>
   </p:cSld>
@@ -13668,10 +12814,10 @@
         </p:nvGrpSpPr>
         <p:grpSpPr>
           <a:xfrm>
-            <a:off x="434094" y="301614"/>
-            <a:ext cx="8276993" cy="5904340"/>
-            <a:chOff x="434094" y="301614"/>
-            <a:chExt cx="8276993" cy="5904340"/>
+            <a:off x="390166" y="301614"/>
+            <a:ext cx="8320921" cy="5904340"/>
+            <a:chOff x="390166" y="301614"/>
+            <a:chExt cx="8320921" cy="5904340"/>
           </a:xfrm>
         </p:grpSpPr>
         <p:sp>
@@ -14651,8 +13797,8 @@
           </p:nvSpPr>
           <p:spPr>
             <a:xfrm>
-              <a:off x="6236594" y="2415205"/>
-              <a:ext cx="1211545" cy="781967"/>
+              <a:off x="390166" y="5075400"/>
+              <a:ext cx="2473785" cy="781967"/>
             </a:xfrm>
             <a:prstGeom prst="rect">
               <a:avLst/>
@@ -15705,7 +14851,7 @@
           </p:nvSpPr>
           <p:spPr>
             <a:xfrm>
-              <a:off x="2190192" y="461485"/>
+              <a:off x="6236594" y="2415205"/>
               <a:ext cx="1211545" cy="781967"/>
             </a:xfrm>
             <a:prstGeom prst="rect">
@@ -15752,6 +14898,1060 @@
 </file>
 
 <file path=ppt/slides/slide22.xml><?xml version="1.0" encoding="utf-8"?>
+<p:sld xmlns:a="http://schemas.openxmlformats.org/drawingml/2006/main" xmlns:r="http://schemas.openxmlformats.org/officeDocument/2006/relationships" xmlns:p="http://schemas.openxmlformats.org/presentationml/2006/main">
+  <p:cSld>
+    <p:spTree>
+      <p:nvGrpSpPr>
+        <p:cNvPr id="1" name=""/>
+        <p:cNvGrpSpPr/>
+        <p:nvPr/>
+      </p:nvGrpSpPr>
+      <p:grpSpPr>
+        <a:xfrm>
+          <a:off x="0" y="0"/>
+          <a:ext cx="0" cy="0"/>
+          <a:chOff x="0" y="0"/>
+          <a:chExt cx="0" cy="0"/>
+        </a:xfrm>
+      </p:grpSpPr>
+      <p:grpSp>
+        <p:nvGrpSpPr>
+          <p:cNvPr id="11" name="グループ化 10"/>
+          <p:cNvGrpSpPr/>
+          <p:nvPr/>
+        </p:nvGrpSpPr>
+        <p:grpSpPr>
+          <a:xfrm>
+            <a:off x="434094" y="301614"/>
+            <a:ext cx="8276993" cy="5904340"/>
+            <a:chOff x="434094" y="301614"/>
+            <a:chExt cx="8276993" cy="5904340"/>
+          </a:xfrm>
+        </p:grpSpPr>
+        <p:sp>
+          <p:nvSpPr>
+            <p:cNvPr id="50" name="角丸四角形 49"/>
+            <p:cNvSpPr/>
+            <p:nvPr/>
+          </p:nvSpPr>
+          <p:spPr>
+            <a:xfrm>
+              <a:off x="434094" y="3346134"/>
+              <a:ext cx="5402449" cy="2859820"/>
+            </a:xfrm>
+            <a:prstGeom prst="roundRect">
+              <a:avLst>
+                <a:gd name="adj" fmla="val 8192"/>
+              </a:avLst>
+            </a:prstGeom>
+            <a:noFill/>
+            <a:ln w="12700">
+              <a:prstDash val="dash"/>
+            </a:ln>
+          </p:spPr>
+          <p:style>
+            <a:lnRef idx="2">
+              <a:schemeClr val="accent1">
+                <a:shade val="50000"/>
+              </a:schemeClr>
+            </a:lnRef>
+            <a:fillRef idx="1">
+              <a:schemeClr val="accent1"/>
+            </a:fillRef>
+            <a:effectRef idx="0">
+              <a:schemeClr val="accent1"/>
+            </a:effectRef>
+            <a:fontRef idx="minor">
+              <a:schemeClr val="lt1"/>
+            </a:fontRef>
+          </p:style>
+          <p:txBody>
+            <a:bodyPr rtlCol="0" anchor="ctr"/>
+            <a:lstStyle/>
+            <a:p>
+              <a:pPr algn="ctr"/>
+              <a:endParaRPr kumimoji="1" lang="ja-JP" altLang="en-US"/>
+            </a:p>
+          </p:txBody>
+        </p:sp>
+        <p:pic>
+          <p:nvPicPr>
+            <p:cNvPr id="2" name="図 1"/>
+            <p:cNvPicPr>
+              <a:picLocks noChangeAspect="1"/>
+            </p:cNvPicPr>
+            <p:nvPr/>
+          </p:nvPicPr>
+          <p:blipFill>
+            <a:blip r:embed="rId2" cstate="print">
+              <a:extLst>
+                <a:ext uri="{28A0092B-C50C-407E-A947-70E740481C1C}">
+                  <a14:useLocalDpi xmlns:a14="http://schemas.microsoft.com/office/drawing/2010/main" val="0"/>
+                </a:ext>
+              </a:extLst>
+            </a:blip>
+            <a:stretch>
+              <a:fillRect/>
+            </a:stretch>
+          </p:blipFill>
+          <p:spPr>
+            <a:xfrm>
+              <a:off x="514070" y="672449"/>
+              <a:ext cx="1342318" cy="1349063"/>
+            </a:xfrm>
+            <a:prstGeom prst="rect">
+              <a:avLst/>
+            </a:prstGeom>
+          </p:spPr>
+        </p:pic>
+        <p:sp>
+          <p:nvSpPr>
+            <p:cNvPr id="3" name="正方形/長方形 2"/>
+            <p:cNvSpPr/>
+            <p:nvPr/>
+          </p:nvSpPr>
+          <p:spPr>
+            <a:xfrm>
+              <a:off x="4381811" y="5032827"/>
+              <a:ext cx="1342317" cy="809560"/>
+            </a:xfrm>
+            <a:prstGeom prst="rect">
+              <a:avLst/>
+            </a:prstGeom>
+            <a:ln>
+              <a:solidFill>
+                <a:schemeClr val="accent3"/>
+              </a:solidFill>
+            </a:ln>
+          </p:spPr>
+          <p:style>
+            <a:lnRef idx="2">
+              <a:schemeClr val="accent6"/>
+            </a:lnRef>
+            <a:fillRef idx="1">
+              <a:schemeClr val="lt1"/>
+            </a:fillRef>
+            <a:effectRef idx="0">
+              <a:schemeClr val="accent6"/>
+            </a:effectRef>
+            <a:fontRef idx="minor">
+              <a:schemeClr val="dk1"/>
+            </a:fontRef>
+          </p:style>
+          <p:txBody>
+            <a:bodyPr rtlCol="0" anchor="t"/>
+            <a:lstStyle/>
+            <a:p>
+              <a:r>
+                <a:rPr lang="en-US" altLang="ja-JP" sz="1400" dirty="0" smtClean="0"/>
+                <a:t>Bean</a:t>
+              </a:r>
+            </a:p>
+            <a:p>
+              <a:r>
+                <a:rPr lang="ja-JP" altLang="en-US" sz="1400" dirty="0"/>
+                <a:t>（</a:t>
+              </a:r>
+              <a:r>
+                <a:rPr lang="ja-JP" altLang="en-US" sz="1400" dirty="0" smtClean="0"/>
+                <a:t>データ</a:t>
+              </a:r>
+              <a:r>
+                <a:rPr lang="ja-JP" altLang="en-US" sz="1400" dirty="0"/>
+                <a:t>項目</a:t>
+              </a:r>
+              <a:r>
+                <a:rPr lang="ja-JP" altLang="en-US" sz="1400" dirty="0" smtClean="0"/>
+                <a:t>）</a:t>
+              </a:r>
+              <a:endParaRPr lang="en-US" altLang="ja-JP" sz="1400" dirty="0" smtClean="0"/>
+            </a:p>
+          </p:txBody>
+        </p:sp>
+        <p:sp>
+          <p:nvSpPr>
+            <p:cNvPr id="4" name="正方形/長方形 3"/>
+            <p:cNvSpPr/>
+            <p:nvPr/>
+          </p:nvSpPr>
+          <p:spPr>
+            <a:xfrm>
+              <a:off x="2941651" y="5032827"/>
+              <a:ext cx="1342317" cy="809560"/>
+            </a:xfrm>
+            <a:prstGeom prst="rect">
+              <a:avLst/>
+            </a:prstGeom>
+            <a:ln>
+              <a:solidFill>
+                <a:schemeClr val="accent3"/>
+              </a:solidFill>
+            </a:ln>
+          </p:spPr>
+          <p:style>
+            <a:lnRef idx="2">
+              <a:schemeClr val="accent6"/>
+            </a:lnRef>
+            <a:fillRef idx="1">
+              <a:schemeClr val="lt1"/>
+            </a:fillRef>
+            <a:effectRef idx="0">
+              <a:schemeClr val="accent6"/>
+            </a:effectRef>
+            <a:fontRef idx="minor">
+              <a:schemeClr val="dk1"/>
+            </a:fontRef>
+          </p:style>
+          <p:txBody>
+            <a:bodyPr rtlCol="0" anchor="t"/>
+            <a:lstStyle/>
+            <a:p>
+              <a:r>
+                <a:rPr lang="en-US" altLang="ja-JP" sz="1400" dirty="0" smtClean="0"/>
+                <a:t>SQL</a:t>
+              </a:r>
+            </a:p>
+            <a:p>
+              <a:r>
+                <a:rPr lang="ja-JP" altLang="en-US" sz="1400" dirty="0"/>
+                <a:t>（変換仕様</a:t>
+              </a:r>
+              <a:r>
+                <a:rPr lang="ja-JP" altLang="en-US" sz="1400" dirty="0" smtClean="0"/>
+                <a:t>）</a:t>
+              </a:r>
+              <a:endParaRPr lang="en-US" altLang="ja-JP" sz="1400" dirty="0" smtClean="0"/>
+            </a:p>
+          </p:txBody>
+        </p:sp>
+        <p:pic>
+          <p:nvPicPr>
+            <p:cNvPr id="5" name="Picture 3"/>
+            <p:cNvPicPr>
+              <a:picLocks noChangeAspect="1" noChangeArrowheads="1"/>
+            </p:cNvPicPr>
+            <p:nvPr/>
+          </p:nvPicPr>
+          <p:blipFill>
+            <a:blip r:embed="rId3" cstate="print">
+              <a:extLst>
+                <a:ext uri="{28A0092B-C50C-407E-A947-70E740481C1C}">
+                  <a14:useLocalDpi xmlns:a14="http://schemas.microsoft.com/office/drawing/2010/main" val="0"/>
+                </a:ext>
+              </a:extLst>
+            </a:blip>
+            <a:srcRect/>
+            <a:stretch>
+              <a:fillRect/>
+            </a:stretch>
+          </p:blipFill>
+          <p:spPr bwMode="auto">
+            <a:xfrm>
+              <a:off x="4297671" y="2210165"/>
+              <a:ext cx="2032041" cy="1533079"/>
+            </a:xfrm>
+            <a:prstGeom prst="rect">
+              <a:avLst/>
+            </a:prstGeom>
+            <a:noFill/>
+            <a:ln>
+              <a:noFill/>
+            </a:ln>
+            <a:extLst>
+              <a:ext uri="{909E8E84-426E-40DD-AFC4-6F175D3DCCD1}">
+                <a14:hiddenFill xmlns:a14="http://schemas.microsoft.com/office/drawing/2010/main">
+                  <a:solidFill>
+                    <a:schemeClr val="accent1"/>
+                  </a:solidFill>
+                </a14:hiddenFill>
+              </a:ext>
+              <a:ext uri="{91240B29-F687-4F45-9708-019B960494DF}">
+                <a14:hiddenLine xmlns:a14="http://schemas.microsoft.com/office/drawing/2010/main" w="9525">
+                  <a:solidFill>
+                    <a:schemeClr val="tx1"/>
+                  </a:solidFill>
+                  <a:miter lim="800000"/>
+                  <a:headEnd/>
+                  <a:tailEnd/>
+                </a14:hiddenLine>
+              </a:ext>
+            </a:extLst>
+          </p:spPr>
+        </p:pic>
+        <p:sp>
+          <p:nvSpPr>
+            <p:cNvPr id="6" name="正方形/長方形 5"/>
+            <p:cNvSpPr/>
+            <p:nvPr/>
+          </p:nvSpPr>
+          <p:spPr>
+            <a:xfrm>
+              <a:off x="530096" y="2293689"/>
+              <a:ext cx="1342318" cy="809560"/>
+            </a:xfrm>
+            <a:prstGeom prst="rect">
+              <a:avLst/>
+            </a:prstGeom>
+            <a:ln>
+              <a:solidFill>
+                <a:schemeClr val="accent1"/>
+              </a:solidFill>
+            </a:ln>
+          </p:spPr>
+          <p:style>
+            <a:lnRef idx="2">
+              <a:schemeClr val="accent6"/>
+            </a:lnRef>
+            <a:fillRef idx="1">
+              <a:schemeClr val="lt1"/>
+            </a:fillRef>
+            <a:effectRef idx="0">
+              <a:schemeClr val="accent6"/>
+            </a:effectRef>
+            <a:fontRef idx="minor">
+              <a:schemeClr val="dk1"/>
+            </a:fontRef>
+          </p:style>
+          <p:txBody>
+            <a:bodyPr rtlCol="0" anchor="t"/>
+            <a:lstStyle/>
+            <a:p>
+              <a:r>
+                <a:rPr lang="ja-JP" altLang="en-US" sz="1400" dirty="0"/>
+                <a:t>テンプレート</a:t>
+              </a:r>
+              <a:endParaRPr lang="en-US" altLang="ja-JP" sz="1400" dirty="0" smtClean="0"/>
+            </a:p>
+            <a:p>
+              <a:r>
+                <a:rPr lang="ja-JP" altLang="en-US" sz="1400" dirty="0" smtClean="0"/>
+                <a:t>（</a:t>
+              </a:r>
+              <a:r>
+                <a:rPr lang="ja-JP" altLang="en-US" sz="1400" dirty="0"/>
+                <a:t>処理</a:t>
+              </a:r>
+              <a:r>
+                <a:rPr lang="ja-JP" altLang="en-US" sz="1400" dirty="0" smtClean="0"/>
+                <a:t>フロー）</a:t>
+              </a:r>
+              <a:endParaRPr lang="en-US" altLang="ja-JP" sz="1400" dirty="0" smtClean="0"/>
+            </a:p>
+            <a:p>
+              <a:endParaRPr lang="en-US" altLang="ja-JP" sz="1400" dirty="0" smtClean="0"/>
+            </a:p>
+          </p:txBody>
+        </p:sp>
+        <p:cxnSp>
+          <p:nvCxnSpPr>
+            <p:cNvPr id="7" name="直線矢印コネクタ 6"/>
+            <p:cNvCxnSpPr>
+              <a:stCxn id="6" idx="3"/>
+            </p:cNvCxnSpPr>
+            <p:nvPr/>
+          </p:nvCxnSpPr>
+          <p:spPr>
+            <a:xfrm>
+              <a:off x="1872414" y="2698469"/>
+              <a:ext cx="2339546" cy="0"/>
+            </a:xfrm>
+            <a:prstGeom prst="straightConnector1">
+              <a:avLst/>
+            </a:prstGeom>
+            <a:ln w="38100">
+              <a:solidFill>
+                <a:srgbClr val="FF0000"/>
+              </a:solidFill>
+              <a:tailEnd type="arrow"/>
+            </a:ln>
+          </p:spPr>
+          <p:style>
+            <a:lnRef idx="1">
+              <a:schemeClr val="accent1"/>
+            </a:lnRef>
+            <a:fillRef idx="0">
+              <a:schemeClr val="accent1"/>
+            </a:fillRef>
+            <a:effectRef idx="0">
+              <a:schemeClr val="accent1"/>
+            </a:effectRef>
+            <a:fontRef idx="minor">
+              <a:schemeClr val="tx1"/>
+            </a:fontRef>
+          </p:style>
+        </p:cxnSp>
+        <p:cxnSp>
+          <p:nvCxnSpPr>
+            <p:cNvPr id="8" name="直線矢印コネクタ 7"/>
+            <p:cNvCxnSpPr>
+              <a:stCxn id="18" idx="3"/>
+            </p:cNvCxnSpPr>
+            <p:nvPr/>
+          </p:nvCxnSpPr>
+          <p:spPr>
+            <a:xfrm flipV="1">
+              <a:off x="1912090" y="2698469"/>
+              <a:ext cx="3924453" cy="1295330"/>
+            </a:xfrm>
+            <a:prstGeom prst="straightConnector1">
+              <a:avLst/>
+            </a:prstGeom>
+            <a:ln w="38100">
+              <a:solidFill>
+                <a:srgbClr val="FF0000"/>
+              </a:solidFill>
+              <a:tailEnd type="arrow"/>
+            </a:ln>
+          </p:spPr>
+          <p:style>
+            <a:lnRef idx="1">
+              <a:schemeClr val="accent1"/>
+            </a:lnRef>
+            <a:fillRef idx="0">
+              <a:schemeClr val="accent1"/>
+            </a:fillRef>
+            <a:effectRef idx="0">
+              <a:schemeClr val="accent1"/>
+            </a:effectRef>
+            <a:fontRef idx="minor">
+              <a:schemeClr val="tx1"/>
+            </a:fontRef>
+          </p:style>
+        </p:cxnSp>
+        <p:cxnSp>
+          <p:nvCxnSpPr>
+            <p:cNvPr id="9" name="直線矢印コネクタ 8"/>
+            <p:cNvCxnSpPr>
+              <a:stCxn id="4" idx="0"/>
+            </p:cNvCxnSpPr>
+            <p:nvPr/>
+          </p:nvCxnSpPr>
+          <p:spPr>
+            <a:xfrm flipV="1">
+              <a:off x="3612810" y="2884410"/>
+              <a:ext cx="2223733" cy="2148417"/>
+            </a:xfrm>
+            <a:prstGeom prst="straightConnector1">
+              <a:avLst/>
+            </a:prstGeom>
+            <a:ln w="38100">
+              <a:solidFill>
+                <a:srgbClr val="FF0000"/>
+              </a:solidFill>
+              <a:tailEnd type="arrow"/>
+            </a:ln>
+          </p:spPr>
+          <p:style>
+            <a:lnRef idx="1">
+              <a:schemeClr val="accent1"/>
+            </a:lnRef>
+            <a:fillRef idx="0">
+              <a:schemeClr val="accent1"/>
+            </a:fillRef>
+            <a:effectRef idx="0">
+              <a:schemeClr val="accent1"/>
+            </a:effectRef>
+            <a:fontRef idx="minor">
+              <a:schemeClr val="tx1"/>
+            </a:fontRef>
+          </p:style>
+        </p:cxnSp>
+        <p:sp>
+          <p:nvSpPr>
+            <p:cNvPr id="13" name="正方形/長方形 12"/>
+            <p:cNvSpPr/>
+            <p:nvPr/>
+          </p:nvSpPr>
+          <p:spPr>
+            <a:xfrm>
+              <a:off x="7452320" y="2570420"/>
+              <a:ext cx="1258767" cy="809560"/>
+            </a:xfrm>
+            <a:prstGeom prst="rect">
+              <a:avLst/>
+            </a:prstGeom>
+            <a:ln>
+              <a:solidFill>
+                <a:schemeClr val="accent1"/>
+              </a:solidFill>
+            </a:ln>
+          </p:spPr>
+          <p:style>
+            <a:lnRef idx="2">
+              <a:schemeClr val="accent6"/>
+            </a:lnRef>
+            <a:fillRef idx="1">
+              <a:schemeClr val="lt1"/>
+            </a:fillRef>
+            <a:effectRef idx="0">
+              <a:schemeClr val="accent6"/>
+            </a:effectRef>
+            <a:fontRef idx="minor">
+              <a:schemeClr val="dk1"/>
+            </a:fontRef>
+          </p:style>
+          <p:txBody>
+            <a:bodyPr rtlCol="0" anchor="t"/>
+            <a:lstStyle/>
+            <a:p>
+              <a:pPr algn="just"/>
+              <a:r>
+                <a:rPr lang="ja-JP" altLang="en-US" sz="1400" dirty="0" smtClean="0"/>
+                <a:t>設定ファイル</a:t>
+              </a:r>
+              <a:endParaRPr lang="ja-JP" altLang="en-US" sz="1400" dirty="0"/>
+            </a:p>
+          </p:txBody>
+        </p:sp>
+        <p:cxnSp>
+          <p:nvCxnSpPr>
+            <p:cNvPr id="14" name="直線矢印コネクタ 13"/>
+            <p:cNvCxnSpPr>
+              <a:stCxn id="5" idx="3"/>
+              <a:endCxn id="13" idx="1"/>
+            </p:cNvCxnSpPr>
+            <p:nvPr/>
+          </p:nvCxnSpPr>
+          <p:spPr>
+            <a:xfrm flipV="1">
+              <a:off x="6329712" y="2975200"/>
+              <a:ext cx="1122608" cy="1505"/>
+            </a:xfrm>
+            <a:prstGeom prst="straightConnector1">
+              <a:avLst/>
+            </a:prstGeom>
+            <a:ln w="38100">
+              <a:solidFill>
+                <a:srgbClr val="FF0000"/>
+              </a:solidFill>
+              <a:tailEnd type="arrow"/>
+            </a:ln>
+          </p:spPr>
+          <p:style>
+            <a:lnRef idx="1">
+              <a:schemeClr val="accent1"/>
+            </a:lnRef>
+            <a:fillRef idx="0">
+              <a:schemeClr val="accent1"/>
+            </a:fillRef>
+            <a:effectRef idx="0">
+              <a:schemeClr val="accent1"/>
+            </a:effectRef>
+            <a:fontRef idx="minor">
+              <a:schemeClr val="tx1"/>
+            </a:fontRef>
+          </p:style>
+        </p:cxnSp>
+        <p:sp>
+          <p:nvSpPr>
+            <p:cNvPr id="18" name="正方形/長方形 17"/>
+            <p:cNvSpPr/>
+            <p:nvPr/>
+          </p:nvSpPr>
+          <p:spPr>
+            <a:xfrm>
+              <a:off x="572255" y="3589019"/>
+              <a:ext cx="1339835" cy="809560"/>
+            </a:xfrm>
+            <a:prstGeom prst="rect">
+              <a:avLst/>
+            </a:prstGeom>
+            <a:ln>
+              <a:solidFill>
+                <a:schemeClr val="accent1"/>
+              </a:solidFill>
+            </a:ln>
+          </p:spPr>
+          <p:style>
+            <a:lnRef idx="2">
+              <a:schemeClr val="accent6"/>
+            </a:lnRef>
+            <a:fillRef idx="1">
+              <a:schemeClr val="lt1"/>
+            </a:fillRef>
+            <a:effectRef idx="0">
+              <a:schemeClr val="accent6"/>
+            </a:effectRef>
+            <a:fontRef idx="minor">
+              <a:schemeClr val="dk1"/>
+            </a:fontRef>
+          </p:style>
+          <p:txBody>
+            <a:bodyPr rtlCol="0" anchor="t"/>
+            <a:lstStyle/>
+            <a:p>
+              <a:r>
+                <a:rPr lang="en-US" altLang="ja-JP" sz="1400" dirty="0"/>
+                <a:t>Java</a:t>
+              </a:r>
+            </a:p>
+            <a:p>
+              <a:r>
+                <a:rPr lang="en-US" altLang="ja-JP" sz="1400" dirty="0"/>
+                <a:t>(Reader</a:t>
+              </a:r>
+              <a:r>
+                <a:rPr lang="ja-JP" altLang="en-US" sz="1400" dirty="0" err="1" smtClean="0"/>
+                <a:t>、</a:t>
+              </a:r>
+              <a:r>
+                <a:rPr lang="en-US" altLang="ja-JP" sz="1400" dirty="0" smtClean="0"/>
+                <a:t>Writer</a:t>
+              </a:r>
+              <a:r>
+                <a:rPr lang="ja-JP" altLang="en-US" sz="1400" dirty="0"/>
+                <a:t>等</a:t>
+              </a:r>
+              <a:r>
+                <a:rPr lang="en-US" altLang="ja-JP" sz="1400" dirty="0"/>
+                <a:t>)</a:t>
+              </a:r>
+              <a:endParaRPr lang="ja-JP" altLang="en-US" sz="1400" dirty="0"/>
+            </a:p>
+            <a:p>
+              <a:endParaRPr lang="en-US" altLang="ja-JP" sz="1400" dirty="0" smtClean="0"/>
+            </a:p>
+          </p:txBody>
+        </p:sp>
+        <p:cxnSp>
+          <p:nvCxnSpPr>
+            <p:cNvPr id="19" name="直線矢印コネクタ 18"/>
+            <p:cNvCxnSpPr>
+              <a:stCxn id="3" idx="0"/>
+            </p:cNvCxnSpPr>
+            <p:nvPr/>
+          </p:nvCxnSpPr>
+          <p:spPr>
+            <a:xfrm flipV="1">
+              <a:off x="5052970" y="3044728"/>
+              <a:ext cx="783573" cy="1988099"/>
+            </a:xfrm>
+            <a:prstGeom prst="straightConnector1">
+              <a:avLst/>
+            </a:prstGeom>
+            <a:ln w="38100">
+              <a:solidFill>
+                <a:srgbClr val="FF0000"/>
+              </a:solidFill>
+              <a:tailEnd type="arrow"/>
+            </a:ln>
+          </p:spPr>
+          <p:style>
+            <a:lnRef idx="1">
+              <a:schemeClr val="accent1"/>
+            </a:lnRef>
+            <a:fillRef idx="0">
+              <a:schemeClr val="accent1"/>
+            </a:fillRef>
+            <a:effectRef idx="0">
+              <a:schemeClr val="accent1"/>
+            </a:effectRef>
+            <a:fontRef idx="minor">
+              <a:schemeClr val="tx1"/>
+            </a:fontRef>
+          </p:style>
+        </p:cxnSp>
+        <p:cxnSp>
+          <p:nvCxnSpPr>
+            <p:cNvPr id="21" name="直線矢印コネクタ 20"/>
+            <p:cNvCxnSpPr/>
+            <p:nvPr/>
+          </p:nvCxnSpPr>
+          <p:spPr>
+            <a:xfrm>
+              <a:off x="1627059" y="1654763"/>
+              <a:ext cx="3037271" cy="777158"/>
+            </a:xfrm>
+            <a:prstGeom prst="straightConnector1">
+              <a:avLst/>
+            </a:prstGeom>
+            <a:ln w="38100">
+              <a:solidFill>
+                <a:srgbClr val="FF0000"/>
+              </a:solidFill>
+              <a:tailEnd type="arrow"/>
+            </a:ln>
+          </p:spPr>
+          <p:style>
+            <a:lnRef idx="1">
+              <a:schemeClr val="accent1"/>
+            </a:lnRef>
+            <a:fillRef idx="0">
+              <a:schemeClr val="accent1"/>
+            </a:fillRef>
+            <a:effectRef idx="0">
+              <a:schemeClr val="accent1"/>
+            </a:effectRef>
+            <a:fontRef idx="minor">
+              <a:schemeClr val="tx1"/>
+            </a:fontRef>
+          </p:style>
+        </p:cxnSp>
+        <p:sp>
+          <p:nvSpPr>
+            <p:cNvPr id="22" name="テキスト ボックス 21"/>
+            <p:cNvSpPr txBox="1"/>
+            <p:nvPr/>
+          </p:nvSpPr>
+          <p:spPr>
+            <a:xfrm>
+              <a:off x="2208327" y="1562563"/>
+              <a:ext cx="2795721" cy="338554"/>
+            </a:xfrm>
+            <a:prstGeom prst="rect">
+              <a:avLst/>
+            </a:prstGeom>
+            <a:noFill/>
+          </p:spPr>
+          <p:txBody>
+            <a:bodyPr wrap="square" rtlCol="0">
+              <a:spAutoFit/>
+            </a:bodyPr>
+            <a:lstStyle/>
+            <a:p>
+              <a:r>
+                <a:rPr lang="ja-JP" altLang="en-US" sz="1600" dirty="0" smtClean="0"/>
+                <a:t>②処理フロー</a:t>
+              </a:r>
+              <a:r>
+                <a:rPr lang="ja-JP" altLang="en-US" sz="1600" dirty="0"/>
+                <a:t>の</a:t>
+              </a:r>
+              <a:r>
+                <a:rPr lang="ja-JP" altLang="en-US" sz="1600" dirty="0" smtClean="0"/>
+                <a:t>追加・編集</a:t>
+              </a:r>
+              <a:endParaRPr kumimoji="1" lang="ja-JP" altLang="en-US" sz="1600" dirty="0"/>
+            </a:p>
+          </p:txBody>
+        </p:sp>
+        <p:sp>
+          <p:nvSpPr>
+            <p:cNvPr id="23" name="テキスト ボックス 22"/>
+            <p:cNvSpPr txBox="1"/>
+            <p:nvPr/>
+          </p:nvSpPr>
+          <p:spPr>
+            <a:xfrm>
+              <a:off x="2339752" y="2348880"/>
+              <a:ext cx="955712" cy="338554"/>
+            </a:xfrm>
+            <a:prstGeom prst="rect">
+              <a:avLst/>
+            </a:prstGeom>
+            <a:noFill/>
+          </p:spPr>
+          <p:txBody>
+            <a:bodyPr wrap="square" rtlCol="0">
+              <a:spAutoFit/>
+            </a:bodyPr>
+            <a:lstStyle/>
+            <a:p>
+              <a:r>
+                <a:rPr lang="ja-JP" altLang="en-US" sz="1600" dirty="0" smtClean="0"/>
+                <a:t>①読込</a:t>
+              </a:r>
+              <a:endParaRPr kumimoji="1" lang="ja-JP" altLang="en-US" sz="1600" dirty="0"/>
+            </a:p>
+          </p:txBody>
+        </p:sp>
+        <p:sp>
+          <p:nvSpPr>
+            <p:cNvPr id="27" name="テキスト ボックス 26"/>
+            <p:cNvSpPr txBox="1"/>
+            <p:nvPr/>
+          </p:nvSpPr>
+          <p:spPr>
+            <a:xfrm>
+              <a:off x="514070" y="5272592"/>
+              <a:ext cx="2468946" cy="584775"/>
+            </a:xfrm>
+            <a:prstGeom prst="rect">
+              <a:avLst/>
+            </a:prstGeom>
+            <a:noFill/>
+          </p:spPr>
+          <p:txBody>
+            <a:bodyPr wrap="none" rtlCol="0">
+              <a:spAutoFit/>
+            </a:bodyPr>
+            <a:lstStyle/>
+            <a:p>
+              <a:r>
+                <a:rPr lang="ja-JP" altLang="en-US" sz="1600" dirty="0" smtClean="0"/>
+                <a:t>③</a:t>
+              </a:r>
+              <a:r>
+                <a:rPr lang="en-US" altLang="ja-JP" sz="1600" dirty="0" smtClean="0"/>
+                <a:t>Bean</a:t>
+              </a:r>
+              <a:r>
+                <a:rPr lang="ja-JP" altLang="en-US" sz="1600" dirty="0" err="1" smtClean="0"/>
+                <a:t>、</a:t>
+              </a:r>
+              <a:r>
+                <a:rPr lang="en-US" altLang="ja-JP" sz="1600" dirty="0" smtClean="0"/>
+                <a:t>SQL</a:t>
+              </a:r>
+              <a:r>
+                <a:rPr lang="ja-JP" altLang="en-US" sz="1600" dirty="0" smtClean="0"/>
+                <a:t>の作成と</a:t>
+              </a:r>
+              <a:endParaRPr lang="en-US" altLang="ja-JP" sz="1600" dirty="0" smtClean="0"/>
+            </a:p>
+            <a:p>
+              <a:r>
+                <a:rPr kumimoji="1" lang="ja-JP" altLang="en-US" sz="1600" dirty="0" smtClean="0"/>
+                <a:t>プロパティパネル</a:t>
+              </a:r>
+              <a:r>
+                <a:rPr kumimoji="1" lang="ja-JP" altLang="en-US" sz="1600" dirty="0"/>
+                <a:t>で</a:t>
+              </a:r>
+              <a:r>
+                <a:rPr kumimoji="1" lang="ja-JP" altLang="en-US" sz="1600" dirty="0" smtClean="0"/>
+                <a:t>の設定</a:t>
+              </a:r>
+              <a:endParaRPr kumimoji="1" lang="ja-JP" altLang="en-US" sz="1600" dirty="0"/>
+            </a:p>
+          </p:txBody>
+        </p:sp>
+        <p:sp>
+          <p:nvSpPr>
+            <p:cNvPr id="28" name="テキスト ボックス 27"/>
+            <p:cNvSpPr txBox="1"/>
+            <p:nvPr/>
+          </p:nvSpPr>
+          <p:spPr>
+            <a:xfrm>
+              <a:off x="6444208" y="2636912"/>
+              <a:ext cx="800219" cy="338554"/>
+            </a:xfrm>
+            <a:prstGeom prst="rect">
+              <a:avLst/>
+            </a:prstGeom>
+            <a:noFill/>
+          </p:spPr>
+          <p:txBody>
+            <a:bodyPr wrap="none" rtlCol="0">
+              <a:spAutoFit/>
+            </a:bodyPr>
+            <a:lstStyle/>
+            <a:p>
+              <a:r>
+                <a:rPr lang="ja-JP" altLang="en-US" sz="1600" dirty="0" smtClean="0"/>
+                <a:t>④出力</a:t>
+              </a:r>
+              <a:endParaRPr kumimoji="1" lang="ja-JP" altLang="en-US" sz="1600" dirty="0"/>
+            </a:p>
+          </p:txBody>
+        </p:sp>
+        <p:cxnSp>
+          <p:nvCxnSpPr>
+            <p:cNvPr id="30" name="直線矢印コネクタ 29"/>
+            <p:cNvCxnSpPr/>
+            <p:nvPr/>
+          </p:nvCxnSpPr>
+          <p:spPr>
+            <a:xfrm flipV="1">
+              <a:off x="1921558" y="852469"/>
+              <a:ext cx="2178620" cy="360040"/>
+            </a:xfrm>
+            <a:prstGeom prst="straightConnector1">
+              <a:avLst/>
+            </a:prstGeom>
+            <a:ln w="38100">
+              <a:solidFill>
+                <a:srgbClr val="FF0000"/>
+              </a:solidFill>
+              <a:tailEnd type="arrow"/>
+            </a:ln>
+          </p:spPr>
+          <p:style>
+            <a:lnRef idx="1">
+              <a:schemeClr val="accent1"/>
+            </a:lnRef>
+            <a:fillRef idx="0">
+              <a:schemeClr val="accent1"/>
+            </a:fillRef>
+            <a:effectRef idx="0">
+              <a:schemeClr val="accent1"/>
+            </a:effectRef>
+            <a:fontRef idx="minor">
+              <a:schemeClr val="tx1"/>
+            </a:fontRef>
+          </p:style>
+        </p:cxnSp>
+        <p:sp>
+          <p:nvSpPr>
+            <p:cNvPr id="32" name="テキスト ボックス 31"/>
+            <p:cNvSpPr txBox="1"/>
+            <p:nvPr/>
+          </p:nvSpPr>
+          <p:spPr>
+            <a:xfrm>
+              <a:off x="2395856" y="672449"/>
+              <a:ext cx="800219" cy="338554"/>
+            </a:xfrm>
+            <a:prstGeom prst="rect">
+              <a:avLst/>
+            </a:prstGeom>
+            <a:noFill/>
+          </p:spPr>
+          <p:txBody>
+            <a:bodyPr wrap="none" rtlCol="0">
+              <a:spAutoFit/>
+            </a:bodyPr>
+            <a:lstStyle/>
+            <a:p>
+              <a:r>
+                <a:rPr lang="ja-JP" altLang="en-US" sz="1600" dirty="0" smtClean="0"/>
+                <a:t>⑤実行</a:t>
+              </a:r>
+              <a:endParaRPr lang="en-US" altLang="ja-JP" sz="1600" dirty="0" smtClean="0"/>
+            </a:p>
+          </p:txBody>
+        </p:sp>
+        <p:sp>
+          <p:nvSpPr>
+            <p:cNvPr id="59" name="正方形/長方形 58"/>
+            <p:cNvSpPr/>
+            <p:nvPr/>
+          </p:nvSpPr>
+          <p:spPr>
+            <a:xfrm>
+              <a:off x="4211960" y="404664"/>
+              <a:ext cx="1252561" cy="807845"/>
+            </a:xfrm>
+            <a:prstGeom prst="rect">
+              <a:avLst/>
+            </a:prstGeom>
+          </p:spPr>
+          <p:style>
+            <a:lnRef idx="2">
+              <a:schemeClr val="dk1">
+                <a:shade val="50000"/>
+              </a:schemeClr>
+            </a:lnRef>
+            <a:fillRef idx="1">
+              <a:schemeClr val="dk1"/>
+            </a:fillRef>
+            <a:effectRef idx="0">
+              <a:schemeClr val="dk1"/>
+            </a:effectRef>
+            <a:fontRef idx="minor">
+              <a:schemeClr val="lt1"/>
+            </a:fontRef>
+          </p:style>
+          <p:txBody>
+            <a:bodyPr rtlCol="0" anchor="t"/>
+            <a:lstStyle/>
+            <a:p>
+              <a:r>
+                <a:rPr kumimoji="1" lang="en-US" altLang="ja-JP" sz="1100" dirty="0" smtClean="0"/>
+                <a:t>C:\ &gt;</a:t>
+              </a:r>
+              <a:endParaRPr kumimoji="1" lang="ja-JP" altLang="en-US" sz="1100" dirty="0"/>
+            </a:p>
+          </p:txBody>
+        </p:sp>
+        <p:sp>
+          <p:nvSpPr>
+            <p:cNvPr id="61" name="正方形/長方形 60"/>
+            <p:cNvSpPr/>
+            <p:nvPr/>
+          </p:nvSpPr>
+          <p:spPr>
+            <a:xfrm>
+              <a:off x="4211959" y="301614"/>
+              <a:ext cx="1252561" cy="87529"/>
+            </a:xfrm>
+            <a:prstGeom prst="rect">
+              <a:avLst/>
+            </a:prstGeom>
+            <a:solidFill>
+              <a:schemeClr val="accent1"/>
+            </a:solidFill>
+          </p:spPr>
+          <p:style>
+            <a:lnRef idx="2">
+              <a:schemeClr val="dk1">
+                <a:shade val="50000"/>
+              </a:schemeClr>
+            </a:lnRef>
+            <a:fillRef idx="1">
+              <a:schemeClr val="dk1"/>
+            </a:fillRef>
+            <a:effectRef idx="0">
+              <a:schemeClr val="dk1"/>
+            </a:effectRef>
+            <a:fontRef idx="minor">
+              <a:schemeClr val="lt1"/>
+            </a:fontRef>
+          </p:style>
+          <p:txBody>
+            <a:bodyPr rtlCol="0" anchor="t"/>
+            <a:lstStyle/>
+            <a:p>
+              <a:endParaRPr kumimoji="1" lang="ja-JP" altLang="en-US" sz="1100" dirty="0"/>
+            </a:p>
+          </p:txBody>
+        </p:sp>
+        <p:sp>
+          <p:nvSpPr>
+            <p:cNvPr id="10" name="正方形/長方形 9"/>
+            <p:cNvSpPr/>
+            <p:nvPr/>
+          </p:nvSpPr>
+          <p:spPr>
+            <a:xfrm>
+              <a:off x="2190192" y="461485"/>
+              <a:ext cx="1211545" cy="781967"/>
+            </a:xfrm>
+            <a:prstGeom prst="rect">
+              <a:avLst/>
+            </a:prstGeom>
+            <a:noFill/>
+            <a:ln w="57150"/>
+          </p:spPr>
+          <p:style>
+            <a:lnRef idx="2">
+              <a:schemeClr val="accent6"/>
+            </a:lnRef>
+            <a:fillRef idx="1">
+              <a:schemeClr val="lt1"/>
+            </a:fillRef>
+            <a:effectRef idx="0">
+              <a:schemeClr val="accent6"/>
+            </a:effectRef>
+            <a:fontRef idx="minor">
+              <a:schemeClr val="dk1"/>
+            </a:fontRef>
+          </p:style>
+          <p:txBody>
+            <a:bodyPr rtlCol="0" anchor="ctr"/>
+            <a:lstStyle/>
+            <a:p>
+              <a:pPr algn="ctr"/>
+              <a:endParaRPr kumimoji="1" lang="ja-JP" altLang="en-US"/>
+            </a:p>
+          </p:txBody>
+        </p:sp>
+      </p:grpSp>
+    </p:spTree>
+    <p:extLst>
+      <p:ext uri="{BB962C8B-B14F-4D97-AF65-F5344CB8AC3E}">
+        <p14:creationId xmlns:p14="http://schemas.microsoft.com/office/powerpoint/2010/main" val="1893503174"/>
+      </p:ext>
+    </p:extLst>
+  </p:cSld>
+  <p:clrMapOvr>
+    <a:masterClrMapping/>
+  </p:clrMapOvr>
+</p:sld>
+</file>
+
+<file path=ppt/slides/slide23.xml><?xml version="1.0" encoding="utf-8"?>
 <p:sld xmlns:a="http://schemas.openxmlformats.org/drawingml/2006/main" xmlns:r="http://schemas.openxmlformats.org/officeDocument/2006/relationships" xmlns:p="http://schemas.openxmlformats.org/presentationml/2006/main">
   <p:cSld>
     <p:spTree>
@@ -16490,7 +16690,7 @@
 </p:sld>
 </file>
 
-<file path=ppt/slides/slide23.xml><?xml version="1.0" encoding="utf-8"?>
+<file path=ppt/slides/slide24.xml><?xml version="1.0" encoding="utf-8"?>
 <p:sld xmlns:a="http://schemas.openxmlformats.org/drawingml/2006/main" xmlns:r="http://schemas.openxmlformats.org/officeDocument/2006/relationships" xmlns:p="http://schemas.openxmlformats.org/presentationml/2006/main">
   <p:cSld>
     <p:spTree>
@@ -17331,7 +17531,7 @@
 </p:sld>
 </file>
 
-<file path=ppt/slides/slide24.xml><?xml version="1.0" encoding="utf-8"?>
+<file path=ppt/slides/slide25.xml><?xml version="1.0" encoding="utf-8"?>
 <p:sld xmlns:a="http://schemas.openxmlformats.org/drawingml/2006/main" xmlns:r="http://schemas.openxmlformats.org/officeDocument/2006/relationships" xmlns:p="http://schemas.openxmlformats.org/presentationml/2006/main">
   <p:cSld>
     <p:spTree>
@@ -19353,7 +19553,7 @@
 </p:sld>
 </file>
 
-<file path=ppt/slides/slide25.xml><?xml version="1.0" encoding="utf-8"?>
+<file path=ppt/slides/slide26.xml><?xml version="1.0" encoding="utf-8"?>
 <p:sld xmlns:a="http://schemas.openxmlformats.org/drawingml/2006/main" xmlns:r="http://schemas.openxmlformats.org/officeDocument/2006/relationships" xmlns:p="http://schemas.openxmlformats.org/presentationml/2006/main">
   <p:cSld>
     <p:spTree>
@@ -20707,7 +20907,7 @@
 </p:sld>
 </file>
 
-<file path=ppt/slides/slide26.xml><?xml version="1.0" encoding="utf-8"?>
+<file path=ppt/slides/slide27.xml><?xml version="1.0" encoding="utf-8"?>
 <p:sld xmlns:a="http://schemas.openxmlformats.org/drawingml/2006/main" xmlns:r="http://schemas.openxmlformats.org/officeDocument/2006/relationships" xmlns:p="http://schemas.openxmlformats.org/presentationml/2006/main">
   <p:cSld>
     <p:spTree>
@@ -21599,7 +21799,7 @@
 </p:sld>
 </file>
 
-<file path=ppt/slides/slide27.xml><?xml version="1.0" encoding="utf-8"?>
+<file path=ppt/slides/slide28.xml><?xml version="1.0" encoding="utf-8"?>
 <p:sld xmlns:a="http://schemas.openxmlformats.org/drawingml/2006/main" xmlns:r="http://schemas.openxmlformats.org/officeDocument/2006/relationships" xmlns:p="http://schemas.openxmlformats.org/presentationml/2006/main">
   <p:cSld>
     <p:spTree>
@@ -22158,7 +22358,7 @@
 </p:sld>
 </file>
 
-<file path=ppt/slides/slide28.xml><?xml version="1.0" encoding="utf-8"?>
+<file path=ppt/slides/slide29.xml><?xml version="1.0" encoding="utf-8"?>
 <p:sld xmlns:a="http://schemas.openxmlformats.org/drawingml/2006/main" xmlns:r="http://schemas.openxmlformats.org/officeDocument/2006/relationships" xmlns:p="http://schemas.openxmlformats.org/presentationml/2006/main">
   <p:cSld>
     <p:spTree>
@@ -23133,7 +23333,502 @@
 </p:sld>
 </file>
 
-<file path=ppt/slides/slide29.xml><?xml version="1.0" encoding="utf-8"?>
+<file path=ppt/slides/slide3.xml><?xml version="1.0" encoding="utf-8"?>
+<p:sld xmlns:a="http://schemas.openxmlformats.org/drawingml/2006/main" xmlns:r="http://schemas.openxmlformats.org/officeDocument/2006/relationships" xmlns:p="http://schemas.openxmlformats.org/presentationml/2006/main">
+  <p:cSld>
+    <p:spTree>
+      <p:nvGrpSpPr>
+        <p:cNvPr id="1" name=""/>
+        <p:cNvGrpSpPr/>
+        <p:nvPr/>
+      </p:nvGrpSpPr>
+      <p:grpSpPr>
+        <a:xfrm>
+          <a:off x="0" y="0"/>
+          <a:ext cx="0" cy="0"/>
+          <a:chOff x="0" y="0"/>
+          <a:chExt cx="0" cy="0"/>
+        </a:xfrm>
+      </p:grpSpPr>
+      <p:grpSp>
+        <p:nvGrpSpPr>
+          <p:cNvPr id="4" name="グループ化 3"/>
+          <p:cNvGrpSpPr/>
+          <p:nvPr/>
+        </p:nvGrpSpPr>
+        <p:grpSpPr>
+          <a:xfrm>
+            <a:off x="834485" y="604837"/>
+            <a:ext cx="7486650" cy="5648326"/>
+            <a:chOff x="834485" y="604837"/>
+            <a:chExt cx="7486650" cy="5648326"/>
+          </a:xfrm>
+        </p:grpSpPr>
+        <p:pic>
+          <p:nvPicPr>
+            <p:cNvPr id="3" name="Picture 2"/>
+            <p:cNvPicPr>
+              <a:picLocks noChangeAspect="1" noChangeArrowheads="1"/>
+            </p:cNvPicPr>
+            <p:nvPr/>
+          </p:nvPicPr>
+          <p:blipFill>
+            <a:blip r:embed="rId2">
+              <a:extLst>
+                <a:ext uri="{28A0092B-C50C-407E-A947-70E740481C1C}">
+                  <a14:useLocalDpi xmlns:a14="http://schemas.microsoft.com/office/drawing/2010/main" val="0"/>
+                </a:ext>
+              </a:extLst>
+            </a:blip>
+            <a:srcRect/>
+            <a:stretch>
+              <a:fillRect/>
+            </a:stretch>
+          </p:blipFill>
+          <p:spPr bwMode="auto">
+            <a:xfrm>
+              <a:off x="834485" y="604837"/>
+              <a:ext cx="7486650" cy="5648325"/>
+            </a:xfrm>
+            <a:prstGeom prst="rect">
+              <a:avLst/>
+            </a:prstGeom>
+            <a:noFill/>
+            <a:ln>
+              <a:noFill/>
+            </a:ln>
+            <a:extLst>
+              <a:ext uri="{909E8E84-426E-40DD-AFC4-6F175D3DCCD1}">
+                <a14:hiddenFill xmlns:a14="http://schemas.microsoft.com/office/drawing/2010/main">
+                  <a:solidFill>
+                    <a:schemeClr val="accent1"/>
+                  </a:solidFill>
+                </a14:hiddenFill>
+              </a:ext>
+              <a:ext uri="{91240B29-F687-4F45-9708-019B960494DF}">
+                <a14:hiddenLine xmlns:a14="http://schemas.microsoft.com/office/drawing/2010/main" w="9525">
+                  <a:solidFill>
+                    <a:schemeClr val="tx1"/>
+                  </a:solidFill>
+                  <a:miter lim="800000"/>
+                  <a:headEnd/>
+                  <a:tailEnd/>
+                </a14:hiddenLine>
+              </a:ext>
+            </a:extLst>
+          </p:spPr>
+        </p:pic>
+        <p:sp>
+          <p:nvSpPr>
+            <p:cNvPr id="11" name="正方形/長方形 10"/>
+            <p:cNvSpPr/>
+            <p:nvPr/>
+          </p:nvSpPr>
+          <p:spPr>
+            <a:xfrm>
+              <a:off x="834485" y="1082421"/>
+              <a:ext cx="5033659" cy="5170742"/>
+            </a:xfrm>
+            <a:prstGeom prst="rect">
+              <a:avLst/>
+            </a:prstGeom>
+            <a:noFill/>
+            <a:ln>
+              <a:solidFill>
+                <a:schemeClr val="accent6"/>
+              </a:solidFill>
+            </a:ln>
+          </p:spPr>
+          <p:style>
+            <a:lnRef idx="2">
+              <a:schemeClr val="accent1">
+                <a:shade val="50000"/>
+              </a:schemeClr>
+            </a:lnRef>
+            <a:fillRef idx="1">
+              <a:schemeClr val="accent1"/>
+            </a:fillRef>
+            <a:effectRef idx="0">
+              <a:schemeClr val="accent1"/>
+            </a:effectRef>
+            <a:fontRef idx="minor">
+              <a:schemeClr val="lt1"/>
+            </a:fontRef>
+          </p:style>
+          <p:txBody>
+            <a:bodyPr rtlCol="0" anchor="ctr"/>
+            <a:lstStyle/>
+            <a:p>
+              <a:pPr algn="ctr"/>
+              <a:endParaRPr kumimoji="1" lang="ja-JP" altLang="en-US"/>
+            </a:p>
+          </p:txBody>
+        </p:sp>
+        <p:sp>
+          <p:nvSpPr>
+            <p:cNvPr id="12" name="正方形/長方形 11"/>
+            <p:cNvSpPr/>
+            <p:nvPr/>
+          </p:nvSpPr>
+          <p:spPr>
+            <a:xfrm>
+              <a:off x="5922218" y="1082421"/>
+              <a:ext cx="2322190" cy="5170742"/>
+            </a:xfrm>
+            <a:prstGeom prst="rect">
+              <a:avLst/>
+            </a:prstGeom>
+            <a:noFill/>
+            <a:ln>
+              <a:solidFill>
+                <a:schemeClr val="accent3"/>
+              </a:solidFill>
+            </a:ln>
+          </p:spPr>
+          <p:style>
+            <a:lnRef idx="2">
+              <a:schemeClr val="accent1">
+                <a:shade val="50000"/>
+              </a:schemeClr>
+            </a:lnRef>
+            <a:fillRef idx="1">
+              <a:schemeClr val="accent1"/>
+            </a:fillRef>
+            <a:effectRef idx="0">
+              <a:schemeClr val="accent1"/>
+            </a:effectRef>
+            <a:fontRef idx="minor">
+              <a:schemeClr val="lt1"/>
+            </a:fontRef>
+          </p:style>
+          <p:txBody>
+            <a:bodyPr rtlCol="0" anchor="ctr"/>
+            <a:lstStyle/>
+            <a:p>
+              <a:pPr algn="ctr"/>
+              <a:endParaRPr kumimoji="1" lang="ja-JP" altLang="en-US"/>
+            </a:p>
+          </p:txBody>
+        </p:sp>
+        <p:sp>
+          <p:nvSpPr>
+            <p:cNvPr id="13" name="正方形/長方形 12"/>
+            <p:cNvSpPr/>
+            <p:nvPr/>
+          </p:nvSpPr>
+          <p:spPr>
+            <a:xfrm>
+              <a:off x="1043608" y="1268760"/>
+              <a:ext cx="959592" cy="3312368"/>
+            </a:xfrm>
+            <a:prstGeom prst="rect">
+              <a:avLst/>
+            </a:prstGeom>
+            <a:noFill/>
+            <a:ln>
+              <a:solidFill>
+                <a:schemeClr val="accent1"/>
+              </a:solidFill>
+            </a:ln>
+          </p:spPr>
+          <p:style>
+            <a:lnRef idx="2">
+              <a:schemeClr val="accent1">
+                <a:shade val="50000"/>
+              </a:schemeClr>
+            </a:lnRef>
+            <a:fillRef idx="1">
+              <a:schemeClr val="accent1"/>
+            </a:fillRef>
+            <a:effectRef idx="0">
+              <a:schemeClr val="accent1"/>
+            </a:effectRef>
+            <a:fontRef idx="minor">
+              <a:schemeClr val="lt1"/>
+            </a:fontRef>
+          </p:style>
+          <p:txBody>
+            <a:bodyPr rtlCol="0" anchor="ctr"/>
+            <a:lstStyle/>
+            <a:p>
+              <a:pPr algn="ctr"/>
+              <a:endParaRPr kumimoji="1" lang="ja-JP" altLang="en-US"/>
+            </a:p>
+          </p:txBody>
+        </p:sp>
+        <p:sp>
+          <p:nvSpPr>
+            <p:cNvPr id="2" name="角丸四角形 1"/>
+            <p:cNvSpPr/>
+            <p:nvPr/>
+          </p:nvSpPr>
+          <p:spPr>
+            <a:xfrm>
+              <a:off x="5995051" y="4149080"/>
+              <a:ext cx="2195285" cy="1656184"/>
+            </a:xfrm>
+            <a:prstGeom prst="roundRect">
+              <a:avLst/>
+            </a:prstGeom>
+            <a:solidFill>
+              <a:schemeClr val="accent3">
+                <a:lumMod val="20000"/>
+                <a:lumOff val="80000"/>
+              </a:schemeClr>
+            </a:solidFill>
+            <a:ln>
+              <a:noFill/>
+            </a:ln>
+          </p:spPr>
+          <p:style>
+            <a:lnRef idx="2">
+              <a:schemeClr val="accent6"/>
+            </a:lnRef>
+            <a:fillRef idx="1">
+              <a:schemeClr val="lt1"/>
+            </a:fillRef>
+            <a:effectRef idx="0">
+              <a:schemeClr val="accent6"/>
+            </a:effectRef>
+            <a:fontRef idx="minor">
+              <a:schemeClr val="dk1"/>
+            </a:fontRef>
+          </p:style>
+          <p:txBody>
+            <a:bodyPr rtlCol="0" anchor="t"/>
+            <a:lstStyle/>
+            <a:p>
+              <a:r>
+                <a:rPr lang="ja-JP" altLang="en-US" i="1" dirty="0" smtClean="0"/>
+                <a:t>プロパティパネル</a:t>
+              </a:r>
+              <a:endParaRPr lang="en-US" altLang="ja-JP" i="1" dirty="0" smtClean="0"/>
+            </a:p>
+            <a:p>
+              <a:r>
+                <a:rPr lang="ja-JP" altLang="en-US" dirty="0"/>
+                <a:t>選択した図形</a:t>
+              </a:r>
+              <a:r>
+                <a:rPr lang="ja-JP" altLang="en-US" dirty="0" smtClean="0"/>
+                <a:t>の</a:t>
+              </a:r>
+              <a:r>
+                <a:rPr lang="en-US" altLang="ja-JP" dirty="0"/>
+                <a:t>B</a:t>
+              </a:r>
+              <a:r>
+                <a:rPr lang="en-US" altLang="ja-JP" dirty="0" smtClean="0"/>
+                <a:t>ean</a:t>
+              </a:r>
+              <a:r>
+                <a:rPr lang="ja-JP" altLang="en-US" dirty="0" err="1" smtClean="0"/>
+                <a:t>、</a:t>
+              </a:r>
+              <a:r>
+                <a:rPr lang="en-US" altLang="ja-JP" dirty="0" smtClean="0"/>
+                <a:t>SQL</a:t>
+              </a:r>
+              <a:r>
+                <a:rPr lang="ja-JP" altLang="en-US" dirty="0" smtClean="0"/>
+                <a:t>など</a:t>
+              </a:r>
+              <a:r>
+                <a:rPr lang="ja-JP" altLang="en-US" dirty="0"/>
+                <a:t>の項目を設定します。</a:t>
+              </a:r>
+              <a:endParaRPr lang="ja-JP" altLang="en-US" i="1" dirty="0"/>
+            </a:p>
+          </p:txBody>
+        </p:sp>
+        <p:sp>
+          <p:nvSpPr>
+            <p:cNvPr id="14" name="角丸四角形 13"/>
+            <p:cNvSpPr/>
+            <p:nvPr/>
+          </p:nvSpPr>
+          <p:spPr>
+            <a:xfrm>
+              <a:off x="2843808" y="2636912"/>
+              <a:ext cx="2678369" cy="1201993"/>
+            </a:xfrm>
+            <a:prstGeom prst="roundRect">
+              <a:avLst/>
+            </a:prstGeom>
+            <a:solidFill>
+              <a:schemeClr val="accent6">
+                <a:lumMod val="20000"/>
+                <a:lumOff val="80000"/>
+              </a:schemeClr>
+            </a:solidFill>
+            <a:ln>
+              <a:noFill/>
+            </a:ln>
+          </p:spPr>
+          <p:style>
+            <a:lnRef idx="2">
+              <a:schemeClr val="accent6"/>
+            </a:lnRef>
+            <a:fillRef idx="1">
+              <a:schemeClr val="lt1"/>
+            </a:fillRef>
+            <a:effectRef idx="0">
+              <a:schemeClr val="accent6"/>
+            </a:effectRef>
+            <a:fontRef idx="minor">
+              <a:schemeClr val="dk1"/>
+            </a:fontRef>
+          </p:style>
+          <p:txBody>
+            <a:bodyPr rtlCol="0" anchor="t"/>
+            <a:lstStyle/>
+            <a:p>
+              <a:r>
+                <a:rPr lang="ja-JP" altLang="en-US" i="1" dirty="0"/>
+                <a:t>キャンバス</a:t>
+              </a:r>
+            </a:p>
+            <a:p>
+              <a:r>
+                <a:rPr lang="ja-JP" altLang="en-US" dirty="0"/>
+                <a:t>図形を配置</a:t>
+              </a:r>
+              <a:r>
+                <a:rPr lang="ja-JP" altLang="en-US" dirty="0" smtClean="0"/>
+                <a:t>して処理フローを作成します。</a:t>
+              </a:r>
+              <a:endParaRPr lang="ja-JP" altLang="en-US" i="1" dirty="0"/>
+            </a:p>
+          </p:txBody>
+        </p:sp>
+        <p:sp>
+          <p:nvSpPr>
+            <p:cNvPr id="15" name="角丸四角形 14"/>
+            <p:cNvSpPr/>
+            <p:nvPr/>
+          </p:nvSpPr>
+          <p:spPr>
+            <a:xfrm>
+              <a:off x="1043608" y="4869160"/>
+              <a:ext cx="4680520" cy="1224136"/>
+            </a:xfrm>
+            <a:prstGeom prst="roundRect">
+              <a:avLst/>
+            </a:prstGeom>
+            <a:solidFill>
+              <a:schemeClr val="accent1">
+                <a:lumMod val="20000"/>
+                <a:lumOff val="80000"/>
+              </a:schemeClr>
+            </a:solidFill>
+            <a:ln>
+              <a:noFill/>
+            </a:ln>
+          </p:spPr>
+          <p:style>
+            <a:lnRef idx="2">
+              <a:schemeClr val="accent6"/>
+            </a:lnRef>
+            <a:fillRef idx="1">
+              <a:schemeClr val="lt1"/>
+            </a:fillRef>
+            <a:effectRef idx="0">
+              <a:schemeClr val="accent6"/>
+            </a:effectRef>
+            <a:fontRef idx="minor">
+              <a:schemeClr val="dk1"/>
+            </a:fontRef>
+          </p:style>
+          <p:txBody>
+            <a:bodyPr rtlCol="0" anchor="t"/>
+            <a:lstStyle/>
+            <a:p>
+              <a:r>
+                <a:rPr lang="ja-JP" altLang="en-US" i="1" dirty="0"/>
+                <a:t>パレット</a:t>
+              </a:r>
+            </a:p>
+            <a:p>
+              <a:r>
+                <a:rPr lang="ja-JP" altLang="en-US" dirty="0"/>
+                <a:t>配置できる図形が表示されます</a:t>
+              </a:r>
+              <a:r>
+                <a:rPr lang="ja-JP" altLang="en-US" dirty="0" smtClean="0"/>
+                <a:t>。ここからキャンバス上にドラッグ</a:t>
+              </a:r>
+              <a:r>
+                <a:rPr lang="en-US" altLang="ja-JP" dirty="0" smtClean="0"/>
+                <a:t>&amp;</a:t>
+              </a:r>
+              <a:r>
+                <a:rPr lang="ja-JP" altLang="en-US" dirty="0" smtClean="0"/>
+                <a:t>ドロップで作成します。</a:t>
+              </a:r>
+              <a:endParaRPr lang="ja-JP" altLang="en-US" i="1" dirty="0"/>
+            </a:p>
+          </p:txBody>
+        </p:sp>
+        <p:cxnSp>
+          <p:nvCxnSpPr>
+            <p:cNvPr id="5" name="直線矢印コネクタ 4"/>
+            <p:cNvCxnSpPr>
+              <a:endCxn id="13" idx="2"/>
+            </p:cNvCxnSpPr>
+            <p:nvPr/>
+          </p:nvCxnSpPr>
+          <p:spPr>
+            <a:xfrm flipV="1">
+              <a:off x="1523404" y="4581128"/>
+              <a:ext cx="0" cy="288032"/>
+            </a:xfrm>
+            <a:prstGeom prst="straightConnector1">
+              <a:avLst/>
+            </a:prstGeom>
+            <a:ln w="38100">
+              <a:solidFill>
+                <a:schemeClr val="accent1"/>
+              </a:solidFill>
+              <a:tailEnd type="arrow"/>
+            </a:ln>
+          </p:spPr>
+          <p:style>
+            <a:lnRef idx="1">
+              <a:schemeClr val="accent1"/>
+            </a:lnRef>
+            <a:fillRef idx="0">
+              <a:schemeClr val="accent1"/>
+            </a:fillRef>
+            <a:effectRef idx="0">
+              <a:schemeClr val="accent1"/>
+            </a:effectRef>
+            <a:fontRef idx="minor">
+              <a:schemeClr val="tx1"/>
+            </a:fontRef>
+          </p:style>
+        </p:cxnSp>
+      </p:grpSp>
+    </p:spTree>
+    <p:extLst>
+      <p:ext uri="{BB962C8B-B14F-4D97-AF65-F5344CB8AC3E}">
+        <p14:creationId xmlns:p14="http://schemas.microsoft.com/office/powerpoint/2010/main" val="4157251795"/>
+      </p:ext>
+    </p:extLst>
+  </p:cSld>
+  <p:clrMapOvr>
+    <a:masterClrMapping/>
+  </p:clrMapOvr>
+  <p:timing>
+    <p:tnLst>
+      <p:par>
+        <p:cTn id="1" dur="indefinite" restart="never" nodeType="tmRoot"/>
+      </p:par>
+    </p:tnLst>
+  </p:timing>
+</p:sld>
+</file>
+
+<file path=ppt/slides/slide30.xml><?xml version="1.0" encoding="utf-8"?>
 <p:sld xmlns:a="http://schemas.openxmlformats.org/drawingml/2006/main" xmlns:r="http://schemas.openxmlformats.org/officeDocument/2006/relationships" xmlns:p="http://schemas.openxmlformats.org/presentationml/2006/main">
   <p:cSld>
     <p:spTree>
@@ -24306,167 +25001,7 @@
 </p:sld>
 </file>
 
-<file path=ppt/slides/slide3.xml><?xml version="1.0" encoding="utf-8"?>
-<p:sld xmlns:a="http://schemas.openxmlformats.org/drawingml/2006/main" xmlns:r="http://schemas.openxmlformats.org/officeDocument/2006/relationships" xmlns:p="http://schemas.openxmlformats.org/presentationml/2006/main">
-  <p:cSld>
-    <p:spTree>
-      <p:nvGrpSpPr>
-        <p:cNvPr id="1" name=""/>
-        <p:cNvGrpSpPr/>
-        <p:nvPr/>
-      </p:nvGrpSpPr>
-      <p:grpSpPr>
-        <a:xfrm>
-          <a:off x="0" y="0"/>
-          <a:ext cx="0" cy="0"/>
-          <a:chOff x="0" y="0"/>
-          <a:chExt cx="0" cy="0"/>
-        </a:xfrm>
-      </p:grpSpPr>
-      <p:grpSp>
-        <p:nvGrpSpPr>
-          <p:cNvPr id="2" name="グループ化 1"/>
-          <p:cNvGrpSpPr/>
-          <p:nvPr/>
-        </p:nvGrpSpPr>
-        <p:grpSpPr>
-          <a:xfrm>
-            <a:off x="828675" y="604838"/>
-            <a:ext cx="7486650" cy="5648325"/>
-            <a:chOff x="828675" y="604838"/>
-            <a:chExt cx="7486650" cy="5648325"/>
-          </a:xfrm>
-        </p:grpSpPr>
-        <p:pic>
-          <p:nvPicPr>
-            <p:cNvPr id="1027" name="Picture 3"/>
-            <p:cNvPicPr>
-              <a:picLocks noChangeAspect="1" noChangeArrowheads="1"/>
-            </p:cNvPicPr>
-            <p:nvPr/>
-          </p:nvPicPr>
-          <p:blipFill>
-            <a:blip r:embed="rId2">
-              <a:extLst>
-                <a:ext uri="{28A0092B-C50C-407E-A947-70E740481C1C}">
-                  <a14:useLocalDpi xmlns:a14="http://schemas.microsoft.com/office/drawing/2010/main" val="0"/>
-                </a:ext>
-              </a:extLst>
-            </a:blip>
-            <a:srcRect/>
-            <a:stretch>
-              <a:fillRect/>
-            </a:stretch>
-          </p:blipFill>
-          <p:spPr bwMode="auto">
-            <a:xfrm>
-              <a:off x="828675" y="604838"/>
-              <a:ext cx="7486650" cy="5648325"/>
-            </a:xfrm>
-            <a:prstGeom prst="rect">
-              <a:avLst/>
-            </a:prstGeom>
-            <a:noFill/>
-            <a:ln>
-              <a:noFill/>
-            </a:ln>
-            <a:extLst>
-              <a:ext uri="{909E8E84-426E-40DD-AFC4-6F175D3DCCD1}">
-                <a14:hiddenFill xmlns:a14="http://schemas.microsoft.com/office/drawing/2010/main">
-                  <a:solidFill>
-                    <a:schemeClr val="accent1"/>
-                  </a:solidFill>
-                </a14:hiddenFill>
-              </a:ext>
-              <a:ext uri="{91240B29-F687-4F45-9708-019B960494DF}">
-                <a14:hiddenLine xmlns:a14="http://schemas.microsoft.com/office/drawing/2010/main" w="9525">
-                  <a:solidFill>
-                    <a:schemeClr val="tx1"/>
-                  </a:solidFill>
-                  <a:miter lim="800000"/>
-                  <a:headEnd/>
-                  <a:tailEnd/>
-                </a14:hiddenLine>
-              </a:ext>
-            </a:extLst>
-          </p:spPr>
-        </p:pic>
-        <p:pic>
-          <p:nvPicPr>
-            <p:cNvPr id="2051" name="Picture 3"/>
-            <p:cNvPicPr>
-              <a:picLocks noChangeAspect="1" noChangeArrowheads="1"/>
-            </p:cNvPicPr>
-            <p:nvPr/>
-          </p:nvPicPr>
-          <p:blipFill>
-            <a:blip r:embed="rId3">
-              <a:extLst>
-                <a:ext uri="{28A0092B-C50C-407E-A947-70E740481C1C}">
-                  <a14:useLocalDpi xmlns:a14="http://schemas.microsoft.com/office/drawing/2010/main" val="0"/>
-                </a:ext>
-              </a:extLst>
-            </a:blip>
-            <a:srcRect/>
-            <a:stretch>
-              <a:fillRect/>
-            </a:stretch>
-          </p:blipFill>
-          <p:spPr bwMode="auto">
-            <a:xfrm>
-              <a:off x="859846" y="620688"/>
-              <a:ext cx="3829050" cy="247650"/>
-            </a:xfrm>
-            <a:prstGeom prst="rect">
-              <a:avLst/>
-            </a:prstGeom>
-            <a:noFill/>
-            <a:ln>
-              <a:noFill/>
-            </a:ln>
-            <a:extLst>
-              <a:ext uri="{909E8E84-426E-40DD-AFC4-6F175D3DCCD1}">
-                <a14:hiddenFill xmlns:a14="http://schemas.microsoft.com/office/drawing/2010/main">
-                  <a:solidFill>
-                    <a:schemeClr val="accent1"/>
-                  </a:solidFill>
-                </a14:hiddenFill>
-              </a:ext>
-              <a:ext uri="{91240B29-F687-4F45-9708-019B960494DF}">
-                <a14:hiddenLine xmlns:a14="http://schemas.microsoft.com/office/drawing/2010/main" w="9525">
-                  <a:solidFill>
-                    <a:schemeClr val="tx1"/>
-                  </a:solidFill>
-                  <a:miter lim="800000"/>
-                  <a:headEnd/>
-                  <a:tailEnd/>
-                </a14:hiddenLine>
-              </a:ext>
-            </a:extLst>
-          </p:spPr>
-        </p:pic>
-      </p:grpSp>
-    </p:spTree>
-    <p:extLst>
-      <p:ext uri="{BB962C8B-B14F-4D97-AF65-F5344CB8AC3E}">
-        <p14:creationId xmlns:p14="http://schemas.microsoft.com/office/powerpoint/2010/main" val="3012983944"/>
-      </p:ext>
-    </p:extLst>
-  </p:cSld>
-  <p:clrMapOvr>
-    <a:masterClrMapping/>
-  </p:clrMapOvr>
-  <p:timing>
-    <p:tnLst>
-      <p:par>
-        <p:cTn id="1" dur="indefinite" restart="never" nodeType="tmRoot"/>
-      </p:par>
-    </p:tnLst>
-  </p:timing>
-</p:sld>
-</file>
-
-<file path=ppt/slides/slide30.xml><?xml version="1.0" encoding="utf-8"?>
+<file path=ppt/slides/slide31.xml><?xml version="1.0" encoding="utf-8"?>
 <p:sld xmlns:a="http://schemas.openxmlformats.org/drawingml/2006/main" xmlns:r="http://schemas.openxmlformats.org/officeDocument/2006/relationships" xmlns:p="http://schemas.openxmlformats.org/presentationml/2006/main">
   <p:cSld>
     <p:spTree>
@@ -25133,6 +25668,115 @@
           </p:txBody>
         </p:sp>
       </p:grpSp>
+      <p:grpSp>
+        <p:nvGrpSpPr>
+          <p:cNvPr id="16" name="グループ化 15"/>
+          <p:cNvGrpSpPr/>
+          <p:nvPr/>
+        </p:nvGrpSpPr>
+        <p:grpSpPr>
+          <a:xfrm>
+            <a:off x="2934510" y="4923258"/>
+            <a:ext cx="2228850" cy="1266825"/>
+            <a:chOff x="5723947" y="743653"/>
+            <a:chExt cx="2228850" cy="1266825"/>
+          </a:xfrm>
+        </p:grpSpPr>
+        <p:pic>
+          <p:nvPicPr>
+            <p:cNvPr id="17" name="Picture 2"/>
+            <p:cNvPicPr>
+              <a:picLocks noChangeAspect="1" noChangeArrowheads="1"/>
+            </p:cNvPicPr>
+            <p:nvPr/>
+          </p:nvPicPr>
+          <p:blipFill>
+            <a:blip r:embed="rId10">
+              <a:extLst>
+                <a:ext uri="{28A0092B-C50C-407E-A947-70E740481C1C}">
+                  <a14:useLocalDpi xmlns:a14="http://schemas.microsoft.com/office/drawing/2010/main" val="0"/>
+                </a:ext>
+              </a:extLst>
+            </a:blip>
+            <a:srcRect/>
+            <a:stretch>
+              <a:fillRect/>
+            </a:stretch>
+          </p:blipFill>
+          <p:spPr bwMode="auto">
+            <a:xfrm>
+              <a:off x="5723947" y="743653"/>
+              <a:ext cx="2228850" cy="1266825"/>
+            </a:xfrm>
+            <a:prstGeom prst="rect">
+              <a:avLst/>
+            </a:prstGeom>
+            <a:noFill/>
+            <a:ln>
+              <a:noFill/>
+            </a:ln>
+            <a:extLst>
+              <a:ext uri="{909E8E84-426E-40DD-AFC4-6F175D3DCCD1}">
+                <a14:hiddenFill xmlns:a14="http://schemas.microsoft.com/office/drawing/2010/main">
+                  <a:solidFill>
+                    <a:schemeClr val="accent1"/>
+                  </a:solidFill>
+                </a14:hiddenFill>
+              </a:ext>
+              <a:ext uri="{91240B29-F687-4F45-9708-019B960494DF}">
+                <a14:hiddenLine xmlns:a14="http://schemas.microsoft.com/office/drawing/2010/main" w="9525">
+                  <a:solidFill>
+                    <a:schemeClr val="tx1"/>
+                  </a:solidFill>
+                  <a:miter lim="800000"/>
+                  <a:headEnd/>
+                  <a:tailEnd/>
+                </a14:hiddenLine>
+              </a:ext>
+            </a:extLst>
+          </p:spPr>
+        </p:pic>
+        <p:sp>
+          <p:nvSpPr>
+            <p:cNvPr id="18" name="正方形/長方形 17"/>
+            <p:cNvSpPr/>
+            <p:nvPr/>
+          </p:nvSpPr>
+          <p:spPr>
+            <a:xfrm>
+              <a:off x="7085168" y="916486"/>
+              <a:ext cx="364962" cy="460579"/>
+            </a:xfrm>
+            <a:prstGeom prst="rect">
+              <a:avLst/>
+            </a:prstGeom>
+            <a:noFill/>
+            <a:ln w="57150"/>
+          </p:spPr>
+          <p:style>
+            <a:lnRef idx="2">
+              <a:schemeClr val="accent6"/>
+            </a:lnRef>
+            <a:fillRef idx="1">
+              <a:schemeClr val="lt1"/>
+            </a:fillRef>
+            <a:effectRef idx="0">
+              <a:schemeClr val="accent6"/>
+            </a:effectRef>
+            <a:fontRef idx="minor">
+              <a:schemeClr val="dk1"/>
+            </a:fontRef>
+          </p:style>
+          <p:txBody>
+            <a:bodyPr rtlCol="0" anchor="ctr"/>
+            <a:lstStyle/>
+            <a:p>
+              <a:pPr algn="ctr"/>
+              <a:endParaRPr kumimoji="1" lang="ja-JP" altLang="en-US"/>
+            </a:p>
+          </p:txBody>
+        </p:sp>
+      </p:grpSp>
     </p:spTree>
     <p:extLst>
       <p:ext uri="{BB962C8B-B14F-4D97-AF65-F5344CB8AC3E}">
@@ -25147,6 +25791,166 @@
 </file>
 
 <file path=ppt/slides/slide4.xml><?xml version="1.0" encoding="utf-8"?>
+<p:sld xmlns:a="http://schemas.openxmlformats.org/drawingml/2006/main" xmlns:r="http://schemas.openxmlformats.org/officeDocument/2006/relationships" xmlns:p="http://schemas.openxmlformats.org/presentationml/2006/main">
+  <p:cSld>
+    <p:spTree>
+      <p:nvGrpSpPr>
+        <p:cNvPr id="1" name=""/>
+        <p:cNvGrpSpPr/>
+        <p:nvPr/>
+      </p:nvGrpSpPr>
+      <p:grpSpPr>
+        <a:xfrm>
+          <a:off x="0" y="0"/>
+          <a:ext cx="0" cy="0"/>
+          <a:chOff x="0" y="0"/>
+          <a:chExt cx="0" cy="0"/>
+        </a:xfrm>
+      </p:grpSpPr>
+      <p:grpSp>
+        <p:nvGrpSpPr>
+          <p:cNvPr id="2" name="グループ化 1"/>
+          <p:cNvGrpSpPr/>
+          <p:nvPr/>
+        </p:nvGrpSpPr>
+        <p:grpSpPr>
+          <a:xfrm>
+            <a:off x="828675" y="604838"/>
+            <a:ext cx="7486650" cy="5648325"/>
+            <a:chOff x="828675" y="604838"/>
+            <a:chExt cx="7486650" cy="5648325"/>
+          </a:xfrm>
+        </p:grpSpPr>
+        <p:pic>
+          <p:nvPicPr>
+            <p:cNvPr id="1027" name="Picture 3"/>
+            <p:cNvPicPr>
+              <a:picLocks noChangeAspect="1" noChangeArrowheads="1"/>
+            </p:cNvPicPr>
+            <p:nvPr/>
+          </p:nvPicPr>
+          <p:blipFill>
+            <a:blip r:embed="rId2">
+              <a:extLst>
+                <a:ext uri="{28A0092B-C50C-407E-A947-70E740481C1C}">
+                  <a14:useLocalDpi xmlns:a14="http://schemas.microsoft.com/office/drawing/2010/main" val="0"/>
+                </a:ext>
+              </a:extLst>
+            </a:blip>
+            <a:srcRect/>
+            <a:stretch>
+              <a:fillRect/>
+            </a:stretch>
+          </p:blipFill>
+          <p:spPr bwMode="auto">
+            <a:xfrm>
+              <a:off x="828675" y="604838"/>
+              <a:ext cx="7486650" cy="5648325"/>
+            </a:xfrm>
+            <a:prstGeom prst="rect">
+              <a:avLst/>
+            </a:prstGeom>
+            <a:noFill/>
+            <a:ln>
+              <a:noFill/>
+            </a:ln>
+            <a:extLst>
+              <a:ext uri="{909E8E84-426E-40DD-AFC4-6F175D3DCCD1}">
+                <a14:hiddenFill xmlns:a14="http://schemas.microsoft.com/office/drawing/2010/main">
+                  <a:solidFill>
+                    <a:schemeClr val="accent1"/>
+                  </a:solidFill>
+                </a14:hiddenFill>
+              </a:ext>
+              <a:ext uri="{91240B29-F687-4F45-9708-019B960494DF}">
+                <a14:hiddenLine xmlns:a14="http://schemas.microsoft.com/office/drawing/2010/main" w="9525">
+                  <a:solidFill>
+                    <a:schemeClr val="tx1"/>
+                  </a:solidFill>
+                  <a:miter lim="800000"/>
+                  <a:headEnd/>
+                  <a:tailEnd/>
+                </a14:hiddenLine>
+              </a:ext>
+            </a:extLst>
+          </p:spPr>
+        </p:pic>
+        <p:pic>
+          <p:nvPicPr>
+            <p:cNvPr id="2051" name="Picture 3"/>
+            <p:cNvPicPr>
+              <a:picLocks noChangeAspect="1" noChangeArrowheads="1"/>
+            </p:cNvPicPr>
+            <p:nvPr/>
+          </p:nvPicPr>
+          <p:blipFill>
+            <a:blip r:embed="rId3">
+              <a:extLst>
+                <a:ext uri="{28A0092B-C50C-407E-A947-70E740481C1C}">
+                  <a14:useLocalDpi xmlns:a14="http://schemas.microsoft.com/office/drawing/2010/main" val="0"/>
+                </a:ext>
+              </a:extLst>
+            </a:blip>
+            <a:srcRect/>
+            <a:stretch>
+              <a:fillRect/>
+            </a:stretch>
+          </p:blipFill>
+          <p:spPr bwMode="auto">
+            <a:xfrm>
+              <a:off x="859846" y="620688"/>
+              <a:ext cx="3829050" cy="247650"/>
+            </a:xfrm>
+            <a:prstGeom prst="rect">
+              <a:avLst/>
+            </a:prstGeom>
+            <a:noFill/>
+            <a:ln>
+              <a:noFill/>
+            </a:ln>
+            <a:extLst>
+              <a:ext uri="{909E8E84-426E-40DD-AFC4-6F175D3DCCD1}">
+                <a14:hiddenFill xmlns:a14="http://schemas.microsoft.com/office/drawing/2010/main">
+                  <a:solidFill>
+                    <a:schemeClr val="accent1"/>
+                  </a:solidFill>
+                </a14:hiddenFill>
+              </a:ext>
+              <a:ext uri="{91240B29-F687-4F45-9708-019B960494DF}">
+                <a14:hiddenLine xmlns:a14="http://schemas.microsoft.com/office/drawing/2010/main" w="9525">
+                  <a:solidFill>
+                    <a:schemeClr val="tx1"/>
+                  </a:solidFill>
+                  <a:miter lim="800000"/>
+                  <a:headEnd/>
+                  <a:tailEnd/>
+                </a14:hiddenLine>
+              </a:ext>
+            </a:extLst>
+          </p:spPr>
+        </p:pic>
+      </p:grpSp>
+    </p:spTree>
+    <p:extLst>
+      <p:ext uri="{BB962C8B-B14F-4D97-AF65-F5344CB8AC3E}">
+        <p14:creationId xmlns:p14="http://schemas.microsoft.com/office/powerpoint/2010/main" val="3012983944"/>
+      </p:ext>
+    </p:extLst>
+  </p:cSld>
+  <p:clrMapOvr>
+    <a:masterClrMapping/>
+  </p:clrMapOvr>
+  <p:timing>
+    <p:tnLst>
+      <p:par>
+        <p:cTn id="1" dur="indefinite" restart="never" nodeType="tmRoot"/>
+      </p:par>
+    </p:tnLst>
+  </p:timing>
+</p:sld>
+</file>
+
+<file path=ppt/slides/slide5.xml><?xml version="1.0" encoding="utf-8"?>
 <p:sld xmlns:a="http://schemas.openxmlformats.org/drawingml/2006/main" xmlns:r="http://schemas.openxmlformats.org/officeDocument/2006/relationships" xmlns:p="http://schemas.openxmlformats.org/presentationml/2006/main">
   <p:cSld>
     <p:spTree>
@@ -25477,7 +26281,7 @@
 </p:sld>
 </file>
 
-<file path=ppt/slides/slide5.xml><?xml version="1.0" encoding="utf-8"?>
+<file path=ppt/slides/slide6.xml><?xml version="1.0" encoding="utf-8"?>
 <p:sld xmlns:a="http://schemas.openxmlformats.org/drawingml/2006/main" xmlns:r="http://schemas.openxmlformats.org/officeDocument/2006/relationships" xmlns:p="http://schemas.openxmlformats.org/presentationml/2006/main">
   <p:cSld>
     <p:spTree>
@@ -25866,7 +26670,7 @@
 </p:sld>
 </file>
 
-<file path=ppt/slides/slide6.xml><?xml version="1.0" encoding="utf-8"?>
+<file path=ppt/slides/slide7.xml><?xml version="1.0" encoding="utf-8"?>
 <p:sld xmlns:a="http://schemas.openxmlformats.org/drawingml/2006/main" xmlns:r="http://schemas.openxmlformats.org/officeDocument/2006/relationships" xmlns:p="http://schemas.openxmlformats.org/presentationml/2006/main">
   <p:cSld>
     <p:spTree>
@@ -26391,7 +27195,7 @@
 </p:sld>
 </file>
 
-<file path=ppt/slides/slide7.xml><?xml version="1.0" encoding="utf-8"?>
+<file path=ppt/slides/slide8.xml><?xml version="1.0" encoding="utf-8"?>
 <p:sld xmlns:a="http://schemas.openxmlformats.org/drawingml/2006/main" xmlns:r="http://schemas.openxmlformats.org/officeDocument/2006/relationships" xmlns:p="http://schemas.openxmlformats.org/presentationml/2006/main">
   <p:cSld>
     <p:spTree>
@@ -26743,7 +27547,7 @@
 </p:sld>
 </file>
 
-<file path=ppt/slides/slide8.xml><?xml version="1.0" encoding="utf-8"?>
+<file path=ppt/slides/slide9.xml><?xml version="1.0" encoding="utf-8"?>
 <p:sld xmlns:a="http://schemas.openxmlformats.org/drawingml/2006/main" xmlns:r="http://schemas.openxmlformats.org/officeDocument/2006/relationships" xmlns:p="http://schemas.openxmlformats.org/presentationml/2006/main">
   <p:cSld>
     <p:spTree>
@@ -27040,389 +27844,6 @@
     <p:extLst>
       <p:ext uri="{BB962C8B-B14F-4D97-AF65-F5344CB8AC3E}">
         <p14:creationId xmlns:p14="http://schemas.microsoft.com/office/powerpoint/2010/main" val="3483803343"/>
-      </p:ext>
-    </p:extLst>
-  </p:cSld>
-  <p:clrMapOvr>
-    <a:masterClrMapping/>
-  </p:clrMapOvr>
-</p:sld>
-</file>
-
-<file path=ppt/slides/slide9.xml><?xml version="1.0" encoding="utf-8"?>
-<p:sld xmlns:a="http://schemas.openxmlformats.org/drawingml/2006/main" xmlns:r="http://schemas.openxmlformats.org/officeDocument/2006/relationships" xmlns:p="http://schemas.openxmlformats.org/presentationml/2006/main">
-  <p:cSld>
-    <p:spTree>
-      <p:nvGrpSpPr>
-        <p:cNvPr id="1" name=""/>
-        <p:cNvGrpSpPr/>
-        <p:nvPr/>
-      </p:nvGrpSpPr>
-      <p:grpSpPr>
-        <a:xfrm>
-          <a:off x="0" y="0"/>
-          <a:ext cx="0" cy="0"/>
-          <a:chOff x="0" y="0"/>
-          <a:chExt cx="0" cy="0"/>
-        </a:xfrm>
-      </p:grpSpPr>
-      <p:grpSp>
-        <p:nvGrpSpPr>
-          <p:cNvPr id="2" name="グループ化 1"/>
-          <p:cNvGrpSpPr/>
-          <p:nvPr/>
-        </p:nvGrpSpPr>
-        <p:grpSpPr>
-          <a:xfrm>
-            <a:off x="828675" y="604838"/>
-            <a:ext cx="7486650" cy="5648325"/>
-            <a:chOff x="828675" y="604838"/>
-            <a:chExt cx="7486650" cy="5648325"/>
-          </a:xfrm>
-        </p:grpSpPr>
-        <p:pic>
-          <p:nvPicPr>
-            <p:cNvPr id="2050" name="Picture 2"/>
-            <p:cNvPicPr>
-              <a:picLocks noChangeAspect="1" noChangeArrowheads="1"/>
-            </p:cNvPicPr>
-            <p:nvPr/>
-          </p:nvPicPr>
-          <p:blipFill>
-            <a:blip r:embed="rId2">
-              <a:extLst>
-                <a:ext uri="{28A0092B-C50C-407E-A947-70E740481C1C}">
-                  <a14:useLocalDpi xmlns:a14="http://schemas.microsoft.com/office/drawing/2010/main" val="0"/>
-                </a:ext>
-              </a:extLst>
-            </a:blip>
-            <a:srcRect/>
-            <a:stretch>
-              <a:fillRect/>
-            </a:stretch>
-          </p:blipFill>
-          <p:spPr bwMode="auto">
-            <a:xfrm>
-              <a:off x="828675" y="604838"/>
-              <a:ext cx="7486650" cy="5648325"/>
-            </a:xfrm>
-            <a:prstGeom prst="rect">
-              <a:avLst/>
-            </a:prstGeom>
-            <a:noFill/>
-            <a:ln>
-              <a:noFill/>
-            </a:ln>
-            <a:extLst>
-              <a:ext uri="{909E8E84-426E-40DD-AFC4-6F175D3DCCD1}">
-                <a14:hiddenFill xmlns:a14="http://schemas.microsoft.com/office/drawing/2010/main">
-                  <a:solidFill>
-                    <a:schemeClr val="accent1"/>
-                  </a:solidFill>
-                </a14:hiddenFill>
-              </a:ext>
-              <a:ext uri="{91240B29-F687-4F45-9708-019B960494DF}">
-                <a14:hiddenLine xmlns:a14="http://schemas.microsoft.com/office/drawing/2010/main" w="9525">
-                  <a:solidFill>
-                    <a:schemeClr val="tx1"/>
-                  </a:solidFill>
-                  <a:miter lim="800000"/>
-                  <a:headEnd/>
-                  <a:tailEnd/>
-                </a14:hiddenLine>
-              </a:ext>
-            </a:extLst>
-          </p:spPr>
-        </p:pic>
-        <p:sp>
-          <p:nvSpPr>
-            <p:cNvPr id="3" name="正方形/長方形 2"/>
-            <p:cNvSpPr/>
-            <p:nvPr/>
-          </p:nvSpPr>
-          <p:spPr>
-            <a:xfrm>
-              <a:off x="5916140" y="3128281"/>
-              <a:ext cx="2304256" cy="474554"/>
-            </a:xfrm>
-            <a:prstGeom prst="rect">
-              <a:avLst/>
-            </a:prstGeom>
-            <a:noFill/>
-            <a:ln>
-              <a:solidFill>
-                <a:srgbClr val="FF0000"/>
-              </a:solidFill>
-            </a:ln>
-          </p:spPr>
-          <p:style>
-            <a:lnRef idx="2">
-              <a:schemeClr val="accent1">
-                <a:shade val="50000"/>
-              </a:schemeClr>
-            </a:lnRef>
-            <a:fillRef idx="1">
-              <a:schemeClr val="accent1"/>
-            </a:fillRef>
-            <a:effectRef idx="0">
-              <a:schemeClr val="accent1"/>
-            </a:effectRef>
-            <a:fontRef idx="minor">
-              <a:schemeClr val="lt1"/>
-            </a:fontRef>
-          </p:style>
-          <p:txBody>
-            <a:bodyPr rtlCol="0" anchor="ctr"/>
-            <a:lstStyle/>
-            <a:p>
-              <a:pPr algn="ctr"/>
-              <a:endParaRPr kumimoji="1" lang="ja-JP" altLang="en-US"/>
-            </a:p>
-          </p:txBody>
-        </p:sp>
-        <p:sp>
-          <p:nvSpPr>
-            <p:cNvPr id="4" name="正方形/長方形 3"/>
-            <p:cNvSpPr/>
-            <p:nvPr/>
-          </p:nvSpPr>
-          <p:spPr>
-            <a:xfrm>
-              <a:off x="5916140" y="5229200"/>
-              <a:ext cx="2304256" cy="474554"/>
-            </a:xfrm>
-            <a:prstGeom prst="rect">
-              <a:avLst/>
-            </a:prstGeom>
-            <a:noFill/>
-            <a:ln>
-              <a:solidFill>
-                <a:srgbClr val="FF0000"/>
-              </a:solidFill>
-            </a:ln>
-          </p:spPr>
-          <p:style>
-            <a:lnRef idx="2">
-              <a:schemeClr val="accent1">
-                <a:shade val="50000"/>
-              </a:schemeClr>
-            </a:lnRef>
-            <a:fillRef idx="1">
-              <a:schemeClr val="accent1"/>
-            </a:fillRef>
-            <a:effectRef idx="0">
-              <a:schemeClr val="accent1"/>
-            </a:effectRef>
-            <a:fontRef idx="minor">
-              <a:schemeClr val="lt1"/>
-            </a:fontRef>
-          </p:style>
-          <p:txBody>
-            <a:bodyPr rtlCol="0" anchor="ctr"/>
-            <a:lstStyle/>
-            <a:p>
-              <a:pPr algn="ctr"/>
-              <a:endParaRPr kumimoji="1" lang="ja-JP" altLang="en-US"/>
-            </a:p>
-          </p:txBody>
-        </p:sp>
-        <p:sp>
-          <p:nvSpPr>
-            <p:cNvPr id="5" name="正方形/長方形 4"/>
-            <p:cNvSpPr/>
-            <p:nvPr/>
-          </p:nvSpPr>
-          <p:spPr>
-            <a:xfrm>
-              <a:off x="5916140" y="3598060"/>
-              <a:ext cx="2304256" cy="474554"/>
-            </a:xfrm>
-            <a:prstGeom prst="rect">
-              <a:avLst/>
-            </a:prstGeom>
-            <a:noFill/>
-            <a:ln>
-              <a:solidFill>
-                <a:srgbClr val="FF0000"/>
-              </a:solidFill>
-            </a:ln>
-          </p:spPr>
-          <p:style>
-            <a:lnRef idx="2">
-              <a:schemeClr val="accent1">
-                <a:shade val="50000"/>
-              </a:schemeClr>
-            </a:lnRef>
-            <a:fillRef idx="1">
-              <a:schemeClr val="accent1"/>
-            </a:fillRef>
-            <a:effectRef idx="0">
-              <a:schemeClr val="accent1"/>
-            </a:effectRef>
-            <a:fontRef idx="minor">
-              <a:schemeClr val="lt1"/>
-            </a:fontRef>
-          </p:style>
-          <p:txBody>
-            <a:bodyPr rtlCol="0" anchor="ctr"/>
-            <a:lstStyle/>
-            <a:p>
-              <a:pPr algn="ctr"/>
-              <a:endParaRPr kumimoji="1" lang="ja-JP" altLang="en-US"/>
-            </a:p>
-          </p:txBody>
-        </p:sp>
-        <p:sp>
-          <p:nvSpPr>
-            <p:cNvPr id="6" name="正方形/長方形 5"/>
-            <p:cNvSpPr/>
-            <p:nvPr/>
-          </p:nvSpPr>
-          <p:spPr>
-            <a:xfrm>
-              <a:off x="7068268" y="1125768"/>
-              <a:ext cx="965089" cy="360040"/>
-            </a:xfrm>
-            <a:prstGeom prst="rect">
-              <a:avLst/>
-            </a:prstGeom>
-            <a:noFill/>
-            <a:ln>
-              <a:solidFill>
-                <a:srgbClr val="FF0000"/>
-              </a:solidFill>
-            </a:ln>
-          </p:spPr>
-          <p:style>
-            <a:lnRef idx="2">
-              <a:schemeClr val="accent1">
-                <a:shade val="50000"/>
-              </a:schemeClr>
-            </a:lnRef>
-            <a:fillRef idx="1">
-              <a:schemeClr val="accent1"/>
-            </a:fillRef>
-            <a:effectRef idx="0">
-              <a:schemeClr val="accent1"/>
-            </a:effectRef>
-            <a:fontRef idx="minor">
-              <a:schemeClr val="lt1"/>
-            </a:fontRef>
-          </p:style>
-          <p:txBody>
-            <a:bodyPr rtlCol="0" anchor="ctr"/>
-            <a:lstStyle/>
-            <a:p>
-              <a:pPr algn="ctr"/>
-              <a:endParaRPr kumimoji="1" lang="ja-JP" altLang="en-US"/>
-            </a:p>
-          </p:txBody>
-        </p:sp>
-        <p:sp>
-          <p:nvSpPr>
-            <p:cNvPr id="7" name="正方形/長方形 6"/>
-            <p:cNvSpPr/>
-            <p:nvPr/>
-          </p:nvSpPr>
-          <p:spPr>
-            <a:xfrm>
-              <a:off x="838422" y="3128280"/>
-              <a:ext cx="4309641" cy="1236823"/>
-            </a:xfrm>
-            <a:prstGeom prst="rect">
-              <a:avLst/>
-            </a:prstGeom>
-            <a:noFill/>
-            <a:ln>
-              <a:solidFill>
-                <a:srgbClr val="FF0000"/>
-              </a:solidFill>
-            </a:ln>
-          </p:spPr>
-          <p:style>
-            <a:lnRef idx="2">
-              <a:schemeClr val="accent1">
-                <a:shade val="50000"/>
-              </a:schemeClr>
-            </a:lnRef>
-            <a:fillRef idx="1">
-              <a:schemeClr val="accent1"/>
-            </a:fillRef>
-            <a:effectRef idx="0">
-              <a:schemeClr val="accent1"/>
-            </a:effectRef>
-            <a:fontRef idx="minor">
-              <a:schemeClr val="lt1"/>
-            </a:fontRef>
-          </p:style>
-          <p:txBody>
-            <a:bodyPr rtlCol="0" anchor="ctr"/>
-            <a:lstStyle/>
-            <a:p>
-              <a:pPr algn="ctr"/>
-              <a:endParaRPr kumimoji="1" lang="ja-JP" altLang="en-US"/>
-            </a:p>
-          </p:txBody>
-        </p:sp>
-        <p:pic>
-          <p:nvPicPr>
-            <p:cNvPr id="8194" name="Picture 2"/>
-            <p:cNvPicPr>
-              <a:picLocks noChangeAspect="1" noChangeArrowheads="1"/>
-            </p:cNvPicPr>
-            <p:nvPr/>
-          </p:nvPicPr>
-          <p:blipFill>
-            <a:blip r:embed="rId3">
-              <a:extLst>
-                <a:ext uri="{28A0092B-C50C-407E-A947-70E740481C1C}">
-                  <a14:useLocalDpi xmlns:a14="http://schemas.microsoft.com/office/drawing/2010/main" val="0"/>
-                </a:ext>
-              </a:extLst>
-            </a:blip>
-            <a:srcRect/>
-            <a:stretch>
-              <a:fillRect/>
-            </a:stretch>
-          </p:blipFill>
-          <p:spPr bwMode="auto">
-            <a:xfrm>
-              <a:off x="838422" y="635730"/>
-              <a:ext cx="2990850" cy="247650"/>
-            </a:xfrm>
-            <a:prstGeom prst="rect">
-              <a:avLst/>
-            </a:prstGeom>
-            <a:noFill/>
-            <a:ln>
-              <a:noFill/>
-            </a:ln>
-            <a:extLst>
-              <a:ext uri="{909E8E84-426E-40DD-AFC4-6F175D3DCCD1}">
-                <a14:hiddenFill xmlns:a14="http://schemas.microsoft.com/office/drawing/2010/main">
-                  <a:solidFill>
-                    <a:schemeClr val="accent1"/>
-                  </a:solidFill>
-                </a14:hiddenFill>
-              </a:ext>
-              <a:ext uri="{91240B29-F687-4F45-9708-019B960494DF}">
-                <a14:hiddenLine xmlns:a14="http://schemas.microsoft.com/office/drawing/2010/main" w="9525">
-                  <a:solidFill>
-                    <a:schemeClr val="tx1"/>
-                  </a:solidFill>
-                  <a:miter lim="800000"/>
-                  <a:headEnd/>
-                  <a:tailEnd/>
-                </a14:hiddenLine>
-              </a:ext>
-            </a:extLst>
-          </p:spPr>
-        </p:pic>
-      </p:grpSp>
-    </p:spTree>
-    <p:extLst>
-      <p:ext uri="{BB962C8B-B14F-4D97-AF65-F5344CB8AC3E}">
-        <p14:creationId xmlns:p14="http://schemas.microsoft.com/office/powerpoint/2010/main" val="4130806423"/>
       </p:ext>
     </p:extLst>
   </p:cSld>
